--- a/Presentation Materials/MVA-ApplicationsOnAzure-07.pptx
+++ b/Presentation Materials/MVA-ApplicationsOnAzure-07.pptx
@@ -5,15 +5,21 @@
     <p:sldMasterId id="2147483660" r:id="rId4"/>
   </p:sldMasterIdLst>
   <p:notesMasterIdLst>
-    <p:notesMasterId r:id="rId8"/>
+    <p:notesMasterId r:id="rId14"/>
   </p:notesMasterIdLst>
   <p:handoutMasterIdLst>
-    <p:handoutMasterId r:id="rId9"/>
+    <p:handoutMasterId r:id="rId15"/>
   </p:handoutMasterIdLst>
   <p:sldIdLst>
     <p:sldId id="277" r:id="rId5"/>
     <p:sldId id="278" r:id="rId6"/>
     <p:sldId id="282" r:id="rId7"/>
+    <p:sldId id="285" r:id="rId8"/>
+    <p:sldId id="283" r:id="rId9"/>
+    <p:sldId id="287" r:id="rId10"/>
+    <p:sldId id="284" r:id="rId11"/>
+    <p:sldId id="286" r:id="rId12"/>
+    <p:sldId id="288" r:id="rId13"/>
   </p:sldIdLst>
   <p:sldSz cx="12192000" cy="6858000"/>
   <p:notesSz cx="6858000" cy="9144000"/>
@@ -205,7 +211,7 @@
           <a:p>
             <a:fld id="{312E7B4A-039C-48A2-9B2C-AF16AA3873D8}" type="datetimeFigureOut">
               <a:rPr lang="en-US" smtClean="0"/>
-              <a:t>10/14/2015</a:t>
+              <a:t>11/6/2015</a:t>
             </a:fld>
             <a:endParaRPr lang="en-US"/>
           </a:p>
@@ -370,7 +376,7 @@
           <a:p>
             <a:fld id="{DA005A0C-54D9-45AA-87D4-C551D08DFCE1}" type="datetimeFigureOut">
               <a:rPr lang="en-US" smtClean="0"/>
-              <a:t>10/14/2015</a:t>
+              <a:t>11/6/2015</a:t>
             </a:fld>
             <a:endParaRPr lang="en-US"/>
           </a:p>
@@ -895,6 +901,362 @@
     <p:extLst>
       <p:ext uri="{BB962C8B-B14F-4D97-AF65-F5344CB8AC3E}">
         <p14:creationId xmlns:p14="http://schemas.microsoft.com/office/powerpoint/2010/main" val="1692121609"/>
+      </p:ext>
+    </p:extLst>
+  </p:cSld>
+  <p:clrMapOvr>
+    <a:masterClrMapping/>
+  </p:clrMapOvr>
+</p:notes>
+</file>
+
+<file path=ppt/notesSlides/notesSlide4.xml><?xml version="1.0" encoding="utf-8"?>
+<p:notes xmlns:a="http://schemas.openxmlformats.org/drawingml/2006/main" xmlns:r="http://schemas.openxmlformats.org/officeDocument/2006/relationships" xmlns:p="http://schemas.openxmlformats.org/presentationml/2006/main">
+  <p:cSld>
+    <p:spTree>
+      <p:nvGrpSpPr>
+        <p:cNvPr id="1" name=""/>
+        <p:cNvGrpSpPr/>
+        <p:nvPr/>
+      </p:nvGrpSpPr>
+      <p:grpSpPr>
+        <a:xfrm>
+          <a:off x="0" y="0"/>
+          <a:ext cx="0" cy="0"/>
+          <a:chOff x="0" y="0"/>
+          <a:chExt cx="0" cy="0"/>
+        </a:xfrm>
+      </p:grpSpPr>
+      <p:sp>
+        <p:nvSpPr>
+          <p:cNvPr id="2" name="Slide Image Placeholder 1"/>
+          <p:cNvSpPr>
+            <a:spLocks noGrp="1" noRot="1" noChangeAspect="1"/>
+          </p:cNvSpPr>
+          <p:nvPr>
+            <p:ph type="sldImg"/>
+          </p:nvPr>
+        </p:nvSpPr>
+        <p:spPr/>
+      </p:sp>
+      <p:sp>
+        <p:nvSpPr>
+          <p:cNvPr id="3" name="Notes Placeholder 2"/>
+          <p:cNvSpPr>
+            <a:spLocks noGrp="1"/>
+          </p:cNvSpPr>
+          <p:nvPr>
+            <p:ph type="body" idx="1"/>
+          </p:nvPr>
+        </p:nvSpPr>
+        <p:spPr/>
+        <p:txBody>
+          <a:bodyPr/>
+          <a:lstStyle/>
+          <a:p>
+            <a:endParaRPr lang="en-US"/>
+          </a:p>
+        </p:txBody>
+      </p:sp>
+      <p:sp>
+        <p:nvSpPr>
+          <p:cNvPr id="4" name="Slide Number Placeholder 3"/>
+          <p:cNvSpPr>
+            <a:spLocks noGrp="1"/>
+          </p:cNvSpPr>
+          <p:nvPr>
+            <p:ph type="sldNum" sz="quarter" idx="10"/>
+          </p:nvPr>
+        </p:nvSpPr>
+        <p:spPr/>
+        <p:txBody>
+          <a:bodyPr/>
+          <a:lstStyle/>
+          <a:p>
+            <a:fld id="{4CFD207A-07DF-40AD-A916-9872E089CE7A}" type="slidenum">
+              <a:rPr lang="en-US" smtClean="0"/>
+              <a:t>4</a:t>
+            </a:fld>
+            <a:endParaRPr lang="en-US"/>
+          </a:p>
+        </p:txBody>
+      </p:sp>
+    </p:spTree>
+    <p:extLst>
+      <p:ext uri="{BB962C8B-B14F-4D97-AF65-F5344CB8AC3E}">
+        <p14:creationId xmlns:p14="http://schemas.microsoft.com/office/powerpoint/2010/main" val="1019202955"/>
+      </p:ext>
+    </p:extLst>
+  </p:cSld>
+  <p:clrMapOvr>
+    <a:masterClrMapping/>
+  </p:clrMapOvr>
+</p:notes>
+</file>
+
+<file path=ppt/notesSlides/notesSlide5.xml><?xml version="1.0" encoding="utf-8"?>
+<p:notes xmlns:a="http://schemas.openxmlformats.org/drawingml/2006/main" xmlns:r="http://schemas.openxmlformats.org/officeDocument/2006/relationships" xmlns:p="http://schemas.openxmlformats.org/presentationml/2006/main">
+  <p:cSld>
+    <p:spTree>
+      <p:nvGrpSpPr>
+        <p:cNvPr id="1" name=""/>
+        <p:cNvGrpSpPr/>
+        <p:nvPr/>
+      </p:nvGrpSpPr>
+      <p:grpSpPr>
+        <a:xfrm>
+          <a:off x="0" y="0"/>
+          <a:ext cx="0" cy="0"/>
+          <a:chOff x="0" y="0"/>
+          <a:chExt cx="0" cy="0"/>
+        </a:xfrm>
+      </p:grpSpPr>
+      <p:sp>
+        <p:nvSpPr>
+          <p:cNvPr id="2" name="Slide Image Placeholder 1"/>
+          <p:cNvSpPr>
+            <a:spLocks noGrp="1" noRot="1" noChangeAspect="1"/>
+          </p:cNvSpPr>
+          <p:nvPr>
+            <p:ph type="sldImg"/>
+          </p:nvPr>
+        </p:nvSpPr>
+        <p:spPr/>
+      </p:sp>
+      <p:sp>
+        <p:nvSpPr>
+          <p:cNvPr id="3" name="Notes Placeholder 2"/>
+          <p:cNvSpPr>
+            <a:spLocks noGrp="1"/>
+          </p:cNvSpPr>
+          <p:nvPr>
+            <p:ph type="body" idx="1"/>
+          </p:nvPr>
+        </p:nvSpPr>
+        <p:spPr/>
+        <p:txBody>
+          <a:bodyPr/>
+          <a:lstStyle/>
+          <a:p>
+            <a:endParaRPr lang="en-US"/>
+          </a:p>
+        </p:txBody>
+      </p:sp>
+      <p:sp>
+        <p:nvSpPr>
+          <p:cNvPr id="4" name="Slide Number Placeholder 3"/>
+          <p:cNvSpPr>
+            <a:spLocks noGrp="1"/>
+          </p:cNvSpPr>
+          <p:nvPr>
+            <p:ph type="sldNum" sz="quarter" idx="10"/>
+          </p:nvPr>
+        </p:nvSpPr>
+        <p:spPr/>
+        <p:txBody>
+          <a:bodyPr/>
+          <a:lstStyle/>
+          <a:p>
+            <a:fld id="{4CFD207A-07DF-40AD-A916-9872E089CE7A}" type="slidenum">
+              <a:rPr lang="en-US" smtClean="0"/>
+              <a:t>5</a:t>
+            </a:fld>
+            <a:endParaRPr lang="en-US"/>
+          </a:p>
+        </p:txBody>
+      </p:sp>
+    </p:spTree>
+    <p:extLst>
+      <p:ext uri="{BB962C8B-B14F-4D97-AF65-F5344CB8AC3E}">
+        <p14:creationId xmlns:p14="http://schemas.microsoft.com/office/powerpoint/2010/main" val="1779713633"/>
+      </p:ext>
+    </p:extLst>
+  </p:cSld>
+  <p:clrMapOvr>
+    <a:masterClrMapping/>
+  </p:clrMapOvr>
+</p:notes>
+</file>
+
+<file path=ppt/notesSlides/notesSlide6.xml><?xml version="1.0" encoding="utf-8"?>
+<p:notes xmlns:a="http://schemas.openxmlformats.org/drawingml/2006/main" xmlns:r="http://schemas.openxmlformats.org/officeDocument/2006/relationships" xmlns:p="http://schemas.openxmlformats.org/presentationml/2006/main">
+  <p:cSld>
+    <p:spTree>
+      <p:nvGrpSpPr>
+        <p:cNvPr id="1" name=""/>
+        <p:cNvGrpSpPr/>
+        <p:nvPr/>
+      </p:nvGrpSpPr>
+      <p:grpSpPr>
+        <a:xfrm>
+          <a:off x="0" y="0"/>
+          <a:ext cx="0" cy="0"/>
+          <a:chOff x="0" y="0"/>
+          <a:chExt cx="0" cy="0"/>
+        </a:xfrm>
+      </p:grpSpPr>
+      <p:sp>
+        <p:nvSpPr>
+          <p:cNvPr id="2" name="Slide Image Placeholder 1"/>
+          <p:cNvSpPr>
+            <a:spLocks noGrp="1" noRot="1" noChangeAspect="1"/>
+          </p:cNvSpPr>
+          <p:nvPr>
+            <p:ph type="sldImg"/>
+          </p:nvPr>
+        </p:nvSpPr>
+        <p:spPr/>
+      </p:sp>
+      <p:sp>
+        <p:nvSpPr>
+          <p:cNvPr id="3" name="Notes Placeholder 2"/>
+          <p:cNvSpPr>
+            <a:spLocks noGrp="1"/>
+          </p:cNvSpPr>
+          <p:nvPr>
+            <p:ph type="body" idx="1"/>
+          </p:nvPr>
+        </p:nvSpPr>
+        <p:spPr/>
+        <p:txBody>
+          <a:bodyPr/>
+          <a:lstStyle/>
+          <a:p>
+            <a:r>
+              <a:rPr lang="en-US" dirty="0" smtClean="0"/>
+              <a:t>Not hard:</a:t>
+            </a:r>
+          </a:p>
+          <a:p>
+            <a:r>
+              <a:rPr lang="en-US" dirty="0" smtClean="0"/>
+              <a:t> - don’t have to set</a:t>
+            </a:r>
+            <a:r>
+              <a:rPr lang="en-US" baseline="0" dirty="0" smtClean="0"/>
+              <a:t> up a lab/infrastructure</a:t>
+            </a:r>
+          </a:p>
+          <a:p>
+            <a:r>
+              <a:rPr lang="en-US" baseline="0" dirty="0" smtClean="0"/>
+              <a:t> - samples to get you started</a:t>
+            </a:r>
+            <a:endParaRPr lang="en-US" dirty="0"/>
+          </a:p>
+        </p:txBody>
+      </p:sp>
+      <p:sp>
+        <p:nvSpPr>
+          <p:cNvPr id="4" name="Slide Number Placeholder 3"/>
+          <p:cNvSpPr>
+            <a:spLocks noGrp="1"/>
+          </p:cNvSpPr>
+          <p:nvPr>
+            <p:ph type="sldNum" sz="quarter" idx="10"/>
+          </p:nvPr>
+        </p:nvSpPr>
+        <p:spPr/>
+        <p:txBody>
+          <a:bodyPr/>
+          <a:lstStyle/>
+          <a:p>
+            <a:fld id="{4CFD207A-07DF-40AD-A916-9872E089CE7A}" type="slidenum">
+              <a:rPr lang="en-US" smtClean="0"/>
+              <a:t>7</a:t>
+            </a:fld>
+            <a:endParaRPr lang="en-US"/>
+          </a:p>
+        </p:txBody>
+      </p:sp>
+    </p:spTree>
+    <p:extLst>
+      <p:ext uri="{BB962C8B-B14F-4D97-AF65-F5344CB8AC3E}">
+        <p14:creationId xmlns:p14="http://schemas.microsoft.com/office/powerpoint/2010/main" val="3285353515"/>
+      </p:ext>
+    </p:extLst>
+  </p:cSld>
+  <p:clrMapOvr>
+    <a:masterClrMapping/>
+  </p:clrMapOvr>
+</p:notes>
+</file>
+
+<file path=ppt/notesSlides/notesSlide7.xml><?xml version="1.0" encoding="utf-8"?>
+<p:notes xmlns:a="http://schemas.openxmlformats.org/drawingml/2006/main" xmlns:r="http://schemas.openxmlformats.org/officeDocument/2006/relationships" xmlns:p="http://schemas.openxmlformats.org/presentationml/2006/main">
+  <p:cSld>
+    <p:spTree>
+      <p:nvGrpSpPr>
+        <p:cNvPr id="1" name=""/>
+        <p:cNvGrpSpPr/>
+        <p:nvPr/>
+      </p:nvGrpSpPr>
+      <p:grpSpPr>
+        <a:xfrm>
+          <a:off x="0" y="0"/>
+          <a:ext cx="0" cy="0"/>
+          <a:chOff x="0" y="0"/>
+          <a:chExt cx="0" cy="0"/>
+        </a:xfrm>
+      </p:grpSpPr>
+      <p:sp>
+        <p:nvSpPr>
+          <p:cNvPr id="2" name="Slide Image Placeholder 1"/>
+          <p:cNvSpPr>
+            <a:spLocks noGrp="1" noRot="1" noChangeAspect="1"/>
+          </p:cNvSpPr>
+          <p:nvPr>
+            <p:ph type="sldImg"/>
+          </p:nvPr>
+        </p:nvSpPr>
+        <p:spPr/>
+      </p:sp>
+      <p:sp>
+        <p:nvSpPr>
+          <p:cNvPr id="3" name="Notes Placeholder 2"/>
+          <p:cNvSpPr>
+            <a:spLocks noGrp="1"/>
+          </p:cNvSpPr>
+          <p:nvPr>
+            <p:ph type="body" idx="1"/>
+          </p:nvPr>
+        </p:nvSpPr>
+        <p:spPr/>
+        <p:txBody>
+          <a:bodyPr/>
+          <a:lstStyle/>
+          <a:p>
+            <a:endParaRPr lang="en-US"/>
+          </a:p>
+        </p:txBody>
+      </p:sp>
+      <p:sp>
+        <p:nvSpPr>
+          <p:cNvPr id="4" name="Slide Number Placeholder 3"/>
+          <p:cNvSpPr>
+            <a:spLocks noGrp="1"/>
+          </p:cNvSpPr>
+          <p:nvPr>
+            <p:ph type="sldNum" sz="quarter" idx="10"/>
+          </p:nvPr>
+        </p:nvSpPr>
+        <p:spPr/>
+        <p:txBody>
+          <a:bodyPr/>
+          <a:lstStyle/>
+          <a:p>
+            <a:fld id="{4CFD207A-07DF-40AD-A916-9872E089CE7A}" type="slidenum">
+              <a:rPr lang="en-US" smtClean="0"/>
+              <a:t>8</a:t>
+            </a:fld>
+            <a:endParaRPr lang="en-US"/>
+          </a:p>
+        </p:txBody>
+      </p:sp>
+    </p:spTree>
+    <p:extLst>
+      <p:ext uri="{BB962C8B-B14F-4D97-AF65-F5344CB8AC3E}">
+        <p14:creationId xmlns:p14="http://schemas.microsoft.com/office/powerpoint/2010/main" val="2575293329"/>
       </p:ext>
     </p:extLst>
   </p:cSld>
@@ -3686,7 +4048,6 @@
               <a:rPr lang="en-US" dirty="0"/>
               <a:t>Scaling Your Application Under Load</a:t>
             </a:r>
-            <a:endParaRPr lang="en-US" dirty="0"/>
           </a:p>
         </p:txBody>
       </p:sp>
@@ -3784,19 +4145,21 @@
           <a:p>
             <a:r>
               <a:rPr lang="en-GB" dirty="0" smtClean="0"/>
-              <a:t>Topic One</a:t>
-            </a:r>
+              <a:t>Horizontal vs Vertical Scaling</a:t>
+            </a:r>
+            <a:endParaRPr lang="en-GB" dirty="0" smtClean="0"/>
           </a:p>
           <a:p>
             <a:r>
               <a:rPr lang="en-GB" dirty="0" smtClean="0"/>
-              <a:t>Topic Two</a:t>
-            </a:r>
+              <a:t>Architecture Concerns</a:t>
+            </a:r>
+            <a:endParaRPr lang="en-GB" dirty="0" smtClean="0"/>
           </a:p>
           <a:p>
             <a:r>
               <a:rPr lang="en-GB" dirty="0" smtClean="0"/>
-              <a:t>Topic Three</a:t>
+              <a:t>Stress Testing to Find Bottlenecks</a:t>
             </a:r>
             <a:endParaRPr lang="en-GB" dirty="0"/>
           </a:p>
@@ -3818,40 +4181,8 @@
           <a:lstStyle/>
           <a:p>
             <a:r>
-              <a:rPr lang="en-US" smtClean="0"/>
+              <a:rPr lang="en-US" dirty="0" smtClean="0"/>
               <a:t>Module Overview</a:t>
-            </a:r>
-            <a:endParaRPr lang="en-US" dirty="0"/>
-          </a:p>
-        </p:txBody>
-      </p:sp>
-      <p:sp>
-        <p:nvSpPr>
-          <p:cNvPr id="4" name="TextBox 3"/>
-          <p:cNvSpPr txBox="1"/>
-          <p:nvPr/>
-        </p:nvSpPr>
-        <p:spPr>
-          <a:xfrm>
-            <a:off x="4432363" y="1155171"/>
-            <a:ext cx="3671248" cy="646331"/>
-          </a:xfrm>
-          <a:prstGeom prst="rect">
-            <a:avLst/>
-          </a:prstGeom>
-          <a:solidFill>
-            <a:srgbClr val="FFFF00"/>
-          </a:solidFill>
-        </p:spPr>
-        <p:txBody>
-          <a:bodyPr wrap="square" rtlCol="0">
-            <a:spAutoFit/>
-          </a:bodyPr>
-          <a:lstStyle/>
-          <a:p>
-            <a:r>
-              <a:rPr lang="en-US" dirty="0" smtClean="0"/>
-              <a:t>Please make sure there’s a “Module Overview” slide for every module</a:t>
             </a:r>
             <a:endParaRPr lang="en-US" dirty="0"/>
           </a:p>
@@ -3958,7 +4289,7 @@
           <a:p>
             <a:r>
               <a:rPr lang="en-US" dirty="0" smtClean="0"/>
-              <a:t>Lesson slide</a:t>
+              <a:t>Theories of Scale – Vertical </a:t>
             </a:r>
             <a:endParaRPr lang="en-US" dirty="0"/>
           </a:p>
@@ -3979,7 +4310,28 @@
           <a:bodyPr/>
           <a:lstStyle/>
           <a:p>
-            <a:endParaRPr lang="en-US" dirty="0"/>
+            <a:r>
+              <a:rPr lang="en-US" dirty="0" smtClean="0"/>
+              <a:t>Big apps need big power</a:t>
+            </a:r>
+          </a:p>
+          <a:p>
+            <a:r>
+              <a:rPr lang="en-US" dirty="0"/>
+              <a:t>Simplified architecture</a:t>
+            </a:r>
+          </a:p>
+          <a:p>
+            <a:r>
+              <a:rPr lang="en-US" dirty="0" smtClean="0"/>
+              <a:t>Hard disks are cheap</a:t>
+            </a:r>
+          </a:p>
+          <a:p>
+            <a:r>
+              <a:rPr lang="en-US" dirty="0" smtClean="0"/>
+              <a:t>Processors are cheap</a:t>
+            </a:r>
           </a:p>
         </p:txBody>
       </p:sp>
@@ -4030,6 +4382,129 @@
           </a:p>
         </p:txBody>
       </p:sp>
+      <p:pic>
+        <p:nvPicPr>
+          <p:cNvPr id="1026" name="Picture 2" descr="http://www.clipartbest.com/cliparts/9Tp/LxM/9TpLxMrTE.png"/>
+          <p:cNvPicPr>
+            <a:picLocks noChangeAspect="1" noChangeArrowheads="1"/>
+          </p:cNvPicPr>
+          <p:nvPr/>
+        </p:nvPicPr>
+        <p:blipFill>
+          <a:blip r:embed="rId3" cstate="print">
+            <a:extLst>
+              <a:ext uri="{28A0092B-C50C-407E-A947-70E740481C1C}">
+                <a14:useLocalDpi xmlns:a14="http://schemas.microsoft.com/office/drawing/2010/main" val="0"/>
+              </a:ext>
+            </a:extLst>
+          </a:blip>
+          <a:srcRect/>
+          <a:stretch>
+            <a:fillRect/>
+          </a:stretch>
+        </p:blipFill>
+        <p:spPr bwMode="auto">
+          <a:xfrm>
+            <a:off x="6326909" y="3619500"/>
+            <a:ext cx="1201015" cy="1863644"/>
+          </a:xfrm>
+          <a:prstGeom prst="rect">
+            <a:avLst/>
+          </a:prstGeom>
+          <a:noFill/>
+          <a:extLst>
+            <a:ext uri="{909E8E84-426E-40DD-AFC4-6F175D3DCCD1}">
+              <a14:hiddenFill xmlns:a14="http://schemas.microsoft.com/office/drawing/2010/main">
+                <a:solidFill>
+                  <a:srgbClr val="FFFFFF"/>
+                </a:solidFill>
+              </a14:hiddenFill>
+            </a:ext>
+          </a:extLst>
+        </p:spPr>
+      </p:pic>
+      <p:pic>
+        <p:nvPicPr>
+          <p:cNvPr id="6" name="Picture 2" descr="http://www.clipartbest.com/cliparts/9Tp/LxM/9TpLxMrTE.png"/>
+          <p:cNvPicPr>
+            <a:picLocks noChangeAspect="1" noChangeArrowheads="1"/>
+          </p:cNvPicPr>
+          <p:nvPr/>
+        </p:nvPicPr>
+        <p:blipFill>
+          <a:blip r:embed="rId4">
+            <a:extLst>
+              <a:ext uri="{28A0092B-C50C-407E-A947-70E740481C1C}">
+                <a14:useLocalDpi xmlns:a14="http://schemas.microsoft.com/office/drawing/2010/main" val="0"/>
+              </a:ext>
+            </a:extLst>
+          </a:blip>
+          <a:srcRect/>
+          <a:stretch>
+            <a:fillRect/>
+          </a:stretch>
+        </p:blipFill>
+        <p:spPr bwMode="auto">
+          <a:xfrm>
+            <a:off x="5867401" y="2509195"/>
+            <a:ext cx="2632074" cy="4084253"/>
+          </a:xfrm>
+          <a:prstGeom prst="rect">
+            <a:avLst/>
+          </a:prstGeom>
+          <a:noFill/>
+          <a:extLst>
+            <a:ext uri="{909E8E84-426E-40DD-AFC4-6F175D3DCCD1}">
+              <a14:hiddenFill xmlns:a14="http://schemas.microsoft.com/office/drawing/2010/main">
+                <a:solidFill>
+                  <a:srgbClr val="FFFFFF"/>
+                </a:solidFill>
+              </a14:hiddenFill>
+            </a:ext>
+          </a:extLst>
+        </p:spPr>
+      </p:pic>
+      <p:pic>
+        <p:nvPicPr>
+          <p:cNvPr id="7" name="Picture 2" descr="http://www.clipartbest.com/cliparts/9Tp/LxM/9TpLxMrTE.png"/>
+          <p:cNvPicPr>
+            <a:picLocks noChangeAspect="1" noChangeArrowheads="1"/>
+          </p:cNvPicPr>
+          <p:nvPr/>
+        </p:nvPicPr>
+        <p:blipFill>
+          <a:blip r:embed="rId4">
+            <a:extLst>
+              <a:ext uri="{28A0092B-C50C-407E-A947-70E740481C1C}">
+                <a14:useLocalDpi xmlns:a14="http://schemas.microsoft.com/office/drawing/2010/main" val="0"/>
+              </a:ext>
+            </a:extLst>
+          </a:blip>
+          <a:srcRect/>
+          <a:stretch>
+            <a:fillRect/>
+          </a:stretch>
+        </p:blipFill>
+        <p:spPr bwMode="auto">
+          <a:xfrm>
+            <a:off x="7669214" y="2509195"/>
+            <a:ext cx="2632074" cy="4084253"/>
+          </a:xfrm>
+          <a:prstGeom prst="rect">
+            <a:avLst/>
+          </a:prstGeom>
+          <a:noFill/>
+          <a:extLst>
+            <a:ext uri="{909E8E84-426E-40DD-AFC4-6F175D3DCCD1}">
+              <a14:hiddenFill xmlns:a14="http://schemas.microsoft.com/office/drawing/2010/main">
+                <a:solidFill>
+                  <a:srgbClr val="FFFFFF"/>
+                </a:solidFill>
+              </a14:hiddenFill>
+            </a:ext>
+          </a:extLst>
+        </p:spPr>
+      </p:pic>
     </p:spTree>
     <p:extLst>
       <p:ext uri="{BB962C8B-B14F-4D97-AF65-F5344CB8AC3E}">
@@ -4043,7 +4518,3578 @@
   <p:timing>
     <p:tnLst>
       <p:par>
+        <p:cTn id="1" dur="indefinite" restart="never" nodeType="tmRoot">
+          <p:childTnLst>
+            <p:seq concurrent="1" nextAc="seek">
+              <p:cTn id="2" dur="indefinite" nodeType="mainSeq">
+                <p:childTnLst>
+                  <p:par>
+                    <p:cTn id="3" fill="hold">
+                      <p:stCondLst>
+                        <p:cond delay="indefinite"/>
+                      </p:stCondLst>
+                      <p:childTnLst>
+                        <p:par>
+                          <p:cTn id="4" fill="hold">
+                            <p:stCondLst>
+                              <p:cond delay="0"/>
+                            </p:stCondLst>
+                            <p:childTnLst>
+                              <p:par>
+                                <p:cTn id="5" presetID="1" presetClass="entr" presetSubtype="0" fill="hold" nodeType="clickEffect">
+                                  <p:stCondLst>
+                                    <p:cond delay="0"/>
+                                  </p:stCondLst>
+                                  <p:childTnLst>
+                                    <p:set>
+                                      <p:cBhvr>
+                                        <p:cTn id="6" dur="1" fill="hold">
+                                          <p:stCondLst>
+                                            <p:cond delay="0"/>
+                                          </p:stCondLst>
+                                        </p:cTn>
+                                        <p:tgtEl>
+                                          <p:spTgt spid="3">
+                                            <p:txEl>
+                                              <p:pRg st="0" end="0"/>
+                                            </p:txEl>
+                                          </p:spTgt>
+                                        </p:tgtEl>
+                                        <p:attrNameLst>
+                                          <p:attrName>style.visibility</p:attrName>
+                                        </p:attrNameLst>
+                                      </p:cBhvr>
+                                      <p:to>
+                                        <p:strVal val="visible"/>
+                                      </p:to>
+                                    </p:set>
+                                  </p:childTnLst>
+                                </p:cTn>
+                              </p:par>
+                            </p:childTnLst>
+                          </p:cTn>
+                        </p:par>
+                      </p:childTnLst>
+                    </p:cTn>
+                  </p:par>
+                  <p:par>
+                    <p:cTn id="7" fill="hold">
+                      <p:stCondLst>
+                        <p:cond delay="indefinite"/>
+                      </p:stCondLst>
+                      <p:childTnLst>
+                        <p:par>
+                          <p:cTn id="8" fill="hold">
+                            <p:stCondLst>
+                              <p:cond delay="0"/>
+                            </p:stCondLst>
+                            <p:childTnLst>
+                              <p:par>
+                                <p:cTn id="9" presetID="1" presetClass="entr" presetSubtype="0" fill="hold" nodeType="clickEffect">
+                                  <p:stCondLst>
+                                    <p:cond delay="0"/>
+                                  </p:stCondLst>
+                                  <p:childTnLst>
+                                    <p:set>
+                                      <p:cBhvr>
+                                        <p:cTn id="10" dur="1" fill="hold">
+                                          <p:stCondLst>
+                                            <p:cond delay="0"/>
+                                          </p:stCondLst>
+                                        </p:cTn>
+                                        <p:tgtEl>
+                                          <p:spTgt spid="3">
+                                            <p:txEl>
+                                              <p:pRg st="1" end="1"/>
+                                            </p:txEl>
+                                          </p:spTgt>
+                                        </p:tgtEl>
+                                        <p:attrNameLst>
+                                          <p:attrName>style.visibility</p:attrName>
+                                        </p:attrNameLst>
+                                      </p:cBhvr>
+                                      <p:to>
+                                        <p:strVal val="visible"/>
+                                      </p:to>
+                                    </p:set>
+                                  </p:childTnLst>
+                                </p:cTn>
+                              </p:par>
+                            </p:childTnLst>
+                          </p:cTn>
+                        </p:par>
+                      </p:childTnLst>
+                    </p:cTn>
+                  </p:par>
+                  <p:par>
+                    <p:cTn id="11" fill="hold">
+                      <p:stCondLst>
+                        <p:cond delay="indefinite"/>
+                      </p:stCondLst>
+                      <p:childTnLst>
+                        <p:par>
+                          <p:cTn id="12" fill="hold">
+                            <p:stCondLst>
+                              <p:cond delay="0"/>
+                            </p:stCondLst>
+                            <p:childTnLst>
+                              <p:par>
+                                <p:cTn id="13" presetID="1" presetClass="entr" presetSubtype="0" fill="hold" nodeType="clickEffect">
+                                  <p:stCondLst>
+                                    <p:cond delay="0"/>
+                                  </p:stCondLst>
+                                  <p:childTnLst>
+                                    <p:set>
+                                      <p:cBhvr>
+                                        <p:cTn id="14" dur="1" fill="hold">
+                                          <p:stCondLst>
+                                            <p:cond delay="0"/>
+                                          </p:stCondLst>
+                                        </p:cTn>
+                                        <p:tgtEl>
+                                          <p:spTgt spid="3">
+                                            <p:txEl>
+                                              <p:pRg st="2" end="2"/>
+                                            </p:txEl>
+                                          </p:spTgt>
+                                        </p:tgtEl>
+                                        <p:attrNameLst>
+                                          <p:attrName>style.visibility</p:attrName>
+                                        </p:attrNameLst>
+                                      </p:cBhvr>
+                                      <p:to>
+                                        <p:strVal val="visible"/>
+                                      </p:to>
+                                    </p:set>
+                                  </p:childTnLst>
+                                </p:cTn>
+                              </p:par>
+                            </p:childTnLst>
+                          </p:cTn>
+                        </p:par>
+                      </p:childTnLst>
+                    </p:cTn>
+                  </p:par>
+                  <p:par>
+                    <p:cTn id="15" fill="hold">
+                      <p:stCondLst>
+                        <p:cond delay="indefinite"/>
+                      </p:stCondLst>
+                      <p:childTnLst>
+                        <p:par>
+                          <p:cTn id="16" fill="hold">
+                            <p:stCondLst>
+                              <p:cond delay="0"/>
+                            </p:stCondLst>
+                            <p:childTnLst>
+                              <p:par>
+                                <p:cTn id="17" presetID="1" presetClass="entr" presetSubtype="0" fill="hold" nodeType="clickEffect">
+                                  <p:stCondLst>
+                                    <p:cond delay="0"/>
+                                  </p:stCondLst>
+                                  <p:childTnLst>
+                                    <p:set>
+                                      <p:cBhvr>
+                                        <p:cTn id="18" dur="1" fill="hold">
+                                          <p:stCondLst>
+                                            <p:cond delay="0"/>
+                                          </p:stCondLst>
+                                        </p:cTn>
+                                        <p:tgtEl>
+                                          <p:spTgt spid="3">
+                                            <p:txEl>
+                                              <p:pRg st="3" end="3"/>
+                                            </p:txEl>
+                                          </p:spTgt>
+                                        </p:tgtEl>
+                                        <p:attrNameLst>
+                                          <p:attrName>style.visibility</p:attrName>
+                                        </p:attrNameLst>
+                                      </p:cBhvr>
+                                      <p:to>
+                                        <p:strVal val="visible"/>
+                                      </p:to>
+                                    </p:set>
+                                  </p:childTnLst>
+                                </p:cTn>
+                              </p:par>
+                            </p:childTnLst>
+                          </p:cTn>
+                        </p:par>
+                      </p:childTnLst>
+                    </p:cTn>
+                  </p:par>
+                  <p:par>
+                    <p:cTn id="19" fill="hold">
+                      <p:stCondLst>
+                        <p:cond delay="indefinite"/>
+                      </p:stCondLst>
+                      <p:childTnLst>
+                        <p:par>
+                          <p:cTn id="20" fill="hold">
+                            <p:stCondLst>
+                              <p:cond delay="0"/>
+                            </p:stCondLst>
+                            <p:childTnLst>
+                              <p:par>
+                                <p:cTn id="21" presetID="1" presetClass="entr" presetSubtype="0" fill="hold" nodeType="clickEffect">
+                                  <p:stCondLst>
+                                    <p:cond delay="0"/>
+                                  </p:stCondLst>
+                                  <p:childTnLst>
+                                    <p:set>
+                                      <p:cBhvr>
+                                        <p:cTn id="22" dur="1" fill="hold">
+                                          <p:stCondLst>
+                                            <p:cond delay="0"/>
+                                          </p:stCondLst>
+                                        </p:cTn>
+                                        <p:tgtEl>
+                                          <p:spTgt spid="1026"/>
+                                        </p:tgtEl>
+                                        <p:attrNameLst>
+                                          <p:attrName>style.visibility</p:attrName>
+                                        </p:attrNameLst>
+                                      </p:cBhvr>
+                                      <p:to>
+                                        <p:strVal val="visible"/>
+                                      </p:to>
+                                    </p:set>
+                                  </p:childTnLst>
+                                </p:cTn>
+                              </p:par>
+                            </p:childTnLst>
+                          </p:cTn>
+                        </p:par>
+                      </p:childTnLst>
+                    </p:cTn>
+                  </p:par>
+                  <p:par>
+                    <p:cTn id="23" fill="hold">
+                      <p:stCondLst>
+                        <p:cond delay="indefinite"/>
+                      </p:stCondLst>
+                      <p:childTnLst>
+                        <p:par>
+                          <p:cTn id="24" fill="hold">
+                            <p:stCondLst>
+                              <p:cond delay="0"/>
+                            </p:stCondLst>
+                            <p:childTnLst>
+                              <p:par>
+                                <p:cTn id="25" presetID="1" presetClass="entr" presetSubtype="0" fill="hold" nodeType="clickEffect">
+                                  <p:stCondLst>
+                                    <p:cond delay="0"/>
+                                  </p:stCondLst>
+                                  <p:childTnLst>
+                                    <p:set>
+                                      <p:cBhvr>
+                                        <p:cTn id="26" dur="1" fill="hold">
+                                          <p:stCondLst>
+                                            <p:cond delay="0"/>
+                                          </p:stCondLst>
+                                        </p:cTn>
+                                        <p:tgtEl>
+                                          <p:spTgt spid="6"/>
+                                        </p:tgtEl>
+                                        <p:attrNameLst>
+                                          <p:attrName>style.visibility</p:attrName>
+                                        </p:attrNameLst>
+                                      </p:cBhvr>
+                                      <p:to>
+                                        <p:strVal val="visible"/>
+                                      </p:to>
+                                    </p:set>
+                                  </p:childTnLst>
+                                </p:cTn>
+                              </p:par>
+                            </p:childTnLst>
+                          </p:cTn>
+                        </p:par>
+                      </p:childTnLst>
+                    </p:cTn>
+                  </p:par>
+                  <p:par>
+                    <p:cTn id="27" fill="hold">
+                      <p:stCondLst>
+                        <p:cond delay="indefinite"/>
+                      </p:stCondLst>
+                      <p:childTnLst>
+                        <p:par>
+                          <p:cTn id="28" fill="hold">
+                            <p:stCondLst>
+                              <p:cond delay="0"/>
+                            </p:stCondLst>
+                            <p:childTnLst>
+                              <p:par>
+                                <p:cTn id="29" presetID="1" presetClass="entr" presetSubtype="0" fill="hold" nodeType="clickEffect">
+                                  <p:stCondLst>
+                                    <p:cond delay="0"/>
+                                  </p:stCondLst>
+                                  <p:childTnLst>
+                                    <p:set>
+                                      <p:cBhvr>
+                                        <p:cTn id="30" dur="1" fill="hold">
+                                          <p:stCondLst>
+                                            <p:cond delay="0"/>
+                                          </p:stCondLst>
+                                        </p:cTn>
+                                        <p:tgtEl>
+                                          <p:spTgt spid="7"/>
+                                        </p:tgtEl>
+                                        <p:attrNameLst>
+                                          <p:attrName>style.visibility</p:attrName>
+                                        </p:attrNameLst>
+                                      </p:cBhvr>
+                                      <p:to>
+                                        <p:strVal val="visible"/>
+                                      </p:to>
+                                    </p:set>
+                                  </p:childTnLst>
+                                </p:cTn>
+                              </p:par>
+                            </p:childTnLst>
+                          </p:cTn>
+                        </p:par>
+                      </p:childTnLst>
+                    </p:cTn>
+                  </p:par>
+                </p:childTnLst>
+              </p:cTn>
+              <p:prevCondLst>
+                <p:cond evt="onPrev" delay="0">
+                  <p:tgtEl>
+                    <p:sldTgt/>
+                  </p:tgtEl>
+                </p:cond>
+              </p:prevCondLst>
+              <p:nextCondLst>
+                <p:cond evt="onNext" delay="0">
+                  <p:tgtEl>
+                    <p:sldTgt/>
+                  </p:tgtEl>
+                </p:cond>
+              </p:nextCondLst>
+            </p:seq>
+          </p:childTnLst>
+        </p:cTn>
+      </p:par>
+    </p:tnLst>
+  </p:timing>
+</p:sld>
+</file>
+
+<file path=ppt/slides/slide4.xml><?xml version="1.0" encoding="utf-8"?>
+<p:sld xmlns:a="http://schemas.openxmlformats.org/drawingml/2006/main" xmlns:r="http://schemas.openxmlformats.org/officeDocument/2006/relationships" xmlns:p="http://schemas.openxmlformats.org/presentationml/2006/main">
+  <p:cSld>
+    <p:spTree>
+      <p:nvGrpSpPr>
+        <p:cNvPr id="1" name=""/>
+        <p:cNvGrpSpPr/>
+        <p:nvPr/>
+      </p:nvGrpSpPr>
+      <p:grpSpPr>
+        <a:xfrm>
+          <a:off x="0" y="0"/>
+          <a:ext cx="0" cy="0"/>
+          <a:chOff x="0" y="0"/>
+          <a:chExt cx="0" cy="0"/>
+        </a:xfrm>
+      </p:grpSpPr>
+      <p:sp>
+        <p:nvSpPr>
+          <p:cNvPr id="2" name="Title 1"/>
+          <p:cNvSpPr>
+            <a:spLocks noGrp="1"/>
+          </p:cNvSpPr>
+          <p:nvPr>
+            <p:ph type="title"/>
+          </p:nvPr>
+        </p:nvSpPr>
+        <p:spPr/>
+        <p:txBody>
+          <a:bodyPr/>
+          <a:lstStyle/>
+          <a:p>
+            <a:r>
+              <a:rPr lang="en-US" dirty="0" smtClean="0"/>
+              <a:t>Theories of Scale – Horizontal</a:t>
+            </a:r>
+            <a:endParaRPr lang="en-US" dirty="0"/>
+          </a:p>
+        </p:txBody>
+      </p:sp>
+      <p:sp>
+        <p:nvSpPr>
+          <p:cNvPr id="3" name="Content Placeholder 2"/>
+          <p:cNvSpPr>
+            <a:spLocks noGrp="1"/>
+          </p:cNvSpPr>
+          <p:nvPr>
+            <p:ph sz="quarter" idx="10"/>
+          </p:nvPr>
+        </p:nvSpPr>
+        <p:spPr/>
+        <p:txBody>
+          <a:bodyPr/>
+          <a:lstStyle/>
+          <a:p>
+            <a:r>
+              <a:rPr lang="en-US" dirty="0" smtClean="0"/>
+              <a:t>Small tasks need little power</a:t>
+            </a:r>
+          </a:p>
+          <a:p>
+            <a:r>
+              <a:rPr lang="en-US" dirty="0" smtClean="0"/>
+              <a:t>Well-architected services remain simple</a:t>
+            </a:r>
+          </a:p>
+          <a:p>
+            <a:r>
+              <a:rPr lang="en-US" dirty="0" smtClean="0"/>
+              <a:t>Only pay for storage when you need it</a:t>
+            </a:r>
+          </a:p>
+          <a:p>
+            <a:r>
+              <a:rPr lang="en-US" dirty="0" smtClean="0"/>
+              <a:t>Only pay for processing time you use</a:t>
+            </a:r>
+            <a:endParaRPr lang="en-US" dirty="0"/>
+          </a:p>
+        </p:txBody>
+      </p:sp>
+      <p:sp>
+        <p:nvSpPr>
+          <p:cNvPr id="4" name="TextBox 3"/>
+          <p:cNvSpPr txBox="1"/>
+          <p:nvPr/>
+        </p:nvSpPr>
+        <p:spPr>
+          <a:xfrm>
+            <a:off x="9906000" y="-1"/>
+            <a:ext cx="2286000" cy="2031325"/>
+          </a:xfrm>
+          <a:prstGeom prst="rect">
+            <a:avLst/>
+          </a:prstGeom>
+          <a:solidFill>
+            <a:srgbClr val="FFFF00"/>
+          </a:solidFill>
+          <a:ln>
+            <a:noFill/>
+          </a:ln>
+        </p:spPr>
+        <p:txBody>
+          <a:bodyPr wrap="square" rtlCol="0">
+            <a:spAutoFit/>
+          </a:bodyPr>
+          <a:lstStyle/>
+          <a:p>
+            <a:pPr algn="ctr"/>
+            <a:endParaRPr lang="en-US" dirty="0" smtClean="0"/>
+          </a:p>
+          <a:p>
+            <a:pPr algn="ctr"/>
+            <a:endParaRPr lang="en-US" dirty="0"/>
+          </a:p>
+          <a:p>
+            <a:pPr algn="ctr"/>
+            <a:r>
+              <a:rPr lang="en-US" dirty="0" smtClean="0"/>
+              <a:t>Please leave this area blank to allow for picture in picture recording</a:t>
+            </a:r>
+          </a:p>
+          <a:p>
+            <a:pPr algn="ctr"/>
+            <a:endParaRPr lang="en-US" dirty="0"/>
+          </a:p>
+        </p:txBody>
+      </p:sp>
+      <p:pic>
+        <p:nvPicPr>
+          <p:cNvPr id="1026" name="Picture 2" descr="http://www.clipartbest.com/cliparts/9Tp/LxM/9TpLxMrTE.png"/>
+          <p:cNvPicPr>
+            <a:picLocks noChangeAspect="1" noChangeArrowheads="1"/>
+          </p:cNvPicPr>
+          <p:nvPr/>
+        </p:nvPicPr>
+        <p:blipFill>
+          <a:blip r:embed="rId3" cstate="print">
+            <a:extLst>
+              <a:ext uri="{28A0092B-C50C-407E-A947-70E740481C1C}">
+                <a14:useLocalDpi xmlns:a14="http://schemas.microsoft.com/office/drawing/2010/main" val="0"/>
+              </a:ext>
+            </a:extLst>
+          </a:blip>
+          <a:srcRect/>
+          <a:stretch>
+            <a:fillRect/>
+          </a:stretch>
+        </p:blipFill>
+        <p:spPr bwMode="auto">
+          <a:xfrm>
+            <a:off x="650009" y="4491832"/>
+            <a:ext cx="1201015" cy="1863644"/>
+          </a:xfrm>
+          <a:prstGeom prst="rect">
+            <a:avLst/>
+          </a:prstGeom>
+          <a:noFill/>
+          <a:extLst>
+            <a:ext uri="{909E8E84-426E-40DD-AFC4-6F175D3DCCD1}">
+              <a14:hiddenFill xmlns:a14="http://schemas.microsoft.com/office/drawing/2010/main">
+                <a:solidFill>
+                  <a:srgbClr val="FFFFFF"/>
+                </a:solidFill>
+              </a14:hiddenFill>
+            </a:ext>
+          </a:extLst>
+        </p:spPr>
+      </p:pic>
+      <p:pic>
+        <p:nvPicPr>
+          <p:cNvPr id="6" name="Picture 2" descr="http://www.clipartbest.com/cliparts/9Tp/LxM/9TpLxMrTE.png"/>
+          <p:cNvPicPr>
+            <a:picLocks noChangeAspect="1" noChangeArrowheads="1"/>
+          </p:cNvPicPr>
+          <p:nvPr/>
+        </p:nvPicPr>
+        <p:blipFill>
+          <a:blip r:embed="rId3" cstate="print">
+            <a:extLst>
+              <a:ext uri="{28A0092B-C50C-407E-A947-70E740481C1C}">
+                <a14:useLocalDpi xmlns:a14="http://schemas.microsoft.com/office/drawing/2010/main" val="0"/>
+              </a:ext>
+            </a:extLst>
+          </a:blip>
+          <a:srcRect/>
+          <a:stretch>
+            <a:fillRect/>
+          </a:stretch>
+        </p:blipFill>
+        <p:spPr bwMode="auto">
+          <a:xfrm>
+            <a:off x="1521112" y="4472782"/>
+            <a:ext cx="1201015" cy="1863644"/>
+          </a:xfrm>
+          <a:prstGeom prst="rect">
+            <a:avLst/>
+          </a:prstGeom>
+          <a:noFill/>
+          <a:extLst>
+            <a:ext uri="{909E8E84-426E-40DD-AFC4-6F175D3DCCD1}">
+              <a14:hiddenFill xmlns:a14="http://schemas.microsoft.com/office/drawing/2010/main">
+                <a:solidFill>
+                  <a:srgbClr val="FFFFFF"/>
+                </a:solidFill>
+              </a14:hiddenFill>
+            </a:ext>
+          </a:extLst>
+        </p:spPr>
+      </p:pic>
+      <p:pic>
+        <p:nvPicPr>
+          <p:cNvPr id="7" name="Picture 2" descr="http://www.clipartbest.com/cliparts/9Tp/LxM/9TpLxMrTE.png"/>
+          <p:cNvPicPr>
+            <a:picLocks noChangeAspect="1" noChangeArrowheads="1"/>
+          </p:cNvPicPr>
+          <p:nvPr/>
+        </p:nvPicPr>
+        <p:blipFill>
+          <a:blip r:embed="rId3" cstate="print">
+            <a:extLst>
+              <a:ext uri="{28A0092B-C50C-407E-A947-70E740481C1C}">
+                <a14:useLocalDpi xmlns:a14="http://schemas.microsoft.com/office/drawing/2010/main" val="0"/>
+              </a:ext>
+            </a:extLst>
+          </a:blip>
+          <a:srcRect/>
+          <a:stretch>
+            <a:fillRect/>
+          </a:stretch>
+        </p:blipFill>
+        <p:spPr bwMode="auto">
+          <a:xfrm>
+            <a:off x="2392215" y="4434682"/>
+            <a:ext cx="1201015" cy="1863644"/>
+          </a:xfrm>
+          <a:prstGeom prst="rect">
+            <a:avLst/>
+          </a:prstGeom>
+          <a:noFill/>
+          <a:extLst>
+            <a:ext uri="{909E8E84-426E-40DD-AFC4-6F175D3DCCD1}">
+              <a14:hiddenFill xmlns:a14="http://schemas.microsoft.com/office/drawing/2010/main">
+                <a:solidFill>
+                  <a:srgbClr val="FFFFFF"/>
+                </a:solidFill>
+              </a14:hiddenFill>
+            </a:ext>
+          </a:extLst>
+        </p:spPr>
+      </p:pic>
+      <p:pic>
+        <p:nvPicPr>
+          <p:cNvPr id="8" name="Picture 2" descr="http://www.clipartbest.com/cliparts/9Tp/LxM/9TpLxMrTE.png"/>
+          <p:cNvPicPr>
+            <a:picLocks noChangeAspect="1" noChangeArrowheads="1"/>
+          </p:cNvPicPr>
+          <p:nvPr/>
+        </p:nvPicPr>
+        <p:blipFill>
+          <a:blip r:embed="rId3" cstate="print">
+            <a:extLst>
+              <a:ext uri="{28A0092B-C50C-407E-A947-70E740481C1C}">
+                <a14:useLocalDpi xmlns:a14="http://schemas.microsoft.com/office/drawing/2010/main" val="0"/>
+              </a:ext>
+            </a:extLst>
+          </a:blip>
+          <a:srcRect/>
+          <a:stretch>
+            <a:fillRect/>
+          </a:stretch>
+        </p:blipFill>
+        <p:spPr bwMode="auto">
+          <a:xfrm>
+            <a:off x="3280706" y="4396582"/>
+            <a:ext cx="1201015" cy="1863644"/>
+          </a:xfrm>
+          <a:prstGeom prst="rect">
+            <a:avLst/>
+          </a:prstGeom>
+          <a:noFill/>
+          <a:extLst>
+            <a:ext uri="{909E8E84-426E-40DD-AFC4-6F175D3DCCD1}">
+              <a14:hiddenFill xmlns:a14="http://schemas.microsoft.com/office/drawing/2010/main">
+                <a:solidFill>
+                  <a:srgbClr val="FFFFFF"/>
+                </a:solidFill>
+              </a14:hiddenFill>
+            </a:ext>
+          </a:extLst>
+        </p:spPr>
+      </p:pic>
+      <p:pic>
+        <p:nvPicPr>
+          <p:cNvPr id="9" name="Picture 2" descr="http://www.clipartbest.com/cliparts/9Tp/LxM/9TpLxMrTE.png"/>
+          <p:cNvPicPr>
+            <a:picLocks noChangeAspect="1" noChangeArrowheads="1"/>
+          </p:cNvPicPr>
+          <p:nvPr/>
+        </p:nvPicPr>
+        <p:blipFill>
+          <a:blip r:embed="rId3" cstate="print">
+            <a:extLst>
+              <a:ext uri="{28A0092B-C50C-407E-A947-70E740481C1C}">
+                <a14:useLocalDpi xmlns:a14="http://schemas.microsoft.com/office/drawing/2010/main" val="0"/>
+              </a:ext>
+            </a:extLst>
+          </a:blip>
+          <a:srcRect/>
+          <a:stretch>
+            <a:fillRect/>
+          </a:stretch>
+        </p:blipFill>
+        <p:spPr bwMode="auto">
+          <a:xfrm>
+            <a:off x="4151809" y="4377532"/>
+            <a:ext cx="1201015" cy="1863644"/>
+          </a:xfrm>
+          <a:prstGeom prst="rect">
+            <a:avLst/>
+          </a:prstGeom>
+          <a:noFill/>
+          <a:extLst>
+            <a:ext uri="{909E8E84-426E-40DD-AFC4-6F175D3DCCD1}">
+              <a14:hiddenFill xmlns:a14="http://schemas.microsoft.com/office/drawing/2010/main">
+                <a:solidFill>
+                  <a:srgbClr val="FFFFFF"/>
+                </a:solidFill>
+              </a14:hiddenFill>
+            </a:ext>
+          </a:extLst>
+        </p:spPr>
+      </p:pic>
+      <p:pic>
+        <p:nvPicPr>
+          <p:cNvPr id="10" name="Picture 2" descr="http://www.clipartbest.com/cliparts/9Tp/LxM/9TpLxMrTE.png"/>
+          <p:cNvPicPr>
+            <a:picLocks noChangeAspect="1" noChangeArrowheads="1"/>
+          </p:cNvPicPr>
+          <p:nvPr/>
+        </p:nvPicPr>
+        <p:blipFill>
+          <a:blip r:embed="rId3" cstate="print">
+            <a:extLst>
+              <a:ext uri="{28A0092B-C50C-407E-A947-70E740481C1C}">
+                <a14:useLocalDpi xmlns:a14="http://schemas.microsoft.com/office/drawing/2010/main" val="0"/>
+              </a:ext>
+            </a:extLst>
+          </a:blip>
+          <a:srcRect/>
+          <a:stretch>
+            <a:fillRect/>
+          </a:stretch>
+        </p:blipFill>
+        <p:spPr bwMode="auto">
+          <a:xfrm>
+            <a:off x="5040300" y="4339432"/>
+            <a:ext cx="1201015" cy="1863644"/>
+          </a:xfrm>
+          <a:prstGeom prst="rect">
+            <a:avLst/>
+          </a:prstGeom>
+          <a:noFill/>
+          <a:extLst>
+            <a:ext uri="{909E8E84-426E-40DD-AFC4-6F175D3DCCD1}">
+              <a14:hiddenFill xmlns:a14="http://schemas.microsoft.com/office/drawing/2010/main">
+                <a:solidFill>
+                  <a:srgbClr val="FFFFFF"/>
+                </a:solidFill>
+              </a14:hiddenFill>
+            </a:ext>
+          </a:extLst>
+        </p:spPr>
+      </p:pic>
+      <p:pic>
+        <p:nvPicPr>
+          <p:cNvPr id="11" name="Picture 2" descr="http://www.clipartbest.com/cliparts/9Tp/LxM/9TpLxMrTE.png"/>
+          <p:cNvPicPr>
+            <a:picLocks noChangeAspect="1" noChangeArrowheads="1"/>
+          </p:cNvPicPr>
+          <p:nvPr/>
+        </p:nvPicPr>
+        <p:blipFill>
+          <a:blip r:embed="rId3" cstate="print">
+            <a:extLst>
+              <a:ext uri="{28A0092B-C50C-407E-A947-70E740481C1C}">
+                <a14:useLocalDpi xmlns:a14="http://schemas.microsoft.com/office/drawing/2010/main" val="0"/>
+              </a:ext>
+            </a:extLst>
+          </a:blip>
+          <a:srcRect/>
+          <a:stretch>
+            <a:fillRect/>
+          </a:stretch>
+        </p:blipFill>
+        <p:spPr bwMode="auto">
+          <a:xfrm>
+            <a:off x="5911403" y="4415632"/>
+            <a:ext cx="1201015" cy="1863644"/>
+          </a:xfrm>
+          <a:prstGeom prst="rect">
+            <a:avLst/>
+          </a:prstGeom>
+          <a:noFill/>
+          <a:extLst>
+            <a:ext uri="{909E8E84-426E-40DD-AFC4-6F175D3DCCD1}">
+              <a14:hiddenFill xmlns:a14="http://schemas.microsoft.com/office/drawing/2010/main">
+                <a:solidFill>
+                  <a:srgbClr val="FFFFFF"/>
+                </a:solidFill>
+              </a14:hiddenFill>
+            </a:ext>
+          </a:extLst>
+        </p:spPr>
+      </p:pic>
+      <p:pic>
+        <p:nvPicPr>
+          <p:cNvPr id="12" name="Picture 2" descr="http://www.clipartbest.com/cliparts/9Tp/LxM/9TpLxMrTE.png"/>
+          <p:cNvPicPr>
+            <a:picLocks noChangeAspect="1" noChangeArrowheads="1"/>
+          </p:cNvPicPr>
+          <p:nvPr/>
+        </p:nvPicPr>
+        <p:blipFill>
+          <a:blip r:embed="rId3" cstate="print">
+            <a:extLst>
+              <a:ext uri="{28A0092B-C50C-407E-A947-70E740481C1C}">
+                <a14:useLocalDpi xmlns:a14="http://schemas.microsoft.com/office/drawing/2010/main" val="0"/>
+              </a:ext>
+            </a:extLst>
+          </a:blip>
+          <a:srcRect/>
+          <a:stretch>
+            <a:fillRect/>
+          </a:stretch>
+        </p:blipFill>
+        <p:spPr bwMode="auto">
+          <a:xfrm>
+            <a:off x="6799894" y="4472782"/>
+            <a:ext cx="1201015" cy="1863644"/>
+          </a:xfrm>
+          <a:prstGeom prst="rect">
+            <a:avLst/>
+          </a:prstGeom>
+          <a:noFill/>
+          <a:extLst>
+            <a:ext uri="{909E8E84-426E-40DD-AFC4-6F175D3DCCD1}">
+              <a14:hiddenFill xmlns:a14="http://schemas.microsoft.com/office/drawing/2010/main">
+                <a:solidFill>
+                  <a:srgbClr val="FFFFFF"/>
+                </a:solidFill>
+              </a14:hiddenFill>
+            </a:ext>
+          </a:extLst>
+        </p:spPr>
+      </p:pic>
+      <p:pic>
+        <p:nvPicPr>
+          <p:cNvPr id="13" name="Picture 2" descr="http://www.clipartbest.com/cliparts/9Tp/LxM/9TpLxMrTE.png"/>
+          <p:cNvPicPr>
+            <a:picLocks noChangeAspect="1" noChangeArrowheads="1"/>
+          </p:cNvPicPr>
+          <p:nvPr/>
+        </p:nvPicPr>
+        <p:blipFill>
+          <a:blip r:embed="rId3" cstate="print">
+            <a:extLst>
+              <a:ext uri="{28A0092B-C50C-407E-A947-70E740481C1C}">
+                <a14:useLocalDpi xmlns:a14="http://schemas.microsoft.com/office/drawing/2010/main" val="0"/>
+              </a:ext>
+            </a:extLst>
+          </a:blip>
+          <a:srcRect/>
+          <a:stretch>
+            <a:fillRect/>
+          </a:stretch>
+        </p:blipFill>
+        <p:spPr bwMode="auto">
+          <a:xfrm>
+            <a:off x="7670997" y="4568032"/>
+            <a:ext cx="1201015" cy="1863644"/>
+          </a:xfrm>
+          <a:prstGeom prst="rect">
+            <a:avLst/>
+          </a:prstGeom>
+          <a:noFill/>
+          <a:extLst>
+            <a:ext uri="{909E8E84-426E-40DD-AFC4-6F175D3DCCD1}">
+              <a14:hiddenFill xmlns:a14="http://schemas.microsoft.com/office/drawing/2010/main">
+                <a:solidFill>
+                  <a:srgbClr val="FFFFFF"/>
+                </a:solidFill>
+              </a14:hiddenFill>
+            </a:ext>
+          </a:extLst>
+        </p:spPr>
+      </p:pic>
+      <p:pic>
+        <p:nvPicPr>
+          <p:cNvPr id="14" name="Picture 2" descr="http://www.clipartbest.com/cliparts/9Tp/LxM/9TpLxMrTE.png"/>
+          <p:cNvPicPr>
+            <a:picLocks noChangeAspect="1" noChangeArrowheads="1"/>
+          </p:cNvPicPr>
+          <p:nvPr/>
+        </p:nvPicPr>
+        <p:blipFill>
+          <a:blip r:embed="rId3" cstate="print">
+            <a:extLst>
+              <a:ext uri="{28A0092B-C50C-407E-A947-70E740481C1C}">
+                <a14:useLocalDpi xmlns:a14="http://schemas.microsoft.com/office/drawing/2010/main" val="0"/>
+              </a:ext>
+            </a:extLst>
+          </a:blip>
+          <a:srcRect/>
+          <a:stretch>
+            <a:fillRect/>
+          </a:stretch>
+        </p:blipFill>
+        <p:spPr bwMode="auto">
+          <a:xfrm>
+            <a:off x="8559488" y="4562436"/>
+            <a:ext cx="1201015" cy="1863644"/>
+          </a:xfrm>
+          <a:prstGeom prst="rect">
+            <a:avLst/>
+          </a:prstGeom>
+          <a:noFill/>
+          <a:extLst>
+            <a:ext uri="{909E8E84-426E-40DD-AFC4-6F175D3DCCD1}">
+              <a14:hiddenFill xmlns:a14="http://schemas.microsoft.com/office/drawing/2010/main">
+                <a:solidFill>
+                  <a:srgbClr val="FFFFFF"/>
+                </a:solidFill>
+              </a14:hiddenFill>
+            </a:ext>
+          </a:extLst>
+        </p:spPr>
+      </p:pic>
+      <p:pic>
+        <p:nvPicPr>
+          <p:cNvPr id="15" name="Picture 2" descr="http://www.clipartbest.com/cliparts/9Tp/LxM/9TpLxMrTE.png"/>
+          <p:cNvPicPr>
+            <a:picLocks noChangeAspect="1" noChangeArrowheads="1"/>
+          </p:cNvPicPr>
+          <p:nvPr/>
+        </p:nvPicPr>
+        <p:blipFill>
+          <a:blip r:embed="rId3" cstate="print">
+            <a:extLst>
+              <a:ext uri="{28A0092B-C50C-407E-A947-70E740481C1C}">
+                <a14:useLocalDpi xmlns:a14="http://schemas.microsoft.com/office/drawing/2010/main" val="0"/>
+              </a:ext>
+            </a:extLst>
+          </a:blip>
+          <a:srcRect/>
+          <a:stretch>
+            <a:fillRect/>
+          </a:stretch>
+        </p:blipFill>
+        <p:spPr bwMode="auto">
+          <a:xfrm>
+            <a:off x="9448272" y="4486236"/>
+            <a:ext cx="1201015" cy="1863644"/>
+          </a:xfrm>
+          <a:prstGeom prst="rect">
+            <a:avLst/>
+          </a:prstGeom>
+          <a:noFill/>
+          <a:extLst>
+            <a:ext uri="{909E8E84-426E-40DD-AFC4-6F175D3DCCD1}">
+              <a14:hiddenFill xmlns:a14="http://schemas.microsoft.com/office/drawing/2010/main">
+                <a:solidFill>
+                  <a:srgbClr val="FFFFFF"/>
+                </a:solidFill>
+              </a14:hiddenFill>
+            </a:ext>
+          </a:extLst>
+        </p:spPr>
+      </p:pic>
+      <p:pic>
+        <p:nvPicPr>
+          <p:cNvPr id="16" name="Picture 2" descr="http://www.clipartbest.com/cliparts/9Tp/LxM/9TpLxMrTE.png"/>
+          <p:cNvPicPr>
+            <a:picLocks noChangeAspect="1" noChangeArrowheads="1"/>
+          </p:cNvPicPr>
+          <p:nvPr/>
+        </p:nvPicPr>
+        <p:blipFill>
+          <a:blip r:embed="rId3" cstate="print">
+            <a:extLst>
+              <a:ext uri="{28A0092B-C50C-407E-A947-70E740481C1C}">
+                <a14:useLocalDpi xmlns:a14="http://schemas.microsoft.com/office/drawing/2010/main" val="0"/>
+              </a:ext>
+            </a:extLst>
+          </a:blip>
+          <a:srcRect/>
+          <a:stretch>
+            <a:fillRect/>
+          </a:stretch>
+        </p:blipFill>
+        <p:spPr bwMode="auto">
+          <a:xfrm>
+            <a:off x="10301694" y="4419912"/>
+            <a:ext cx="1201015" cy="1863644"/>
+          </a:xfrm>
+          <a:prstGeom prst="rect">
+            <a:avLst/>
+          </a:prstGeom>
+          <a:noFill/>
+          <a:extLst>
+            <a:ext uri="{909E8E84-426E-40DD-AFC4-6F175D3DCCD1}">
+              <a14:hiddenFill xmlns:a14="http://schemas.microsoft.com/office/drawing/2010/main">
+                <a:solidFill>
+                  <a:srgbClr val="FFFFFF"/>
+                </a:solidFill>
+              </a14:hiddenFill>
+            </a:ext>
+          </a:extLst>
+        </p:spPr>
+      </p:pic>
+    </p:spTree>
+    <p:extLst>
+      <p:ext uri="{BB962C8B-B14F-4D97-AF65-F5344CB8AC3E}">
+        <p14:creationId xmlns:p14="http://schemas.microsoft.com/office/powerpoint/2010/main" val="2978864907"/>
+      </p:ext>
+    </p:extLst>
+  </p:cSld>
+  <p:clrMapOvr>
+    <a:masterClrMapping/>
+  </p:clrMapOvr>
+  <p:timing>
+    <p:tnLst>
+      <p:par>
+        <p:cTn id="1" dur="indefinite" restart="never" nodeType="tmRoot">
+          <p:childTnLst>
+            <p:seq concurrent="1" nextAc="seek">
+              <p:cTn id="2" dur="indefinite" nodeType="mainSeq">
+                <p:childTnLst>
+                  <p:par>
+                    <p:cTn id="3" fill="hold">
+                      <p:stCondLst>
+                        <p:cond delay="indefinite"/>
+                      </p:stCondLst>
+                      <p:childTnLst>
+                        <p:par>
+                          <p:cTn id="4" fill="hold">
+                            <p:stCondLst>
+                              <p:cond delay="0"/>
+                            </p:stCondLst>
+                            <p:childTnLst>
+                              <p:par>
+                                <p:cTn id="5" presetID="1" presetClass="entr" presetSubtype="0" fill="hold" nodeType="clickEffect">
+                                  <p:stCondLst>
+                                    <p:cond delay="0"/>
+                                  </p:stCondLst>
+                                  <p:childTnLst>
+                                    <p:set>
+                                      <p:cBhvr>
+                                        <p:cTn id="6" dur="1" fill="hold">
+                                          <p:stCondLst>
+                                            <p:cond delay="0"/>
+                                          </p:stCondLst>
+                                        </p:cTn>
+                                        <p:tgtEl>
+                                          <p:spTgt spid="3">
+                                            <p:txEl>
+                                              <p:pRg st="0" end="0"/>
+                                            </p:txEl>
+                                          </p:spTgt>
+                                        </p:tgtEl>
+                                        <p:attrNameLst>
+                                          <p:attrName>style.visibility</p:attrName>
+                                        </p:attrNameLst>
+                                      </p:cBhvr>
+                                      <p:to>
+                                        <p:strVal val="visible"/>
+                                      </p:to>
+                                    </p:set>
+                                  </p:childTnLst>
+                                </p:cTn>
+                              </p:par>
+                            </p:childTnLst>
+                          </p:cTn>
+                        </p:par>
+                      </p:childTnLst>
+                    </p:cTn>
+                  </p:par>
+                  <p:par>
+                    <p:cTn id="7" fill="hold">
+                      <p:stCondLst>
+                        <p:cond delay="indefinite"/>
+                      </p:stCondLst>
+                      <p:childTnLst>
+                        <p:par>
+                          <p:cTn id="8" fill="hold">
+                            <p:stCondLst>
+                              <p:cond delay="0"/>
+                            </p:stCondLst>
+                            <p:childTnLst>
+                              <p:par>
+                                <p:cTn id="9" presetID="1" presetClass="entr" presetSubtype="0" fill="hold" nodeType="clickEffect">
+                                  <p:stCondLst>
+                                    <p:cond delay="0"/>
+                                  </p:stCondLst>
+                                  <p:childTnLst>
+                                    <p:set>
+                                      <p:cBhvr>
+                                        <p:cTn id="10" dur="1" fill="hold">
+                                          <p:stCondLst>
+                                            <p:cond delay="0"/>
+                                          </p:stCondLst>
+                                        </p:cTn>
+                                        <p:tgtEl>
+                                          <p:spTgt spid="3">
+                                            <p:txEl>
+                                              <p:pRg st="1" end="1"/>
+                                            </p:txEl>
+                                          </p:spTgt>
+                                        </p:tgtEl>
+                                        <p:attrNameLst>
+                                          <p:attrName>style.visibility</p:attrName>
+                                        </p:attrNameLst>
+                                      </p:cBhvr>
+                                      <p:to>
+                                        <p:strVal val="visible"/>
+                                      </p:to>
+                                    </p:set>
+                                  </p:childTnLst>
+                                </p:cTn>
+                              </p:par>
+                            </p:childTnLst>
+                          </p:cTn>
+                        </p:par>
+                      </p:childTnLst>
+                    </p:cTn>
+                  </p:par>
+                  <p:par>
+                    <p:cTn id="11" fill="hold">
+                      <p:stCondLst>
+                        <p:cond delay="indefinite"/>
+                      </p:stCondLst>
+                      <p:childTnLst>
+                        <p:par>
+                          <p:cTn id="12" fill="hold">
+                            <p:stCondLst>
+                              <p:cond delay="0"/>
+                            </p:stCondLst>
+                            <p:childTnLst>
+                              <p:par>
+                                <p:cTn id="13" presetID="1" presetClass="entr" presetSubtype="0" fill="hold" nodeType="clickEffect">
+                                  <p:stCondLst>
+                                    <p:cond delay="0"/>
+                                  </p:stCondLst>
+                                  <p:childTnLst>
+                                    <p:set>
+                                      <p:cBhvr>
+                                        <p:cTn id="14" dur="1" fill="hold">
+                                          <p:stCondLst>
+                                            <p:cond delay="0"/>
+                                          </p:stCondLst>
+                                        </p:cTn>
+                                        <p:tgtEl>
+                                          <p:spTgt spid="3">
+                                            <p:txEl>
+                                              <p:pRg st="2" end="2"/>
+                                            </p:txEl>
+                                          </p:spTgt>
+                                        </p:tgtEl>
+                                        <p:attrNameLst>
+                                          <p:attrName>style.visibility</p:attrName>
+                                        </p:attrNameLst>
+                                      </p:cBhvr>
+                                      <p:to>
+                                        <p:strVal val="visible"/>
+                                      </p:to>
+                                    </p:set>
+                                  </p:childTnLst>
+                                </p:cTn>
+                              </p:par>
+                            </p:childTnLst>
+                          </p:cTn>
+                        </p:par>
+                      </p:childTnLst>
+                    </p:cTn>
+                  </p:par>
+                  <p:par>
+                    <p:cTn id="15" fill="hold">
+                      <p:stCondLst>
+                        <p:cond delay="indefinite"/>
+                      </p:stCondLst>
+                      <p:childTnLst>
+                        <p:par>
+                          <p:cTn id="16" fill="hold">
+                            <p:stCondLst>
+                              <p:cond delay="0"/>
+                            </p:stCondLst>
+                            <p:childTnLst>
+                              <p:par>
+                                <p:cTn id="17" presetID="1" presetClass="entr" presetSubtype="0" fill="hold" nodeType="clickEffect">
+                                  <p:stCondLst>
+                                    <p:cond delay="0"/>
+                                  </p:stCondLst>
+                                  <p:childTnLst>
+                                    <p:set>
+                                      <p:cBhvr>
+                                        <p:cTn id="18" dur="1" fill="hold">
+                                          <p:stCondLst>
+                                            <p:cond delay="0"/>
+                                          </p:stCondLst>
+                                        </p:cTn>
+                                        <p:tgtEl>
+                                          <p:spTgt spid="3">
+                                            <p:txEl>
+                                              <p:pRg st="3" end="3"/>
+                                            </p:txEl>
+                                          </p:spTgt>
+                                        </p:tgtEl>
+                                        <p:attrNameLst>
+                                          <p:attrName>style.visibility</p:attrName>
+                                        </p:attrNameLst>
+                                      </p:cBhvr>
+                                      <p:to>
+                                        <p:strVal val="visible"/>
+                                      </p:to>
+                                    </p:set>
+                                  </p:childTnLst>
+                                </p:cTn>
+                              </p:par>
+                            </p:childTnLst>
+                          </p:cTn>
+                        </p:par>
+                      </p:childTnLst>
+                    </p:cTn>
+                  </p:par>
+                  <p:par>
+                    <p:cTn id="19" fill="hold">
+                      <p:stCondLst>
+                        <p:cond delay="indefinite"/>
+                      </p:stCondLst>
+                      <p:childTnLst>
+                        <p:par>
+                          <p:cTn id="20" fill="hold">
+                            <p:stCondLst>
+                              <p:cond delay="0"/>
+                            </p:stCondLst>
+                            <p:childTnLst>
+                              <p:par>
+                                <p:cTn id="21" presetID="1" presetClass="entr" presetSubtype="0" fill="hold" nodeType="clickEffect">
+                                  <p:stCondLst>
+                                    <p:cond delay="0"/>
+                                  </p:stCondLst>
+                                  <p:childTnLst>
+                                    <p:set>
+                                      <p:cBhvr>
+                                        <p:cTn id="22" dur="1" fill="hold">
+                                          <p:stCondLst>
+                                            <p:cond delay="0"/>
+                                          </p:stCondLst>
+                                        </p:cTn>
+                                        <p:tgtEl>
+                                          <p:spTgt spid="1026"/>
+                                        </p:tgtEl>
+                                        <p:attrNameLst>
+                                          <p:attrName>style.visibility</p:attrName>
+                                        </p:attrNameLst>
+                                      </p:cBhvr>
+                                      <p:to>
+                                        <p:strVal val="visible"/>
+                                      </p:to>
+                                    </p:set>
+                                  </p:childTnLst>
+                                </p:cTn>
+                              </p:par>
+                            </p:childTnLst>
+                          </p:cTn>
+                        </p:par>
+                      </p:childTnLst>
+                    </p:cTn>
+                  </p:par>
+                  <p:par>
+                    <p:cTn id="23" fill="hold">
+                      <p:stCondLst>
+                        <p:cond delay="indefinite"/>
+                      </p:stCondLst>
+                      <p:childTnLst>
+                        <p:par>
+                          <p:cTn id="24" fill="hold">
+                            <p:stCondLst>
+                              <p:cond delay="0"/>
+                            </p:stCondLst>
+                            <p:childTnLst>
+                              <p:par>
+                                <p:cTn id="25" presetID="10" presetClass="entr" presetSubtype="0" fill="hold" nodeType="clickEffect">
+                                  <p:stCondLst>
+                                    <p:cond delay="0"/>
+                                  </p:stCondLst>
+                                  <p:childTnLst>
+                                    <p:set>
+                                      <p:cBhvr>
+                                        <p:cTn id="26" dur="1" fill="hold">
+                                          <p:stCondLst>
+                                            <p:cond delay="0"/>
+                                          </p:stCondLst>
+                                        </p:cTn>
+                                        <p:tgtEl>
+                                          <p:spTgt spid="6"/>
+                                        </p:tgtEl>
+                                        <p:attrNameLst>
+                                          <p:attrName>style.visibility</p:attrName>
+                                        </p:attrNameLst>
+                                      </p:cBhvr>
+                                      <p:to>
+                                        <p:strVal val="visible"/>
+                                      </p:to>
+                                    </p:set>
+                                    <p:animEffect transition="in" filter="fade">
+                                      <p:cBhvr>
+                                        <p:cTn id="27" dur="250"/>
+                                        <p:tgtEl>
+                                          <p:spTgt spid="6"/>
+                                        </p:tgtEl>
+                                      </p:cBhvr>
+                                    </p:animEffect>
+                                  </p:childTnLst>
+                                </p:cTn>
+                              </p:par>
+                            </p:childTnLst>
+                          </p:cTn>
+                        </p:par>
+                        <p:par>
+                          <p:cTn id="28" fill="hold">
+                            <p:stCondLst>
+                              <p:cond delay="250"/>
+                            </p:stCondLst>
+                            <p:childTnLst>
+                              <p:par>
+                                <p:cTn id="29" presetID="10" presetClass="entr" presetSubtype="0" fill="hold" nodeType="afterEffect">
+                                  <p:stCondLst>
+                                    <p:cond delay="0"/>
+                                  </p:stCondLst>
+                                  <p:childTnLst>
+                                    <p:set>
+                                      <p:cBhvr>
+                                        <p:cTn id="30" dur="1" fill="hold">
+                                          <p:stCondLst>
+                                            <p:cond delay="0"/>
+                                          </p:stCondLst>
+                                        </p:cTn>
+                                        <p:tgtEl>
+                                          <p:spTgt spid="7"/>
+                                        </p:tgtEl>
+                                        <p:attrNameLst>
+                                          <p:attrName>style.visibility</p:attrName>
+                                        </p:attrNameLst>
+                                      </p:cBhvr>
+                                      <p:to>
+                                        <p:strVal val="visible"/>
+                                      </p:to>
+                                    </p:set>
+                                    <p:animEffect transition="in" filter="fade">
+                                      <p:cBhvr>
+                                        <p:cTn id="31" dur="250"/>
+                                        <p:tgtEl>
+                                          <p:spTgt spid="7"/>
+                                        </p:tgtEl>
+                                      </p:cBhvr>
+                                    </p:animEffect>
+                                  </p:childTnLst>
+                                </p:cTn>
+                              </p:par>
+                            </p:childTnLst>
+                          </p:cTn>
+                        </p:par>
+                        <p:par>
+                          <p:cTn id="32" fill="hold">
+                            <p:stCondLst>
+                              <p:cond delay="500"/>
+                            </p:stCondLst>
+                            <p:childTnLst>
+                              <p:par>
+                                <p:cTn id="33" presetID="10" presetClass="entr" presetSubtype="0" fill="hold" nodeType="afterEffect">
+                                  <p:stCondLst>
+                                    <p:cond delay="0"/>
+                                  </p:stCondLst>
+                                  <p:childTnLst>
+                                    <p:set>
+                                      <p:cBhvr>
+                                        <p:cTn id="34" dur="1" fill="hold">
+                                          <p:stCondLst>
+                                            <p:cond delay="0"/>
+                                          </p:stCondLst>
+                                        </p:cTn>
+                                        <p:tgtEl>
+                                          <p:spTgt spid="8"/>
+                                        </p:tgtEl>
+                                        <p:attrNameLst>
+                                          <p:attrName>style.visibility</p:attrName>
+                                        </p:attrNameLst>
+                                      </p:cBhvr>
+                                      <p:to>
+                                        <p:strVal val="visible"/>
+                                      </p:to>
+                                    </p:set>
+                                    <p:animEffect transition="in" filter="fade">
+                                      <p:cBhvr>
+                                        <p:cTn id="35" dur="250"/>
+                                        <p:tgtEl>
+                                          <p:spTgt spid="8"/>
+                                        </p:tgtEl>
+                                      </p:cBhvr>
+                                    </p:animEffect>
+                                  </p:childTnLst>
+                                </p:cTn>
+                              </p:par>
+                            </p:childTnLst>
+                          </p:cTn>
+                        </p:par>
+                        <p:par>
+                          <p:cTn id="36" fill="hold">
+                            <p:stCondLst>
+                              <p:cond delay="750"/>
+                            </p:stCondLst>
+                            <p:childTnLst>
+                              <p:par>
+                                <p:cTn id="37" presetID="10" presetClass="entr" presetSubtype="0" fill="hold" nodeType="afterEffect">
+                                  <p:stCondLst>
+                                    <p:cond delay="0"/>
+                                  </p:stCondLst>
+                                  <p:childTnLst>
+                                    <p:set>
+                                      <p:cBhvr>
+                                        <p:cTn id="38" dur="1" fill="hold">
+                                          <p:stCondLst>
+                                            <p:cond delay="0"/>
+                                          </p:stCondLst>
+                                        </p:cTn>
+                                        <p:tgtEl>
+                                          <p:spTgt spid="9"/>
+                                        </p:tgtEl>
+                                        <p:attrNameLst>
+                                          <p:attrName>style.visibility</p:attrName>
+                                        </p:attrNameLst>
+                                      </p:cBhvr>
+                                      <p:to>
+                                        <p:strVal val="visible"/>
+                                      </p:to>
+                                    </p:set>
+                                    <p:animEffect transition="in" filter="fade">
+                                      <p:cBhvr>
+                                        <p:cTn id="39" dur="250"/>
+                                        <p:tgtEl>
+                                          <p:spTgt spid="9"/>
+                                        </p:tgtEl>
+                                      </p:cBhvr>
+                                    </p:animEffect>
+                                  </p:childTnLst>
+                                </p:cTn>
+                              </p:par>
+                            </p:childTnLst>
+                          </p:cTn>
+                        </p:par>
+                        <p:par>
+                          <p:cTn id="40" fill="hold">
+                            <p:stCondLst>
+                              <p:cond delay="1000"/>
+                            </p:stCondLst>
+                            <p:childTnLst>
+                              <p:par>
+                                <p:cTn id="41" presetID="10" presetClass="entr" presetSubtype="0" fill="hold" nodeType="afterEffect">
+                                  <p:stCondLst>
+                                    <p:cond delay="0"/>
+                                  </p:stCondLst>
+                                  <p:childTnLst>
+                                    <p:set>
+                                      <p:cBhvr>
+                                        <p:cTn id="42" dur="1" fill="hold">
+                                          <p:stCondLst>
+                                            <p:cond delay="0"/>
+                                          </p:stCondLst>
+                                        </p:cTn>
+                                        <p:tgtEl>
+                                          <p:spTgt spid="10"/>
+                                        </p:tgtEl>
+                                        <p:attrNameLst>
+                                          <p:attrName>style.visibility</p:attrName>
+                                        </p:attrNameLst>
+                                      </p:cBhvr>
+                                      <p:to>
+                                        <p:strVal val="visible"/>
+                                      </p:to>
+                                    </p:set>
+                                    <p:animEffect transition="in" filter="fade">
+                                      <p:cBhvr>
+                                        <p:cTn id="43" dur="250"/>
+                                        <p:tgtEl>
+                                          <p:spTgt spid="10"/>
+                                        </p:tgtEl>
+                                      </p:cBhvr>
+                                    </p:animEffect>
+                                  </p:childTnLst>
+                                </p:cTn>
+                              </p:par>
+                            </p:childTnLst>
+                          </p:cTn>
+                        </p:par>
+                        <p:par>
+                          <p:cTn id="44" fill="hold">
+                            <p:stCondLst>
+                              <p:cond delay="1250"/>
+                            </p:stCondLst>
+                            <p:childTnLst>
+                              <p:par>
+                                <p:cTn id="45" presetID="10" presetClass="entr" presetSubtype="0" fill="hold" nodeType="afterEffect">
+                                  <p:stCondLst>
+                                    <p:cond delay="0"/>
+                                  </p:stCondLst>
+                                  <p:childTnLst>
+                                    <p:set>
+                                      <p:cBhvr>
+                                        <p:cTn id="46" dur="1" fill="hold">
+                                          <p:stCondLst>
+                                            <p:cond delay="0"/>
+                                          </p:stCondLst>
+                                        </p:cTn>
+                                        <p:tgtEl>
+                                          <p:spTgt spid="11"/>
+                                        </p:tgtEl>
+                                        <p:attrNameLst>
+                                          <p:attrName>style.visibility</p:attrName>
+                                        </p:attrNameLst>
+                                      </p:cBhvr>
+                                      <p:to>
+                                        <p:strVal val="visible"/>
+                                      </p:to>
+                                    </p:set>
+                                    <p:animEffect transition="in" filter="fade">
+                                      <p:cBhvr>
+                                        <p:cTn id="47" dur="250"/>
+                                        <p:tgtEl>
+                                          <p:spTgt spid="11"/>
+                                        </p:tgtEl>
+                                      </p:cBhvr>
+                                    </p:animEffect>
+                                  </p:childTnLst>
+                                </p:cTn>
+                              </p:par>
+                            </p:childTnLst>
+                          </p:cTn>
+                        </p:par>
+                        <p:par>
+                          <p:cTn id="48" fill="hold">
+                            <p:stCondLst>
+                              <p:cond delay="1500"/>
+                            </p:stCondLst>
+                            <p:childTnLst>
+                              <p:par>
+                                <p:cTn id="49" presetID="10" presetClass="entr" presetSubtype="0" fill="hold" nodeType="afterEffect">
+                                  <p:stCondLst>
+                                    <p:cond delay="0"/>
+                                  </p:stCondLst>
+                                  <p:childTnLst>
+                                    <p:set>
+                                      <p:cBhvr>
+                                        <p:cTn id="50" dur="1" fill="hold">
+                                          <p:stCondLst>
+                                            <p:cond delay="0"/>
+                                          </p:stCondLst>
+                                        </p:cTn>
+                                        <p:tgtEl>
+                                          <p:spTgt spid="12"/>
+                                        </p:tgtEl>
+                                        <p:attrNameLst>
+                                          <p:attrName>style.visibility</p:attrName>
+                                        </p:attrNameLst>
+                                      </p:cBhvr>
+                                      <p:to>
+                                        <p:strVal val="visible"/>
+                                      </p:to>
+                                    </p:set>
+                                    <p:animEffect transition="in" filter="fade">
+                                      <p:cBhvr>
+                                        <p:cTn id="51" dur="250"/>
+                                        <p:tgtEl>
+                                          <p:spTgt spid="12"/>
+                                        </p:tgtEl>
+                                      </p:cBhvr>
+                                    </p:animEffect>
+                                  </p:childTnLst>
+                                </p:cTn>
+                              </p:par>
+                            </p:childTnLst>
+                          </p:cTn>
+                        </p:par>
+                        <p:par>
+                          <p:cTn id="52" fill="hold">
+                            <p:stCondLst>
+                              <p:cond delay="1750"/>
+                            </p:stCondLst>
+                            <p:childTnLst>
+                              <p:par>
+                                <p:cTn id="53" presetID="10" presetClass="entr" presetSubtype="0" fill="hold" nodeType="afterEffect">
+                                  <p:stCondLst>
+                                    <p:cond delay="0"/>
+                                  </p:stCondLst>
+                                  <p:childTnLst>
+                                    <p:set>
+                                      <p:cBhvr>
+                                        <p:cTn id="54" dur="1" fill="hold">
+                                          <p:stCondLst>
+                                            <p:cond delay="0"/>
+                                          </p:stCondLst>
+                                        </p:cTn>
+                                        <p:tgtEl>
+                                          <p:spTgt spid="13"/>
+                                        </p:tgtEl>
+                                        <p:attrNameLst>
+                                          <p:attrName>style.visibility</p:attrName>
+                                        </p:attrNameLst>
+                                      </p:cBhvr>
+                                      <p:to>
+                                        <p:strVal val="visible"/>
+                                      </p:to>
+                                    </p:set>
+                                    <p:animEffect transition="in" filter="fade">
+                                      <p:cBhvr>
+                                        <p:cTn id="55" dur="250"/>
+                                        <p:tgtEl>
+                                          <p:spTgt spid="13"/>
+                                        </p:tgtEl>
+                                      </p:cBhvr>
+                                    </p:animEffect>
+                                  </p:childTnLst>
+                                </p:cTn>
+                              </p:par>
+                            </p:childTnLst>
+                          </p:cTn>
+                        </p:par>
+                        <p:par>
+                          <p:cTn id="56" fill="hold">
+                            <p:stCondLst>
+                              <p:cond delay="2000"/>
+                            </p:stCondLst>
+                            <p:childTnLst>
+                              <p:par>
+                                <p:cTn id="57" presetID="10" presetClass="entr" presetSubtype="0" fill="hold" nodeType="afterEffect">
+                                  <p:stCondLst>
+                                    <p:cond delay="0"/>
+                                  </p:stCondLst>
+                                  <p:childTnLst>
+                                    <p:set>
+                                      <p:cBhvr>
+                                        <p:cTn id="58" dur="1" fill="hold">
+                                          <p:stCondLst>
+                                            <p:cond delay="0"/>
+                                          </p:stCondLst>
+                                        </p:cTn>
+                                        <p:tgtEl>
+                                          <p:spTgt spid="14"/>
+                                        </p:tgtEl>
+                                        <p:attrNameLst>
+                                          <p:attrName>style.visibility</p:attrName>
+                                        </p:attrNameLst>
+                                      </p:cBhvr>
+                                      <p:to>
+                                        <p:strVal val="visible"/>
+                                      </p:to>
+                                    </p:set>
+                                    <p:animEffect transition="in" filter="fade">
+                                      <p:cBhvr>
+                                        <p:cTn id="59" dur="250"/>
+                                        <p:tgtEl>
+                                          <p:spTgt spid="14"/>
+                                        </p:tgtEl>
+                                      </p:cBhvr>
+                                    </p:animEffect>
+                                  </p:childTnLst>
+                                </p:cTn>
+                              </p:par>
+                            </p:childTnLst>
+                          </p:cTn>
+                        </p:par>
+                        <p:par>
+                          <p:cTn id="60" fill="hold">
+                            <p:stCondLst>
+                              <p:cond delay="2250"/>
+                            </p:stCondLst>
+                            <p:childTnLst>
+                              <p:par>
+                                <p:cTn id="61" presetID="10" presetClass="entr" presetSubtype="0" fill="hold" nodeType="afterEffect">
+                                  <p:stCondLst>
+                                    <p:cond delay="0"/>
+                                  </p:stCondLst>
+                                  <p:childTnLst>
+                                    <p:set>
+                                      <p:cBhvr>
+                                        <p:cTn id="62" dur="1" fill="hold">
+                                          <p:stCondLst>
+                                            <p:cond delay="0"/>
+                                          </p:stCondLst>
+                                        </p:cTn>
+                                        <p:tgtEl>
+                                          <p:spTgt spid="15"/>
+                                        </p:tgtEl>
+                                        <p:attrNameLst>
+                                          <p:attrName>style.visibility</p:attrName>
+                                        </p:attrNameLst>
+                                      </p:cBhvr>
+                                      <p:to>
+                                        <p:strVal val="visible"/>
+                                      </p:to>
+                                    </p:set>
+                                    <p:animEffect transition="in" filter="fade">
+                                      <p:cBhvr>
+                                        <p:cTn id="63" dur="250"/>
+                                        <p:tgtEl>
+                                          <p:spTgt spid="15"/>
+                                        </p:tgtEl>
+                                      </p:cBhvr>
+                                    </p:animEffect>
+                                  </p:childTnLst>
+                                </p:cTn>
+                              </p:par>
+                            </p:childTnLst>
+                          </p:cTn>
+                        </p:par>
+                        <p:par>
+                          <p:cTn id="64" fill="hold">
+                            <p:stCondLst>
+                              <p:cond delay="2500"/>
+                            </p:stCondLst>
+                            <p:childTnLst>
+                              <p:par>
+                                <p:cTn id="65" presetID="10" presetClass="entr" presetSubtype="0" fill="hold" nodeType="afterEffect">
+                                  <p:stCondLst>
+                                    <p:cond delay="0"/>
+                                  </p:stCondLst>
+                                  <p:childTnLst>
+                                    <p:set>
+                                      <p:cBhvr>
+                                        <p:cTn id="66" dur="1" fill="hold">
+                                          <p:stCondLst>
+                                            <p:cond delay="0"/>
+                                          </p:stCondLst>
+                                        </p:cTn>
+                                        <p:tgtEl>
+                                          <p:spTgt spid="16"/>
+                                        </p:tgtEl>
+                                        <p:attrNameLst>
+                                          <p:attrName>style.visibility</p:attrName>
+                                        </p:attrNameLst>
+                                      </p:cBhvr>
+                                      <p:to>
+                                        <p:strVal val="visible"/>
+                                      </p:to>
+                                    </p:set>
+                                    <p:animEffect transition="in" filter="fade">
+                                      <p:cBhvr>
+                                        <p:cTn id="67" dur="250"/>
+                                        <p:tgtEl>
+                                          <p:spTgt spid="16"/>
+                                        </p:tgtEl>
+                                      </p:cBhvr>
+                                    </p:animEffect>
+                                  </p:childTnLst>
+                                </p:cTn>
+                              </p:par>
+                            </p:childTnLst>
+                          </p:cTn>
+                        </p:par>
+                      </p:childTnLst>
+                    </p:cTn>
+                  </p:par>
+                </p:childTnLst>
+              </p:cTn>
+              <p:prevCondLst>
+                <p:cond evt="onPrev" delay="0">
+                  <p:tgtEl>
+                    <p:sldTgt/>
+                  </p:tgtEl>
+                </p:cond>
+              </p:prevCondLst>
+              <p:nextCondLst>
+                <p:cond evt="onNext" delay="0">
+                  <p:tgtEl>
+                    <p:sldTgt/>
+                  </p:tgtEl>
+                </p:cond>
+              </p:nextCondLst>
+            </p:seq>
+          </p:childTnLst>
+        </p:cTn>
+      </p:par>
+    </p:tnLst>
+  </p:timing>
+</p:sld>
+</file>
+
+<file path=ppt/slides/slide5.xml><?xml version="1.0" encoding="utf-8"?>
+<p:sld xmlns:a="http://schemas.openxmlformats.org/drawingml/2006/main" xmlns:r="http://schemas.openxmlformats.org/officeDocument/2006/relationships" xmlns:p="http://schemas.openxmlformats.org/presentationml/2006/main">
+  <p:cSld>
+    <p:spTree>
+      <p:nvGrpSpPr>
+        <p:cNvPr id="1" name=""/>
+        <p:cNvGrpSpPr/>
+        <p:nvPr/>
+      </p:nvGrpSpPr>
+      <p:grpSpPr>
+        <a:xfrm>
+          <a:off x="0" y="0"/>
+          <a:ext cx="0" cy="0"/>
+          <a:chOff x="0" y="0"/>
+          <a:chExt cx="0" cy="0"/>
+        </a:xfrm>
+      </p:grpSpPr>
+      <p:sp>
+        <p:nvSpPr>
+          <p:cNvPr id="2" name="Title 1"/>
+          <p:cNvSpPr>
+            <a:spLocks noGrp="1"/>
+          </p:cNvSpPr>
+          <p:nvPr>
+            <p:ph type="title"/>
+          </p:nvPr>
+        </p:nvSpPr>
+        <p:spPr/>
+        <p:txBody>
+          <a:bodyPr/>
+          <a:lstStyle/>
+          <a:p>
+            <a:r>
+              <a:rPr lang="en-US" dirty="0" smtClean="0"/>
+              <a:t>Some Assembly Required</a:t>
+            </a:r>
+            <a:endParaRPr lang="en-US" dirty="0"/>
+          </a:p>
+        </p:txBody>
+      </p:sp>
+      <p:sp>
+        <p:nvSpPr>
+          <p:cNvPr id="3" name="Content Placeholder 2"/>
+          <p:cNvSpPr>
+            <a:spLocks noGrp="1"/>
+          </p:cNvSpPr>
+          <p:nvPr>
+            <p:ph sz="quarter" idx="10"/>
+          </p:nvPr>
+        </p:nvSpPr>
+        <p:spPr/>
+        <p:txBody>
+          <a:bodyPr/>
+          <a:lstStyle/>
+          <a:p>
+            <a:r>
+              <a:rPr lang="en-US" dirty="0" smtClean="0"/>
+              <a:t>Cloud is an enabler for scalability</a:t>
+            </a:r>
+          </a:p>
+          <a:p>
+            <a:r>
+              <a:rPr lang="en-US" dirty="0" smtClean="0"/>
+              <a:t>Your architecture needs to support it</a:t>
+            </a:r>
+          </a:p>
+          <a:p>
+            <a:r>
+              <a:rPr lang="en-US" dirty="0" smtClean="0"/>
+              <a:t>Lift &amp; shift not supported</a:t>
+            </a:r>
+          </a:p>
+          <a:p>
+            <a:endParaRPr lang="en-US" dirty="0"/>
+          </a:p>
+        </p:txBody>
+      </p:sp>
+      <p:sp>
+        <p:nvSpPr>
+          <p:cNvPr id="4" name="TextBox 3"/>
+          <p:cNvSpPr txBox="1"/>
+          <p:nvPr/>
+        </p:nvSpPr>
+        <p:spPr>
+          <a:xfrm>
+            <a:off x="9906000" y="-1"/>
+            <a:ext cx="2286000" cy="2031325"/>
+          </a:xfrm>
+          <a:prstGeom prst="rect">
+            <a:avLst/>
+          </a:prstGeom>
+          <a:solidFill>
+            <a:srgbClr val="FFFF00"/>
+          </a:solidFill>
+          <a:ln>
+            <a:noFill/>
+          </a:ln>
+        </p:spPr>
+        <p:txBody>
+          <a:bodyPr wrap="square" rtlCol="0">
+            <a:spAutoFit/>
+          </a:bodyPr>
+          <a:lstStyle/>
+          <a:p>
+            <a:pPr algn="ctr"/>
+            <a:endParaRPr lang="en-US" dirty="0" smtClean="0"/>
+          </a:p>
+          <a:p>
+            <a:pPr algn="ctr"/>
+            <a:endParaRPr lang="en-US" dirty="0"/>
+          </a:p>
+          <a:p>
+            <a:pPr algn="ctr"/>
+            <a:r>
+              <a:rPr lang="en-US" dirty="0" smtClean="0"/>
+              <a:t>Please leave this area blank to allow for picture in picture recording</a:t>
+            </a:r>
+          </a:p>
+          <a:p>
+            <a:pPr algn="ctr"/>
+            <a:endParaRPr lang="en-US" dirty="0"/>
+          </a:p>
+        </p:txBody>
+      </p:sp>
+      <p:sp>
+        <p:nvSpPr>
+          <p:cNvPr id="5" name="Oval 4"/>
+          <p:cNvSpPr/>
+          <p:nvPr/>
+        </p:nvSpPr>
+        <p:spPr>
+          <a:xfrm>
+            <a:off x="7985760" y="5487989"/>
+            <a:ext cx="3048000" cy="800100"/>
+          </a:xfrm>
+          <a:prstGeom prst="ellipse">
+            <a:avLst/>
+          </a:prstGeom>
+        </p:spPr>
+        <p:style>
+          <a:lnRef idx="2">
+            <a:schemeClr val="dk1">
+              <a:shade val="50000"/>
+            </a:schemeClr>
+          </a:lnRef>
+          <a:fillRef idx="1">
+            <a:schemeClr val="dk1"/>
+          </a:fillRef>
+          <a:effectRef idx="0">
+            <a:schemeClr val="dk1"/>
+          </a:effectRef>
+          <a:fontRef idx="minor">
+            <a:schemeClr val="lt1"/>
+          </a:fontRef>
+        </p:style>
+        <p:txBody>
+          <a:bodyPr rtlCol="0" anchor="ctr"/>
+          <a:lstStyle/>
+          <a:p>
+            <a:pPr algn="ctr"/>
+            <a:endParaRPr lang="en-US"/>
+          </a:p>
+        </p:txBody>
+      </p:sp>
+      <p:sp>
+        <p:nvSpPr>
+          <p:cNvPr id="6" name="Freeform 5"/>
+          <p:cNvSpPr/>
+          <p:nvPr/>
+        </p:nvSpPr>
+        <p:spPr>
+          <a:xfrm>
+            <a:off x="8134350" y="2800350"/>
+            <a:ext cx="1447800" cy="3714750"/>
+          </a:xfrm>
+          <a:custGeom>
+            <a:avLst/>
+            <a:gdLst>
+              <a:gd name="connsiteX0" fmla="*/ 19050 w 1447800"/>
+              <a:gd name="connsiteY0" fmla="*/ 0 h 3714750"/>
+              <a:gd name="connsiteX1" fmla="*/ 0 w 1447800"/>
+              <a:gd name="connsiteY1" fmla="*/ 2609850 h 3714750"/>
+              <a:gd name="connsiteX2" fmla="*/ 1447800 w 1447800"/>
+              <a:gd name="connsiteY2" fmla="*/ 3714750 h 3714750"/>
+              <a:gd name="connsiteX3" fmla="*/ 1447800 w 1447800"/>
+              <a:gd name="connsiteY3" fmla="*/ 781050 h 3714750"/>
+              <a:gd name="connsiteX4" fmla="*/ 19050 w 1447800"/>
+              <a:gd name="connsiteY4" fmla="*/ 0 h 3714750"/>
+              <a:gd name="connsiteX0" fmla="*/ 19050 w 1447800"/>
+              <a:gd name="connsiteY0" fmla="*/ 0 h 3714750"/>
+              <a:gd name="connsiteX1" fmla="*/ 0 w 1447800"/>
+              <a:gd name="connsiteY1" fmla="*/ 2784022 h 3714750"/>
+              <a:gd name="connsiteX2" fmla="*/ 1447800 w 1447800"/>
+              <a:gd name="connsiteY2" fmla="*/ 3714750 h 3714750"/>
+              <a:gd name="connsiteX3" fmla="*/ 1447800 w 1447800"/>
+              <a:gd name="connsiteY3" fmla="*/ 781050 h 3714750"/>
+              <a:gd name="connsiteX4" fmla="*/ 19050 w 1447800"/>
+              <a:gd name="connsiteY4" fmla="*/ 0 h 3714750"/>
+            </a:gdLst>
+            <a:ahLst/>
+            <a:cxnLst>
+              <a:cxn ang="0">
+                <a:pos x="connsiteX0" y="connsiteY0"/>
+              </a:cxn>
+              <a:cxn ang="0">
+                <a:pos x="connsiteX1" y="connsiteY1"/>
+              </a:cxn>
+              <a:cxn ang="0">
+                <a:pos x="connsiteX2" y="connsiteY2"/>
+              </a:cxn>
+              <a:cxn ang="0">
+                <a:pos x="connsiteX3" y="connsiteY3"/>
+              </a:cxn>
+              <a:cxn ang="0">
+                <a:pos x="connsiteX4" y="connsiteY4"/>
+              </a:cxn>
+            </a:cxnLst>
+            <a:rect l="l" t="t" r="r" b="b"/>
+            <a:pathLst>
+              <a:path w="1447800" h="3714750">
+                <a:moveTo>
+                  <a:pt x="19050" y="0"/>
+                </a:moveTo>
+                <a:lnTo>
+                  <a:pt x="0" y="2784022"/>
+                </a:lnTo>
+                <a:lnTo>
+                  <a:pt x="1447800" y="3714750"/>
+                </a:lnTo>
+                <a:lnTo>
+                  <a:pt x="1447800" y="781050"/>
+                </a:lnTo>
+                <a:lnTo>
+                  <a:pt x="19050" y="0"/>
+                </a:lnTo>
+                <a:close/>
+              </a:path>
+            </a:pathLst>
+          </a:custGeom>
+          <a:solidFill>
+            <a:schemeClr val="accent1"/>
+          </a:solidFill>
+        </p:spPr>
+        <p:style>
+          <a:lnRef idx="2">
+            <a:schemeClr val="accent1">
+              <a:shade val="50000"/>
+            </a:schemeClr>
+          </a:lnRef>
+          <a:fillRef idx="1">
+            <a:schemeClr val="accent1"/>
+          </a:fillRef>
+          <a:effectRef idx="0">
+            <a:schemeClr val="accent1"/>
+          </a:effectRef>
+          <a:fontRef idx="minor">
+            <a:schemeClr val="lt1"/>
+          </a:fontRef>
+        </p:style>
+        <p:txBody>
+          <a:bodyPr rtlCol="0" anchor="ctr"/>
+          <a:lstStyle/>
+          <a:p>
+            <a:pPr algn="ctr"/>
+            <a:endParaRPr lang="en-US"/>
+          </a:p>
+        </p:txBody>
+      </p:sp>
+      <p:sp>
+        <p:nvSpPr>
+          <p:cNvPr id="7" name="Freeform 6"/>
+          <p:cNvSpPr/>
+          <p:nvPr/>
+        </p:nvSpPr>
+        <p:spPr>
+          <a:xfrm>
+            <a:off x="9582150" y="2895600"/>
+            <a:ext cx="1333500" cy="3600450"/>
+          </a:xfrm>
+          <a:custGeom>
+            <a:avLst/>
+            <a:gdLst>
+              <a:gd name="connsiteX0" fmla="*/ 19050 w 1333500"/>
+              <a:gd name="connsiteY0" fmla="*/ 666750 h 3600450"/>
+              <a:gd name="connsiteX1" fmla="*/ 1333500 w 1333500"/>
+              <a:gd name="connsiteY1" fmla="*/ 0 h 3600450"/>
+              <a:gd name="connsiteX2" fmla="*/ 1333500 w 1333500"/>
+              <a:gd name="connsiteY2" fmla="*/ 2743200 h 3600450"/>
+              <a:gd name="connsiteX3" fmla="*/ 0 w 1333500"/>
+              <a:gd name="connsiteY3" fmla="*/ 3600450 h 3600450"/>
+              <a:gd name="connsiteX4" fmla="*/ 19050 w 1333500"/>
+              <a:gd name="connsiteY4" fmla="*/ 666750 h 3600450"/>
+            </a:gdLst>
+            <a:ahLst/>
+            <a:cxnLst>
+              <a:cxn ang="0">
+                <a:pos x="connsiteX0" y="connsiteY0"/>
+              </a:cxn>
+              <a:cxn ang="0">
+                <a:pos x="connsiteX1" y="connsiteY1"/>
+              </a:cxn>
+              <a:cxn ang="0">
+                <a:pos x="connsiteX2" y="connsiteY2"/>
+              </a:cxn>
+              <a:cxn ang="0">
+                <a:pos x="connsiteX3" y="connsiteY3"/>
+              </a:cxn>
+              <a:cxn ang="0">
+                <a:pos x="connsiteX4" y="connsiteY4"/>
+              </a:cxn>
+            </a:cxnLst>
+            <a:rect l="l" t="t" r="r" b="b"/>
+            <a:pathLst>
+              <a:path w="1333500" h="3600450">
+                <a:moveTo>
+                  <a:pt x="19050" y="666750"/>
+                </a:moveTo>
+                <a:lnTo>
+                  <a:pt x="1333500" y="0"/>
+                </a:lnTo>
+                <a:lnTo>
+                  <a:pt x="1333500" y="2743200"/>
+                </a:lnTo>
+                <a:lnTo>
+                  <a:pt x="0" y="3600450"/>
+                </a:lnTo>
+                <a:lnTo>
+                  <a:pt x="19050" y="666750"/>
+                </a:lnTo>
+                <a:close/>
+              </a:path>
+            </a:pathLst>
+          </a:custGeom>
+          <a:solidFill>
+            <a:schemeClr val="accent1">
+              <a:lumMod val="60000"/>
+              <a:lumOff val="40000"/>
+            </a:schemeClr>
+          </a:solidFill>
+        </p:spPr>
+        <p:style>
+          <a:lnRef idx="2">
+            <a:schemeClr val="accent1">
+              <a:shade val="50000"/>
+            </a:schemeClr>
+          </a:lnRef>
+          <a:fillRef idx="1">
+            <a:schemeClr val="accent1"/>
+          </a:fillRef>
+          <a:effectRef idx="0">
+            <a:schemeClr val="accent1"/>
+          </a:effectRef>
+          <a:fontRef idx="minor">
+            <a:schemeClr val="lt1"/>
+          </a:fontRef>
+        </p:style>
+        <p:txBody>
+          <a:bodyPr rtlCol="0" anchor="ctr"/>
+          <a:lstStyle/>
+          <a:p>
+            <a:pPr algn="ctr"/>
+            <a:endParaRPr lang="en-US"/>
+          </a:p>
+        </p:txBody>
+      </p:sp>
+      <p:sp>
+        <p:nvSpPr>
+          <p:cNvPr id="8" name="Freeform 7"/>
+          <p:cNvSpPr/>
+          <p:nvPr/>
+        </p:nvSpPr>
+        <p:spPr>
+          <a:xfrm>
+            <a:off x="8168640" y="2240280"/>
+            <a:ext cx="2758440" cy="1348740"/>
+          </a:xfrm>
+          <a:custGeom>
+            <a:avLst/>
+            <a:gdLst>
+              <a:gd name="connsiteX0" fmla="*/ 0 w 2758440"/>
+              <a:gd name="connsiteY0" fmla="*/ 563880 h 1348740"/>
+              <a:gd name="connsiteX1" fmla="*/ 1440180 w 2758440"/>
+              <a:gd name="connsiteY1" fmla="*/ 1348740 h 1348740"/>
+              <a:gd name="connsiteX2" fmla="*/ 2758440 w 2758440"/>
+              <a:gd name="connsiteY2" fmla="*/ 655320 h 1348740"/>
+              <a:gd name="connsiteX3" fmla="*/ 1417320 w 2758440"/>
+              <a:gd name="connsiteY3" fmla="*/ 0 h 1348740"/>
+              <a:gd name="connsiteX4" fmla="*/ 0 w 2758440"/>
+              <a:gd name="connsiteY4" fmla="*/ 563880 h 1348740"/>
+            </a:gdLst>
+            <a:ahLst/>
+            <a:cxnLst>
+              <a:cxn ang="0">
+                <a:pos x="connsiteX0" y="connsiteY0"/>
+              </a:cxn>
+              <a:cxn ang="0">
+                <a:pos x="connsiteX1" y="connsiteY1"/>
+              </a:cxn>
+              <a:cxn ang="0">
+                <a:pos x="connsiteX2" y="connsiteY2"/>
+              </a:cxn>
+              <a:cxn ang="0">
+                <a:pos x="connsiteX3" y="connsiteY3"/>
+              </a:cxn>
+              <a:cxn ang="0">
+                <a:pos x="connsiteX4" y="connsiteY4"/>
+              </a:cxn>
+            </a:cxnLst>
+            <a:rect l="l" t="t" r="r" b="b"/>
+            <a:pathLst>
+              <a:path w="2758440" h="1348740">
+                <a:moveTo>
+                  <a:pt x="0" y="563880"/>
+                </a:moveTo>
+                <a:lnTo>
+                  <a:pt x="1440180" y="1348740"/>
+                </a:lnTo>
+                <a:lnTo>
+                  <a:pt x="2758440" y="655320"/>
+                </a:lnTo>
+                <a:lnTo>
+                  <a:pt x="1417320" y="0"/>
+                </a:lnTo>
+                <a:lnTo>
+                  <a:pt x="0" y="563880"/>
+                </a:lnTo>
+                <a:close/>
+              </a:path>
+            </a:pathLst>
+          </a:custGeom>
+          <a:solidFill>
+            <a:schemeClr val="accent1">
+              <a:lumMod val="20000"/>
+              <a:lumOff val="80000"/>
+            </a:schemeClr>
+          </a:solidFill>
+        </p:spPr>
+        <p:style>
+          <a:lnRef idx="2">
+            <a:schemeClr val="accent1">
+              <a:shade val="50000"/>
+            </a:schemeClr>
+          </a:lnRef>
+          <a:fillRef idx="1">
+            <a:schemeClr val="accent1"/>
+          </a:fillRef>
+          <a:effectRef idx="0">
+            <a:schemeClr val="accent1"/>
+          </a:effectRef>
+          <a:fontRef idx="minor">
+            <a:schemeClr val="lt1"/>
+          </a:fontRef>
+        </p:style>
+        <p:txBody>
+          <a:bodyPr rtlCol="0" anchor="ctr"/>
+          <a:lstStyle/>
+          <a:p>
+            <a:pPr algn="ctr"/>
+            <a:endParaRPr lang="en-US"/>
+          </a:p>
+        </p:txBody>
+      </p:sp>
+    </p:spTree>
+    <p:extLst>
+      <p:ext uri="{BB962C8B-B14F-4D97-AF65-F5344CB8AC3E}">
+        <p14:creationId xmlns:p14="http://schemas.microsoft.com/office/powerpoint/2010/main" val="2493956106"/>
+      </p:ext>
+    </p:extLst>
+  </p:cSld>
+  <p:clrMapOvr>
+    <a:masterClrMapping/>
+  </p:clrMapOvr>
+  <p:timing>
+    <p:tnLst>
+      <p:par>
+        <p:cTn id="1" dur="indefinite" restart="never" nodeType="tmRoot">
+          <p:childTnLst>
+            <p:seq concurrent="1" nextAc="seek">
+              <p:cTn id="2" dur="indefinite" nodeType="mainSeq">
+                <p:childTnLst>
+                  <p:par>
+                    <p:cTn id="3" fill="hold">
+                      <p:stCondLst>
+                        <p:cond delay="indefinite"/>
+                      </p:stCondLst>
+                      <p:childTnLst>
+                        <p:par>
+                          <p:cTn id="4" fill="hold">
+                            <p:stCondLst>
+                              <p:cond delay="0"/>
+                            </p:stCondLst>
+                            <p:childTnLst>
+                              <p:par>
+                                <p:cTn id="5" presetID="1" presetClass="entr" presetSubtype="0" fill="hold" nodeType="clickEffect">
+                                  <p:stCondLst>
+                                    <p:cond delay="0"/>
+                                  </p:stCondLst>
+                                  <p:childTnLst>
+                                    <p:set>
+                                      <p:cBhvr>
+                                        <p:cTn id="6" dur="1" fill="hold">
+                                          <p:stCondLst>
+                                            <p:cond delay="0"/>
+                                          </p:stCondLst>
+                                        </p:cTn>
+                                        <p:tgtEl>
+                                          <p:spTgt spid="3">
+                                            <p:txEl>
+                                              <p:pRg st="0" end="0"/>
+                                            </p:txEl>
+                                          </p:spTgt>
+                                        </p:tgtEl>
+                                        <p:attrNameLst>
+                                          <p:attrName>style.visibility</p:attrName>
+                                        </p:attrNameLst>
+                                      </p:cBhvr>
+                                      <p:to>
+                                        <p:strVal val="visible"/>
+                                      </p:to>
+                                    </p:set>
+                                  </p:childTnLst>
+                                </p:cTn>
+                              </p:par>
+                            </p:childTnLst>
+                          </p:cTn>
+                        </p:par>
+                      </p:childTnLst>
+                    </p:cTn>
+                  </p:par>
+                  <p:par>
+                    <p:cTn id="7" fill="hold">
+                      <p:stCondLst>
+                        <p:cond delay="indefinite"/>
+                      </p:stCondLst>
+                      <p:childTnLst>
+                        <p:par>
+                          <p:cTn id="8" fill="hold">
+                            <p:stCondLst>
+                              <p:cond delay="0"/>
+                            </p:stCondLst>
+                            <p:childTnLst>
+                              <p:par>
+                                <p:cTn id="9" presetID="1" presetClass="entr" presetSubtype="0" fill="hold" nodeType="clickEffect">
+                                  <p:stCondLst>
+                                    <p:cond delay="0"/>
+                                  </p:stCondLst>
+                                  <p:childTnLst>
+                                    <p:set>
+                                      <p:cBhvr>
+                                        <p:cTn id="10" dur="1" fill="hold">
+                                          <p:stCondLst>
+                                            <p:cond delay="0"/>
+                                          </p:stCondLst>
+                                        </p:cTn>
+                                        <p:tgtEl>
+                                          <p:spTgt spid="3">
+                                            <p:txEl>
+                                              <p:pRg st="1" end="1"/>
+                                            </p:txEl>
+                                          </p:spTgt>
+                                        </p:tgtEl>
+                                        <p:attrNameLst>
+                                          <p:attrName>style.visibility</p:attrName>
+                                        </p:attrNameLst>
+                                      </p:cBhvr>
+                                      <p:to>
+                                        <p:strVal val="visible"/>
+                                      </p:to>
+                                    </p:set>
+                                  </p:childTnLst>
+                                </p:cTn>
+                              </p:par>
+                            </p:childTnLst>
+                          </p:cTn>
+                        </p:par>
+                      </p:childTnLst>
+                    </p:cTn>
+                  </p:par>
+                  <p:par>
+                    <p:cTn id="11" fill="hold">
+                      <p:stCondLst>
+                        <p:cond delay="indefinite"/>
+                      </p:stCondLst>
+                      <p:childTnLst>
+                        <p:par>
+                          <p:cTn id="12" fill="hold">
+                            <p:stCondLst>
+                              <p:cond delay="0"/>
+                            </p:stCondLst>
+                            <p:childTnLst>
+                              <p:par>
+                                <p:cTn id="13" presetID="1" presetClass="entr" presetSubtype="0" fill="hold" nodeType="clickEffect">
+                                  <p:stCondLst>
+                                    <p:cond delay="0"/>
+                                  </p:stCondLst>
+                                  <p:childTnLst>
+                                    <p:set>
+                                      <p:cBhvr>
+                                        <p:cTn id="14" dur="1" fill="hold">
+                                          <p:stCondLst>
+                                            <p:cond delay="0"/>
+                                          </p:stCondLst>
+                                        </p:cTn>
+                                        <p:tgtEl>
+                                          <p:spTgt spid="3">
+                                            <p:txEl>
+                                              <p:pRg st="2" end="2"/>
+                                            </p:txEl>
+                                          </p:spTgt>
+                                        </p:tgtEl>
+                                        <p:attrNameLst>
+                                          <p:attrName>style.visibility</p:attrName>
+                                        </p:attrNameLst>
+                                      </p:cBhvr>
+                                      <p:to>
+                                        <p:strVal val="visible"/>
+                                      </p:to>
+                                    </p:set>
+                                  </p:childTnLst>
+                                </p:cTn>
+                              </p:par>
+                            </p:childTnLst>
+                          </p:cTn>
+                        </p:par>
+                      </p:childTnLst>
+                    </p:cTn>
+                  </p:par>
+                  <p:par>
+                    <p:cTn id="15" fill="hold">
+                      <p:stCondLst>
+                        <p:cond delay="indefinite"/>
+                      </p:stCondLst>
+                      <p:childTnLst>
+                        <p:par>
+                          <p:cTn id="16" fill="hold">
+                            <p:stCondLst>
+                              <p:cond delay="0"/>
+                            </p:stCondLst>
+                            <p:childTnLst>
+                              <p:par>
+                                <p:cTn id="17" presetID="1" presetClass="entr" presetSubtype="0" fill="hold" grpId="0" nodeType="clickEffect">
+                                  <p:stCondLst>
+                                    <p:cond delay="0"/>
+                                  </p:stCondLst>
+                                  <p:childTnLst>
+                                    <p:set>
+                                      <p:cBhvr>
+                                        <p:cTn id="18" dur="1" fill="hold">
+                                          <p:stCondLst>
+                                            <p:cond delay="0"/>
+                                          </p:stCondLst>
+                                        </p:cTn>
+                                        <p:tgtEl>
+                                          <p:spTgt spid="5"/>
+                                        </p:tgtEl>
+                                        <p:attrNameLst>
+                                          <p:attrName>style.visibility</p:attrName>
+                                        </p:attrNameLst>
+                                      </p:cBhvr>
+                                      <p:to>
+                                        <p:strVal val="visible"/>
+                                      </p:to>
+                                    </p:set>
+                                  </p:childTnLst>
+                                </p:cTn>
+                              </p:par>
+                              <p:par>
+                                <p:cTn id="19" presetID="1" presetClass="entr" presetSubtype="0" fill="hold" grpId="0" nodeType="withEffect">
+                                  <p:stCondLst>
+                                    <p:cond delay="0"/>
+                                  </p:stCondLst>
+                                  <p:childTnLst>
+                                    <p:set>
+                                      <p:cBhvr>
+                                        <p:cTn id="20" dur="1" fill="hold">
+                                          <p:stCondLst>
+                                            <p:cond delay="0"/>
+                                          </p:stCondLst>
+                                        </p:cTn>
+                                        <p:tgtEl>
+                                          <p:spTgt spid="6"/>
+                                        </p:tgtEl>
+                                        <p:attrNameLst>
+                                          <p:attrName>style.visibility</p:attrName>
+                                        </p:attrNameLst>
+                                      </p:cBhvr>
+                                      <p:to>
+                                        <p:strVal val="visible"/>
+                                      </p:to>
+                                    </p:set>
+                                  </p:childTnLst>
+                                </p:cTn>
+                              </p:par>
+                              <p:par>
+                                <p:cTn id="21" presetID="1" presetClass="entr" presetSubtype="0" fill="hold" grpId="0" nodeType="withEffect">
+                                  <p:stCondLst>
+                                    <p:cond delay="0"/>
+                                  </p:stCondLst>
+                                  <p:childTnLst>
+                                    <p:set>
+                                      <p:cBhvr>
+                                        <p:cTn id="22" dur="1" fill="hold">
+                                          <p:stCondLst>
+                                            <p:cond delay="0"/>
+                                          </p:stCondLst>
+                                        </p:cTn>
+                                        <p:tgtEl>
+                                          <p:spTgt spid="7"/>
+                                        </p:tgtEl>
+                                        <p:attrNameLst>
+                                          <p:attrName>style.visibility</p:attrName>
+                                        </p:attrNameLst>
+                                      </p:cBhvr>
+                                      <p:to>
+                                        <p:strVal val="visible"/>
+                                      </p:to>
+                                    </p:set>
+                                  </p:childTnLst>
+                                </p:cTn>
+                              </p:par>
+                              <p:par>
+                                <p:cTn id="23" presetID="1" presetClass="entr" presetSubtype="0" fill="hold" grpId="0" nodeType="withEffect">
+                                  <p:stCondLst>
+                                    <p:cond delay="0"/>
+                                  </p:stCondLst>
+                                  <p:childTnLst>
+                                    <p:set>
+                                      <p:cBhvr>
+                                        <p:cTn id="24" dur="1" fill="hold">
+                                          <p:stCondLst>
+                                            <p:cond delay="0"/>
+                                          </p:stCondLst>
+                                        </p:cTn>
+                                        <p:tgtEl>
+                                          <p:spTgt spid="8"/>
+                                        </p:tgtEl>
+                                        <p:attrNameLst>
+                                          <p:attrName>style.visibility</p:attrName>
+                                        </p:attrNameLst>
+                                      </p:cBhvr>
+                                      <p:to>
+                                        <p:strVal val="visible"/>
+                                      </p:to>
+                                    </p:set>
+                                  </p:childTnLst>
+                                </p:cTn>
+                              </p:par>
+                            </p:childTnLst>
+                          </p:cTn>
+                        </p:par>
+                      </p:childTnLst>
+                    </p:cTn>
+                  </p:par>
+                </p:childTnLst>
+              </p:cTn>
+              <p:prevCondLst>
+                <p:cond evt="onPrev" delay="0">
+                  <p:tgtEl>
+                    <p:sldTgt/>
+                  </p:tgtEl>
+                </p:cond>
+              </p:prevCondLst>
+              <p:nextCondLst>
+                <p:cond evt="onNext" delay="0">
+                  <p:tgtEl>
+                    <p:sldTgt/>
+                  </p:tgtEl>
+                </p:cond>
+              </p:nextCondLst>
+            </p:seq>
+          </p:childTnLst>
+        </p:cTn>
+      </p:par>
+    </p:tnLst>
+    <p:bldLst>
+      <p:bldP spid="5" grpId="0" animBg="1"/>
+      <p:bldP spid="6" grpId="0" animBg="1"/>
+      <p:bldP spid="7" grpId="0" animBg="1"/>
+      <p:bldP spid="8" grpId="0" animBg="1"/>
+    </p:bldLst>
+  </p:timing>
+</p:sld>
+</file>
+
+<file path=ppt/slides/slide6.xml><?xml version="1.0" encoding="utf-8"?>
+<p:sld xmlns:a="http://schemas.openxmlformats.org/drawingml/2006/main" xmlns:r="http://schemas.openxmlformats.org/officeDocument/2006/relationships" xmlns:p="http://schemas.openxmlformats.org/presentationml/2006/main">
+  <p:cSld>
+    <p:spTree>
+      <p:nvGrpSpPr>
+        <p:cNvPr id="1" name=""/>
+        <p:cNvGrpSpPr/>
+        <p:nvPr/>
+      </p:nvGrpSpPr>
+      <p:grpSpPr>
+        <a:xfrm>
+          <a:off x="0" y="0"/>
+          <a:ext cx="0" cy="0"/>
+          <a:chOff x="0" y="0"/>
+          <a:chExt cx="0" cy="0"/>
+        </a:xfrm>
+      </p:grpSpPr>
+      <p:pic>
+        <p:nvPicPr>
+          <p:cNvPr id="4" name="Picture 2" descr="http://www.clipartbest.com/cliparts/9Tp/LxM/9TpLxMrTE.png"/>
+          <p:cNvPicPr>
+            <a:picLocks noChangeAspect="1" noChangeArrowheads="1"/>
+          </p:cNvPicPr>
+          <p:nvPr/>
+        </p:nvPicPr>
+        <p:blipFill>
+          <a:blip r:embed="rId2" cstate="print">
+            <a:extLst>
+              <a:ext uri="{28A0092B-C50C-407E-A947-70E740481C1C}">
+                <a14:useLocalDpi xmlns:a14="http://schemas.microsoft.com/office/drawing/2010/main" val="0"/>
+              </a:ext>
+            </a:extLst>
+          </a:blip>
+          <a:srcRect/>
+          <a:stretch>
+            <a:fillRect/>
+          </a:stretch>
+        </p:blipFill>
+        <p:spPr bwMode="auto">
+          <a:xfrm>
+            <a:off x="2449365" y="2663032"/>
+            <a:ext cx="1201015" cy="1863644"/>
+          </a:xfrm>
+          <a:prstGeom prst="rect">
+            <a:avLst/>
+          </a:prstGeom>
+          <a:noFill/>
+          <a:extLst>
+            <a:ext uri="{909E8E84-426E-40DD-AFC4-6F175D3DCCD1}">
+              <a14:hiddenFill xmlns:a14="http://schemas.microsoft.com/office/drawing/2010/main">
+                <a:solidFill>
+                  <a:srgbClr val="FFFFFF"/>
+                </a:solidFill>
+              </a14:hiddenFill>
+            </a:ext>
+          </a:extLst>
+        </p:spPr>
+      </p:pic>
+      <p:pic>
+        <p:nvPicPr>
+          <p:cNvPr id="5" name="Picture 2" descr="http://www.clipartbest.com/cliparts/9Tp/LxM/9TpLxMrTE.png"/>
+          <p:cNvPicPr>
+            <a:picLocks noChangeAspect="1" noChangeArrowheads="1"/>
+          </p:cNvPicPr>
+          <p:nvPr/>
+        </p:nvPicPr>
+        <p:blipFill>
+          <a:blip r:embed="rId2" cstate="print">
+            <a:extLst>
+              <a:ext uri="{28A0092B-C50C-407E-A947-70E740481C1C}">
+                <a14:useLocalDpi xmlns:a14="http://schemas.microsoft.com/office/drawing/2010/main" val="0"/>
+              </a:ext>
+            </a:extLst>
+          </a:blip>
+          <a:srcRect/>
+          <a:stretch>
+            <a:fillRect/>
+          </a:stretch>
+        </p:blipFill>
+        <p:spPr bwMode="auto">
+          <a:xfrm>
+            <a:off x="3325665" y="2663032"/>
+            <a:ext cx="1201015" cy="1863644"/>
+          </a:xfrm>
+          <a:prstGeom prst="rect">
+            <a:avLst/>
+          </a:prstGeom>
+          <a:noFill/>
+          <a:extLst>
+            <a:ext uri="{909E8E84-426E-40DD-AFC4-6F175D3DCCD1}">
+              <a14:hiddenFill xmlns:a14="http://schemas.microsoft.com/office/drawing/2010/main">
+                <a:solidFill>
+                  <a:srgbClr val="FFFFFF"/>
+                </a:solidFill>
+              </a14:hiddenFill>
+            </a:ext>
+          </a:extLst>
+        </p:spPr>
+      </p:pic>
+      <p:pic>
+        <p:nvPicPr>
+          <p:cNvPr id="6" name="Picture 2" descr="http://www.clipartbest.com/cliparts/9Tp/LxM/9TpLxMrTE.png"/>
+          <p:cNvPicPr>
+            <a:picLocks noChangeAspect="1" noChangeArrowheads="1"/>
+          </p:cNvPicPr>
+          <p:nvPr/>
+        </p:nvPicPr>
+        <p:blipFill>
+          <a:blip r:embed="rId2" cstate="print">
+            <a:extLst>
+              <a:ext uri="{28A0092B-C50C-407E-A947-70E740481C1C}">
+                <a14:useLocalDpi xmlns:a14="http://schemas.microsoft.com/office/drawing/2010/main" val="0"/>
+              </a:ext>
+            </a:extLst>
+          </a:blip>
+          <a:srcRect/>
+          <a:stretch>
+            <a:fillRect/>
+          </a:stretch>
+        </p:blipFill>
+        <p:spPr bwMode="auto">
+          <a:xfrm>
+            <a:off x="4201965" y="2663032"/>
+            <a:ext cx="1201015" cy="1863644"/>
+          </a:xfrm>
+          <a:prstGeom prst="rect">
+            <a:avLst/>
+          </a:prstGeom>
+          <a:noFill/>
+          <a:extLst>
+            <a:ext uri="{909E8E84-426E-40DD-AFC4-6F175D3DCCD1}">
+              <a14:hiddenFill xmlns:a14="http://schemas.microsoft.com/office/drawing/2010/main">
+                <a:solidFill>
+                  <a:srgbClr val="FFFFFF"/>
+                </a:solidFill>
+              </a14:hiddenFill>
+            </a:ext>
+          </a:extLst>
+        </p:spPr>
+      </p:pic>
+      <p:sp>
+        <p:nvSpPr>
+          <p:cNvPr id="7" name="TextBox 6"/>
+          <p:cNvSpPr txBox="1"/>
+          <p:nvPr/>
+        </p:nvSpPr>
+        <p:spPr>
+          <a:xfrm>
+            <a:off x="7029450" y="971550"/>
+            <a:ext cx="2228495" cy="5386090"/>
+          </a:xfrm>
+          <a:prstGeom prst="rect">
+            <a:avLst/>
+          </a:prstGeom>
+          <a:noFill/>
+        </p:spPr>
+        <p:txBody>
+          <a:bodyPr wrap="none" rtlCol="0">
+            <a:spAutoFit/>
+          </a:bodyPr>
+          <a:lstStyle/>
+          <a:p>
+            <a:r>
+              <a:rPr lang="en-US" sz="34400" dirty="0" smtClean="0">
+                <a:ln w="79375">
+                  <a:solidFill>
+                    <a:srgbClr val="00B050"/>
+                  </a:solidFill>
+                </a:ln>
+                <a:solidFill>
+                  <a:schemeClr val="accent3">
+                    <a:lumMod val="50000"/>
+                  </a:schemeClr>
+                </a:solidFill>
+              </a:rPr>
+              <a:t>?</a:t>
+            </a:r>
+            <a:endParaRPr lang="en-US" sz="34400" dirty="0">
+              <a:ln w="79375">
+                <a:solidFill>
+                  <a:srgbClr val="00B050"/>
+                </a:solidFill>
+              </a:ln>
+              <a:solidFill>
+                <a:schemeClr val="accent3">
+                  <a:lumMod val="50000"/>
+                </a:schemeClr>
+              </a:solidFill>
+            </a:endParaRPr>
+          </a:p>
+        </p:txBody>
+      </p:sp>
+    </p:spTree>
+    <p:extLst>
+      <p:ext uri="{BB962C8B-B14F-4D97-AF65-F5344CB8AC3E}">
+        <p14:creationId xmlns:p14="http://schemas.microsoft.com/office/powerpoint/2010/main" val="3133300820"/>
+      </p:ext>
+    </p:extLst>
+  </p:cSld>
+  <p:clrMapOvr>
+    <a:masterClrMapping/>
+  </p:clrMapOvr>
+  <p:timing>
+    <p:tnLst>
+      <p:par>
+        <p:cTn id="1" dur="indefinite" restart="never" nodeType="tmRoot">
+          <p:childTnLst>
+            <p:seq concurrent="1" nextAc="seek">
+              <p:cTn id="2" dur="indefinite" nodeType="mainSeq">
+                <p:childTnLst>
+                  <p:par>
+                    <p:cTn id="3" fill="hold">
+                      <p:stCondLst>
+                        <p:cond delay="indefinite"/>
+                      </p:stCondLst>
+                      <p:childTnLst>
+                        <p:par>
+                          <p:cTn id="4" fill="hold">
+                            <p:stCondLst>
+                              <p:cond delay="0"/>
+                            </p:stCondLst>
+                            <p:childTnLst>
+                              <p:par>
+                                <p:cTn id="5" presetID="10" presetClass="entr" presetSubtype="0" fill="hold" nodeType="clickEffect">
+                                  <p:stCondLst>
+                                    <p:cond delay="0"/>
+                                  </p:stCondLst>
+                                  <p:childTnLst>
+                                    <p:set>
+                                      <p:cBhvr>
+                                        <p:cTn id="6" dur="1" fill="hold">
+                                          <p:stCondLst>
+                                            <p:cond delay="0"/>
+                                          </p:stCondLst>
+                                        </p:cTn>
+                                        <p:tgtEl>
+                                          <p:spTgt spid="4"/>
+                                        </p:tgtEl>
+                                        <p:attrNameLst>
+                                          <p:attrName>style.visibility</p:attrName>
+                                        </p:attrNameLst>
+                                      </p:cBhvr>
+                                      <p:to>
+                                        <p:strVal val="visible"/>
+                                      </p:to>
+                                    </p:set>
+                                    <p:animEffect transition="in" filter="fade">
+                                      <p:cBhvr>
+                                        <p:cTn id="7" dur="250"/>
+                                        <p:tgtEl>
+                                          <p:spTgt spid="4"/>
+                                        </p:tgtEl>
+                                      </p:cBhvr>
+                                    </p:animEffect>
+                                  </p:childTnLst>
+                                </p:cTn>
+                              </p:par>
+                              <p:par>
+                                <p:cTn id="8" presetID="10" presetClass="entr" presetSubtype="0" fill="hold" nodeType="withEffect">
+                                  <p:stCondLst>
+                                    <p:cond delay="250"/>
+                                  </p:stCondLst>
+                                  <p:childTnLst>
+                                    <p:set>
+                                      <p:cBhvr>
+                                        <p:cTn id="9" dur="1" fill="hold">
+                                          <p:stCondLst>
+                                            <p:cond delay="0"/>
+                                          </p:stCondLst>
+                                        </p:cTn>
+                                        <p:tgtEl>
+                                          <p:spTgt spid="5"/>
+                                        </p:tgtEl>
+                                        <p:attrNameLst>
+                                          <p:attrName>style.visibility</p:attrName>
+                                        </p:attrNameLst>
+                                      </p:cBhvr>
+                                      <p:to>
+                                        <p:strVal val="visible"/>
+                                      </p:to>
+                                    </p:set>
+                                    <p:animEffect transition="in" filter="fade">
+                                      <p:cBhvr>
+                                        <p:cTn id="10" dur="250"/>
+                                        <p:tgtEl>
+                                          <p:spTgt spid="5"/>
+                                        </p:tgtEl>
+                                      </p:cBhvr>
+                                    </p:animEffect>
+                                  </p:childTnLst>
+                                </p:cTn>
+                              </p:par>
+                            </p:childTnLst>
+                          </p:cTn>
+                        </p:par>
+                        <p:par>
+                          <p:cTn id="11" fill="hold">
+                            <p:stCondLst>
+                              <p:cond delay="500"/>
+                            </p:stCondLst>
+                            <p:childTnLst>
+                              <p:par>
+                                <p:cTn id="12" presetID="10" presetClass="entr" presetSubtype="0" fill="hold" nodeType="afterEffect">
+                                  <p:stCondLst>
+                                    <p:cond delay="0"/>
+                                  </p:stCondLst>
+                                  <p:childTnLst>
+                                    <p:set>
+                                      <p:cBhvr>
+                                        <p:cTn id="13" dur="1" fill="hold">
+                                          <p:stCondLst>
+                                            <p:cond delay="0"/>
+                                          </p:stCondLst>
+                                        </p:cTn>
+                                        <p:tgtEl>
+                                          <p:spTgt spid="6"/>
+                                        </p:tgtEl>
+                                        <p:attrNameLst>
+                                          <p:attrName>style.visibility</p:attrName>
+                                        </p:attrNameLst>
+                                      </p:cBhvr>
+                                      <p:to>
+                                        <p:strVal val="visible"/>
+                                      </p:to>
+                                    </p:set>
+                                    <p:animEffect transition="in" filter="fade">
+                                      <p:cBhvr>
+                                        <p:cTn id="14" dur="250"/>
+                                        <p:tgtEl>
+                                          <p:spTgt spid="6"/>
+                                        </p:tgtEl>
+                                      </p:cBhvr>
+                                    </p:animEffect>
+                                  </p:childTnLst>
+                                </p:cTn>
+                              </p:par>
+                            </p:childTnLst>
+                          </p:cTn>
+                        </p:par>
+                      </p:childTnLst>
+                    </p:cTn>
+                  </p:par>
+                  <p:par>
+                    <p:cTn id="15" fill="hold">
+                      <p:stCondLst>
+                        <p:cond delay="indefinite"/>
+                      </p:stCondLst>
+                      <p:childTnLst>
+                        <p:par>
+                          <p:cTn id="16" fill="hold">
+                            <p:stCondLst>
+                              <p:cond delay="0"/>
+                            </p:stCondLst>
+                            <p:childTnLst>
+                              <p:par>
+                                <p:cTn id="17" presetID="1" presetClass="entr" presetSubtype="0" fill="hold" grpId="0" nodeType="clickEffect">
+                                  <p:stCondLst>
+                                    <p:cond delay="0"/>
+                                  </p:stCondLst>
+                                  <p:childTnLst>
+                                    <p:set>
+                                      <p:cBhvr>
+                                        <p:cTn id="18" dur="1" fill="hold">
+                                          <p:stCondLst>
+                                            <p:cond delay="0"/>
+                                          </p:stCondLst>
+                                        </p:cTn>
+                                        <p:tgtEl>
+                                          <p:spTgt spid="7"/>
+                                        </p:tgtEl>
+                                        <p:attrNameLst>
+                                          <p:attrName>style.visibility</p:attrName>
+                                        </p:attrNameLst>
+                                      </p:cBhvr>
+                                      <p:to>
+                                        <p:strVal val="visible"/>
+                                      </p:to>
+                                    </p:set>
+                                  </p:childTnLst>
+                                </p:cTn>
+                              </p:par>
+                            </p:childTnLst>
+                          </p:cTn>
+                        </p:par>
+                      </p:childTnLst>
+                    </p:cTn>
+                  </p:par>
+                </p:childTnLst>
+              </p:cTn>
+              <p:prevCondLst>
+                <p:cond evt="onPrev" delay="0">
+                  <p:tgtEl>
+                    <p:sldTgt/>
+                  </p:tgtEl>
+                </p:cond>
+              </p:prevCondLst>
+              <p:nextCondLst>
+                <p:cond evt="onNext" delay="0">
+                  <p:tgtEl>
+                    <p:sldTgt/>
+                  </p:tgtEl>
+                </p:cond>
+              </p:nextCondLst>
+            </p:seq>
+          </p:childTnLst>
+        </p:cTn>
+      </p:par>
+    </p:tnLst>
+    <p:bldLst>
+      <p:bldP spid="7" grpId="0"/>
+    </p:bldLst>
+  </p:timing>
+</p:sld>
+</file>
+
+<file path=ppt/slides/slide7.xml><?xml version="1.0" encoding="utf-8"?>
+<p:sld xmlns:a="http://schemas.openxmlformats.org/drawingml/2006/main" xmlns:r="http://schemas.openxmlformats.org/officeDocument/2006/relationships" xmlns:p="http://schemas.openxmlformats.org/presentationml/2006/main">
+  <p:cSld>
+    <p:spTree>
+      <p:nvGrpSpPr>
+        <p:cNvPr id="1" name=""/>
+        <p:cNvGrpSpPr/>
+        <p:nvPr/>
+      </p:nvGrpSpPr>
+      <p:grpSpPr>
+        <a:xfrm>
+          <a:off x="0" y="0"/>
+          <a:ext cx="0" cy="0"/>
+          <a:chOff x="0" y="0"/>
+          <a:chExt cx="0" cy="0"/>
+        </a:xfrm>
+      </p:grpSpPr>
+      <p:sp>
+        <p:nvSpPr>
+          <p:cNvPr id="2" name="Title 1"/>
+          <p:cNvSpPr>
+            <a:spLocks noGrp="1"/>
+          </p:cNvSpPr>
+          <p:nvPr>
+            <p:ph type="title"/>
+          </p:nvPr>
+        </p:nvSpPr>
+        <p:spPr/>
+        <p:txBody>
+          <a:bodyPr/>
+          <a:lstStyle/>
+          <a:p>
+            <a:r>
+              <a:rPr lang="en-US" dirty="0" smtClean="0"/>
+              <a:t>Why Perform Load Testing?</a:t>
+            </a:r>
+            <a:endParaRPr lang="en-US" dirty="0"/>
+          </a:p>
+        </p:txBody>
+      </p:sp>
+      <p:sp>
+        <p:nvSpPr>
+          <p:cNvPr id="3" name="Content Placeholder 2"/>
+          <p:cNvSpPr>
+            <a:spLocks noGrp="1"/>
+          </p:cNvSpPr>
+          <p:nvPr>
+            <p:ph sz="quarter" idx="10"/>
+          </p:nvPr>
+        </p:nvSpPr>
+        <p:spPr/>
+        <p:txBody>
+          <a:bodyPr/>
+          <a:lstStyle/>
+          <a:p>
+            <a:r>
+              <a:rPr lang="en-US" dirty="0" smtClean="0"/>
+              <a:t>Exposes application bottlenecks</a:t>
+            </a:r>
+          </a:p>
+          <a:p>
+            <a:r>
+              <a:rPr lang="en-US" dirty="0" smtClean="0"/>
+              <a:t>Proves architectural decisions</a:t>
+            </a:r>
+            <a:endParaRPr lang="en-US" dirty="0" smtClean="0"/>
+          </a:p>
+          <a:p>
+            <a:r>
+              <a:rPr lang="en-US" dirty="0" smtClean="0"/>
+              <a:t>Identifies regional issues and operational insights</a:t>
+            </a:r>
+            <a:endParaRPr lang="en-US" dirty="0" smtClean="0"/>
+          </a:p>
+          <a:p>
+            <a:r>
+              <a:rPr lang="en-US" dirty="0"/>
+              <a:t>Repeatable</a:t>
+            </a:r>
+          </a:p>
+          <a:p>
+            <a:r>
+              <a:rPr lang="en-US" dirty="0" smtClean="0"/>
+              <a:t>It’s not as hard as it used to be!</a:t>
+            </a:r>
+            <a:endParaRPr lang="en-US" dirty="0"/>
+          </a:p>
+        </p:txBody>
+      </p:sp>
+      <p:sp>
+        <p:nvSpPr>
+          <p:cNvPr id="4" name="TextBox 3"/>
+          <p:cNvSpPr txBox="1"/>
+          <p:nvPr/>
+        </p:nvSpPr>
+        <p:spPr>
+          <a:xfrm>
+            <a:off x="9906000" y="-1"/>
+            <a:ext cx="2286000" cy="2031325"/>
+          </a:xfrm>
+          <a:prstGeom prst="rect">
+            <a:avLst/>
+          </a:prstGeom>
+          <a:solidFill>
+            <a:srgbClr val="FFFF00"/>
+          </a:solidFill>
+          <a:ln>
+            <a:noFill/>
+          </a:ln>
+        </p:spPr>
+        <p:txBody>
+          <a:bodyPr wrap="square" rtlCol="0">
+            <a:spAutoFit/>
+          </a:bodyPr>
+          <a:lstStyle/>
+          <a:p>
+            <a:pPr algn="ctr"/>
+            <a:endParaRPr lang="en-US" dirty="0" smtClean="0"/>
+          </a:p>
+          <a:p>
+            <a:pPr algn="ctr"/>
+            <a:endParaRPr lang="en-US" dirty="0"/>
+          </a:p>
+          <a:p>
+            <a:pPr algn="ctr"/>
+            <a:r>
+              <a:rPr lang="en-US" dirty="0" smtClean="0"/>
+              <a:t>Please leave this area blank to allow for picture in picture recording</a:t>
+            </a:r>
+          </a:p>
+          <a:p>
+            <a:pPr algn="ctr"/>
+            <a:endParaRPr lang="en-US" dirty="0"/>
+          </a:p>
+        </p:txBody>
+      </p:sp>
+    </p:spTree>
+    <p:extLst>
+      <p:ext uri="{BB962C8B-B14F-4D97-AF65-F5344CB8AC3E}">
+        <p14:creationId xmlns:p14="http://schemas.microsoft.com/office/powerpoint/2010/main" val="2398187527"/>
+      </p:ext>
+    </p:extLst>
+  </p:cSld>
+  <p:clrMapOvr>
+    <a:masterClrMapping/>
+  </p:clrMapOvr>
+  <p:timing>
+    <p:tnLst>
+      <p:par>
         <p:cTn id="1" dur="indefinite" restart="never" nodeType="tmRoot"/>
+      </p:par>
+    </p:tnLst>
+  </p:timing>
+</p:sld>
+</file>
+
+<file path=ppt/slides/slide8.xml><?xml version="1.0" encoding="utf-8"?>
+<p:sld xmlns:a="http://schemas.openxmlformats.org/drawingml/2006/main" xmlns:r="http://schemas.openxmlformats.org/officeDocument/2006/relationships" xmlns:p="http://schemas.openxmlformats.org/presentationml/2006/main">
+  <p:cSld>
+    <p:spTree>
+      <p:nvGrpSpPr>
+        <p:cNvPr id="1" name=""/>
+        <p:cNvGrpSpPr/>
+        <p:nvPr/>
+      </p:nvGrpSpPr>
+      <p:grpSpPr>
+        <a:xfrm>
+          <a:off x="0" y="0"/>
+          <a:ext cx="0" cy="0"/>
+          <a:chOff x="0" y="0"/>
+          <a:chExt cx="0" cy="0"/>
+        </a:xfrm>
+      </p:grpSpPr>
+      <p:sp>
+        <p:nvSpPr>
+          <p:cNvPr id="2" name="Title 1"/>
+          <p:cNvSpPr>
+            <a:spLocks noGrp="1"/>
+          </p:cNvSpPr>
+          <p:nvPr>
+            <p:ph type="title"/>
+          </p:nvPr>
+        </p:nvSpPr>
+        <p:spPr/>
+        <p:txBody>
+          <a:bodyPr/>
+          <a:lstStyle/>
+          <a:p>
+            <a:r>
+              <a:rPr lang="en-US" dirty="0" smtClean="0"/>
+              <a:t>To the Cloud!</a:t>
+            </a:r>
+            <a:endParaRPr lang="en-US" dirty="0"/>
+          </a:p>
+        </p:txBody>
+      </p:sp>
+      <p:sp>
+        <p:nvSpPr>
+          <p:cNvPr id="3" name="Content Placeholder 2"/>
+          <p:cNvSpPr>
+            <a:spLocks noGrp="1"/>
+          </p:cNvSpPr>
+          <p:nvPr>
+            <p:ph sz="quarter" idx="10"/>
+          </p:nvPr>
+        </p:nvSpPr>
+        <p:spPr/>
+        <p:txBody>
+          <a:bodyPr/>
+          <a:lstStyle/>
+          <a:p>
+            <a:endParaRPr lang="en-US" dirty="0"/>
+          </a:p>
+        </p:txBody>
+      </p:sp>
+      <p:sp>
+        <p:nvSpPr>
+          <p:cNvPr id="4" name="TextBox 3"/>
+          <p:cNvSpPr txBox="1"/>
+          <p:nvPr/>
+        </p:nvSpPr>
+        <p:spPr>
+          <a:xfrm>
+            <a:off x="9906000" y="-1"/>
+            <a:ext cx="2286000" cy="2031325"/>
+          </a:xfrm>
+          <a:prstGeom prst="rect">
+            <a:avLst/>
+          </a:prstGeom>
+          <a:solidFill>
+            <a:srgbClr val="FFFF00"/>
+          </a:solidFill>
+          <a:ln>
+            <a:noFill/>
+          </a:ln>
+        </p:spPr>
+        <p:txBody>
+          <a:bodyPr wrap="square" rtlCol="0">
+            <a:spAutoFit/>
+          </a:bodyPr>
+          <a:lstStyle/>
+          <a:p>
+            <a:pPr algn="ctr"/>
+            <a:endParaRPr lang="en-US" dirty="0" smtClean="0"/>
+          </a:p>
+          <a:p>
+            <a:pPr algn="ctr"/>
+            <a:endParaRPr lang="en-US" dirty="0"/>
+          </a:p>
+          <a:p>
+            <a:pPr algn="ctr"/>
+            <a:r>
+              <a:rPr lang="en-US" dirty="0" smtClean="0"/>
+              <a:t>Please leave this area blank to allow for picture in picture recording</a:t>
+            </a:r>
+          </a:p>
+          <a:p>
+            <a:pPr algn="ctr"/>
+            <a:endParaRPr lang="en-US" dirty="0"/>
+          </a:p>
+        </p:txBody>
+      </p:sp>
+    </p:spTree>
+    <p:extLst>
+      <p:ext uri="{BB962C8B-B14F-4D97-AF65-F5344CB8AC3E}">
+        <p14:creationId xmlns:p14="http://schemas.microsoft.com/office/powerpoint/2010/main" val="1752009853"/>
+      </p:ext>
+    </p:extLst>
+  </p:cSld>
+  <p:clrMapOvr>
+    <a:masterClrMapping/>
+  </p:clrMapOvr>
+  <p:timing>
+    <p:tnLst>
+      <p:par>
+        <p:cTn id="1" dur="indefinite" restart="never" nodeType="tmRoot"/>
+      </p:par>
+    </p:tnLst>
+  </p:timing>
+</p:sld>
+</file>
+
+<file path=ppt/slides/slide9.xml><?xml version="1.0" encoding="utf-8"?>
+<p:sld xmlns:a="http://schemas.openxmlformats.org/drawingml/2006/main" xmlns:r="http://schemas.openxmlformats.org/officeDocument/2006/relationships" xmlns:p="http://schemas.openxmlformats.org/presentationml/2006/main">
+  <p:cSld>
+    <p:spTree>
+      <p:nvGrpSpPr>
+        <p:cNvPr id="1" name=""/>
+        <p:cNvGrpSpPr/>
+        <p:nvPr/>
+      </p:nvGrpSpPr>
+      <p:grpSpPr>
+        <a:xfrm>
+          <a:off x="0" y="0"/>
+          <a:ext cx="0" cy="0"/>
+          <a:chOff x="0" y="0"/>
+          <a:chExt cx="0" cy="0"/>
+        </a:xfrm>
+      </p:grpSpPr>
+      <p:sp>
+        <p:nvSpPr>
+          <p:cNvPr id="2" name="Title 1"/>
+          <p:cNvSpPr>
+            <a:spLocks noGrp="1"/>
+          </p:cNvSpPr>
+          <p:nvPr>
+            <p:ph type="title"/>
+          </p:nvPr>
+        </p:nvSpPr>
+        <p:spPr/>
+        <p:txBody>
+          <a:bodyPr/>
+          <a:lstStyle/>
+          <a:p>
+            <a:r>
+              <a:rPr lang="en-US" dirty="0" smtClean="0"/>
+              <a:t>Concerns, Best Practices, Tips</a:t>
+            </a:r>
+            <a:endParaRPr lang="en-US" dirty="0"/>
+          </a:p>
+        </p:txBody>
+      </p:sp>
+      <p:sp>
+        <p:nvSpPr>
+          <p:cNvPr id="3" name="Content Placeholder 2"/>
+          <p:cNvSpPr>
+            <a:spLocks noGrp="1"/>
+          </p:cNvSpPr>
+          <p:nvPr>
+            <p:ph sz="quarter" idx="10"/>
+          </p:nvPr>
+        </p:nvSpPr>
+        <p:spPr>
+          <a:xfrm>
+            <a:off x="379413" y="1388226"/>
+            <a:ext cx="5849937" cy="5290388"/>
+          </a:xfrm>
+        </p:spPr>
+        <p:txBody>
+          <a:bodyPr/>
+          <a:lstStyle/>
+          <a:p>
+            <a:r>
+              <a:rPr lang="en-US" dirty="0" smtClean="0"/>
+              <a:t>Better tests = better data</a:t>
+            </a:r>
+          </a:p>
+          <a:p>
+            <a:r>
+              <a:rPr lang="en-US" dirty="0" smtClean="0"/>
+              <a:t>Focus on the pieces where latency is a concern</a:t>
+            </a:r>
+          </a:p>
+          <a:p>
+            <a:r>
+              <a:rPr lang="en-US" dirty="0" smtClean="0"/>
+              <a:t>Use load test results as a deployment gate</a:t>
+            </a:r>
+            <a:endParaRPr lang="en-US" dirty="0"/>
+          </a:p>
+        </p:txBody>
+      </p:sp>
+      <p:pic>
+        <p:nvPicPr>
+          <p:cNvPr id="4" name="Picture 3"/>
+          <p:cNvPicPr>
+            <a:picLocks noChangeAspect="1"/>
+          </p:cNvPicPr>
+          <p:nvPr/>
+        </p:nvPicPr>
+        <p:blipFill>
+          <a:blip r:embed="rId2"/>
+          <a:stretch>
+            <a:fillRect/>
+          </a:stretch>
+        </p:blipFill>
+        <p:spPr>
+          <a:xfrm>
+            <a:off x="5905501" y="2351519"/>
+            <a:ext cx="5838824" cy="3901644"/>
+          </a:xfrm>
+          <a:prstGeom prst="rect">
+            <a:avLst/>
+          </a:prstGeom>
+        </p:spPr>
+      </p:pic>
+    </p:spTree>
+    <p:extLst>
+      <p:ext uri="{BB962C8B-B14F-4D97-AF65-F5344CB8AC3E}">
+        <p14:creationId xmlns:p14="http://schemas.microsoft.com/office/powerpoint/2010/main" val="1442452109"/>
+      </p:ext>
+    </p:extLst>
+  </p:cSld>
+  <p:clrMapOvr>
+    <a:masterClrMapping/>
+  </p:clrMapOvr>
+  <p:timing>
+    <p:tnLst>
+      <p:par>
+        <p:cTn id="1" dur="indefinite" restart="never" nodeType="tmRoot">
+          <p:childTnLst>
+            <p:seq concurrent="1" nextAc="seek">
+              <p:cTn id="2" dur="indefinite" nodeType="mainSeq">
+                <p:childTnLst>
+                  <p:par>
+                    <p:cTn id="3" fill="hold">
+                      <p:stCondLst>
+                        <p:cond delay="indefinite"/>
+                      </p:stCondLst>
+                      <p:childTnLst>
+                        <p:par>
+                          <p:cTn id="4" fill="hold">
+                            <p:stCondLst>
+                              <p:cond delay="0"/>
+                            </p:stCondLst>
+                            <p:childTnLst>
+                              <p:par>
+                                <p:cTn id="5" presetID="1" presetClass="entr" presetSubtype="0" fill="hold" nodeType="clickEffect">
+                                  <p:stCondLst>
+                                    <p:cond delay="0"/>
+                                  </p:stCondLst>
+                                  <p:childTnLst>
+                                    <p:set>
+                                      <p:cBhvr>
+                                        <p:cTn id="6" dur="1" fill="hold">
+                                          <p:stCondLst>
+                                            <p:cond delay="0"/>
+                                          </p:stCondLst>
+                                        </p:cTn>
+                                        <p:tgtEl>
+                                          <p:spTgt spid="3">
+                                            <p:txEl>
+                                              <p:pRg st="0" end="0"/>
+                                            </p:txEl>
+                                          </p:spTgt>
+                                        </p:tgtEl>
+                                        <p:attrNameLst>
+                                          <p:attrName>style.visibility</p:attrName>
+                                        </p:attrNameLst>
+                                      </p:cBhvr>
+                                      <p:to>
+                                        <p:strVal val="visible"/>
+                                      </p:to>
+                                    </p:set>
+                                  </p:childTnLst>
+                                </p:cTn>
+                              </p:par>
+                            </p:childTnLst>
+                          </p:cTn>
+                        </p:par>
+                      </p:childTnLst>
+                    </p:cTn>
+                  </p:par>
+                  <p:par>
+                    <p:cTn id="7" fill="hold">
+                      <p:stCondLst>
+                        <p:cond delay="indefinite"/>
+                      </p:stCondLst>
+                      <p:childTnLst>
+                        <p:par>
+                          <p:cTn id="8" fill="hold">
+                            <p:stCondLst>
+                              <p:cond delay="0"/>
+                            </p:stCondLst>
+                            <p:childTnLst>
+                              <p:par>
+                                <p:cTn id="9" presetID="1" presetClass="entr" presetSubtype="0" fill="hold" nodeType="clickEffect">
+                                  <p:stCondLst>
+                                    <p:cond delay="0"/>
+                                  </p:stCondLst>
+                                  <p:childTnLst>
+                                    <p:set>
+                                      <p:cBhvr>
+                                        <p:cTn id="10" dur="1" fill="hold">
+                                          <p:stCondLst>
+                                            <p:cond delay="0"/>
+                                          </p:stCondLst>
+                                        </p:cTn>
+                                        <p:tgtEl>
+                                          <p:spTgt spid="3">
+                                            <p:txEl>
+                                              <p:pRg st="1" end="1"/>
+                                            </p:txEl>
+                                          </p:spTgt>
+                                        </p:tgtEl>
+                                        <p:attrNameLst>
+                                          <p:attrName>style.visibility</p:attrName>
+                                        </p:attrNameLst>
+                                      </p:cBhvr>
+                                      <p:to>
+                                        <p:strVal val="visible"/>
+                                      </p:to>
+                                    </p:set>
+                                  </p:childTnLst>
+                                </p:cTn>
+                              </p:par>
+                            </p:childTnLst>
+                          </p:cTn>
+                        </p:par>
+                      </p:childTnLst>
+                    </p:cTn>
+                  </p:par>
+                  <p:par>
+                    <p:cTn id="11" fill="hold">
+                      <p:stCondLst>
+                        <p:cond delay="indefinite"/>
+                      </p:stCondLst>
+                      <p:childTnLst>
+                        <p:par>
+                          <p:cTn id="12" fill="hold">
+                            <p:stCondLst>
+                              <p:cond delay="0"/>
+                            </p:stCondLst>
+                            <p:childTnLst>
+                              <p:par>
+                                <p:cTn id="13" presetID="1" presetClass="entr" presetSubtype="0" fill="hold" nodeType="clickEffect">
+                                  <p:stCondLst>
+                                    <p:cond delay="0"/>
+                                  </p:stCondLst>
+                                  <p:childTnLst>
+                                    <p:set>
+                                      <p:cBhvr>
+                                        <p:cTn id="14" dur="1" fill="hold">
+                                          <p:stCondLst>
+                                            <p:cond delay="0"/>
+                                          </p:stCondLst>
+                                        </p:cTn>
+                                        <p:tgtEl>
+                                          <p:spTgt spid="3">
+                                            <p:txEl>
+                                              <p:pRg st="2" end="2"/>
+                                            </p:txEl>
+                                          </p:spTgt>
+                                        </p:tgtEl>
+                                        <p:attrNameLst>
+                                          <p:attrName>style.visibility</p:attrName>
+                                        </p:attrNameLst>
+                                      </p:cBhvr>
+                                      <p:to>
+                                        <p:strVal val="visible"/>
+                                      </p:to>
+                                    </p:set>
+                                  </p:childTnLst>
+                                </p:cTn>
+                              </p:par>
+                            </p:childTnLst>
+                          </p:cTn>
+                        </p:par>
+                      </p:childTnLst>
+                    </p:cTn>
+                  </p:par>
+                  <p:par>
+                    <p:cTn id="15" fill="hold">
+                      <p:stCondLst>
+                        <p:cond delay="indefinite"/>
+                      </p:stCondLst>
+                      <p:childTnLst>
+                        <p:par>
+                          <p:cTn id="16" fill="hold">
+                            <p:stCondLst>
+                              <p:cond delay="0"/>
+                            </p:stCondLst>
+                            <p:childTnLst>
+                              <p:par>
+                                <p:cTn id="17" presetID="1" presetClass="entr" presetSubtype="0" fill="hold" nodeType="clickEffect">
+                                  <p:stCondLst>
+                                    <p:cond delay="0"/>
+                                  </p:stCondLst>
+                                  <p:childTnLst>
+                                    <p:set>
+                                      <p:cBhvr>
+                                        <p:cTn id="18" dur="1" fill="hold">
+                                          <p:stCondLst>
+                                            <p:cond delay="0"/>
+                                          </p:stCondLst>
+                                        </p:cTn>
+                                        <p:tgtEl>
+                                          <p:spTgt spid="4"/>
+                                        </p:tgtEl>
+                                        <p:attrNameLst>
+                                          <p:attrName>style.visibility</p:attrName>
+                                        </p:attrNameLst>
+                                      </p:cBhvr>
+                                      <p:to>
+                                        <p:strVal val="visible"/>
+                                      </p:to>
+                                    </p:set>
+                                  </p:childTnLst>
+                                </p:cTn>
+                              </p:par>
+                            </p:childTnLst>
+                          </p:cTn>
+                        </p:par>
+                      </p:childTnLst>
+                    </p:cTn>
+                  </p:par>
+                </p:childTnLst>
+              </p:cTn>
+              <p:prevCondLst>
+                <p:cond evt="onPrev" delay="0">
+                  <p:tgtEl>
+                    <p:sldTgt/>
+                  </p:tgtEl>
+                </p:cond>
+              </p:prevCondLst>
+              <p:nextCondLst>
+                <p:cond evt="onNext" delay="0">
+                  <p:tgtEl>
+                    <p:sldTgt/>
+                  </p:tgtEl>
+                </p:cond>
+              </p:nextCondLst>
+            </p:seq>
+          </p:childTnLst>
+        </p:cTn>
       </p:par>
     </p:tnLst>
   </p:timing>
@@ -4858,12 +8904,46 @@
 </file>
 
 <file path=customXml/item1.xml><?xml version="1.0" encoding="utf-8"?>
-<?mso-contentType ?>
-<FormTemplates xmlns="http://schemas.microsoft.com/sharepoint/v3/contenttype/forms">
-  <Display>DocumentLibraryForm</Display>
-  <Edit>DocumentLibraryForm</Edit>
-  <New>DocumentLibraryForm</New>
-</FormTemplates>
+<p:properties xmlns:p="http://schemas.microsoft.com/office/2006/metadata/properties" xmlns:xsi="http://www.w3.org/2001/XMLSchema-instance" xmlns:pc="http://schemas.microsoft.com/office/infopath/2007/PartnerControls">
+  <documentManagement>
+    <TaxCatchAll xmlns="230e9df3-be65-4c73-a93b-d1236ebd677e"/>
+    <PublishingExpirationDate xmlns="http://schemas.microsoft.com/sharepoint/v3" xsi:nil="true"/>
+    <PublishingStartDate xmlns="http://schemas.microsoft.com/sharepoint/v3" xsi:nil="true"/>
+    <TaxKeywordTaxHTField xmlns="230e9df3-be65-4c73-a93b-d1236ebd677e">
+      <Terms xmlns="http://schemas.microsoft.com/office/infopath/2007/PartnerControls"/>
+    </TaxKeywordTaxHTField>
+    <SharedWithUsers xmlns="27aa9422-7f1f-4c84-9cdf-302b1a67e513">
+      <UserInfo>
+        <DisplayName>Shriram Natarajan (SHRI)</DisplayName>
+        <AccountId>3899</AccountId>
+        <AccountType/>
+      </UserInfo>
+      <UserInfo>
+        <DisplayName>Andrew Nickels</DisplayName>
+        <AccountId>24014</AccountId>
+        <AccountType/>
+      </UserInfo>
+      <UserInfo>
+        <DisplayName>Steven Goddard (WSSC)</DisplayName>
+        <AccountId>29711</AccountId>
+        <AccountType/>
+      </UserInfo>
+      <UserInfo>
+        <DisplayName>Jim Clark (LEARNING)</DisplayName>
+        <AccountId>86</AccountId>
+        <AccountType/>
+      </UserInfo>
+      <UserInfo>
+        <DisplayName>Vijay Kumar</DisplayName>
+        <AccountId>53758</AccountId>
+        <AccountType/>
+      </UserInfo>
+    </SharedWithUsers>
+    <SharingHintHash xmlns="27aa9422-7f1f-4c84-9cdf-302b1a67e513">1366665793</SharingHintHash>
+    <_ip_UnifiedCompliancePolicyUIAction xmlns="http://schemas.microsoft.com/sharepoint/v3" xsi:nil="true"/>
+    <_ip_UnifiedCompliancePolicyProperties xmlns="http://schemas.microsoft.com/sharepoint/v3" xsi:nil="true"/>
+  </documentManagement>
+</p:properties>
 </file>
 
 <file path=customXml/item2.xml><?xml version="1.0" encoding="utf-8"?>
@@ -5075,52 +9155,28 @@
 </file>
 
 <file path=customXml/item3.xml><?xml version="1.0" encoding="utf-8"?>
-<p:properties xmlns:p="http://schemas.microsoft.com/office/2006/metadata/properties" xmlns:xsi="http://www.w3.org/2001/XMLSchema-instance" xmlns:pc="http://schemas.microsoft.com/office/infopath/2007/PartnerControls">
-  <documentManagement>
-    <TaxCatchAll xmlns="230e9df3-be65-4c73-a93b-d1236ebd677e"/>
-    <PublishingExpirationDate xmlns="http://schemas.microsoft.com/sharepoint/v3" xsi:nil="true"/>
-    <PublishingStartDate xmlns="http://schemas.microsoft.com/sharepoint/v3" xsi:nil="true"/>
-    <TaxKeywordTaxHTField xmlns="230e9df3-be65-4c73-a93b-d1236ebd677e">
-      <Terms xmlns="http://schemas.microsoft.com/office/infopath/2007/PartnerControls"/>
-    </TaxKeywordTaxHTField>
-    <SharedWithUsers xmlns="27aa9422-7f1f-4c84-9cdf-302b1a67e513">
-      <UserInfo>
-        <DisplayName>Shriram Natarajan (SHRI)</DisplayName>
-        <AccountId>3899</AccountId>
-        <AccountType/>
-      </UserInfo>
-      <UserInfo>
-        <DisplayName>Andrew Nickels</DisplayName>
-        <AccountId>24014</AccountId>
-        <AccountType/>
-      </UserInfo>
-      <UserInfo>
-        <DisplayName>Steven Goddard (WSSC)</DisplayName>
-        <AccountId>29711</AccountId>
-        <AccountType/>
-      </UserInfo>
-      <UserInfo>
-        <DisplayName>Jim Clark (LEARNING)</DisplayName>
-        <AccountId>86</AccountId>
-        <AccountType/>
-      </UserInfo>
-      <UserInfo>
-        <DisplayName>Vijay Kumar</DisplayName>
-        <AccountId>53758</AccountId>
-        <AccountType/>
-      </UserInfo>
-    </SharedWithUsers>
-    <SharingHintHash xmlns="27aa9422-7f1f-4c84-9cdf-302b1a67e513">1366665793</SharingHintHash>
-    <_ip_UnifiedCompliancePolicyUIAction xmlns="http://schemas.microsoft.com/sharepoint/v3" xsi:nil="true"/>
-    <_ip_UnifiedCompliancePolicyProperties xmlns="http://schemas.microsoft.com/sharepoint/v3" xsi:nil="true"/>
-  </documentManagement>
-</p:properties>
+<?mso-contentType ?>
+<FormTemplates xmlns="http://schemas.microsoft.com/sharepoint/v3/contenttype/forms">
+  <Display>DocumentLibraryForm</Display>
+  <Edit>DocumentLibraryForm</Edit>
+  <New>DocumentLibraryForm</New>
+</FormTemplates>
 </file>
 
 <file path=customXml/itemProps1.xml><?xml version="1.0" encoding="utf-8"?>
-<ds:datastoreItem xmlns:ds="http://schemas.openxmlformats.org/officeDocument/2006/customXml" ds:itemID="{B0CA13EC-1D3C-4D6F-8D1C-E8A452CFC79A}">
+<ds:datastoreItem xmlns:ds="http://schemas.openxmlformats.org/officeDocument/2006/customXml" ds:itemID="{7025FDD9-4C58-4084-9F89-0E6ADD6FFF55}">
   <ds:schemaRefs>
-    <ds:schemaRef ds:uri="http://schemas.microsoft.com/sharepoint/v3/contenttype/forms"/>
+    <ds:schemaRef ds:uri="http://schemas.microsoft.com/sharepoint/v3"/>
+    <ds:schemaRef ds:uri="http://purl.org/dc/dcmitype/"/>
+    <ds:schemaRef ds:uri="http://purl.org/dc/terms/"/>
+    <ds:schemaRef ds:uri="http://www.w3.org/XML/1998/namespace"/>
+    <ds:schemaRef ds:uri="http://schemas.openxmlformats.org/package/2006/metadata/core-properties"/>
+    <ds:schemaRef ds:uri="http://schemas.microsoft.com/office/2006/documentManagement/types"/>
+    <ds:schemaRef ds:uri="http://purl.org/dc/elements/1.1/"/>
+    <ds:schemaRef ds:uri="27aa9422-7f1f-4c84-9cdf-302b1a67e513"/>
+    <ds:schemaRef ds:uri="http://schemas.microsoft.com/office/2006/metadata/properties"/>
+    <ds:schemaRef ds:uri="http://schemas.microsoft.com/office/infopath/2007/PartnerControls"/>
+    <ds:schemaRef ds:uri="230e9df3-be65-4c73-a93b-d1236ebd677e"/>
   </ds:schemaRefs>
 </ds:datastoreItem>
 </file>
@@ -5146,19 +9202,9 @@
 </file>
 
 <file path=customXml/itemProps3.xml><?xml version="1.0" encoding="utf-8"?>
-<ds:datastoreItem xmlns:ds="http://schemas.openxmlformats.org/officeDocument/2006/customXml" ds:itemID="{7025FDD9-4C58-4084-9F89-0E6ADD6FFF55}">
+<ds:datastoreItem xmlns:ds="http://schemas.openxmlformats.org/officeDocument/2006/customXml" ds:itemID="{B0CA13EC-1D3C-4D6F-8D1C-E8A452CFC79A}">
   <ds:schemaRefs>
-    <ds:schemaRef ds:uri="http://schemas.openxmlformats.org/package/2006/metadata/core-properties"/>
-    <ds:schemaRef ds:uri="http://purl.org/dc/terms/"/>
-    <ds:schemaRef ds:uri="http://www.w3.org/XML/1998/namespace"/>
-    <ds:schemaRef ds:uri="http://schemas.microsoft.com/office/2006/documentManagement/types"/>
-    <ds:schemaRef ds:uri="http://purl.org/dc/elements/1.1/"/>
-    <ds:schemaRef ds:uri="http://schemas.microsoft.com/sharepoint/v3"/>
-    <ds:schemaRef ds:uri="http://schemas.microsoft.com/office/2006/metadata/properties"/>
-    <ds:schemaRef ds:uri="http://schemas.microsoft.com/office/infopath/2007/PartnerControls"/>
-    <ds:schemaRef ds:uri="27aa9422-7f1f-4c84-9cdf-302b1a67e513"/>
-    <ds:schemaRef ds:uri="230e9df3-be65-4c73-a93b-d1236ebd677e"/>
-    <ds:schemaRef ds:uri="http://purl.org/dc/dcmitype/"/>
+    <ds:schemaRef ds:uri="http://schemas.microsoft.com/sharepoint/v3/contenttype/forms"/>
   </ds:schemaRefs>
 </ds:datastoreItem>
 </file>
--- a/Presentation Materials/MVA-ApplicationsOnAzure-07.pptx
+++ b/Presentation Materials/MVA-ApplicationsOnAzure-07.pptx
@@ -5,21 +5,27 @@
     <p:sldMasterId id="2147483660" r:id="rId4"/>
   </p:sldMasterIdLst>
   <p:notesMasterIdLst>
-    <p:notesMasterId r:id="rId14"/>
+    <p:notesMasterId r:id="rId20"/>
   </p:notesMasterIdLst>
   <p:handoutMasterIdLst>
-    <p:handoutMasterId r:id="rId15"/>
+    <p:handoutMasterId r:id="rId21"/>
   </p:handoutMasterIdLst>
   <p:sldIdLst>
     <p:sldId id="277" r:id="rId5"/>
-    <p:sldId id="278" r:id="rId6"/>
-    <p:sldId id="282" r:id="rId7"/>
-    <p:sldId id="285" r:id="rId8"/>
-    <p:sldId id="283" r:id="rId9"/>
-    <p:sldId id="287" r:id="rId10"/>
-    <p:sldId id="284" r:id="rId11"/>
-    <p:sldId id="286" r:id="rId12"/>
-    <p:sldId id="288" r:id="rId13"/>
+    <p:sldId id="289" r:id="rId6"/>
+    <p:sldId id="290" r:id="rId7"/>
+    <p:sldId id="291" r:id="rId8"/>
+    <p:sldId id="278" r:id="rId9"/>
+    <p:sldId id="292" r:id="rId10"/>
+    <p:sldId id="282" r:id="rId11"/>
+    <p:sldId id="285" r:id="rId12"/>
+    <p:sldId id="293" r:id="rId13"/>
+    <p:sldId id="283" r:id="rId14"/>
+    <p:sldId id="287" r:id="rId15"/>
+    <p:sldId id="294" r:id="rId16"/>
+    <p:sldId id="284" r:id="rId17"/>
+    <p:sldId id="295" r:id="rId18"/>
+    <p:sldId id="288" r:id="rId19"/>
   </p:sldIdLst>
   <p:sldSz cx="12192000" cy="6858000"/>
   <p:notesSz cx="6858000" cy="9144000"/>
@@ -211,7 +217,7 @@
           <a:p>
             <a:fld id="{312E7B4A-039C-48A2-9B2C-AF16AA3873D8}" type="datetimeFigureOut">
               <a:rPr lang="en-US" smtClean="0"/>
-              <a:t>11/6/2015</a:t>
+              <a:t>11/8/2015</a:t>
             </a:fld>
             <a:endParaRPr lang="en-US"/>
           </a:p>
@@ -376,7 +382,7 @@
           <a:p>
             <a:fld id="{DA005A0C-54D9-45AA-87D4-C551D08DFCE1}" type="datetimeFigureOut">
               <a:rPr lang="en-US" smtClean="0"/>
-              <a:t>11/6/2015</a:t>
+              <a:t>11/8/2015</a:t>
             </a:fld>
             <a:endParaRPr lang="en-US"/>
           </a:p>
@@ -775,17 +781,10 @@
         </p:nvSpPr>
         <p:spPr/>
         <p:txBody>
-          <a:bodyPr>
-            <a:noAutofit/>
-          </a:bodyPr>
+          <a:bodyPr/>
           <a:lstStyle/>
           <a:p>
-            <a:endParaRPr lang="en-GB" dirty="0">
-              <a:solidFill>
-                <a:schemeClr val="tx2"/>
-              </a:solidFill>
-              <a:latin typeface="Segoe" pitchFamily="34" charset="0"/>
-            </a:endParaRPr>
+            <a:endParaRPr lang="en-US" dirty="0"/>
           </a:p>
         </p:txBody>
       </p:sp>
@@ -816,7 +815,7 @@
     </p:spTree>
     <p:extLst>
       <p:ext uri="{BB962C8B-B14F-4D97-AF65-F5344CB8AC3E}">
-        <p14:creationId xmlns:p14="http://schemas.microsoft.com/office/powerpoint/2010/main" val="1542757562"/>
+        <p14:creationId xmlns:p14="http://schemas.microsoft.com/office/powerpoint/2010/main" val="2042161802"/>
       </p:ext>
     </p:extLst>
   </p:cSld>
@@ -870,7 +869,7 @@
           <a:bodyPr/>
           <a:lstStyle/>
           <a:p>
-            <a:endParaRPr lang="en-US"/>
+            <a:endParaRPr lang="en-US" dirty="0"/>
           </a:p>
         </p:txBody>
       </p:sp>
@@ -889,18 +888,19 @@
           <a:bodyPr/>
           <a:lstStyle/>
           <a:p>
-            <a:fld id="{4CFD207A-07DF-40AD-A916-9872E089CE7A}" type="slidenum">
+            <a:fld id="{13F0F35F-DD44-4607-AEC1-49D7A4BC4066}" type="slidenum">
               <a:rPr lang="en-US" smtClean="0"/>
+              <a:pPr/>
               <a:t>3</a:t>
             </a:fld>
-            <a:endParaRPr lang="en-US"/>
+            <a:endParaRPr lang="en-US" dirty="0"/>
           </a:p>
         </p:txBody>
       </p:sp>
     </p:spTree>
     <p:extLst>
       <p:ext uri="{BB962C8B-B14F-4D97-AF65-F5344CB8AC3E}">
-        <p14:creationId xmlns:p14="http://schemas.microsoft.com/office/powerpoint/2010/main" val="1692121609"/>
+        <p14:creationId xmlns:p14="http://schemas.microsoft.com/office/powerpoint/2010/main" val="3877289312"/>
       </p:ext>
     </p:extLst>
   </p:cSld>
@@ -951,10 +951,17 @@
         </p:nvSpPr>
         <p:spPr/>
         <p:txBody>
-          <a:bodyPr/>
+          <a:bodyPr>
+            <a:noAutofit/>
+          </a:bodyPr>
           <a:lstStyle/>
           <a:p>
-            <a:endParaRPr lang="en-US"/>
+            <a:endParaRPr lang="en-GB" dirty="0">
+              <a:solidFill>
+                <a:schemeClr val="tx2"/>
+              </a:solidFill>
+              <a:latin typeface="Segoe" pitchFamily="34" charset="0"/>
+            </a:endParaRPr>
           </a:p>
         </p:txBody>
       </p:sp>
@@ -973,18 +980,19 @@
           <a:bodyPr/>
           <a:lstStyle/>
           <a:p>
-            <a:fld id="{4CFD207A-07DF-40AD-A916-9872E089CE7A}" type="slidenum">
+            <a:fld id="{13F0F35F-DD44-4607-AEC1-49D7A4BC4066}" type="slidenum">
               <a:rPr lang="en-US" smtClean="0"/>
-              <a:t>4</a:t>
+              <a:pPr/>
+              <a:t>5</a:t>
             </a:fld>
-            <a:endParaRPr lang="en-US"/>
+            <a:endParaRPr lang="en-US" dirty="0"/>
           </a:p>
         </p:txBody>
       </p:sp>
     </p:spTree>
     <p:extLst>
       <p:ext uri="{BB962C8B-B14F-4D97-AF65-F5344CB8AC3E}">
-        <p14:creationId xmlns:p14="http://schemas.microsoft.com/office/powerpoint/2010/main" val="1019202955"/>
+        <p14:creationId xmlns:p14="http://schemas.microsoft.com/office/powerpoint/2010/main" val="1542757562"/>
       </p:ext>
     </p:extLst>
   </p:cSld>
@@ -1059,7 +1067,7 @@
           <a:p>
             <a:fld id="{4CFD207A-07DF-40AD-A916-9872E089CE7A}" type="slidenum">
               <a:rPr lang="en-US" smtClean="0"/>
-              <a:t>5</a:t>
+              <a:t>7</a:t>
             </a:fld>
             <a:endParaRPr lang="en-US"/>
           </a:p>
@@ -1068,7 +1076,7 @@
     </p:spTree>
     <p:extLst>
       <p:ext uri="{BB962C8B-B14F-4D97-AF65-F5344CB8AC3E}">
-        <p14:creationId xmlns:p14="http://schemas.microsoft.com/office/powerpoint/2010/main" val="1779713633"/>
+        <p14:creationId xmlns:p14="http://schemas.microsoft.com/office/powerpoint/2010/main" val="1692121609"/>
       </p:ext>
     </p:extLst>
   </p:cSld>
@@ -1122,27 +1130,7 @@
           <a:bodyPr/>
           <a:lstStyle/>
           <a:p>
-            <a:r>
-              <a:rPr lang="en-US" dirty="0" smtClean="0"/>
-              <a:t>Not hard:</a:t>
-            </a:r>
-          </a:p>
-          <a:p>
-            <a:r>
-              <a:rPr lang="en-US" dirty="0" smtClean="0"/>
-              <a:t> - don’t have to set</a:t>
-            </a:r>
-            <a:r>
-              <a:rPr lang="en-US" baseline="0" dirty="0" smtClean="0"/>
-              <a:t> up a lab/infrastructure</a:t>
-            </a:r>
-          </a:p>
-          <a:p>
-            <a:r>
-              <a:rPr lang="en-US" baseline="0" dirty="0" smtClean="0"/>
-              <a:t> - samples to get you started</a:t>
-            </a:r>
-            <a:endParaRPr lang="en-US" dirty="0"/>
+            <a:endParaRPr lang="en-US"/>
           </a:p>
         </p:txBody>
       </p:sp>
@@ -1163,7 +1151,7 @@
           <a:p>
             <a:fld id="{4CFD207A-07DF-40AD-A916-9872E089CE7A}" type="slidenum">
               <a:rPr lang="en-US" smtClean="0"/>
-              <a:t>7</a:t>
+              <a:t>8</a:t>
             </a:fld>
             <a:endParaRPr lang="en-US"/>
           </a:p>
@@ -1172,7 +1160,7 @@
     </p:spTree>
     <p:extLst>
       <p:ext uri="{BB962C8B-B14F-4D97-AF65-F5344CB8AC3E}">
-        <p14:creationId xmlns:p14="http://schemas.microsoft.com/office/powerpoint/2010/main" val="3285353515"/>
+        <p14:creationId xmlns:p14="http://schemas.microsoft.com/office/powerpoint/2010/main" val="1019202955"/>
       </p:ext>
     </p:extLst>
   </p:cSld>
@@ -1247,7 +1235,7 @@
           <a:p>
             <a:fld id="{4CFD207A-07DF-40AD-A916-9872E089CE7A}" type="slidenum">
               <a:rPr lang="en-US" smtClean="0"/>
-              <a:t>8</a:t>
+              <a:t>10</a:t>
             </a:fld>
             <a:endParaRPr lang="en-US"/>
           </a:p>
@@ -1256,7 +1244,111 @@
     </p:spTree>
     <p:extLst>
       <p:ext uri="{BB962C8B-B14F-4D97-AF65-F5344CB8AC3E}">
-        <p14:creationId xmlns:p14="http://schemas.microsoft.com/office/powerpoint/2010/main" val="2575293329"/>
+        <p14:creationId xmlns:p14="http://schemas.microsoft.com/office/powerpoint/2010/main" val="1779713633"/>
+      </p:ext>
+    </p:extLst>
+  </p:cSld>
+  <p:clrMapOvr>
+    <a:masterClrMapping/>
+  </p:clrMapOvr>
+</p:notes>
+</file>
+
+<file path=ppt/notesSlides/notesSlide8.xml><?xml version="1.0" encoding="utf-8"?>
+<p:notes xmlns:a="http://schemas.openxmlformats.org/drawingml/2006/main" xmlns:r="http://schemas.openxmlformats.org/officeDocument/2006/relationships" xmlns:p="http://schemas.openxmlformats.org/presentationml/2006/main">
+  <p:cSld>
+    <p:spTree>
+      <p:nvGrpSpPr>
+        <p:cNvPr id="1" name=""/>
+        <p:cNvGrpSpPr/>
+        <p:nvPr/>
+      </p:nvGrpSpPr>
+      <p:grpSpPr>
+        <a:xfrm>
+          <a:off x="0" y="0"/>
+          <a:ext cx="0" cy="0"/>
+          <a:chOff x="0" y="0"/>
+          <a:chExt cx="0" cy="0"/>
+        </a:xfrm>
+      </p:grpSpPr>
+      <p:sp>
+        <p:nvSpPr>
+          <p:cNvPr id="2" name="Slide Image Placeholder 1"/>
+          <p:cNvSpPr>
+            <a:spLocks noGrp="1" noRot="1" noChangeAspect="1"/>
+          </p:cNvSpPr>
+          <p:nvPr>
+            <p:ph type="sldImg"/>
+          </p:nvPr>
+        </p:nvSpPr>
+        <p:spPr/>
+      </p:sp>
+      <p:sp>
+        <p:nvSpPr>
+          <p:cNvPr id="3" name="Notes Placeholder 2"/>
+          <p:cNvSpPr>
+            <a:spLocks noGrp="1"/>
+          </p:cNvSpPr>
+          <p:nvPr>
+            <p:ph type="body" idx="1"/>
+          </p:nvPr>
+        </p:nvSpPr>
+        <p:spPr/>
+        <p:txBody>
+          <a:bodyPr/>
+          <a:lstStyle/>
+          <a:p>
+            <a:r>
+              <a:rPr lang="en-US" dirty="0" smtClean="0"/>
+              <a:t>Not hard:</a:t>
+            </a:r>
+          </a:p>
+          <a:p>
+            <a:r>
+              <a:rPr lang="en-US" dirty="0" smtClean="0"/>
+              <a:t> - don’t have to set</a:t>
+            </a:r>
+            <a:r>
+              <a:rPr lang="en-US" baseline="0" dirty="0" smtClean="0"/>
+              <a:t> up a lab/infrastructure</a:t>
+            </a:r>
+          </a:p>
+          <a:p>
+            <a:r>
+              <a:rPr lang="en-US" baseline="0" dirty="0" smtClean="0"/>
+              <a:t> - samples to get you started</a:t>
+            </a:r>
+            <a:endParaRPr lang="en-US" dirty="0"/>
+          </a:p>
+        </p:txBody>
+      </p:sp>
+      <p:sp>
+        <p:nvSpPr>
+          <p:cNvPr id="4" name="Slide Number Placeholder 3"/>
+          <p:cNvSpPr>
+            <a:spLocks noGrp="1"/>
+          </p:cNvSpPr>
+          <p:nvPr>
+            <p:ph type="sldNum" sz="quarter" idx="10"/>
+          </p:nvPr>
+        </p:nvSpPr>
+        <p:spPr/>
+        <p:txBody>
+          <a:bodyPr/>
+          <a:lstStyle/>
+          <a:p>
+            <a:fld id="{4CFD207A-07DF-40AD-A916-9872E089CE7A}" type="slidenum">
+              <a:rPr lang="en-US" smtClean="0"/>
+              <a:t>13</a:t>
+            </a:fld>
+            <a:endParaRPr lang="en-US"/>
+          </a:p>
+        </p:txBody>
+      </p:sp>
+    </p:spTree>
+    <p:extLst>
+      <p:ext uri="{BB962C8B-B14F-4D97-AF65-F5344CB8AC3E}">
+        <p14:creationId xmlns:p14="http://schemas.microsoft.com/office/powerpoint/2010/main" val="3285353515"/>
       </p:ext>
     </p:extLst>
   </p:cSld>
@@ -4109,6 +4201,1729 @@
 </p:sld>
 </file>
 
+<file path=ppt/slides/slide10.xml><?xml version="1.0" encoding="utf-8"?>
+<p:sld xmlns:a="http://schemas.openxmlformats.org/drawingml/2006/main" xmlns:r="http://schemas.openxmlformats.org/officeDocument/2006/relationships" xmlns:p="http://schemas.openxmlformats.org/presentationml/2006/main">
+  <p:cSld>
+    <p:spTree>
+      <p:nvGrpSpPr>
+        <p:cNvPr id="1" name=""/>
+        <p:cNvGrpSpPr/>
+        <p:nvPr/>
+      </p:nvGrpSpPr>
+      <p:grpSpPr>
+        <a:xfrm>
+          <a:off x="0" y="0"/>
+          <a:ext cx="0" cy="0"/>
+          <a:chOff x="0" y="0"/>
+          <a:chExt cx="0" cy="0"/>
+        </a:xfrm>
+      </p:grpSpPr>
+      <p:sp>
+        <p:nvSpPr>
+          <p:cNvPr id="2" name="Title 1"/>
+          <p:cNvSpPr>
+            <a:spLocks noGrp="1"/>
+          </p:cNvSpPr>
+          <p:nvPr>
+            <p:ph type="title"/>
+          </p:nvPr>
+        </p:nvSpPr>
+        <p:spPr/>
+        <p:txBody>
+          <a:bodyPr/>
+          <a:lstStyle/>
+          <a:p>
+            <a:r>
+              <a:rPr lang="en-US" dirty="0" smtClean="0"/>
+              <a:t>Some Assembly Required</a:t>
+            </a:r>
+            <a:endParaRPr lang="en-US" dirty="0"/>
+          </a:p>
+        </p:txBody>
+      </p:sp>
+      <p:sp>
+        <p:nvSpPr>
+          <p:cNvPr id="3" name="Content Placeholder 2"/>
+          <p:cNvSpPr>
+            <a:spLocks noGrp="1"/>
+          </p:cNvSpPr>
+          <p:nvPr>
+            <p:ph sz="quarter" idx="10"/>
+          </p:nvPr>
+        </p:nvSpPr>
+        <p:spPr/>
+        <p:txBody>
+          <a:bodyPr/>
+          <a:lstStyle/>
+          <a:p>
+            <a:r>
+              <a:rPr lang="en-US" dirty="0" smtClean="0"/>
+              <a:t>Cloud is an enabler for scalability</a:t>
+            </a:r>
+          </a:p>
+          <a:p>
+            <a:r>
+              <a:rPr lang="en-US" dirty="0" smtClean="0"/>
+              <a:t>Your architecture needs to support it</a:t>
+            </a:r>
+          </a:p>
+          <a:p>
+            <a:r>
+              <a:rPr lang="en-US" dirty="0" smtClean="0"/>
+              <a:t>Lift &amp; shift not supported</a:t>
+            </a:r>
+          </a:p>
+          <a:p>
+            <a:endParaRPr lang="en-US" dirty="0"/>
+          </a:p>
+        </p:txBody>
+      </p:sp>
+      <p:sp>
+        <p:nvSpPr>
+          <p:cNvPr id="5" name="Oval 4"/>
+          <p:cNvSpPr/>
+          <p:nvPr/>
+        </p:nvSpPr>
+        <p:spPr>
+          <a:xfrm>
+            <a:off x="7985760" y="5487989"/>
+            <a:ext cx="3048000" cy="800100"/>
+          </a:xfrm>
+          <a:prstGeom prst="ellipse">
+            <a:avLst/>
+          </a:prstGeom>
+        </p:spPr>
+        <p:style>
+          <a:lnRef idx="2">
+            <a:schemeClr val="dk1">
+              <a:shade val="50000"/>
+            </a:schemeClr>
+          </a:lnRef>
+          <a:fillRef idx="1">
+            <a:schemeClr val="dk1"/>
+          </a:fillRef>
+          <a:effectRef idx="0">
+            <a:schemeClr val="dk1"/>
+          </a:effectRef>
+          <a:fontRef idx="minor">
+            <a:schemeClr val="lt1"/>
+          </a:fontRef>
+        </p:style>
+        <p:txBody>
+          <a:bodyPr rtlCol="0" anchor="ctr"/>
+          <a:lstStyle/>
+          <a:p>
+            <a:pPr algn="ctr"/>
+            <a:endParaRPr lang="en-US"/>
+          </a:p>
+        </p:txBody>
+      </p:sp>
+      <p:sp>
+        <p:nvSpPr>
+          <p:cNvPr id="6" name="Freeform 5"/>
+          <p:cNvSpPr/>
+          <p:nvPr/>
+        </p:nvSpPr>
+        <p:spPr>
+          <a:xfrm>
+            <a:off x="8134350" y="2800350"/>
+            <a:ext cx="1447800" cy="3714750"/>
+          </a:xfrm>
+          <a:custGeom>
+            <a:avLst/>
+            <a:gdLst>
+              <a:gd name="connsiteX0" fmla="*/ 19050 w 1447800"/>
+              <a:gd name="connsiteY0" fmla="*/ 0 h 3714750"/>
+              <a:gd name="connsiteX1" fmla="*/ 0 w 1447800"/>
+              <a:gd name="connsiteY1" fmla="*/ 2609850 h 3714750"/>
+              <a:gd name="connsiteX2" fmla="*/ 1447800 w 1447800"/>
+              <a:gd name="connsiteY2" fmla="*/ 3714750 h 3714750"/>
+              <a:gd name="connsiteX3" fmla="*/ 1447800 w 1447800"/>
+              <a:gd name="connsiteY3" fmla="*/ 781050 h 3714750"/>
+              <a:gd name="connsiteX4" fmla="*/ 19050 w 1447800"/>
+              <a:gd name="connsiteY4" fmla="*/ 0 h 3714750"/>
+              <a:gd name="connsiteX0" fmla="*/ 19050 w 1447800"/>
+              <a:gd name="connsiteY0" fmla="*/ 0 h 3714750"/>
+              <a:gd name="connsiteX1" fmla="*/ 0 w 1447800"/>
+              <a:gd name="connsiteY1" fmla="*/ 2784022 h 3714750"/>
+              <a:gd name="connsiteX2" fmla="*/ 1447800 w 1447800"/>
+              <a:gd name="connsiteY2" fmla="*/ 3714750 h 3714750"/>
+              <a:gd name="connsiteX3" fmla="*/ 1447800 w 1447800"/>
+              <a:gd name="connsiteY3" fmla="*/ 781050 h 3714750"/>
+              <a:gd name="connsiteX4" fmla="*/ 19050 w 1447800"/>
+              <a:gd name="connsiteY4" fmla="*/ 0 h 3714750"/>
+            </a:gdLst>
+            <a:ahLst/>
+            <a:cxnLst>
+              <a:cxn ang="0">
+                <a:pos x="connsiteX0" y="connsiteY0"/>
+              </a:cxn>
+              <a:cxn ang="0">
+                <a:pos x="connsiteX1" y="connsiteY1"/>
+              </a:cxn>
+              <a:cxn ang="0">
+                <a:pos x="connsiteX2" y="connsiteY2"/>
+              </a:cxn>
+              <a:cxn ang="0">
+                <a:pos x="connsiteX3" y="connsiteY3"/>
+              </a:cxn>
+              <a:cxn ang="0">
+                <a:pos x="connsiteX4" y="connsiteY4"/>
+              </a:cxn>
+            </a:cxnLst>
+            <a:rect l="l" t="t" r="r" b="b"/>
+            <a:pathLst>
+              <a:path w="1447800" h="3714750">
+                <a:moveTo>
+                  <a:pt x="19050" y="0"/>
+                </a:moveTo>
+                <a:lnTo>
+                  <a:pt x="0" y="2784022"/>
+                </a:lnTo>
+                <a:lnTo>
+                  <a:pt x="1447800" y="3714750"/>
+                </a:lnTo>
+                <a:lnTo>
+                  <a:pt x="1447800" y="781050"/>
+                </a:lnTo>
+                <a:lnTo>
+                  <a:pt x="19050" y="0"/>
+                </a:lnTo>
+                <a:close/>
+              </a:path>
+            </a:pathLst>
+          </a:custGeom>
+          <a:solidFill>
+            <a:schemeClr val="accent1"/>
+          </a:solidFill>
+        </p:spPr>
+        <p:style>
+          <a:lnRef idx="2">
+            <a:schemeClr val="accent1">
+              <a:shade val="50000"/>
+            </a:schemeClr>
+          </a:lnRef>
+          <a:fillRef idx="1">
+            <a:schemeClr val="accent1"/>
+          </a:fillRef>
+          <a:effectRef idx="0">
+            <a:schemeClr val="accent1"/>
+          </a:effectRef>
+          <a:fontRef idx="minor">
+            <a:schemeClr val="lt1"/>
+          </a:fontRef>
+        </p:style>
+        <p:txBody>
+          <a:bodyPr rtlCol="0" anchor="ctr"/>
+          <a:lstStyle/>
+          <a:p>
+            <a:pPr algn="ctr"/>
+            <a:endParaRPr lang="en-US"/>
+          </a:p>
+        </p:txBody>
+      </p:sp>
+      <p:sp>
+        <p:nvSpPr>
+          <p:cNvPr id="7" name="Freeform 6"/>
+          <p:cNvSpPr/>
+          <p:nvPr/>
+        </p:nvSpPr>
+        <p:spPr>
+          <a:xfrm>
+            <a:off x="9582150" y="2895600"/>
+            <a:ext cx="1333500" cy="3600450"/>
+          </a:xfrm>
+          <a:custGeom>
+            <a:avLst/>
+            <a:gdLst>
+              <a:gd name="connsiteX0" fmla="*/ 19050 w 1333500"/>
+              <a:gd name="connsiteY0" fmla="*/ 666750 h 3600450"/>
+              <a:gd name="connsiteX1" fmla="*/ 1333500 w 1333500"/>
+              <a:gd name="connsiteY1" fmla="*/ 0 h 3600450"/>
+              <a:gd name="connsiteX2" fmla="*/ 1333500 w 1333500"/>
+              <a:gd name="connsiteY2" fmla="*/ 2743200 h 3600450"/>
+              <a:gd name="connsiteX3" fmla="*/ 0 w 1333500"/>
+              <a:gd name="connsiteY3" fmla="*/ 3600450 h 3600450"/>
+              <a:gd name="connsiteX4" fmla="*/ 19050 w 1333500"/>
+              <a:gd name="connsiteY4" fmla="*/ 666750 h 3600450"/>
+            </a:gdLst>
+            <a:ahLst/>
+            <a:cxnLst>
+              <a:cxn ang="0">
+                <a:pos x="connsiteX0" y="connsiteY0"/>
+              </a:cxn>
+              <a:cxn ang="0">
+                <a:pos x="connsiteX1" y="connsiteY1"/>
+              </a:cxn>
+              <a:cxn ang="0">
+                <a:pos x="connsiteX2" y="connsiteY2"/>
+              </a:cxn>
+              <a:cxn ang="0">
+                <a:pos x="connsiteX3" y="connsiteY3"/>
+              </a:cxn>
+              <a:cxn ang="0">
+                <a:pos x="connsiteX4" y="connsiteY4"/>
+              </a:cxn>
+            </a:cxnLst>
+            <a:rect l="l" t="t" r="r" b="b"/>
+            <a:pathLst>
+              <a:path w="1333500" h="3600450">
+                <a:moveTo>
+                  <a:pt x="19050" y="666750"/>
+                </a:moveTo>
+                <a:lnTo>
+                  <a:pt x="1333500" y="0"/>
+                </a:lnTo>
+                <a:lnTo>
+                  <a:pt x="1333500" y="2743200"/>
+                </a:lnTo>
+                <a:lnTo>
+                  <a:pt x="0" y="3600450"/>
+                </a:lnTo>
+                <a:lnTo>
+                  <a:pt x="19050" y="666750"/>
+                </a:lnTo>
+                <a:close/>
+              </a:path>
+            </a:pathLst>
+          </a:custGeom>
+          <a:solidFill>
+            <a:schemeClr val="accent1">
+              <a:lumMod val="60000"/>
+              <a:lumOff val="40000"/>
+            </a:schemeClr>
+          </a:solidFill>
+        </p:spPr>
+        <p:style>
+          <a:lnRef idx="2">
+            <a:schemeClr val="accent1">
+              <a:shade val="50000"/>
+            </a:schemeClr>
+          </a:lnRef>
+          <a:fillRef idx="1">
+            <a:schemeClr val="accent1"/>
+          </a:fillRef>
+          <a:effectRef idx="0">
+            <a:schemeClr val="accent1"/>
+          </a:effectRef>
+          <a:fontRef idx="minor">
+            <a:schemeClr val="lt1"/>
+          </a:fontRef>
+        </p:style>
+        <p:txBody>
+          <a:bodyPr rtlCol="0" anchor="ctr"/>
+          <a:lstStyle/>
+          <a:p>
+            <a:pPr algn="ctr"/>
+            <a:endParaRPr lang="en-US"/>
+          </a:p>
+        </p:txBody>
+      </p:sp>
+      <p:sp>
+        <p:nvSpPr>
+          <p:cNvPr id="8" name="Freeform 7"/>
+          <p:cNvSpPr/>
+          <p:nvPr/>
+        </p:nvSpPr>
+        <p:spPr>
+          <a:xfrm>
+            <a:off x="8168640" y="2240280"/>
+            <a:ext cx="2758440" cy="1348740"/>
+          </a:xfrm>
+          <a:custGeom>
+            <a:avLst/>
+            <a:gdLst>
+              <a:gd name="connsiteX0" fmla="*/ 0 w 2758440"/>
+              <a:gd name="connsiteY0" fmla="*/ 563880 h 1348740"/>
+              <a:gd name="connsiteX1" fmla="*/ 1440180 w 2758440"/>
+              <a:gd name="connsiteY1" fmla="*/ 1348740 h 1348740"/>
+              <a:gd name="connsiteX2" fmla="*/ 2758440 w 2758440"/>
+              <a:gd name="connsiteY2" fmla="*/ 655320 h 1348740"/>
+              <a:gd name="connsiteX3" fmla="*/ 1417320 w 2758440"/>
+              <a:gd name="connsiteY3" fmla="*/ 0 h 1348740"/>
+              <a:gd name="connsiteX4" fmla="*/ 0 w 2758440"/>
+              <a:gd name="connsiteY4" fmla="*/ 563880 h 1348740"/>
+            </a:gdLst>
+            <a:ahLst/>
+            <a:cxnLst>
+              <a:cxn ang="0">
+                <a:pos x="connsiteX0" y="connsiteY0"/>
+              </a:cxn>
+              <a:cxn ang="0">
+                <a:pos x="connsiteX1" y="connsiteY1"/>
+              </a:cxn>
+              <a:cxn ang="0">
+                <a:pos x="connsiteX2" y="connsiteY2"/>
+              </a:cxn>
+              <a:cxn ang="0">
+                <a:pos x="connsiteX3" y="connsiteY3"/>
+              </a:cxn>
+              <a:cxn ang="0">
+                <a:pos x="connsiteX4" y="connsiteY4"/>
+              </a:cxn>
+            </a:cxnLst>
+            <a:rect l="l" t="t" r="r" b="b"/>
+            <a:pathLst>
+              <a:path w="2758440" h="1348740">
+                <a:moveTo>
+                  <a:pt x="0" y="563880"/>
+                </a:moveTo>
+                <a:lnTo>
+                  <a:pt x="1440180" y="1348740"/>
+                </a:lnTo>
+                <a:lnTo>
+                  <a:pt x="2758440" y="655320"/>
+                </a:lnTo>
+                <a:lnTo>
+                  <a:pt x="1417320" y="0"/>
+                </a:lnTo>
+                <a:lnTo>
+                  <a:pt x="0" y="563880"/>
+                </a:lnTo>
+                <a:close/>
+              </a:path>
+            </a:pathLst>
+          </a:custGeom>
+          <a:solidFill>
+            <a:schemeClr val="accent1">
+              <a:lumMod val="20000"/>
+              <a:lumOff val="80000"/>
+            </a:schemeClr>
+          </a:solidFill>
+        </p:spPr>
+        <p:style>
+          <a:lnRef idx="2">
+            <a:schemeClr val="accent1">
+              <a:shade val="50000"/>
+            </a:schemeClr>
+          </a:lnRef>
+          <a:fillRef idx="1">
+            <a:schemeClr val="accent1"/>
+          </a:fillRef>
+          <a:effectRef idx="0">
+            <a:schemeClr val="accent1"/>
+          </a:effectRef>
+          <a:fontRef idx="minor">
+            <a:schemeClr val="lt1"/>
+          </a:fontRef>
+        </p:style>
+        <p:txBody>
+          <a:bodyPr rtlCol="0" anchor="ctr"/>
+          <a:lstStyle/>
+          <a:p>
+            <a:pPr algn="ctr"/>
+            <a:endParaRPr lang="en-US"/>
+          </a:p>
+        </p:txBody>
+      </p:sp>
+    </p:spTree>
+    <p:extLst>
+      <p:ext uri="{BB962C8B-B14F-4D97-AF65-F5344CB8AC3E}">
+        <p14:creationId xmlns:p14="http://schemas.microsoft.com/office/powerpoint/2010/main" val="2493956106"/>
+      </p:ext>
+    </p:extLst>
+  </p:cSld>
+  <p:clrMapOvr>
+    <a:masterClrMapping/>
+  </p:clrMapOvr>
+  <p:timing>
+    <p:tnLst>
+      <p:par>
+        <p:cTn id="1" dur="indefinite" restart="never" nodeType="tmRoot">
+          <p:childTnLst>
+            <p:seq concurrent="1" nextAc="seek">
+              <p:cTn id="2" dur="indefinite" nodeType="mainSeq">
+                <p:childTnLst>
+                  <p:par>
+                    <p:cTn id="3" fill="hold">
+                      <p:stCondLst>
+                        <p:cond delay="indefinite"/>
+                      </p:stCondLst>
+                      <p:childTnLst>
+                        <p:par>
+                          <p:cTn id="4" fill="hold">
+                            <p:stCondLst>
+                              <p:cond delay="0"/>
+                            </p:stCondLst>
+                            <p:childTnLst>
+                              <p:par>
+                                <p:cTn id="5" presetID="1" presetClass="entr" presetSubtype="0" fill="hold" nodeType="clickEffect">
+                                  <p:stCondLst>
+                                    <p:cond delay="0"/>
+                                  </p:stCondLst>
+                                  <p:childTnLst>
+                                    <p:set>
+                                      <p:cBhvr>
+                                        <p:cTn id="6" dur="1" fill="hold">
+                                          <p:stCondLst>
+                                            <p:cond delay="0"/>
+                                          </p:stCondLst>
+                                        </p:cTn>
+                                        <p:tgtEl>
+                                          <p:spTgt spid="3">
+                                            <p:txEl>
+                                              <p:pRg st="0" end="0"/>
+                                            </p:txEl>
+                                          </p:spTgt>
+                                        </p:tgtEl>
+                                        <p:attrNameLst>
+                                          <p:attrName>style.visibility</p:attrName>
+                                        </p:attrNameLst>
+                                      </p:cBhvr>
+                                      <p:to>
+                                        <p:strVal val="visible"/>
+                                      </p:to>
+                                    </p:set>
+                                  </p:childTnLst>
+                                </p:cTn>
+                              </p:par>
+                            </p:childTnLst>
+                          </p:cTn>
+                        </p:par>
+                      </p:childTnLst>
+                    </p:cTn>
+                  </p:par>
+                  <p:par>
+                    <p:cTn id="7" fill="hold">
+                      <p:stCondLst>
+                        <p:cond delay="indefinite"/>
+                      </p:stCondLst>
+                      <p:childTnLst>
+                        <p:par>
+                          <p:cTn id="8" fill="hold">
+                            <p:stCondLst>
+                              <p:cond delay="0"/>
+                            </p:stCondLst>
+                            <p:childTnLst>
+                              <p:par>
+                                <p:cTn id="9" presetID="1" presetClass="entr" presetSubtype="0" fill="hold" nodeType="clickEffect">
+                                  <p:stCondLst>
+                                    <p:cond delay="0"/>
+                                  </p:stCondLst>
+                                  <p:childTnLst>
+                                    <p:set>
+                                      <p:cBhvr>
+                                        <p:cTn id="10" dur="1" fill="hold">
+                                          <p:stCondLst>
+                                            <p:cond delay="0"/>
+                                          </p:stCondLst>
+                                        </p:cTn>
+                                        <p:tgtEl>
+                                          <p:spTgt spid="3">
+                                            <p:txEl>
+                                              <p:pRg st="1" end="1"/>
+                                            </p:txEl>
+                                          </p:spTgt>
+                                        </p:tgtEl>
+                                        <p:attrNameLst>
+                                          <p:attrName>style.visibility</p:attrName>
+                                        </p:attrNameLst>
+                                      </p:cBhvr>
+                                      <p:to>
+                                        <p:strVal val="visible"/>
+                                      </p:to>
+                                    </p:set>
+                                  </p:childTnLst>
+                                </p:cTn>
+                              </p:par>
+                            </p:childTnLst>
+                          </p:cTn>
+                        </p:par>
+                      </p:childTnLst>
+                    </p:cTn>
+                  </p:par>
+                  <p:par>
+                    <p:cTn id="11" fill="hold">
+                      <p:stCondLst>
+                        <p:cond delay="indefinite"/>
+                      </p:stCondLst>
+                      <p:childTnLst>
+                        <p:par>
+                          <p:cTn id="12" fill="hold">
+                            <p:stCondLst>
+                              <p:cond delay="0"/>
+                            </p:stCondLst>
+                            <p:childTnLst>
+                              <p:par>
+                                <p:cTn id="13" presetID="1" presetClass="entr" presetSubtype="0" fill="hold" nodeType="clickEffect">
+                                  <p:stCondLst>
+                                    <p:cond delay="0"/>
+                                  </p:stCondLst>
+                                  <p:childTnLst>
+                                    <p:set>
+                                      <p:cBhvr>
+                                        <p:cTn id="14" dur="1" fill="hold">
+                                          <p:stCondLst>
+                                            <p:cond delay="0"/>
+                                          </p:stCondLst>
+                                        </p:cTn>
+                                        <p:tgtEl>
+                                          <p:spTgt spid="3">
+                                            <p:txEl>
+                                              <p:pRg st="2" end="2"/>
+                                            </p:txEl>
+                                          </p:spTgt>
+                                        </p:tgtEl>
+                                        <p:attrNameLst>
+                                          <p:attrName>style.visibility</p:attrName>
+                                        </p:attrNameLst>
+                                      </p:cBhvr>
+                                      <p:to>
+                                        <p:strVal val="visible"/>
+                                      </p:to>
+                                    </p:set>
+                                  </p:childTnLst>
+                                </p:cTn>
+                              </p:par>
+                            </p:childTnLst>
+                          </p:cTn>
+                        </p:par>
+                      </p:childTnLst>
+                    </p:cTn>
+                  </p:par>
+                  <p:par>
+                    <p:cTn id="15" fill="hold">
+                      <p:stCondLst>
+                        <p:cond delay="indefinite"/>
+                      </p:stCondLst>
+                      <p:childTnLst>
+                        <p:par>
+                          <p:cTn id="16" fill="hold">
+                            <p:stCondLst>
+                              <p:cond delay="0"/>
+                            </p:stCondLst>
+                            <p:childTnLst>
+                              <p:par>
+                                <p:cTn id="17" presetID="1" presetClass="entr" presetSubtype="0" fill="hold" grpId="0" nodeType="clickEffect">
+                                  <p:stCondLst>
+                                    <p:cond delay="0"/>
+                                  </p:stCondLst>
+                                  <p:childTnLst>
+                                    <p:set>
+                                      <p:cBhvr>
+                                        <p:cTn id="18" dur="1" fill="hold">
+                                          <p:stCondLst>
+                                            <p:cond delay="0"/>
+                                          </p:stCondLst>
+                                        </p:cTn>
+                                        <p:tgtEl>
+                                          <p:spTgt spid="5"/>
+                                        </p:tgtEl>
+                                        <p:attrNameLst>
+                                          <p:attrName>style.visibility</p:attrName>
+                                        </p:attrNameLst>
+                                      </p:cBhvr>
+                                      <p:to>
+                                        <p:strVal val="visible"/>
+                                      </p:to>
+                                    </p:set>
+                                  </p:childTnLst>
+                                </p:cTn>
+                              </p:par>
+                              <p:par>
+                                <p:cTn id="19" presetID="1" presetClass="entr" presetSubtype="0" fill="hold" grpId="0" nodeType="withEffect">
+                                  <p:stCondLst>
+                                    <p:cond delay="0"/>
+                                  </p:stCondLst>
+                                  <p:childTnLst>
+                                    <p:set>
+                                      <p:cBhvr>
+                                        <p:cTn id="20" dur="1" fill="hold">
+                                          <p:stCondLst>
+                                            <p:cond delay="0"/>
+                                          </p:stCondLst>
+                                        </p:cTn>
+                                        <p:tgtEl>
+                                          <p:spTgt spid="6"/>
+                                        </p:tgtEl>
+                                        <p:attrNameLst>
+                                          <p:attrName>style.visibility</p:attrName>
+                                        </p:attrNameLst>
+                                      </p:cBhvr>
+                                      <p:to>
+                                        <p:strVal val="visible"/>
+                                      </p:to>
+                                    </p:set>
+                                  </p:childTnLst>
+                                </p:cTn>
+                              </p:par>
+                              <p:par>
+                                <p:cTn id="21" presetID="1" presetClass="entr" presetSubtype="0" fill="hold" grpId="0" nodeType="withEffect">
+                                  <p:stCondLst>
+                                    <p:cond delay="0"/>
+                                  </p:stCondLst>
+                                  <p:childTnLst>
+                                    <p:set>
+                                      <p:cBhvr>
+                                        <p:cTn id="22" dur="1" fill="hold">
+                                          <p:stCondLst>
+                                            <p:cond delay="0"/>
+                                          </p:stCondLst>
+                                        </p:cTn>
+                                        <p:tgtEl>
+                                          <p:spTgt spid="7"/>
+                                        </p:tgtEl>
+                                        <p:attrNameLst>
+                                          <p:attrName>style.visibility</p:attrName>
+                                        </p:attrNameLst>
+                                      </p:cBhvr>
+                                      <p:to>
+                                        <p:strVal val="visible"/>
+                                      </p:to>
+                                    </p:set>
+                                  </p:childTnLst>
+                                </p:cTn>
+                              </p:par>
+                              <p:par>
+                                <p:cTn id="23" presetID="1" presetClass="entr" presetSubtype="0" fill="hold" grpId="0" nodeType="withEffect">
+                                  <p:stCondLst>
+                                    <p:cond delay="0"/>
+                                  </p:stCondLst>
+                                  <p:childTnLst>
+                                    <p:set>
+                                      <p:cBhvr>
+                                        <p:cTn id="24" dur="1" fill="hold">
+                                          <p:stCondLst>
+                                            <p:cond delay="0"/>
+                                          </p:stCondLst>
+                                        </p:cTn>
+                                        <p:tgtEl>
+                                          <p:spTgt spid="8"/>
+                                        </p:tgtEl>
+                                        <p:attrNameLst>
+                                          <p:attrName>style.visibility</p:attrName>
+                                        </p:attrNameLst>
+                                      </p:cBhvr>
+                                      <p:to>
+                                        <p:strVal val="visible"/>
+                                      </p:to>
+                                    </p:set>
+                                  </p:childTnLst>
+                                </p:cTn>
+                              </p:par>
+                            </p:childTnLst>
+                          </p:cTn>
+                        </p:par>
+                      </p:childTnLst>
+                    </p:cTn>
+                  </p:par>
+                </p:childTnLst>
+              </p:cTn>
+              <p:prevCondLst>
+                <p:cond evt="onPrev" delay="0">
+                  <p:tgtEl>
+                    <p:sldTgt/>
+                  </p:tgtEl>
+                </p:cond>
+              </p:prevCondLst>
+              <p:nextCondLst>
+                <p:cond evt="onNext" delay="0">
+                  <p:tgtEl>
+                    <p:sldTgt/>
+                  </p:tgtEl>
+                </p:cond>
+              </p:nextCondLst>
+            </p:seq>
+          </p:childTnLst>
+        </p:cTn>
+      </p:par>
+    </p:tnLst>
+    <p:bldLst>
+      <p:bldP spid="5" grpId="0" animBg="1"/>
+      <p:bldP spid="6" grpId="0" animBg="1"/>
+      <p:bldP spid="7" grpId="0" animBg="1"/>
+      <p:bldP spid="8" grpId="0" animBg="1"/>
+    </p:bldLst>
+  </p:timing>
+</p:sld>
+</file>
+
+<file path=ppt/slides/slide11.xml><?xml version="1.0" encoding="utf-8"?>
+<p:sld xmlns:a="http://schemas.openxmlformats.org/drawingml/2006/main" xmlns:r="http://schemas.openxmlformats.org/officeDocument/2006/relationships" xmlns:p="http://schemas.openxmlformats.org/presentationml/2006/main">
+  <p:cSld>
+    <p:spTree>
+      <p:nvGrpSpPr>
+        <p:cNvPr id="1" name=""/>
+        <p:cNvGrpSpPr/>
+        <p:nvPr/>
+      </p:nvGrpSpPr>
+      <p:grpSpPr>
+        <a:xfrm>
+          <a:off x="0" y="0"/>
+          <a:ext cx="0" cy="0"/>
+          <a:chOff x="0" y="0"/>
+          <a:chExt cx="0" cy="0"/>
+        </a:xfrm>
+      </p:grpSpPr>
+      <p:pic>
+        <p:nvPicPr>
+          <p:cNvPr id="4" name="Picture 2" descr="http://www.clipartbest.com/cliparts/9Tp/LxM/9TpLxMrTE.png"/>
+          <p:cNvPicPr>
+            <a:picLocks noChangeAspect="1" noChangeArrowheads="1"/>
+          </p:cNvPicPr>
+          <p:nvPr/>
+        </p:nvPicPr>
+        <p:blipFill>
+          <a:blip r:embed="rId2" cstate="print">
+            <a:extLst>
+              <a:ext uri="{28A0092B-C50C-407E-A947-70E740481C1C}">
+                <a14:useLocalDpi xmlns:a14="http://schemas.microsoft.com/office/drawing/2010/main" val="0"/>
+              </a:ext>
+            </a:extLst>
+          </a:blip>
+          <a:srcRect/>
+          <a:stretch>
+            <a:fillRect/>
+          </a:stretch>
+        </p:blipFill>
+        <p:spPr bwMode="auto">
+          <a:xfrm>
+            <a:off x="2449365" y="2663032"/>
+            <a:ext cx="1201015" cy="1863644"/>
+          </a:xfrm>
+          <a:prstGeom prst="rect">
+            <a:avLst/>
+          </a:prstGeom>
+          <a:noFill/>
+          <a:extLst>
+            <a:ext uri="{909E8E84-426E-40DD-AFC4-6F175D3DCCD1}">
+              <a14:hiddenFill xmlns:a14="http://schemas.microsoft.com/office/drawing/2010/main">
+                <a:solidFill>
+                  <a:srgbClr val="FFFFFF"/>
+                </a:solidFill>
+              </a14:hiddenFill>
+            </a:ext>
+          </a:extLst>
+        </p:spPr>
+      </p:pic>
+      <p:pic>
+        <p:nvPicPr>
+          <p:cNvPr id="5" name="Picture 2" descr="http://www.clipartbest.com/cliparts/9Tp/LxM/9TpLxMrTE.png"/>
+          <p:cNvPicPr>
+            <a:picLocks noChangeAspect="1" noChangeArrowheads="1"/>
+          </p:cNvPicPr>
+          <p:nvPr/>
+        </p:nvPicPr>
+        <p:blipFill>
+          <a:blip r:embed="rId2" cstate="print">
+            <a:extLst>
+              <a:ext uri="{28A0092B-C50C-407E-A947-70E740481C1C}">
+                <a14:useLocalDpi xmlns:a14="http://schemas.microsoft.com/office/drawing/2010/main" val="0"/>
+              </a:ext>
+            </a:extLst>
+          </a:blip>
+          <a:srcRect/>
+          <a:stretch>
+            <a:fillRect/>
+          </a:stretch>
+        </p:blipFill>
+        <p:spPr bwMode="auto">
+          <a:xfrm>
+            <a:off x="3325665" y="2663032"/>
+            <a:ext cx="1201015" cy="1863644"/>
+          </a:xfrm>
+          <a:prstGeom prst="rect">
+            <a:avLst/>
+          </a:prstGeom>
+          <a:noFill/>
+          <a:extLst>
+            <a:ext uri="{909E8E84-426E-40DD-AFC4-6F175D3DCCD1}">
+              <a14:hiddenFill xmlns:a14="http://schemas.microsoft.com/office/drawing/2010/main">
+                <a:solidFill>
+                  <a:srgbClr val="FFFFFF"/>
+                </a:solidFill>
+              </a14:hiddenFill>
+            </a:ext>
+          </a:extLst>
+        </p:spPr>
+      </p:pic>
+      <p:pic>
+        <p:nvPicPr>
+          <p:cNvPr id="6" name="Picture 2" descr="http://www.clipartbest.com/cliparts/9Tp/LxM/9TpLxMrTE.png"/>
+          <p:cNvPicPr>
+            <a:picLocks noChangeAspect="1" noChangeArrowheads="1"/>
+          </p:cNvPicPr>
+          <p:nvPr/>
+        </p:nvPicPr>
+        <p:blipFill>
+          <a:blip r:embed="rId2" cstate="print">
+            <a:extLst>
+              <a:ext uri="{28A0092B-C50C-407E-A947-70E740481C1C}">
+                <a14:useLocalDpi xmlns:a14="http://schemas.microsoft.com/office/drawing/2010/main" val="0"/>
+              </a:ext>
+            </a:extLst>
+          </a:blip>
+          <a:srcRect/>
+          <a:stretch>
+            <a:fillRect/>
+          </a:stretch>
+        </p:blipFill>
+        <p:spPr bwMode="auto">
+          <a:xfrm>
+            <a:off x="4201965" y="2663032"/>
+            <a:ext cx="1201015" cy="1863644"/>
+          </a:xfrm>
+          <a:prstGeom prst="rect">
+            <a:avLst/>
+          </a:prstGeom>
+          <a:noFill/>
+          <a:extLst>
+            <a:ext uri="{909E8E84-426E-40DD-AFC4-6F175D3DCCD1}">
+              <a14:hiddenFill xmlns:a14="http://schemas.microsoft.com/office/drawing/2010/main">
+                <a:solidFill>
+                  <a:srgbClr val="FFFFFF"/>
+                </a:solidFill>
+              </a14:hiddenFill>
+            </a:ext>
+          </a:extLst>
+        </p:spPr>
+      </p:pic>
+      <p:sp>
+        <p:nvSpPr>
+          <p:cNvPr id="7" name="TextBox 6"/>
+          <p:cNvSpPr txBox="1"/>
+          <p:nvPr/>
+        </p:nvSpPr>
+        <p:spPr>
+          <a:xfrm>
+            <a:off x="7029450" y="971550"/>
+            <a:ext cx="2228495" cy="5386090"/>
+          </a:xfrm>
+          <a:prstGeom prst="rect">
+            <a:avLst/>
+          </a:prstGeom>
+          <a:noFill/>
+        </p:spPr>
+        <p:txBody>
+          <a:bodyPr wrap="none" rtlCol="0">
+            <a:spAutoFit/>
+          </a:bodyPr>
+          <a:lstStyle/>
+          <a:p>
+            <a:r>
+              <a:rPr lang="en-US" sz="34400" dirty="0" smtClean="0">
+                <a:ln w="79375">
+                  <a:solidFill>
+                    <a:srgbClr val="00B050"/>
+                  </a:solidFill>
+                </a:ln>
+                <a:solidFill>
+                  <a:schemeClr val="accent3">
+                    <a:lumMod val="50000"/>
+                  </a:schemeClr>
+                </a:solidFill>
+              </a:rPr>
+              <a:t>?</a:t>
+            </a:r>
+            <a:endParaRPr lang="en-US" sz="34400" dirty="0">
+              <a:ln w="79375">
+                <a:solidFill>
+                  <a:srgbClr val="00B050"/>
+                </a:solidFill>
+              </a:ln>
+              <a:solidFill>
+                <a:schemeClr val="accent3">
+                  <a:lumMod val="50000"/>
+                </a:schemeClr>
+              </a:solidFill>
+            </a:endParaRPr>
+          </a:p>
+        </p:txBody>
+      </p:sp>
+    </p:spTree>
+    <p:extLst>
+      <p:ext uri="{BB962C8B-B14F-4D97-AF65-F5344CB8AC3E}">
+        <p14:creationId xmlns:p14="http://schemas.microsoft.com/office/powerpoint/2010/main" val="3133300820"/>
+      </p:ext>
+    </p:extLst>
+  </p:cSld>
+  <p:clrMapOvr>
+    <a:masterClrMapping/>
+  </p:clrMapOvr>
+  <p:timing>
+    <p:tnLst>
+      <p:par>
+        <p:cTn id="1" dur="indefinite" restart="never" nodeType="tmRoot">
+          <p:childTnLst>
+            <p:seq concurrent="1" nextAc="seek">
+              <p:cTn id="2" dur="indefinite" nodeType="mainSeq">
+                <p:childTnLst>
+                  <p:par>
+                    <p:cTn id="3" fill="hold">
+                      <p:stCondLst>
+                        <p:cond delay="indefinite"/>
+                      </p:stCondLst>
+                      <p:childTnLst>
+                        <p:par>
+                          <p:cTn id="4" fill="hold">
+                            <p:stCondLst>
+                              <p:cond delay="0"/>
+                            </p:stCondLst>
+                            <p:childTnLst>
+                              <p:par>
+                                <p:cTn id="5" presetID="10" presetClass="entr" presetSubtype="0" fill="hold" nodeType="clickEffect">
+                                  <p:stCondLst>
+                                    <p:cond delay="0"/>
+                                  </p:stCondLst>
+                                  <p:childTnLst>
+                                    <p:set>
+                                      <p:cBhvr>
+                                        <p:cTn id="6" dur="1" fill="hold">
+                                          <p:stCondLst>
+                                            <p:cond delay="0"/>
+                                          </p:stCondLst>
+                                        </p:cTn>
+                                        <p:tgtEl>
+                                          <p:spTgt spid="4"/>
+                                        </p:tgtEl>
+                                        <p:attrNameLst>
+                                          <p:attrName>style.visibility</p:attrName>
+                                        </p:attrNameLst>
+                                      </p:cBhvr>
+                                      <p:to>
+                                        <p:strVal val="visible"/>
+                                      </p:to>
+                                    </p:set>
+                                    <p:animEffect transition="in" filter="fade">
+                                      <p:cBhvr>
+                                        <p:cTn id="7" dur="250"/>
+                                        <p:tgtEl>
+                                          <p:spTgt spid="4"/>
+                                        </p:tgtEl>
+                                      </p:cBhvr>
+                                    </p:animEffect>
+                                  </p:childTnLst>
+                                </p:cTn>
+                              </p:par>
+                              <p:par>
+                                <p:cTn id="8" presetID="10" presetClass="entr" presetSubtype="0" fill="hold" nodeType="withEffect">
+                                  <p:stCondLst>
+                                    <p:cond delay="250"/>
+                                  </p:stCondLst>
+                                  <p:childTnLst>
+                                    <p:set>
+                                      <p:cBhvr>
+                                        <p:cTn id="9" dur="1" fill="hold">
+                                          <p:stCondLst>
+                                            <p:cond delay="0"/>
+                                          </p:stCondLst>
+                                        </p:cTn>
+                                        <p:tgtEl>
+                                          <p:spTgt spid="5"/>
+                                        </p:tgtEl>
+                                        <p:attrNameLst>
+                                          <p:attrName>style.visibility</p:attrName>
+                                        </p:attrNameLst>
+                                      </p:cBhvr>
+                                      <p:to>
+                                        <p:strVal val="visible"/>
+                                      </p:to>
+                                    </p:set>
+                                    <p:animEffect transition="in" filter="fade">
+                                      <p:cBhvr>
+                                        <p:cTn id="10" dur="250"/>
+                                        <p:tgtEl>
+                                          <p:spTgt spid="5"/>
+                                        </p:tgtEl>
+                                      </p:cBhvr>
+                                    </p:animEffect>
+                                  </p:childTnLst>
+                                </p:cTn>
+                              </p:par>
+                            </p:childTnLst>
+                          </p:cTn>
+                        </p:par>
+                        <p:par>
+                          <p:cTn id="11" fill="hold">
+                            <p:stCondLst>
+                              <p:cond delay="500"/>
+                            </p:stCondLst>
+                            <p:childTnLst>
+                              <p:par>
+                                <p:cTn id="12" presetID="10" presetClass="entr" presetSubtype="0" fill="hold" nodeType="afterEffect">
+                                  <p:stCondLst>
+                                    <p:cond delay="0"/>
+                                  </p:stCondLst>
+                                  <p:childTnLst>
+                                    <p:set>
+                                      <p:cBhvr>
+                                        <p:cTn id="13" dur="1" fill="hold">
+                                          <p:stCondLst>
+                                            <p:cond delay="0"/>
+                                          </p:stCondLst>
+                                        </p:cTn>
+                                        <p:tgtEl>
+                                          <p:spTgt spid="6"/>
+                                        </p:tgtEl>
+                                        <p:attrNameLst>
+                                          <p:attrName>style.visibility</p:attrName>
+                                        </p:attrNameLst>
+                                      </p:cBhvr>
+                                      <p:to>
+                                        <p:strVal val="visible"/>
+                                      </p:to>
+                                    </p:set>
+                                    <p:animEffect transition="in" filter="fade">
+                                      <p:cBhvr>
+                                        <p:cTn id="14" dur="250"/>
+                                        <p:tgtEl>
+                                          <p:spTgt spid="6"/>
+                                        </p:tgtEl>
+                                      </p:cBhvr>
+                                    </p:animEffect>
+                                  </p:childTnLst>
+                                </p:cTn>
+                              </p:par>
+                            </p:childTnLst>
+                          </p:cTn>
+                        </p:par>
+                      </p:childTnLst>
+                    </p:cTn>
+                  </p:par>
+                  <p:par>
+                    <p:cTn id="15" fill="hold">
+                      <p:stCondLst>
+                        <p:cond delay="indefinite"/>
+                      </p:stCondLst>
+                      <p:childTnLst>
+                        <p:par>
+                          <p:cTn id="16" fill="hold">
+                            <p:stCondLst>
+                              <p:cond delay="0"/>
+                            </p:stCondLst>
+                            <p:childTnLst>
+                              <p:par>
+                                <p:cTn id="17" presetID="1" presetClass="entr" presetSubtype="0" fill="hold" grpId="0" nodeType="clickEffect">
+                                  <p:stCondLst>
+                                    <p:cond delay="0"/>
+                                  </p:stCondLst>
+                                  <p:childTnLst>
+                                    <p:set>
+                                      <p:cBhvr>
+                                        <p:cTn id="18" dur="1" fill="hold">
+                                          <p:stCondLst>
+                                            <p:cond delay="0"/>
+                                          </p:stCondLst>
+                                        </p:cTn>
+                                        <p:tgtEl>
+                                          <p:spTgt spid="7"/>
+                                        </p:tgtEl>
+                                        <p:attrNameLst>
+                                          <p:attrName>style.visibility</p:attrName>
+                                        </p:attrNameLst>
+                                      </p:cBhvr>
+                                      <p:to>
+                                        <p:strVal val="visible"/>
+                                      </p:to>
+                                    </p:set>
+                                  </p:childTnLst>
+                                </p:cTn>
+                              </p:par>
+                            </p:childTnLst>
+                          </p:cTn>
+                        </p:par>
+                      </p:childTnLst>
+                    </p:cTn>
+                  </p:par>
+                </p:childTnLst>
+              </p:cTn>
+              <p:prevCondLst>
+                <p:cond evt="onPrev" delay="0">
+                  <p:tgtEl>
+                    <p:sldTgt/>
+                  </p:tgtEl>
+                </p:cond>
+              </p:prevCondLst>
+              <p:nextCondLst>
+                <p:cond evt="onNext" delay="0">
+                  <p:tgtEl>
+                    <p:sldTgt/>
+                  </p:tgtEl>
+                </p:cond>
+              </p:nextCondLst>
+            </p:seq>
+          </p:childTnLst>
+        </p:cTn>
+      </p:par>
+    </p:tnLst>
+    <p:bldLst>
+      <p:bldP spid="7" grpId="0"/>
+    </p:bldLst>
+  </p:timing>
+</p:sld>
+</file>
+
+<file path=ppt/slides/slide12.xml><?xml version="1.0" encoding="utf-8"?>
+<p:sld xmlns:a="http://schemas.openxmlformats.org/drawingml/2006/main" xmlns:r="http://schemas.openxmlformats.org/officeDocument/2006/relationships" xmlns:p="http://schemas.openxmlformats.org/presentationml/2006/main">
+  <p:cSld>
+    <p:spTree>
+      <p:nvGrpSpPr>
+        <p:cNvPr id="1" name=""/>
+        <p:cNvGrpSpPr/>
+        <p:nvPr/>
+      </p:nvGrpSpPr>
+      <p:grpSpPr>
+        <a:xfrm>
+          <a:off x="0" y="0"/>
+          <a:ext cx="0" cy="0"/>
+          <a:chOff x="0" y="0"/>
+          <a:chExt cx="0" cy="0"/>
+        </a:xfrm>
+      </p:grpSpPr>
+      <p:sp>
+        <p:nvSpPr>
+          <p:cNvPr id="5" name="Text Placeholder 4"/>
+          <p:cNvSpPr>
+            <a:spLocks noGrp="1"/>
+          </p:cNvSpPr>
+          <p:nvPr>
+            <p:ph type="body" sz="quarter" idx="10"/>
+          </p:nvPr>
+        </p:nvSpPr>
+        <p:spPr/>
+        <p:txBody>
+          <a:bodyPr/>
+          <a:lstStyle/>
+          <a:p>
+            <a:r>
+              <a:rPr lang="en-US" dirty="0" smtClean="0"/>
+              <a:t>Identifying Bottlenecks</a:t>
+            </a:r>
+            <a:endParaRPr lang="en-US" dirty="0"/>
+          </a:p>
+        </p:txBody>
+      </p:sp>
+      <p:sp>
+        <p:nvSpPr>
+          <p:cNvPr id="4" name="Subtitle 3"/>
+          <p:cNvSpPr>
+            <a:spLocks noGrp="1"/>
+          </p:cNvSpPr>
+          <p:nvPr>
+            <p:ph type="subTitle" idx="1"/>
+          </p:nvPr>
+        </p:nvSpPr>
+        <p:spPr/>
+        <p:txBody>
+          <a:bodyPr/>
+          <a:lstStyle/>
+          <a:p>
+            <a:endParaRPr lang="en-US"/>
+          </a:p>
+        </p:txBody>
+      </p:sp>
+    </p:spTree>
+    <p:extLst>
+      <p:ext uri="{BB962C8B-B14F-4D97-AF65-F5344CB8AC3E}">
+        <p14:creationId xmlns:p14="http://schemas.microsoft.com/office/powerpoint/2010/main" val="817873857"/>
+      </p:ext>
+    </p:extLst>
+  </p:cSld>
+  <p:clrMapOvr>
+    <a:masterClrMapping/>
+  </p:clrMapOvr>
+</p:sld>
+</file>
+
+<file path=ppt/slides/slide13.xml><?xml version="1.0" encoding="utf-8"?>
+<p:sld xmlns:a="http://schemas.openxmlformats.org/drawingml/2006/main" xmlns:r="http://schemas.openxmlformats.org/officeDocument/2006/relationships" xmlns:p="http://schemas.openxmlformats.org/presentationml/2006/main">
+  <p:cSld>
+    <p:spTree>
+      <p:nvGrpSpPr>
+        <p:cNvPr id="1" name=""/>
+        <p:cNvGrpSpPr/>
+        <p:nvPr/>
+      </p:nvGrpSpPr>
+      <p:grpSpPr>
+        <a:xfrm>
+          <a:off x="0" y="0"/>
+          <a:ext cx="0" cy="0"/>
+          <a:chOff x="0" y="0"/>
+          <a:chExt cx="0" cy="0"/>
+        </a:xfrm>
+      </p:grpSpPr>
+      <p:sp>
+        <p:nvSpPr>
+          <p:cNvPr id="2" name="Title 1"/>
+          <p:cNvSpPr>
+            <a:spLocks noGrp="1"/>
+          </p:cNvSpPr>
+          <p:nvPr>
+            <p:ph type="title"/>
+          </p:nvPr>
+        </p:nvSpPr>
+        <p:spPr/>
+        <p:txBody>
+          <a:bodyPr/>
+          <a:lstStyle/>
+          <a:p>
+            <a:r>
+              <a:rPr lang="en-US" dirty="0" smtClean="0"/>
+              <a:t>Why Perform Load Testing?</a:t>
+            </a:r>
+            <a:endParaRPr lang="en-US" dirty="0"/>
+          </a:p>
+        </p:txBody>
+      </p:sp>
+      <p:sp>
+        <p:nvSpPr>
+          <p:cNvPr id="3" name="Content Placeholder 2"/>
+          <p:cNvSpPr>
+            <a:spLocks noGrp="1"/>
+          </p:cNvSpPr>
+          <p:nvPr>
+            <p:ph sz="quarter" idx="10"/>
+          </p:nvPr>
+        </p:nvSpPr>
+        <p:spPr/>
+        <p:txBody>
+          <a:bodyPr/>
+          <a:lstStyle/>
+          <a:p>
+            <a:r>
+              <a:rPr lang="en-US" dirty="0" smtClean="0"/>
+              <a:t>Exposes application bottlenecks</a:t>
+            </a:r>
+          </a:p>
+          <a:p>
+            <a:r>
+              <a:rPr lang="en-US" dirty="0" smtClean="0"/>
+              <a:t>Proves architectural decisions</a:t>
+            </a:r>
+          </a:p>
+          <a:p>
+            <a:r>
+              <a:rPr lang="en-US" dirty="0" smtClean="0"/>
+              <a:t>Identifies regional issues and operational insights</a:t>
+            </a:r>
+          </a:p>
+          <a:p>
+            <a:r>
+              <a:rPr lang="en-US" dirty="0"/>
+              <a:t>Repeatable</a:t>
+            </a:r>
+          </a:p>
+          <a:p>
+            <a:r>
+              <a:rPr lang="en-US" dirty="0" smtClean="0"/>
+              <a:t>It’s not as hard as it used to be!</a:t>
+            </a:r>
+            <a:endParaRPr lang="en-US" dirty="0"/>
+          </a:p>
+        </p:txBody>
+      </p:sp>
+    </p:spTree>
+    <p:extLst>
+      <p:ext uri="{BB962C8B-B14F-4D97-AF65-F5344CB8AC3E}">
+        <p14:creationId xmlns:p14="http://schemas.microsoft.com/office/powerpoint/2010/main" val="2398187527"/>
+      </p:ext>
+    </p:extLst>
+  </p:cSld>
+  <p:clrMapOvr>
+    <a:masterClrMapping/>
+  </p:clrMapOvr>
+  <p:timing>
+    <p:tnLst>
+      <p:par>
+        <p:cTn id="1" dur="indefinite" restart="never" nodeType="tmRoot"/>
+      </p:par>
+    </p:tnLst>
+  </p:timing>
+</p:sld>
+</file>
+
+<file path=ppt/slides/slide14.xml><?xml version="1.0" encoding="utf-8"?>
+<p:sld xmlns:a="http://schemas.openxmlformats.org/drawingml/2006/main" xmlns:r="http://schemas.openxmlformats.org/officeDocument/2006/relationships" xmlns:p="http://schemas.openxmlformats.org/presentationml/2006/main">
+  <p:cSld>
+    <p:spTree>
+      <p:nvGrpSpPr>
+        <p:cNvPr id="1" name=""/>
+        <p:cNvGrpSpPr/>
+        <p:nvPr/>
+      </p:nvGrpSpPr>
+      <p:grpSpPr>
+        <a:xfrm>
+          <a:off x="0" y="0"/>
+          <a:ext cx="0" cy="0"/>
+          <a:chOff x="0" y="0"/>
+          <a:chExt cx="0" cy="0"/>
+        </a:xfrm>
+      </p:grpSpPr>
+      <p:sp>
+        <p:nvSpPr>
+          <p:cNvPr id="4" name="Title 3"/>
+          <p:cNvSpPr>
+            <a:spLocks noGrp="1"/>
+          </p:cNvSpPr>
+          <p:nvPr>
+            <p:ph type="title"/>
+          </p:nvPr>
+        </p:nvSpPr>
+        <p:spPr/>
+        <p:txBody>
+          <a:bodyPr/>
+          <a:lstStyle/>
+          <a:p>
+            <a:r>
+              <a:rPr lang="en-US" dirty="0" smtClean="0"/>
+              <a:t>To the cloud!</a:t>
+            </a:r>
+            <a:endParaRPr lang="en-US" dirty="0"/>
+          </a:p>
+        </p:txBody>
+      </p:sp>
+    </p:spTree>
+    <p:extLst>
+      <p:ext uri="{BB962C8B-B14F-4D97-AF65-F5344CB8AC3E}">
+        <p14:creationId xmlns:p14="http://schemas.microsoft.com/office/powerpoint/2010/main" val="763153222"/>
+      </p:ext>
+    </p:extLst>
+  </p:cSld>
+  <p:clrMapOvr>
+    <a:masterClrMapping/>
+  </p:clrMapOvr>
+</p:sld>
+</file>
+
+<file path=ppt/slides/slide15.xml><?xml version="1.0" encoding="utf-8"?>
+<p:sld xmlns:a="http://schemas.openxmlformats.org/drawingml/2006/main" xmlns:r="http://schemas.openxmlformats.org/officeDocument/2006/relationships" xmlns:p="http://schemas.openxmlformats.org/presentationml/2006/main">
+  <p:cSld>
+    <p:spTree>
+      <p:nvGrpSpPr>
+        <p:cNvPr id="1" name=""/>
+        <p:cNvGrpSpPr/>
+        <p:nvPr/>
+      </p:nvGrpSpPr>
+      <p:grpSpPr>
+        <a:xfrm>
+          <a:off x="0" y="0"/>
+          <a:ext cx="0" cy="0"/>
+          <a:chOff x="0" y="0"/>
+          <a:chExt cx="0" cy="0"/>
+        </a:xfrm>
+      </p:grpSpPr>
+      <p:sp>
+        <p:nvSpPr>
+          <p:cNvPr id="2" name="Title 1"/>
+          <p:cNvSpPr>
+            <a:spLocks noGrp="1"/>
+          </p:cNvSpPr>
+          <p:nvPr>
+            <p:ph type="title"/>
+          </p:nvPr>
+        </p:nvSpPr>
+        <p:spPr/>
+        <p:txBody>
+          <a:bodyPr/>
+          <a:lstStyle/>
+          <a:p>
+            <a:r>
+              <a:rPr lang="en-US" dirty="0" smtClean="0"/>
+              <a:t>Concerns, Best Practices, Tips</a:t>
+            </a:r>
+            <a:endParaRPr lang="en-US" dirty="0"/>
+          </a:p>
+        </p:txBody>
+      </p:sp>
+      <p:sp>
+        <p:nvSpPr>
+          <p:cNvPr id="3" name="Content Placeholder 2"/>
+          <p:cNvSpPr>
+            <a:spLocks noGrp="1"/>
+          </p:cNvSpPr>
+          <p:nvPr>
+            <p:ph sz="quarter" idx="10"/>
+          </p:nvPr>
+        </p:nvSpPr>
+        <p:spPr>
+          <a:xfrm>
+            <a:off x="379413" y="1388226"/>
+            <a:ext cx="5849937" cy="5290388"/>
+          </a:xfrm>
+        </p:spPr>
+        <p:txBody>
+          <a:bodyPr/>
+          <a:lstStyle/>
+          <a:p>
+            <a:r>
+              <a:rPr lang="en-US" dirty="0" smtClean="0"/>
+              <a:t>Better tests = better data</a:t>
+            </a:r>
+          </a:p>
+          <a:p>
+            <a:r>
+              <a:rPr lang="en-US" dirty="0" smtClean="0"/>
+              <a:t>Focus on the pieces where latency is a concern</a:t>
+            </a:r>
+          </a:p>
+          <a:p>
+            <a:r>
+              <a:rPr lang="en-US" dirty="0" smtClean="0"/>
+              <a:t>Use load test results as a deployment gate</a:t>
+            </a:r>
+            <a:endParaRPr lang="en-US" dirty="0"/>
+          </a:p>
+        </p:txBody>
+      </p:sp>
+      <p:pic>
+        <p:nvPicPr>
+          <p:cNvPr id="4" name="Picture 3"/>
+          <p:cNvPicPr>
+            <a:picLocks noChangeAspect="1"/>
+          </p:cNvPicPr>
+          <p:nvPr/>
+        </p:nvPicPr>
+        <p:blipFill>
+          <a:blip r:embed="rId2"/>
+          <a:stretch>
+            <a:fillRect/>
+          </a:stretch>
+        </p:blipFill>
+        <p:spPr>
+          <a:xfrm>
+            <a:off x="5905501" y="2351519"/>
+            <a:ext cx="5838824" cy="3901644"/>
+          </a:xfrm>
+          <a:prstGeom prst="rect">
+            <a:avLst/>
+          </a:prstGeom>
+        </p:spPr>
+      </p:pic>
+    </p:spTree>
+    <p:extLst>
+      <p:ext uri="{BB962C8B-B14F-4D97-AF65-F5344CB8AC3E}">
+        <p14:creationId xmlns:p14="http://schemas.microsoft.com/office/powerpoint/2010/main" val="1442452109"/>
+      </p:ext>
+    </p:extLst>
+  </p:cSld>
+  <p:clrMapOvr>
+    <a:masterClrMapping/>
+  </p:clrMapOvr>
+  <p:timing>
+    <p:tnLst>
+      <p:par>
+        <p:cTn id="1" dur="indefinite" restart="never" nodeType="tmRoot">
+          <p:childTnLst>
+            <p:seq concurrent="1" nextAc="seek">
+              <p:cTn id="2" dur="indefinite" nodeType="mainSeq">
+                <p:childTnLst>
+                  <p:par>
+                    <p:cTn id="3" fill="hold">
+                      <p:stCondLst>
+                        <p:cond delay="indefinite"/>
+                      </p:stCondLst>
+                      <p:childTnLst>
+                        <p:par>
+                          <p:cTn id="4" fill="hold">
+                            <p:stCondLst>
+                              <p:cond delay="0"/>
+                            </p:stCondLst>
+                            <p:childTnLst>
+                              <p:par>
+                                <p:cTn id="5" presetID="1" presetClass="entr" presetSubtype="0" fill="hold" nodeType="clickEffect">
+                                  <p:stCondLst>
+                                    <p:cond delay="0"/>
+                                  </p:stCondLst>
+                                  <p:childTnLst>
+                                    <p:set>
+                                      <p:cBhvr>
+                                        <p:cTn id="6" dur="1" fill="hold">
+                                          <p:stCondLst>
+                                            <p:cond delay="0"/>
+                                          </p:stCondLst>
+                                        </p:cTn>
+                                        <p:tgtEl>
+                                          <p:spTgt spid="3">
+                                            <p:txEl>
+                                              <p:pRg st="0" end="0"/>
+                                            </p:txEl>
+                                          </p:spTgt>
+                                        </p:tgtEl>
+                                        <p:attrNameLst>
+                                          <p:attrName>style.visibility</p:attrName>
+                                        </p:attrNameLst>
+                                      </p:cBhvr>
+                                      <p:to>
+                                        <p:strVal val="visible"/>
+                                      </p:to>
+                                    </p:set>
+                                  </p:childTnLst>
+                                </p:cTn>
+                              </p:par>
+                            </p:childTnLst>
+                          </p:cTn>
+                        </p:par>
+                      </p:childTnLst>
+                    </p:cTn>
+                  </p:par>
+                  <p:par>
+                    <p:cTn id="7" fill="hold">
+                      <p:stCondLst>
+                        <p:cond delay="indefinite"/>
+                      </p:stCondLst>
+                      <p:childTnLst>
+                        <p:par>
+                          <p:cTn id="8" fill="hold">
+                            <p:stCondLst>
+                              <p:cond delay="0"/>
+                            </p:stCondLst>
+                            <p:childTnLst>
+                              <p:par>
+                                <p:cTn id="9" presetID="1" presetClass="entr" presetSubtype="0" fill="hold" nodeType="clickEffect">
+                                  <p:stCondLst>
+                                    <p:cond delay="0"/>
+                                  </p:stCondLst>
+                                  <p:childTnLst>
+                                    <p:set>
+                                      <p:cBhvr>
+                                        <p:cTn id="10" dur="1" fill="hold">
+                                          <p:stCondLst>
+                                            <p:cond delay="0"/>
+                                          </p:stCondLst>
+                                        </p:cTn>
+                                        <p:tgtEl>
+                                          <p:spTgt spid="3">
+                                            <p:txEl>
+                                              <p:pRg st="1" end="1"/>
+                                            </p:txEl>
+                                          </p:spTgt>
+                                        </p:tgtEl>
+                                        <p:attrNameLst>
+                                          <p:attrName>style.visibility</p:attrName>
+                                        </p:attrNameLst>
+                                      </p:cBhvr>
+                                      <p:to>
+                                        <p:strVal val="visible"/>
+                                      </p:to>
+                                    </p:set>
+                                  </p:childTnLst>
+                                </p:cTn>
+                              </p:par>
+                            </p:childTnLst>
+                          </p:cTn>
+                        </p:par>
+                      </p:childTnLst>
+                    </p:cTn>
+                  </p:par>
+                  <p:par>
+                    <p:cTn id="11" fill="hold">
+                      <p:stCondLst>
+                        <p:cond delay="indefinite"/>
+                      </p:stCondLst>
+                      <p:childTnLst>
+                        <p:par>
+                          <p:cTn id="12" fill="hold">
+                            <p:stCondLst>
+                              <p:cond delay="0"/>
+                            </p:stCondLst>
+                            <p:childTnLst>
+                              <p:par>
+                                <p:cTn id="13" presetID="1" presetClass="entr" presetSubtype="0" fill="hold" nodeType="clickEffect">
+                                  <p:stCondLst>
+                                    <p:cond delay="0"/>
+                                  </p:stCondLst>
+                                  <p:childTnLst>
+                                    <p:set>
+                                      <p:cBhvr>
+                                        <p:cTn id="14" dur="1" fill="hold">
+                                          <p:stCondLst>
+                                            <p:cond delay="0"/>
+                                          </p:stCondLst>
+                                        </p:cTn>
+                                        <p:tgtEl>
+                                          <p:spTgt spid="3">
+                                            <p:txEl>
+                                              <p:pRg st="2" end="2"/>
+                                            </p:txEl>
+                                          </p:spTgt>
+                                        </p:tgtEl>
+                                        <p:attrNameLst>
+                                          <p:attrName>style.visibility</p:attrName>
+                                        </p:attrNameLst>
+                                      </p:cBhvr>
+                                      <p:to>
+                                        <p:strVal val="visible"/>
+                                      </p:to>
+                                    </p:set>
+                                  </p:childTnLst>
+                                </p:cTn>
+                              </p:par>
+                            </p:childTnLst>
+                          </p:cTn>
+                        </p:par>
+                      </p:childTnLst>
+                    </p:cTn>
+                  </p:par>
+                  <p:par>
+                    <p:cTn id="15" fill="hold">
+                      <p:stCondLst>
+                        <p:cond delay="indefinite"/>
+                      </p:stCondLst>
+                      <p:childTnLst>
+                        <p:par>
+                          <p:cTn id="16" fill="hold">
+                            <p:stCondLst>
+                              <p:cond delay="0"/>
+                            </p:stCondLst>
+                            <p:childTnLst>
+                              <p:par>
+                                <p:cTn id="17" presetID="1" presetClass="entr" presetSubtype="0" fill="hold" nodeType="clickEffect">
+                                  <p:stCondLst>
+                                    <p:cond delay="0"/>
+                                  </p:stCondLst>
+                                  <p:childTnLst>
+                                    <p:set>
+                                      <p:cBhvr>
+                                        <p:cTn id="18" dur="1" fill="hold">
+                                          <p:stCondLst>
+                                            <p:cond delay="0"/>
+                                          </p:stCondLst>
+                                        </p:cTn>
+                                        <p:tgtEl>
+                                          <p:spTgt spid="4"/>
+                                        </p:tgtEl>
+                                        <p:attrNameLst>
+                                          <p:attrName>style.visibility</p:attrName>
+                                        </p:attrNameLst>
+                                      </p:cBhvr>
+                                      <p:to>
+                                        <p:strVal val="visible"/>
+                                      </p:to>
+                                    </p:set>
+                                  </p:childTnLst>
+                                </p:cTn>
+                              </p:par>
+                            </p:childTnLst>
+                          </p:cTn>
+                        </p:par>
+                      </p:childTnLst>
+                    </p:cTn>
+                  </p:par>
+                </p:childTnLst>
+              </p:cTn>
+              <p:prevCondLst>
+                <p:cond evt="onPrev" delay="0">
+                  <p:tgtEl>
+                    <p:sldTgt/>
+                  </p:tgtEl>
+                </p:cond>
+              </p:prevCondLst>
+              <p:nextCondLst>
+                <p:cond evt="onNext" delay="0">
+                  <p:tgtEl>
+                    <p:sldTgt/>
+                  </p:tgtEl>
+                </p:cond>
+              </p:nextCondLst>
+            </p:seq>
+          </p:childTnLst>
+        </p:cTn>
+      </p:par>
+    </p:tnLst>
+  </p:timing>
+</p:sld>
+</file>
+
 <file path=ppt/slides/slide2.xml><?xml version="1.0" encoding="utf-8"?>
 <p:sld xmlns:a="http://schemas.openxmlformats.org/drawingml/2006/main" xmlns:r="http://schemas.openxmlformats.org/officeDocument/2006/relationships" xmlns:p="http://schemas.openxmlformats.org/presentationml/2006/main">
   <p:cSld>
@@ -4128,45 +5943,6 @@
       </p:grpSpPr>
       <p:sp>
         <p:nvSpPr>
-          <p:cNvPr id="7" name="Content Placeholder 6"/>
-          <p:cNvSpPr>
-            <a:spLocks noGrp="1"/>
-          </p:cNvSpPr>
-          <p:nvPr>
-            <p:ph sz="quarter" idx="10"/>
-          </p:nvPr>
-        </p:nvSpPr>
-        <p:spPr/>
-        <p:txBody>
-          <a:bodyPr>
-            <a:normAutofit/>
-          </a:bodyPr>
-          <a:lstStyle/>
-          <a:p>
-            <a:r>
-              <a:rPr lang="en-GB" dirty="0" smtClean="0"/>
-              <a:t>Horizontal vs Vertical Scaling</a:t>
-            </a:r>
-            <a:endParaRPr lang="en-GB" dirty="0" smtClean="0"/>
-          </a:p>
-          <a:p>
-            <a:r>
-              <a:rPr lang="en-GB" dirty="0" smtClean="0"/>
-              <a:t>Architecture Concerns</a:t>
-            </a:r>
-            <a:endParaRPr lang="en-GB" dirty="0" smtClean="0"/>
-          </a:p>
-          <a:p>
-            <a:r>
-              <a:rPr lang="en-GB" dirty="0" smtClean="0"/>
-              <a:t>Stress Testing to Find Bottlenecks</a:t>
-            </a:r>
-            <a:endParaRPr lang="en-GB" dirty="0"/>
-          </a:p>
-        </p:txBody>
-      </p:sp>
-      <p:sp>
-        <p:nvSpPr>
           <p:cNvPr id="2" name="Title 1"/>
           <p:cNvSpPr>
             <a:spLocks noGrp="1"/>
@@ -4177,74 +5953,369 @@
         </p:nvSpPr>
         <p:spPr/>
         <p:txBody>
-          <a:bodyPr/>
+          <a:bodyPr>
+            <a:normAutofit/>
+          </a:bodyPr>
           <a:lstStyle/>
           <a:p>
+            <a:pPr lvl="0"/>
             <a:r>
               <a:rPr lang="en-US" dirty="0" smtClean="0"/>
-              <a:t>Module Overview</a:t>
+              <a:t>Course Topics</a:t>
             </a:r>
             <a:endParaRPr lang="en-US" dirty="0"/>
           </a:p>
         </p:txBody>
       </p:sp>
-      <p:sp>
-        <p:nvSpPr>
-          <p:cNvPr id="5" name="TextBox 4"/>
-          <p:cNvSpPr txBox="1"/>
-          <p:nvPr/>
-        </p:nvSpPr>
-        <p:spPr>
-          <a:xfrm>
-            <a:off x="9906000" y="-1"/>
-            <a:ext cx="2286000" cy="2031325"/>
-          </a:xfrm>
-          <a:prstGeom prst="rect">
-            <a:avLst/>
-          </a:prstGeom>
-          <a:solidFill>
-            <a:srgbClr val="FFFF00"/>
-          </a:solidFill>
-          <a:ln>
-            <a:noFill/>
-          </a:ln>
-        </p:spPr>
-        <p:txBody>
-          <a:bodyPr wrap="square" rtlCol="0">
-            <a:spAutoFit/>
-          </a:bodyPr>
-          <a:lstStyle/>
-          <a:p>
-            <a:pPr algn="ctr"/>
-            <a:endParaRPr lang="en-US" dirty="0" smtClean="0"/>
-          </a:p>
-          <a:p>
-            <a:pPr algn="ctr"/>
-            <a:endParaRPr lang="en-US" dirty="0"/>
-          </a:p>
-          <a:p>
-            <a:pPr algn="ctr"/>
-            <a:r>
-              <a:rPr lang="en-US" dirty="0" smtClean="0"/>
-              <a:t>Please leave this area blank to allow for picture in picture recording</a:t>
-            </a:r>
-          </a:p>
-          <a:p>
-            <a:pPr algn="ctr"/>
-            <a:endParaRPr lang="en-US" dirty="0"/>
-          </a:p>
-        </p:txBody>
-      </p:sp>
+      <p:graphicFrame>
+        <p:nvGraphicFramePr>
+          <p:cNvPr id="4" name="Content Placeholder 3"/>
+          <p:cNvGraphicFramePr>
+            <a:graphicFrameLocks noGrp="1"/>
+          </p:cNvGraphicFramePr>
+          <p:nvPr>
+            <p:ph sz="quarter" idx="10"/>
+            <p:extLst/>
+          </p:nvPr>
+        </p:nvGraphicFramePr>
+        <p:xfrm>
+          <a:off x="379413" y="1417636"/>
+          <a:ext cx="11525250" cy="3838160"/>
+        </p:xfrm>
+        <a:graphic>
+          <a:graphicData uri="http://schemas.openxmlformats.org/drawingml/2006/table">
+            <a:tbl>
+              <a:tblPr firstRow="1" bandRow="1">
+                <a:tableStyleId>{5C22544A-7EE6-4342-B048-85BDC9FD1C3A}</a:tableStyleId>
+              </a:tblPr>
+              <a:tblGrid>
+                <a:gridCol w="5762625">
+                  <a:extLst>
+                    <a:ext uri="{9D8B030D-6E8A-4147-A177-3AD203B41FA5}">
+                      <a16:colId xmlns="" xmlns:a16="http://schemas.microsoft.com/office/drawing/2014/main" val="1632794655"/>
+                    </a:ext>
+                  </a:extLst>
+                </a:gridCol>
+                <a:gridCol w="5762625">
+                  <a:extLst>
+                    <a:ext uri="{9D8B030D-6E8A-4147-A177-3AD203B41FA5}">
+                      <a16:colId xmlns="" xmlns:a16="http://schemas.microsoft.com/office/drawing/2014/main" val="2011313899"/>
+                    </a:ext>
+                  </a:extLst>
+                </a:gridCol>
+              </a:tblGrid>
+              <a:tr h="767632">
+                <a:tc gridSpan="2">
+                  <a:txBody>
+                    <a:bodyPr/>
+                    <a:lstStyle/>
+                    <a:p>
+                      <a:r>
+                        <a:rPr lang="en-US" sz="3600" dirty="0" smtClean="0">
+                          <a:latin typeface="Segoe UI Light" panose="020B0502040204020203" pitchFamily="34" charset="0"/>
+                          <a:cs typeface="Segoe UI Light" panose="020B0502040204020203" pitchFamily="34" charset="0"/>
+                        </a:rPr>
+                        <a:t>Applications on</a:t>
+                      </a:r>
+                      <a:r>
+                        <a:rPr lang="en-US" sz="3600" baseline="0" dirty="0" smtClean="0">
+                          <a:latin typeface="Segoe UI Light" panose="020B0502040204020203" pitchFamily="34" charset="0"/>
+                          <a:cs typeface="Segoe UI Light" panose="020B0502040204020203" pitchFamily="34" charset="0"/>
+                        </a:rPr>
+                        <a:t> Azure: Putting the Pieces Together</a:t>
+                      </a:r>
+                      <a:endParaRPr lang="en-US" sz="3600" dirty="0">
+                        <a:latin typeface="Segoe UI Light" panose="020B0502040204020203" pitchFamily="34" charset="0"/>
+                        <a:cs typeface="Segoe UI Light" panose="020B0502040204020203" pitchFamily="34" charset="0"/>
+                      </a:endParaRPr>
+                    </a:p>
+                  </a:txBody>
+                  <a:tcPr anchor="ctr"/>
+                </a:tc>
+                <a:tc hMerge="1">
+                  <a:txBody>
+                    <a:bodyPr/>
+                    <a:lstStyle/>
+                    <a:p>
+                      <a:endParaRPr lang="en-US" dirty="0"/>
+                    </a:p>
+                  </a:txBody>
+                  <a:tcPr/>
+                </a:tc>
+                <a:extLst>
+                  <a:ext uri="{0D108BD9-81ED-4DB2-BD59-A6C34878D82A}">
+                    <a16:rowId xmlns="" xmlns:a16="http://schemas.microsoft.com/office/drawing/2014/main" val="1789177411"/>
+                  </a:ext>
+                </a:extLst>
+              </a:tr>
+              <a:tr h="767632">
+                <a:tc>
+                  <a:txBody>
+                    <a:bodyPr/>
+                    <a:lstStyle/>
+                    <a:p>
+                      <a:r>
+                        <a:rPr lang="en-US" sz="2400" dirty="0" smtClean="0">
+                          <a:latin typeface="Segoe UI Light" panose="020B0502040204020203" pitchFamily="34" charset="0"/>
+                          <a:cs typeface="Segoe UI Light" panose="020B0502040204020203" pitchFamily="34" charset="0"/>
+                        </a:rPr>
+                        <a:t>01 | Introduction</a:t>
+                      </a:r>
+                      <a:endParaRPr lang="en-US" sz="2400" dirty="0">
+                        <a:latin typeface="Segoe UI Light" panose="020B0502040204020203" pitchFamily="34" charset="0"/>
+                        <a:cs typeface="Segoe UI Light" panose="020B0502040204020203" pitchFamily="34" charset="0"/>
+                      </a:endParaRPr>
+                    </a:p>
+                  </a:txBody>
+                  <a:tcPr anchor="ctr"/>
+                </a:tc>
+                <a:tc>
+                  <a:txBody>
+                    <a:bodyPr/>
+                    <a:lstStyle/>
+                    <a:p>
+                      <a:pPr marL="0" marR="0" indent="0" algn="l" defTabSz="914088" rtl="0" eaLnBrk="1" fontAlgn="auto" latinLnBrk="0" hangingPunct="1">
+                        <a:lnSpc>
+                          <a:spcPct val="100000"/>
+                        </a:lnSpc>
+                        <a:spcBef>
+                          <a:spcPts val="0"/>
+                        </a:spcBef>
+                        <a:spcAft>
+                          <a:spcPts val="0"/>
+                        </a:spcAft>
+                        <a:buClrTx/>
+                        <a:buSzTx/>
+                        <a:buFontTx/>
+                        <a:buNone/>
+                        <a:tabLst/>
+                        <a:defRPr/>
+                      </a:pPr>
+                      <a:r>
+                        <a:rPr lang="en-US" sz="2400" dirty="0" smtClean="0">
+                          <a:latin typeface="Segoe UI Light" panose="020B0502040204020203" pitchFamily="34" charset="0"/>
+                          <a:cs typeface="Segoe UI Light" panose="020B0502040204020203" pitchFamily="34" charset="0"/>
+                        </a:rPr>
+                        <a:t>05</a:t>
+                      </a:r>
+                      <a:r>
+                        <a:rPr lang="en-US" sz="2400" baseline="0" dirty="0" smtClean="0">
+                          <a:latin typeface="Segoe UI Light" panose="020B0502040204020203" pitchFamily="34" charset="0"/>
+                          <a:cs typeface="Segoe UI Light" panose="020B0502040204020203" pitchFamily="34" charset="0"/>
+                        </a:rPr>
+                        <a:t> | Azure Storage</a:t>
+                      </a:r>
+                      <a:endParaRPr lang="en-US" sz="2400" dirty="0" smtClean="0">
+                        <a:latin typeface="Segoe UI Light" panose="020B0502040204020203" pitchFamily="34" charset="0"/>
+                        <a:cs typeface="Segoe UI Light" panose="020B0502040204020203" pitchFamily="34" charset="0"/>
+                      </a:endParaRPr>
+                    </a:p>
+                  </a:txBody>
+                  <a:tcPr anchor="ctr"/>
+                </a:tc>
+                <a:extLst>
+                  <a:ext uri="{0D108BD9-81ED-4DB2-BD59-A6C34878D82A}">
+                    <a16:rowId xmlns="" xmlns:a16="http://schemas.microsoft.com/office/drawing/2014/main" val="3842815335"/>
+                  </a:ext>
+                </a:extLst>
+              </a:tr>
+              <a:tr h="767632">
+                <a:tc>
+                  <a:txBody>
+                    <a:bodyPr/>
+                    <a:lstStyle/>
+                    <a:p>
+                      <a:r>
+                        <a:rPr lang="en-US" sz="2400" dirty="0" smtClean="0">
+                          <a:latin typeface="Segoe UI Light" panose="020B0502040204020203" pitchFamily="34" charset="0"/>
+                          <a:cs typeface="Segoe UI Light" panose="020B0502040204020203" pitchFamily="34" charset="0"/>
+                        </a:rPr>
+                        <a:t>02 | Application Architecture</a:t>
+                      </a:r>
+                      <a:endParaRPr lang="en-US" sz="2400" dirty="0">
+                        <a:latin typeface="Segoe UI Light" panose="020B0502040204020203" pitchFamily="34" charset="0"/>
+                        <a:cs typeface="Segoe UI Light" panose="020B0502040204020203" pitchFamily="34" charset="0"/>
+                      </a:endParaRPr>
+                    </a:p>
+                  </a:txBody>
+                  <a:tcPr anchor="ctr"/>
+                </a:tc>
+                <a:tc>
+                  <a:txBody>
+                    <a:bodyPr/>
+                    <a:lstStyle/>
+                    <a:p>
+                      <a:r>
+                        <a:rPr lang="en-US" sz="2400" dirty="0" smtClean="0">
+                          <a:latin typeface="Segoe UI Light" panose="020B0502040204020203" pitchFamily="34" charset="0"/>
+                          <a:cs typeface="Segoe UI Light" panose="020B0502040204020203" pitchFamily="34" charset="0"/>
+                        </a:rPr>
+                        <a:t>06 | </a:t>
+                      </a:r>
+                      <a:r>
+                        <a:rPr lang="en-US" sz="2400" dirty="0" err="1" smtClean="0">
+                          <a:latin typeface="Segoe UI Light" panose="020B0502040204020203" pitchFamily="34" charset="0"/>
+                          <a:cs typeface="Segoe UI Light" panose="020B0502040204020203" pitchFamily="34" charset="0"/>
+                        </a:rPr>
+                        <a:t>Docker</a:t>
+                      </a:r>
+                      <a:r>
+                        <a:rPr lang="en-US" sz="2400" dirty="0" smtClean="0">
+                          <a:latin typeface="Segoe UI Light" panose="020B0502040204020203" pitchFamily="34" charset="0"/>
+                          <a:cs typeface="Segoe UI Light" panose="020B0502040204020203" pitchFamily="34" charset="0"/>
+                        </a:rPr>
+                        <a:t> and Log Management</a:t>
+                      </a:r>
+                    </a:p>
+                  </a:txBody>
+                  <a:tcPr anchor="ctr"/>
+                </a:tc>
+                <a:extLst>
+                  <a:ext uri="{0D108BD9-81ED-4DB2-BD59-A6C34878D82A}">
+                    <a16:rowId xmlns="" xmlns:a16="http://schemas.microsoft.com/office/drawing/2014/main" val="321066646"/>
+                  </a:ext>
+                </a:extLst>
+              </a:tr>
+              <a:tr h="767632">
+                <a:tc>
+                  <a:txBody>
+                    <a:bodyPr/>
+                    <a:lstStyle/>
+                    <a:p>
+                      <a:pPr marL="0" marR="0" indent="0" algn="l" defTabSz="914088" rtl="0" eaLnBrk="1" fontAlgn="auto" latinLnBrk="0" hangingPunct="1">
+                        <a:lnSpc>
+                          <a:spcPct val="100000"/>
+                        </a:lnSpc>
+                        <a:spcBef>
+                          <a:spcPts val="0"/>
+                        </a:spcBef>
+                        <a:spcAft>
+                          <a:spcPts val="0"/>
+                        </a:spcAft>
+                        <a:buClrTx/>
+                        <a:buSzTx/>
+                        <a:buFontTx/>
+                        <a:buNone/>
+                        <a:tabLst/>
+                        <a:defRPr/>
+                      </a:pPr>
+                      <a:r>
+                        <a:rPr lang="en-US" sz="2400" dirty="0" smtClean="0">
+                          <a:latin typeface="Segoe UI Light" panose="020B0502040204020203" pitchFamily="34" charset="0"/>
+                          <a:cs typeface="Segoe UI Light" panose="020B0502040204020203" pitchFamily="34" charset="0"/>
+                        </a:rPr>
+                        <a:t>03</a:t>
+                      </a:r>
+                      <a:r>
+                        <a:rPr lang="en-US" sz="2400" baseline="0" dirty="0" smtClean="0">
+                          <a:latin typeface="Segoe UI Light" panose="020B0502040204020203" pitchFamily="34" charset="0"/>
+                          <a:cs typeface="Segoe UI Light" panose="020B0502040204020203" pitchFamily="34" charset="0"/>
+                        </a:rPr>
+                        <a:t> | DNS</a:t>
+                      </a:r>
+                      <a:endParaRPr lang="en-US" sz="2400" dirty="0" smtClean="0">
+                        <a:latin typeface="Segoe UI Light" panose="020B0502040204020203" pitchFamily="34" charset="0"/>
+                        <a:cs typeface="Segoe UI Light" panose="020B0502040204020203" pitchFamily="34" charset="0"/>
+                      </a:endParaRPr>
+                    </a:p>
+                  </a:txBody>
+                  <a:tcPr anchor="ctr"/>
+                </a:tc>
+                <a:tc>
+                  <a:txBody>
+                    <a:bodyPr/>
+                    <a:lstStyle/>
+                    <a:p>
+                      <a:r>
+                        <a:rPr lang="en-US" sz="2400" dirty="0" smtClean="0">
+                          <a:latin typeface="Segoe UI Light" panose="020B0502040204020203" pitchFamily="34" charset="0"/>
+                          <a:cs typeface="Segoe UI Light" panose="020B0502040204020203" pitchFamily="34" charset="0"/>
+                        </a:rPr>
+                        <a:t>07 | Scaling Your Application Under Load</a:t>
+                      </a:r>
+                      <a:endParaRPr lang="en-US" sz="2400" dirty="0">
+                        <a:latin typeface="Segoe UI Light" panose="020B0502040204020203" pitchFamily="34" charset="0"/>
+                        <a:cs typeface="Segoe UI Light" panose="020B0502040204020203" pitchFamily="34" charset="0"/>
+                      </a:endParaRPr>
+                    </a:p>
+                  </a:txBody>
+                  <a:tcPr anchor="ctr"/>
+                </a:tc>
+                <a:extLst>
+                  <a:ext uri="{0D108BD9-81ED-4DB2-BD59-A6C34878D82A}">
+                    <a16:rowId xmlns="" xmlns:a16="http://schemas.microsoft.com/office/drawing/2014/main" val="3812060533"/>
+                  </a:ext>
+                </a:extLst>
+              </a:tr>
+              <a:tr h="767632">
+                <a:tc>
+                  <a:txBody>
+                    <a:bodyPr/>
+                    <a:lstStyle/>
+                    <a:p>
+                      <a:r>
+                        <a:rPr lang="en-US" sz="2400" dirty="0" smtClean="0">
+                          <a:latin typeface="Segoe UI Light" panose="020B0502040204020203" pitchFamily="34" charset="0"/>
+                          <a:cs typeface="Segoe UI Light" panose="020B0502040204020203" pitchFamily="34" charset="0"/>
+                        </a:rPr>
+                        <a:t>04 | Batch</a:t>
+                      </a:r>
+                      <a:endParaRPr lang="en-US" sz="2400" dirty="0">
+                        <a:latin typeface="Segoe UI Light" panose="020B0502040204020203" pitchFamily="34" charset="0"/>
+                        <a:cs typeface="Segoe UI Light" panose="020B0502040204020203" pitchFamily="34" charset="0"/>
+                      </a:endParaRPr>
+                    </a:p>
+                  </a:txBody>
+                  <a:tcPr anchor="ctr"/>
+                </a:tc>
+                <a:tc>
+                  <a:txBody>
+                    <a:bodyPr/>
+                    <a:lstStyle/>
+                    <a:p>
+                      <a:r>
+                        <a:rPr lang="en-US" sz="2400" dirty="0" smtClean="0">
+                          <a:latin typeface="Segoe UI Light" panose="020B0502040204020203" pitchFamily="34" charset="0"/>
+                          <a:cs typeface="Segoe UI Light" panose="020B0502040204020203" pitchFamily="34" charset="0"/>
+                        </a:rPr>
+                        <a:t>08 | Review and Summary</a:t>
+                      </a:r>
+                      <a:endParaRPr lang="en-US" sz="2400" dirty="0">
+                        <a:latin typeface="Segoe UI Light" panose="020B0502040204020203" pitchFamily="34" charset="0"/>
+                        <a:cs typeface="Segoe UI Light" panose="020B0502040204020203" pitchFamily="34" charset="0"/>
+                      </a:endParaRPr>
+                    </a:p>
+                  </a:txBody>
+                  <a:tcPr anchor="ctr"/>
+                </a:tc>
+                <a:extLst>
+                  <a:ext uri="{0D108BD9-81ED-4DB2-BD59-A6C34878D82A}">
+                    <a16:rowId xmlns="" xmlns:a16="http://schemas.microsoft.com/office/drawing/2014/main" val="733235577"/>
+                  </a:ext>
+                </a:extLst>
+              </a:tr>
+            </a:tbl>
+          </a:graphicData>
+        </a:graphic>
+      </p:graphicFrame>
     </p:spTree>
     <p:extLst>
       <p:ext uri="{BB962C8B-B14F-4D97-AF65-F5344CB8AC3E}">
-        <p14:creationId xmlns:p14="http://schemas.microsoft.com/office/powerpoint/2010/main" val="318349970"/>
+        <p14:creationId xmlns:p14="http://schemas.microsoft.com/office/powerpoint/2010/main" val="2221392053"/>
       </p:ext>
     </p:extLst>
   </p:cSld>
   <p:clrMapOvr>
     <a:masterClrMapping/>
   </p:clrMapOvr>
+  <mc:AlternateContent xmlns:mc="http://schemas.openxmlformats.org/markup-compatibility/2006">
+    <mc:Choice xmlns:p14="http://schemas.microsoft.com/office/powerpoint/2010/main" Requires="p14">
+      <p:transition spd="slow" p14:dur="2000"/>
+    </mc:Choice>
+    <mc:Fallback>
+      <p:transition spd="slow"/>
+    </mc:Fallback>
+  </mc:AlternateContent>
   <p:timing>
     <p:tnLst>
       <p:par>
@@ -4284,6 +6355,653 @@
         </p:nvSpPr>
         <p:spPr/>
         <p:txBody>
+          <a:bodyPr>
+            <a:normAutofit/>
+          </a:bodyPr>
+          <a:lstStyle/>
+          <a:p>
+            <a:pPr lvl="0"/>
+            <a:r>
+              <a:rPr lang="en-US" dirty="0" smtClean="0"/>
+              <a:t>Course Topics</a:t>
+            </a:r>
+            <a:endParaRPr lang="en-US" dirty="0"/>
+          </a:p>
+        </p:txBody>
+      </p:sp>
+      <p:graphicFrame>
+        <p:nvGraphicFramePr>
+          <p:cNvPr id="4" name="Content Placeholder 3"/>
+          <p:cNvGraphicFramePr>
+            <a:graphicFrameLocks noGrp="1"/>
+          </p:cNvGraphicFramePr>
+          <p:nvPr>
+            <p:ph sz="quarter" idx="10"/>
+            <p:extLst>
+              <p:ext uri="{D42A27DB-BD31-4B8C-83A1-F6EECF244321}">
+                <p14:modId xmlns:p14="http://schemas.microsoft.com/office/powerpoint/2010/main" val="3948425497"/>
+              </p:ext>
+            </p:extLst>
+          </p:nvPr>
+        </p:nvGraphicFramePr>
+        <p:xfrm>
+          <a:off x="379413" y="1417636"/>
+          <a:ext cx="11525250" cy="3838160"/>
+        </p:xfrm>
+        <a:graphic>
+          <a:graphicData uri="http://schemas.openxmlformats.org/drawingml/2006/table">
+            <a:tbl>
+              <a:tblPr firstRow="1" bandRow="1">
+                <a:tableStyleId>{5C22544A-7EE6-4342-B048-85BDC9FD1C3A}</a:tableStyleId>
+              </a:tblPr>
+              <a:tblGrid>
+                <a:gridCol w="5762625">
+                  <a:extLst>
+                    <a:ext uri="{9D8B030D-6E8A-4147-A177-3AD203B41FA5}">
+                      <a16:colId xmlns="" xmlns:a16="http://schemas.microsoft.com/office/drawing/2014/main" val="1632794655"/>
+                    </a:ext>
+                  </a:extLst>
+                </a:gridCol>
+                <a:gridCol w="5762625">
+                  <a:extLst>
+                    <a:ext uri="{9D8B030D-6E8A-4147-A177-3AD203B41FA5}">
+                      <a16:colId xmlns="" xmlns:a16="http://schemas.microsoft.com/office/drawing/2014/main" val="2011313899"/>
+                    </a:ext>
+                  </a:extLst>
+                </a:gridCol>
+              </a:tblGrid>
+              <a:tr h="767632">
+                <a:tc gridSpan="2">
+                  <a:txBody>
+                    <a:bodyPr/>
+                    <a:lstStyle/>
+                    <a:p>
+                      <a:r>
+                        <a:rPr lang="en-US" sz="3600" dirty="0" smtClean="0">
+                          <a:latin typeface="Segoe UI Light" panose="020B0502040204020203" pitchFamily="34" charset="0"/>
+                          <a:cs typeface="Segoe UI Light" panose="020B0502040204020203" pitchFamily="34" charset="0"/>
+                        </a:rPr>
+                        <a:t>Applications on</a:t>
+                      </a:r>
+                      <a:r>
+                        <a:rPr lang="en-US" sz="3600" baseline="0" dirty="0" smtClean="0">
+                          <a:latin typeface="Segoe UI Light" panose="020B0502040204020203" pitchFamily="34" charset="0"/>
+                          <a:cs typeface="Segoe UI Light" panose="020B0502040204020203" pitchFamily="34" charset="0"/>
+                        </a:rPr>
+                        <a:t> Azure: Putting the Pieces Together</a:t>
+                      </a:r>
+                      <a:endParaRPr lang="en-US" sz="3600" dirty="0">
+                        <a:latin typeface="Segoe UI Light" panose="020B0502040204020203" pitchFamily="34" charset="0"/>
+                        <a:cs typeface="Segoe UI Light" panose="020B0502040204020203" pitchFamily="34" charset="0"/>
+                      </a:endParaRPr>
+                    </a:p>
+                  </a:txBody>
+                  <a:tcPr anchor="ctr"/>
+                </a:tc>
+                <a:tc hMerge="1">
+                  <a:txBody>
+                    <a:bodyPr/>
+                    <a:lstStyle/>
+                    <a:p>
+                      <a:endParaRPr lang="en-US" dirty="0"/>
+                    </a:p>
+                  </a:txBody>
+                  <a:tcPr/>
+                </a:tc>
+                <a:extLst>
+                  <a:ext uri="{0D108BD9-81ED-4DB2-BD59-A6C34878D82A}">
+                    <a16:rowId xmlns="" xmlns:a16="http://schemas.microsoft.com/office/drawing/2014/main" val="1789177411"/>
+                  </a:ext>
+                </a:extLst>
+              </a:tr>
+              <a:tr h="767632">
+                <a:tc>
+                  <a:txBody>
+                    <a:bodyPr/>
+                    <a:lstStyle/>
+                    <a:p>
+                      <a:r>
+                        <a:rPr lang="en-US" sz="2400" dirty="0" smtClean="0">
+                          <a:latin typeface="Segoe UI Light" panose="020B0502040204020203" pitchFamily="34" charset="0"/>
+                          <a:cs typeface="Segoe UI Light" panose="020B0502040204020203" pitchFamily="34" charset="0"/>
+                        </a:rPr>
+                        <a:t>01 | Introduction</a:t>
+                      </a:r>
+                      <a:endParaRPr lang="en-US" sz="2400" dirty="0">
+                        <a:latin typeface="Segoe UI Light" panose="020B0502040204020203" pitchFamily="34" charset="0"/>
+                        <a:cs typeface="Segoe UI Light" panose="020B0502040204020203" pitchFamily="34" charset="0"/>
+                      </a:endParaRPr>
+                    </a:p>
+                  </a:txBody>
+                  <a:tcPr anchor="ctr"/>
+                </a:tc>
+                <a:tc>
+                  <a:txBody>
+                    <a:bodyPr/>
+                    <a:lstStyle/>
+                    <a:p>
+                      <a:pPr marL="0" marR="0" indent="0" algn="l" defTabSz="914088" rtl="0" eaLnBrk="1" fontAlgn="auto" latinLnBrk="0" hangingPunct="1">
+                        <a:lnSpc>
+                          <a:spcPct val="100000"/>
+                        </a:lnSpc>
+                        <a:spcBef>
+                          <a:spcPts val="0"/>
+                        </a:spcBef>
+                        <a:spcAft>
+                          <a:spcPts val="0"/>
+                        </a:spcAft>
+                        <a:buClrTx/>
+                        <a:buSzTx/>
+                        <a:buFontTx/>
+                        <a:buNone/>
+                        <a:tabLst/>
+                        <a:defRPr/>
+                      </a:pPr>
+                      <a:r>
+                        <a:rPr lang="en-US" sz="2400" dirty="0" smtClean="0">
+                          <a:latin typeface="Segoe UI Light" panose="020B0502040204020203" pitchFamily="34" charset="0"/>
+                          <a:cs typeface="Segoe UI Light" panose="020B0502040204020203" pitchFamily="34" charset="0"/>
+                        </a:rPr>
+                        <a:t>05</a:t>
+                      </a:r>
+                      <a:r>
+                        <a:rPr lang="en-US" sz="2400" baseline="0" dirty="0" smtClean="0">
+                          <a:latin typeface="Segoe UI Light" panose="020B0502040204020203" pitchFamily="34" charset="0"/>
+                          <a:cs typeface="Segoe UI Light" panose="020B0502040204020203" pitchFamily="34" charset="0"/>
+                        </a:rPr>
+                        <a:t> | Azure Storage</a:t>
+                      </a:r>
+                      <a:endParaRPr lang="en-US" sz="2400" dirty="0" smtClean="0">
+                        <a:latin typeface="Segoe UI Light" panose="020B0502040204020203" pitchFamily="34" charset="0"/>
+                        <a:cs typeface="Segoe UI Light" panose="020B0502040204020203" pitchFamily="34" charset="0"/>
+                      </a:endParaRPr>
+                    </a:p>
+                  </a:txBody>
+                  <a:tcPr anchor="ctr"/>
+                </a:tc>
+                <a:extLst>
+                  <a:ext uri="{0D108BD9-81ED-4DB2-BD59-A6C34878D82A}">
+                    <a16:rowId xmlns="" xmlns:a16="http://schemas.microsoft.com/office/drawing/2014/main" val="3842815335"/>
+                  </a:ext>
+                </a:extLst>
+              </a:tr>
+              <a:tr h="767632">
+                <a:tc>
+                  <a:txBody>
+                    <a:bodyPr/>
+                    <a:lstStyle/>
+                    <a:p>
+                      <a:r>
+                        <a:rPr lang="en-US" sz="2400" b="0" dirty="0" smtClean="0">
+                          <a:latin typeface="Segoe UI Light" panose="020B0502040204020203" pitchFamily="34" charset="0"/>
+                          <a:cs typeface="Segoe UI Light" panose="020B0502040204020203" pitchFamily="34" charset="0"/>
+                        </a:rPr>
+                        <a:t>02 | Application Architecture</a:t>
+                      </a:r>
+                      <a:endParaRPr lang="en-US" sz="2400" b="0" dirty="0">
+                        <a:latin typeface="Segoe UI Light" panose="020B0502040204020203" pitchFamily="34" charset="0"/>
+                        <a:cs typeface="Segoe UI Light" panose="020B0502040204020203" pitchFamily="34" charset="0"/>
+                      </a:endParaRPr>
+                    </a:p>
+                  </a:txBody>
+                  <a:tcPr anchor="ctr"/>
+                </a:tc>
+                <a:tc>
+                  <a:txBody>
+                    <a:bodyPr/>
+                    <a:lstStyle/>
+                    <a:p>
+                      <a:r>
+                        <a:rPr lang="en-US" sz="2400" dirty="0" smtClean="0">
+                          <a:latin typeface="Segoe UI Light" panose="020B0502040204020203" pitchFamily="34" charset="0"/>
+                          <a:cs typeface="Segoe UI Light" panose="020B0502040204020203" pitchFamily="34" charset="0"/>
+                        </a:rPr>
+                        <a:t>06 | </a:t>
+                      </a:r>
+                      <a:r>
+                        <a:rPr lang="en-US" sz="2400" dirty="0" err="1" smtClean="0">
+                          <a:latin typeface="Segoe UI Light" panose="020B0502040204020203" pitchFamily="34" charset="0"/>
+                          <a:cs typeface="Segoe UI Light" panose="020B0502040204020203" pitchFamily="34" charset="0"/>
+                        </a:rPr>
+                        <a:t>Docker</a:t>
+                      </a:r>
+                      <a:r>
+                        <a:rPr lang="en-US" sz="2400" dirty="0" smtClean="0">
+                          <a:latin typeface="Segoe UI Light" panose="020B0502040204020203" pitchFamily="34" charset="0"/>
+                          <a:cs typeface="Segoe UI Light" panose="020B0502040204020203" pitchFamily="34" charset="0"/>
+                        </a:rPr>
+                        <a:t> and Log Management</a:t>
+                      </a:r>
+                    </a:p>
+                  </a:txBody>
+                  <a:tcPr anchor="ctr"/>
+                </a:tc>
+                <a:extLst>
+                  <a:ext uri="{0D108BD9-81ED-4DB2-BD59-A6C34878D82A}">
+                    <a16:rowId xmlns="" xmlns:a16="http://schemas.microsoft.com/office/drawing/2014/main" val="321066646"/>
+                  </a:ext>
+                </a:extLst>
+              </a:tr>
+              <a:tr h="767632">
+                <a:tc>
+                  <a:txBody>
+                    <a:bodyPr/>
+                    <a:lstStyle/>
+                    <a:p>
+                      <a:pPr marL="0" marR="0" indent="0" algn="l" defTabSz="914088" rtl="0" eaLnBrk="1" fontAlgn="auto" latinLnBrk="0" hangingPunct="1">
+                        <a:lnSpc>
+                          <a:spcPct val="100000"/>
+                        </a:lnSpc>
+                        <a:spcBef>
+                          <a:spcPts val="0"/>
+                        </a:spcBef>
+                        <a:spcAft>
+                          <a:spcPts val="0"/>
+                        </a:spcAft>
+                        <a:buClrTx/>
+                        <a:buSzTx/>
+                        <a:buFontTx/>
+                        <a:buNone/>
+                        <a:tabLst/>
+                        <a:defRPr/>
+                      </a:pPr>
+                      <a:r>
+                        <a:rPr lang="en-US" sz="2400" dirty="0" smtClean="0">
+                          <a:latin typeface="Segoe UI Light" panose="020B0502040204020203" pitchFamily="34" charset="0"/>
+                          <a:cs typeface="Segoe UI Light" panose="020B0502040204020203" pitchFamily="34" charset="0"/>
+                        </a:rPr>
+                        <a:t>03</a:t>
+                      </a:r>
+                      <a:r>
+                        <a:rPr lang="en-US" sz="2400" baseline="0" dirty="0" smtClean="0">
+                          <a:latin typeface="Segoe UI Light" panose="020B0502040204020203" pitchFamily="34" charset="0"/>
+                          <a:cs typeface="Segoe UI Light" panose="020B0502040204020203" pitchFamily="34" charset="0"/>
+                        </a:rPr>
+                        <a:t> | DNS</a:t>
+                      </a:r>
+                      <a:endParaRPr lang="en-US" sz="2400" dirty="0" smtClean="0">
+                        <a:latin typeface="Segoe UI Light" panose="020B0502040204020203" pitchFamily="34" charset="0"/>
+                        <a:cs typeface="Segoe UI Light" panose="020B0502040204020203" pitchFamily="34" charset="0"/>
+                      </a:endParaRPr>
+                    </a:p>
+                  </a:txBody>
+                  <a:tcPr anchor="ctr"/>
+                </a:tc>
+                <a:tc>
+                  <a:txBody>
+                    <a:bodyPr/>
+                    <a:lstStyle/>
+                    <a:p>
+                      <a:r>
+                        <a:rPr lang="en-US" sz="2400" b="1" dirty="0" smtClean="0">
+                          <a:latin typeface="Segoe UI Light" panose="020B0502040204020203" pitchFamily="34" charset="0"/>
+                          <a:cs typeface="Segoe UI Light" panose="020B0502040204020203" pitchFamily="34" charset="0"/>
+                        </a:rPr>
+                        <a:t>07 | Scaling Your Application Under Load</a:t>
+                      </a:r>
+                      <a:endParaRPr lang="en-US" sz="2400" b="1" dirty="0">
+                        <a:latin typeface="Segoe UI Light" panose="020B0502040204020203" pitchFamily="34" charset="0"/>
+                        <a:cs typeface="Segoe UI Light" panose="020B0502040204020203" pitchFamily="34" charset="0"/>
+                      </a:endParaRPr>
+                    </a:p>
+                  </a:txBody>
+                  <a:tcPr anchor="ctr"/>
+                </a:tc>
+                <a:extLst>
+                  <a:ext uri="{0D108BD9-81ED-4DB2-BD59-A6C34878D82A}">
+                    <a16:rowId xmlns="" xmlns:a16="http://schemas.microsoft.com/office/drawing/2014/main" val="3812060533"/>
+                  </a:ext>
+                </a:extLst>
+              </a:tr>
+              <a:tr h="767632">
+                <a:tc>
+                  <a:txBody>
+                    <a:bodyPr/>
+                    <a:lstStyle/>
+                    <a:p>
+                      <a:r>
+                        <a:rPr lang="en-US" sz="2400" dirty="0" smtClean="0">
+                          <a:latin typeface="Segoe UI Light" panose="020B0502040204020203" pitchFamily="34" charset="0"/>
+                          <a:cs typeface="Segoe UI Light" panose="020B0502040204020203" pitchFamily="34" charset="0"/>
+                        </a:rPr>
+                        <a:t>04 | Batch</a:t>
+                      </a:r>
+                      <a:endParaRPr lang="en-US" sz="2400" dirty="0">
+                        <a:latin typeface="Segoe UI Light" panose="020B0502040204020203" pitchFamily="34" charset="0"/>
+                        <a:cs typeface="Segoe UI Light" panose="020B0502040204020203" pitchFamily="34" charset="0"/>
+                      </a:endParaRPr>
+                    </a:p>
+                  </a:txBody>
+                  <a:tcPr anchor="ctr"/>
+                </a:tc>
+                <a:tc>
+                  <a:txBody>
+                    <a:bodyPr/>
+                    <a:lstStyle/>
+                    <a:p>
+                      <a:r>
+                        <a:rPr lang="en-US" sz="2400" dirty="0" smtClean="0">
+                          <a:latin typeface="Segoe UI Light" panose="020B0502040204020203" pitchFamily="34" charset="0"/>
+                          <a:cs typeface="Segoe UI Light" panose="020B0502040204020203" pitchFamily="34" charset="0"/>
+                        </a:rPr>
+                        <a:t>08 | Review and Summary</a:t>
+                      </a:r>
+                      <a:endParaRPr lang="en-US" sz="2400" dirty="0">
+                        <a:latin typeface="Segoe UI Light" panose="020B0502040204020203" pitchFamily="34" charset="0"/>
+                        <a:cs typeface="Segoe UI Light" panose="020B0502040204020203" pitchFamily="34" charset="0"/>
+                      </a:endParaRPr>
+                    </a:p>
+                  </a:txBody>
+                  <a:tcPr anchor="ctr"/>
+                </a:tc>
+                <a:extLst>
+                  <a:ext uri="{0D108BD9-81ED-4DB2-BD59-A6C34878D82A}">
+                    <a16:rowId xmlns="" xmlns:a16="http://schemas.microsoft.com/office/drawing/2014/main" val="733235577"/>
+                  </a:ext>
+                </a:extLst>
+              </a:tr>
+            </a:tbl>
+          </a:graphicData>
+        </a:graphic>
+      </p:graphicFrame>
+    </p:spTree>
+    <p:extLst>
+      <p:ext uri="{BB962C8B-B14F-4D97-AF65-F5344CB8AC3E}">
+        <p14:creationId xmlns:p14="http://schemas.microsoft.com/office/powerpoint/2010/main" val="2006686797"/>
+      </p:ext>
+    </p:extLst>
+  </p:cSld>
+  <p:clrMapOvr>
+    <a:masterClrMapping/>
+  </p:clrMapOvr>
+  <mc:AlternateContent xmlns:mc="http://schemas.openxmlformats.org/markup-compatibility/2006">
+    <mc:Choice xmlns:p14="http://schemas.microsoft.com/office/powerpoint/2010/main" Requires="p14">
+      <p:transition spd="slow" p14:dur="2000"/>
+    </mc:Choice>
+    <mc:Fallback>
+      <p:transition spd="slow"/>
+    </mc:Fallback>
+  </mc:AlternateContent>
+  <p:timing>
+    <p:tnLst>
+      <p:par>
+        <p:cTn id="1" dur="indefinite" restart="never" nodeType="tmRoot"/>
+      </p:par>
+    </p:tnLst>
+  </p:timing>
+</p:sld>
+</file>
+
+<file path=ppt/slides/slide4.xml><?xml version="1.0" encoding="utf-8"?>
+<p:sld xmlns:a="http://schemas.openxmlformats.org/drawingml/2006/main" xmlns:r="http://schemas.openxmlformats.org/officeDocument/2006/relationships" xmlns:p="http://schemas.openxmlformats.org/presentationml/2006/main">
+  <p:cSld>
+    <p:spTree>
+      <p:nvGrpSpPr>
+        <p:cNvPr id="1" name=""/>
+        <p:cNvGrpSpPr/>
+        <p:nvPr/>
+      </p:nvGrpSpPr>
+      <p:grpSpPr>
+        <a:xfrm>
+          <a:off x="0" y="0"/>
+          <a:ext cx="0" cy="0"/>
+          <a:chOff x="0" y="0"/>
+          <a:chExt cx="0" cy="0"/>
+        </a:xfrm>
+      </p:grpSpPr>
+      <p:sp>
+        <p:nvSpPr>
+          <p:cNvPr id="5" name="Text Placeholder 4"/>
+          <p:cNvSpPr>
+            <a:spLocks noGrp="1"/>
+          </p:cNvSpPr>
+          <p:nvPr>
+            <p:ph type="body" sz="quarter" idx="10"/>
+          </p:nvPr>
+        </p:nvSpPr>
+        <p:spPr/>
+        <p:txBody>
+          <a:bodyPr/>
+          <a:lstStyle/>
+          <a:p>
+            <a:r>
+              <a:rPr lang="en-US" dirty="0" smtClean="0"/>
+              <a:t>Module Overview</a:t>
+            </a:r>
+            <a:endParaRPr lang="en-US" dirty="0"/>
+          </a:p>
+        </p:txBody>
+      </p:sp>
+      <p:sp>
+        <p:nvSpPr>
+          <p:cNvPr id="4" name="Subtitle 3"/>
+          <p:cNvSpPr>
+            <a:spLocks noGrp="1"/>
+          </p:cNvSpPr>
+          <p:nvPr>
+            <p:ph type="subTitle" idx="1"/>
+          </p:nvPr>
+        </p:nvSpPr>
+        <p:spPr/>
+        <p:txBody>
+          <a:bodyPr/>
+          <a:lstStyle/>
+          <a:p>
+            <a:endParaRPr lang="en-US"/>
+          </a:p>
+        </p:txBody>
+      </p:sp>
+    </p:spTree>
+    <p:extLst>
+      <p:ext uri="{BB962C8B-B14F-4D97-AF65-F5344CB8AC3E}">
+        <p14:creationId xmlns:p14="http://schemas.microsoft.com/office/powerpoint/2010/main" val="996209603"/>
+      </p:ext>
+    </p:extLst>
+  </p:cSld>
+  <p:clrMapOvr>
+    <a:masterClrMapping/>
+  </p:clrMapOvr>
+</p:sld>
+</file>
+
+<file path=ppt/slides/slide5.xml><?xml version="1.0" encoding="utf-8"?>
+<p:sld xmlns:a="http://schemas.openxmlformats.org/drawingml/2006/main" xmlns:r="http://schemas.openxmlformats.org/officeDocument/2006/relationships" xmlns:p="http://schemas.openxmlformats.org/presentationml/2006/main">
+  <p:cSld>
+    <p:spTree>
+      <p:nvGrpSpPr>
+        <p:cNvPr id="1" name=""/>
+        <p:cNvGrpSpPr/>
+        <p:nvPr/>
+      </p:nvGrpSpPr>
+      <p:grpSpPr>
+        <a:xfrm>
+          <a:off x="0" y="0"/>
+          <a:ext cx="0" cy="0"/>
+          <a:chOff x="0" y="0"/>
+          <a:chExt cx="0" cy="0"/>
+        </a:xfrm>
+      </p:grpSpPr>
+      <p:sp>
+        <p:nvSpPr>
+          <p:cNvPr id="7" name="Content Placeholder 6"/>
+          <p:cNvSpPr>
+            <a:spLocks noGrp="1"/>
+          </p:cNvSpPr>
+          <p:nvPr>
+            <p:ph sz="quarter" idx="10"/>
+          </p:nvPr>
+        </p:nvSpPr>
+        <p:spPr/>
+        <p:txBody>
+          <a:bodyPr>
+            <a:normAutofit/>
+          </a:bodyPr>
+          <a:lstStyle/>
+          <a:p>
+            <a:r>
+              <a:rPr lang="en-GB" dirty="0" smtClean="0"/>
+              <a:t>Horizontal vs Vertical Scaling</a:t>
+            </a:r>
+          </a:p>
+          <a:p>
+            <a:r>
+              <a:rPr lang="en-GB" dirty="0" smtClean="0"/>
+              <a:t>Architecture Concerns</a:t>
+            </a:r>
+          </a:p>
+          <a:p>
+            <a:r>
+              <a:rPr lang="en-GB" dirty="0" smtClean="0"/>
+              <a:t>Stress Testing to Find Bottlenecks</a:t>
+            </a:r>
+            <a:endParaRPr lang="en-GB" dirty="0"/>
+          </a:p>
+        </p:txBody>
+      </p:sp>
+      <p:sp>
+        <p:nvSpPr>
+          <p:cNvPr id="2" name="Title 1"/>
+          <p:cNvSpPr>
+            <a:spLocks noGrp="1"/>
+          </p:cNvSpPr>
+          <p:nvPr>
+            <p:ph type="title"/>
+          </p:nvPr>
+        </p:nvSpPr>
+        <p:spPr/>
+        <p:txBody>
+          <a:bodyPr/>
+          <a:lstStyle/>
+          <a:p>
+            <a:r>
+              <a:rPr lang="en-US" dirty="0" smtClean="0"/>
+              <a:t>Module Overview</a:t>
+            </a:r>
+            <a:endParaRPr lang="en-US" dirty="0"/>
+          </a:p>
+        </p:txBody>
+      </p:sp>
+    </p:spTree>
+    <p:extLst>
+      <p:ext uri="{BB962C8B-B14F-4D97-AF65-F5344CB8AC3E}">
+        <p14:creationId xmlns:p14="http://schemas.microsoft.com/office/powerpoint/2010/main" val="318349970"/>
+      </p:ext>
+    </p:extLst>
+  </p:cSld>
+  <p:clrMapOvr>
+    <a:masterClrMapping/>
+  </p:clrMapOvr>
+  <p:timing>
+    <p:tnLst>
+      <p:par>
+        <p:cTn id="1" dur="indefinite" restart="never" nodeType="tmRoot"/>
+      </p:par>
+    </p:tnLst>
+  </p:timing>
+</p:sld>
+</file>
+
+<file path=ppt/slides/slide6.xml><?xml version="1.0" encoding="utf-8"?>
+<p:sld xmlns:a="http://schemas.openxmlformats.org/drawingml/2006/main" xmlns:r="http://schemas.openxmlformats.org/officeDocument/2006/relationships" xmlns:p="http://schemas.openxmlformats.org/presentationml/2006/main">
+  <p:cSld>
+    <p:spTree>
+      <p:nvGrpSpPr>
+        <p:cNvPr id="1" name=""/>
+        <p:cNvGrpSpPr/>
+        <p:nvPr/>
+      </p:nvGrpSpPr>
+      <p:grpSpPr>
+        <a:xfrm>
+          <a:off x="0" y="0"/>
+          <a:ext cx="0" cy="0"/>
+          <a:chOff x="0" y="0"/>
+          <a:chExt cx="0" cy="0"/>
+        </a:xfrm>
+      </p:grpSpPr>
+      <p:sp>
+        <p:nvSpPr>
+          <p:cNvPr id="5" name="Text Placeholder 4"/>
+          <p:cNvSpPr>
+            <a:spLocks noGrp="1"/>
+          </p:cNvSpPr>
+          <p:nvPr>
+            <p:ph type="body" sz="quarter" idx="10"/>
+          </p:nvPr>
+        </p:nvSpPr>
+        <p:spPr/>
+        <p:txBody>
+          <a:bodyPr/>
+          <a:lstStyle/>
+          <a:p>
+            <a:r>
+              <a:rPr lang="en-US" dirty="0" smtClean="0"/>
+              <a:t>Types of Scale</a:t>
+            </a:r>
+            <a:endParaRPr lang="en-US" dirty="0"/>
+          </a:p>
+        </p:txBody>
+      </p:sp>
+      <p:sp>
+        <p:nvSpPr>
+          <p:cNvPr id="4" name="Subtitle 3"/>
+          <p:cNvSpPr>
+            <a:spLocks noGrp="1"/>
+          </p:cNvSpPr>
+          <p:nvPr>
+            <p:ph type="subTitle" idx="1"/>
+          </p:nvPr>
+        </p:nvSpPr>
+        <p:spPr/>
+        <p:txBody>
+          <a:bodyPr/>
+          <a:lstStyle/>
+          <a:p>
+            <a:endParaRPr lang="en-US"/>
+          </a:p>
+        </p:txBody>
+      </p:sp>
+    </p:spTree>
+    <p:extLst>
+      <p:ext uri="{BB962C8B-B14F-4D97-AF65-F5344CB8AC3E}">
+        <p14:creationId xmlns:p14="http://schemas.microsoft.com/office/powerpoint/2010/main" val="1272116025"/>
+      </p:ext>
+    </p:extLst>
+  </p:cSld>
+  <p:clrMapOvr>
+    <a:masterClrMapping/>
+  </p:clrMapOvr>
+</p:sld>
+</file>
+
+<file path=ppt/slides/slide7.xml><?xml version="1.0" encoding="utf-8"?>
+<p:sld xmlns:a="http://schemas.openxmlformats.org/drawingml/2006/main" xmlns:r="http://schemas.openxmlformats.org/officeDocument/2006/relationships" xmlns:p="http://schemas.openxmlformats.org/presentationml/2006/main">
+  <p:cSld>
+    <p:spTree>
+      <p:nvGrpSpPr>
+        <p:cNvPr id="1" name=""/>
+        <p:cNvGrpSpPr/>
+        <p:nvPr/>
+      </p:nvGrpSpPr>
+      <p:grpSpPr>
+        <a:xfrm>
+          <a:off x="0" y="0"/>
+          <a:ext cx="0" cy="0"/>
+          <a:chOff x="0" y="0"/>
+          <a:chExt cx="0" cy="0"/>
+        </a:xfrm>
+      </p:grpSpPr>
+      <p:sp>
+        <p:nvSpPr>
+          <p:cNvPr id="2" name="Title 1"/>
+          <p:cNvSpPr>
+            <a:spLocks noGrp="1"/>
+          </p:cNvSpPr>
+          <p:nvPr>
+            <p:ph type="title"/>
+          </p:nvPr>
+        </p:nvSpPr>
+        <p:spPr/>
+        <p:txBody>
           <a:bodyPr/>
           <a:lstStyle/>
           <a:p>
@@ -4332,53 +7050,6 @@
               <a:rPr lang="en-US" dirty="0" smtClean="0"/>
               <a:t>Processors are cheap</a:t>
             </a:r>
-          </a:p>
-        </p:txBody>
-      </p:sp>
-      <p:sp>
-        <p:nvSpPr>
-          <p:cNvPr id="4" name="TextBox 3"/>
-          <p:cNvSpPr txBox="1"/>
-          <p:nvPr/>
-        </p:nvSpPr>
-        <p:spPr>
-          <a:xfrm>
-            <a:off x="9906000" y="-1"/>
-            <a:ext cx="2286000" cy="2031325"/>
-          </a:xfrm>
-          <a:prstGeom prst="rect">
-            <a:avLst/>
-          </a:prstGeom>
-          <a:solidFill>
-            <a:srgbClr val="FFFF00"/>
-          </a:solidFill>
-          <a:ln>
-            <a:noFill/>
-          </a:ln>
-        </p:spPr>
-        <p:txBody>
-          <a:bodyPr wrap="square" rtlCol="0">
-            <a:spAutoFit/>
-          </a:bodyPr>
-          <a:lstStyle/>
-          <a:p>
-            <a:pPr algn="ctr"/>
-            <a:endParaRPr lang="en-US" dirty="0" smtClean="0"/>
-          </a:p>
-          <a:p>
-            <a:pPr algn="ctr"/>
-            <a:endParaRPr lang="en-US" dirty="0"/>
-          </a:p>
-          <a:p>
-            <a:pPr algn="ctr"/>
-            <a:r>
-              <a:rPr lang="en-US" dirty="0" smtClean="0"/>
-              <a:t>Please leave this area blank to allow for picture in picture recording</a:t>
-            </a:r>
-          </a:p>
-          <a:p>
-            <a:pPr algn="ctr"/>
-            <a:endParaRPr lang="en-US" dirty="0"/>
           </a:p>
         </p:txBody>
       </p:sp>
@@ -4879,7 +7550,7 @@
 </p:sld>
 </file>
 
-<file path=ppt/slides/slide4.xml><?xml version="1.0" encoding="utf-8"?>
+<file path=ppt/slides/slide8.xml><?xml version="1.0" encoding="utf-8"?>
 <p:sld xmlns:a="http://schemas.openxmlformats.org/drawingml/2006/main" xmlns:r="http://schemas.openxmlformats.org/officeDocument/2006/relationships" xmlns:p="http://schemas.openxmlformats.org/presentationml/2006/main">
   <p:cSld>
     <p:spTree>
@@ -4956,53 +7627,6 @@
               <a:rPr lang="en-US" dirty="0" smtClean="0"/>
               <a:t>Only pay for processing time you use</a:t>
             </a:r>
-            <a:endParaRPr lang="en-US" dirty="0"/>
-          </a:p>
-        </p:txBody>
-      </p:sp>
-      <p:sp>
-        <p:nvSpPr>
-          <p:cNvPr id="4" name="TextBox 3"/>
-          <p:cNvSpPr txBox="1"/>
-          <p:nvPr/>
-        </p:nvSpPr>
-        <p:spPr>
-          <a:xfrm>
-            <a:off x="9906000" y="-1"/>
-            <a:ext cx="2286000" cy="2031325"/>
-          </a:xfrm>
-          <a:prstGeom prst="rect">
-            <a:avLst/>
-          </a:prstGeom>
-          <a:solidFill>
-            <a:srgbClr val="FFFF00"/>
-          </a:solidFill>
-          <a:ln>
-            <a:noFill/>
-          </a:ln>
-        </p:spPr>
-        <p:txBody>
-          <a:bodyPr wrap="square" rtlCol="0">
-            <a:spAutoFit/>
-          </a:bodyPr>
-          <a:lstStyle/>
-          <a:p>
-            <a:pPr algn="ctr"/>
-            <a:endParaRPr lang="en-US" dirty="0" smtClean="0"/>
-          </a:p>
-          <a:p>
-            <a:pPr algn="ctr"/>
-            <a:endParaRPr lang="en-US" dirty="0"/>
-          </a:p>
-          <a:p>
-            <a:pPr algn="ctr"/>
-            <a:r>
-              <a:rPr lang="en-US" dirty="0" smtClean="0"/>
-              <a:t>Please leave this area blank to allow for picture in picture recording</a:t>
-            </a:r>
-          </a:p>
-          <a:p>
-            <a:pPr algn="ctr"/>
             <a:endParaRPr lang="en-US" dirty="0"/>
           </a:p>
         </p:txBody>
@@ -6276,1487 +8900,6 @@
 </p:sld>
 </file>
 
-<file path=ppt/slides/slide5.xml><?xml version="1.0" encoding="utf-8"?>
-<p:sld xmlns:a="http://schemas.openxmlformats.org/drawingml/2006/main" xmlns:r="http://schemas.openxmlformats.org/officeDocument/2006/relationships" xmlns:p="http://schemas.openxmlformats.org/presentationml/2006/main">
-  <p:cSld>
-    <p:spTree>
-      <p:nvGrpSpPr>
-        <p:cNvPr id="1" name=""/>
-        <p:cNvGrpSpPr/>
-        <p:nvPr/>
-      </p:nvGrpSpPr>
-      <p:grpSpPr>
-        <a:xfrm>
-          <a:off x="0" y="0"/>
-          <a:ext cx="0" cy="0"/>
-          <a:chOff x="0" y="0"/>
-          <a:chExt cx="0" cy="0"/>
-        </a:xfrm>
-      </p:grpSpPr>
-      <p:sp>
-        <p:nvSpPr>
-          <p:cNvPr id="2" name="Title 1"/>
-          <p:cNvSpPr>
-            <a:spLocks noGrp="1"/>
-          </p:cNvSpPr>
-          <p:nvPr>
-            <p:ph type="title"/>
-          </p:nvPr>
-        </p:nvSpPr>
-        <p:spPr/>
-        <p:txBody>
-          <a:bodyPr/>
-          <a:lstStyle/>
-          <a:p>
-            <a:r>
-              <a:rPr lang="en-US" dirty="0" smtClean="0"/>
-              <a:t>Some Assembly Required</a:t>
-            </a:r>
-            <a:endParaRPr lang="en-US" dirty="0"/>
-          </a:p>
-        </p:txBody>
-      </p:sp>
-      <p:sp>
-        <p:nvSpPr>
-          <p:cNvPr id="3" name="Content Placeholder 2"/>
-          <p:cNvSpPr>
-            <a:spLocks noGrp="1"/>
-          </p:cNvSpPr>
-          <p:nvPr>
-            <p:ph sz="quarter" idx="10"/>
-          </p:nvPr>
-        </p:nvSpPr>
-        <p:spPr/>
-        <p:txBody>
-          <a:bodyPr/>
-          <a:lstStyle/>
-          <a:p>
-            <a:r>
-              <a:rPr lang="en-US" dirty="0" smtClean="0"/>
-              <a:t>Cloud is an enabler for scalability</a:t>
-            </a:r>
-          </a:p>
-          <a:p>
-            <a:r>
-              <a:rPr lang="en-US" dirty="0" smtClean="0"/>
-              <a:t>Your architecture needs to support it</a:t>
-            </a:r>
-          </a:p>
-          <a:p>
-            <a:r>
-              <a:rPr lang="en-US" dirty="0" smtClean="0"/>
-              <a:t>Lift &amp; shift not supported</a:t>
-            </a:r>
-          </a:p>
-          <a:p>
-            <a:endParaRPr lang="en-US" dirty="0"/>
-          </a:p>
-        </p:txBody>
-      </p:sp>
-      <p:sp>
-        <p:nvSpPr>
-          <p:cNvPr id="4" name="TextBox 3"/>
-          <p:cNvSpPr txBox="1"/>
-          <p:nvPr/>
-        </p:nvSpPr>
-        <p:spPr>
-          <a:xfrm>
-            <a:off x="9906000" y="-1"/>
-            <a:ext cx="2286000" cy="2031325"/>
-          </a:xfrm>
-          <a:prstGeom prst="rect">
-            <a:avLst/>
-          </a:prstGeom>
-          <a:solidFill>
-            <a:srgbClr val="FFFF00"/>
-          </a:solidFill>
-          <a:ln>
-            <a:noFill/>
-          </a:ln>
-        </p:spPr>
-        <p:txBody>
-          <a:bodyPr wrap="square" rtlCol="0">
-            <a:spAutoFit/>
-          </a:bodyPr>
-          <a:lstStyle/>
-          <a:p>
-            <a:pPr algn="ctr"/>
-            <a:endParaRPr lang="en-US" dirty="0" smtClean="0"/>
-          </a:p>
-          <a:p>
-            <a:pPr algn="ctr"/>
-            <a:endParaRPr lang="en-US" dirty="0"/>
-          </a:p>
-          <a:p>
-            <a:pPr algn="ctr"/>
-            <a:r>
-              <a:rPr lang="en-US" dirty="0" smtClean="0"/>
-              <a:t>Please leave this area blank to allow for picture in picture recording</a:t>
-            </a:r>
-          </a:p>
-          <a:p>
-            <a:pPr algn="ctr"/>
-            <a:endParaRPr lang="en-US" dirty="0"/>
-          </a:p>
-        </p:txBody>
-      </p:sp>
-      <p:sp>
-        <p:nvSpPr>
-          <p:cNvPr id="5" name="Oval 4"/>
-          <p:cNvSpPr/>
-          <p:nvPr/>
-        </p:nvSpPr>
-        <p:spPr>
-          <a:xfrm>
-            <a:off x="7985760" y="5487989"/>
-            <a:ext cx="3048000" cy="800100"/>
-          </a:xfrm>
-          <a:prstGeom prst="ellipse">
-            <a:avLst/>
-          </a:prstGeom>
-        </p:spPr>
-        <p:style>
-          <a:lnRef idx="2">
-            <a:schemeClr val="dk1">
-              <a:shade val="50000"/>
-            </a:schemeClr>
-          </a:lnRef>
-          <a:fillRef idx="1">
-            <a:schemeClr val="dk1"/>
-          </a:fillRef>
-          <a:effectRef idx="0">
-            <a:schemeClr val="dk1"/>
-          </a:effectRef>
-          <a:fontRef idx="minor">
-            <a:schemeClr val="lt1"/>
-          </a:fontRef>
-        </p:style>
-        <p:txBody>
-          <a:bodyPr rtlCol="0" anchor="ctr"/>
-          <a:lstStyle/>
-          <a:p>
-            <a:pPr algn="ctr"/>
-            <a:endParaRPr lang="en-US"/>
-          </a:p>
-        </p:txBody>
-      </p:sp>
-      <p:sp>
-        <p:nvSpPr>
-          <p:cNvPr id="6" name="Freeform 5"/>
-          <p:cNvSpPr/>
-          <p:nvPr/>
-        </p:nvSpPr>
-        <p:spPr>
-          <a:xfrm>
-            <a:off x="8134350" y="2800350"/>
-            <a:ext cx="1447800" cy="3714750"/>
-          </a:xfrm>
-          <a:custGeom>
-            <a:avLst/>
-            <a:gdLst>
-              <a:gd name="connsiteX0" fmla="*/ 19050 w 1447800"/>
-              <a:gd name="connsiteY0" fmla="*/ 0 h 3714750"/>
-              <a:gd name="connsiteX1" fmla="*/ 0 w 1447800"/>
-              <a:gd name="connsiteY1" fmla="*/ 2609850 h 3714750"/>
-              <a:gd name="connsiteX2" fmla="*/ 1447800 w 1447800"/>
-              <a:gd name="connsiteY2" fmla="*/ 3714750 h 3714750"/>
-              <a:gd name="connsiteX3" fmla="*/ 1447800 w 1447800"/>
-              <a:gd name="connsiteY3" fmla="*/ 781050 h 3714750"/>
-              <a:gd name="connsiteX4" fmla="*/ 19050 w 1447800"/>
-              <a:gd name="connsiteY4" fmla="*/ 0 h 3714750"/>
-              <a:gd name="connsiteX0" fmla="*/ 19050 w 1447800"/>
-              <a:gd name="connsiteY0" fmla="*/ 0 h 3714750"/>
-              <a:gd name="connsiteX1" fmla="*/ 0 w 1447800"/>
-              <a:gd name="connsiteY1" fmla="*/ 2784022 h 3714750"/>
-              <a:gd name="connsiteX2" fmla="*/ 1447800 w 1447800"/>
-              <a:gd name="connsiteY2" fmla="*/ 3714750 h 3714750"/>
-              <a:gd name="connsiteX3" fmla="*/ 1447800 w 1447800"/>
-              <a:gd name="connsiteY3" fmla="*/ 781050 h 3714750"/>
-              <a:gd name="connsiteX4" fmla="*/ 19050 w 1447800"/>
-              <a:gd name="connsiteY4" fmla="*/ 0 h 3714750"/>
-            </a:gdLst>
-            <a:ahLst/>
-            <a:cxnLst>
-              <a:cxn ang="0">
-                <a:pos x="connsiteX0" y="connsiteY0"/>
-              </a:cxn>
-              <a:cxn ang="0">
-                <a:pos x="connsiteX1" y="connsiteY1"/>
-              </a:cxn>
-              <a:cxn ang="0">
-                <a:pos x="connsiteX2" y="connsiteY2"/>
-              </a:cxn>
-              <a:cxn ang="0">
-                <a:pos x="connsiteX3" y="connsiteY3"/>
-              </a:cxn>
-              <a:cxn ang="0">
-                <a:pos x="connsiteX4" y="connsiteY4"/>
-              </a:cxn>
-            </a:cxnLst>
-            <a:rect l="l" t="t" r="r" b="b"/>
-            <a:pathLst>
-              <a:path w="1447800" h="3714750">
-                <a:moveTo>
-                  <a:pt x="19050" y="0"/>
-                </a:moveTo>
-                <a:lnTo>
-                  <a:pt x="0" y="2784022"/>
-                </a:lnTo>
-                <a:lnTo>
-                  <a:pt x="1447800" y="3714750"/>
-                </a:lnTo>
-                <a:lnTo>
-                  <a:pt x="1447800" y="781050"/>
-                </a:lnTo>
-                <a:lnTo>
-                  <a:pt x="19050" y="0"/>
-                </a:lnTo>
-                <a:close/>
-              </a:path>
-            </a:pathLst>
-          </a:custGeom>
-          <a:solidFill>
-            <a:schemeClr val="accent1"/>
-          </a:solidFill>
-        </p:spPr>
-        <p:style>
-          <a:lnRef idx="2">
-            <a:schemeClr val="accent1">
-              <a:shade val="50000"/>
-            </a:schemeClr>
-          </a:lnRef>
-          <a:fillRef idx="1">
-            <a:schemeClr val="accent1"/>
-          </a:fillRef>
-          <a:effectRef idx="0">
-            <a:schemeClr val="accent1"/>
-          </a:effectRef>
-          <a:fontRef idx="minor">
-            <a:schemeClr val="lt1"/>
-          </a:fontRef>
-        </p:style>
-        <p:txBody>
-          <a:bodyPr rtlCol="0" anchor="ctr"/>
-          <a:lstStyle/>
-          <a:p>
-            <a:pPr algn="ctr"/>
-            <a:endParaRPr lang="en-US"/>
-          </a:p>
-        </p:txBody>
-      </p:sp>
-      <p:sp>
-        <p:nvSpPr>
-          <p:cNvPr id="7" name="Freeform 6"/>
-          <p:cNvSpPr/>
-          <p:nvPr/>
-        </p:nvSpPr>
-        <p:spPr>
-          <a:xfrm>
-            <a:off x="9582150" y="2895600"/>
-            <a:ext cx="1333500" cy="3600450"/>
-          </a:xfrm>
-          <a:custGeom>
-            <a:avLst/>
-            <a:gdLst>
-              <a:gd name="connsiteX0" fmla="*/ 19050 w 1333500"/>
-              <a:gd name="connsiteY0" fmla="*/ 666750 h 3600450"/>
-              <a:gd name="connsiteX1" fmla="*/ 1333500 w 1333500"/>
-              <a:gd name="connsiteY1" fmla="*/ 0 h 3600450"/>
-              <a:gd name="connsiteX2" fmla="*/ 1333500 w 1333500"/>
-              <a:gd name="connsiteY2" fmla="*/ 2743200 h 3600450"/>
-              <a:gd name="connsiteX3" fmla="*/ 0 w 1333500"/>
-              <a:gd name="connsiteY3" fmla="*/ 3600450 h 3600450"/>
-              <a:gd name="connsiteX4" fmla="*/ 19050 w 1333500"/>
-              <a:gd name="connsiteY4" fmla="*/ 666750 h 3600450"/>
-            </a:gdLst>
-            <a:ahLst/>
-            <a:cxnLst>
-              <a:cxn ang="0">
-                <a:pos x="connsiteX0" y="connsiteY0"/>
-              </a:cxn>
-              <a:cxn ang="0">
-                <a:pos x="connsiteX1" y="connsiteY1"/>
-              </a:cxn>
-              <a:cxn ang="0">
-                <a:pos x="connsiteX2" y="connsiteY2"/>
-              </a:cxn>
-              <a:cxn ang="0">
-                <a:pos x="connsiteX3" y="connsiteY3"/>
-              </a:cxn>
-              <a:cxn ang="0">
-                <a:pos x="connsiteX4" y="connsiteY4"/>
-              </a:cxn>
-            </a:cxnLst>
-            <a:rect l="l" t="t" r="r" b="b"/>
-            <a:pathLst>
-              <a:path w="1333500" h="3600450">
-                <a:moveTo>
-                  <a:pt x="19050" y="666750"/>
-                </a:moveTo>
-                <a:lnTo>
-                  <a:pt x="1333500" y="0"/>
-                </a:lnTo>
-                <a:lnTo>
-                  <a:pt x="1333500" y="2743200"/>
-                </a:lnTo>
-                <a:lnTo>
-                  <a:pt x="0" y="3600450"/>
-                </a:lnTo>
-                <a:lnTo>
-                  <a:pt x="19050" y="666750"/>
-                </a:lnTo>
-                <a:close/>
-              </a:path>
-            </a:pathLst>
-          </a:custGeom>
-          <a:solidFill>
-            <a:schemeClr val="accent1">
-              <a:lumMod val="60000"/>
-              <a:lumOff val="40000"/>
-            </a:schemeClr>
-          </a:solidFill>
-        </p:spPr>
-        <p:style>
-          <a:lnRef idx="2">
-            <a:schemeClr val="accent1">
-              <a:shade val="50000"/>
-            </a:schemeClr>
-          </a:lnRef>
-          <a:fillRef idx="1">
-            <a:schemeClr val="accent1"/>
-          </a:fillRef>
-          <a:effectRef idx="0">
-            <a:schemeClr val="accent1"/>
-          </a:effectRef>
-          <a:fontRef idx="minor">
-            <a:schemeClr val="lt1"/>
-          </a:fontRef>
-        </p:style>
-        <p:txBody>
-          <a:bodyPr rtlCol="0" anchor="ctr"/>
-          <a:lstStyle/>
-          <a:p>
-            <a:pPr algn="ctr"/>
-            <a:endParaRPr lang="en-US"/>
-          </a:p>
-        </p:txBody>
-      </p:sp>
-      <p:sp>
-        <p:nvSpPr>
-          <p:cNvPr id="8" name="Freeform 7"/>
-          <p:cNvSpPr/>
-          <p:nvPr/>
-        </p:nvSpPr>
-        <p:spPr>
-          <a:xfrm>
-            <a:off x="8168640" y="2240280"/>
-            <a:ext cx="2758440" cy="1348740"/>
-          </a:xfrm>
-          <a:custGeom>
-            <a:avLst/>
-            <a:gdLst>
-              <a:gd name="connsiteX0" fmla="*/ 0 w 2758440"/>
-              <a:gd name="connsiteY0" fmla="*/ 563880 h 1348740"/>
-              <a:gd name="connsiteX1" fmla="*/ 1440180 w 2758440"/>
-              <a:gd name="connsiteY1" fmla="*/ 1348740 h 1348740"/>
-              <a:gd name="connsiteX2" fmla="*/ 2758440 w 2758440"/>
-              <a:gd name="connsiteY2" fmla="*/ 655320 h 1348740"/>
-              <a:gd name="connsiteX3" fmla="*/ 1417320 w 2758440"/>
-              <a:gd name="connsiteY3" fmla="*/ 0 h 1348740"/>
-              <a:gd name="connsiteX4" fmla="*/ 0 w 2758440"/>
-              <a:gd name="connsiteY4" fmla="*/ 563880 h 1348740"/>
-            </a:gdLst>
-            <a:ahLst/>
-            <a:cxnLst>
-              <a:cxn ang="0">
-                <a:pos x="connsiteX0" y="connsiteY0"/>
-              </a:cxn>
-              <a:cxn ang="0">
-                <a:pos x="connsiteX1" y="connsiteY1"/>
-              </a:cxn>
-              <a:cxn ang="0">
-                <a:pos x="connsiteX2" y="connsiteY2"/>
-              </a:cxn>
-              <a:cxn ang="0">
-                <a:pos x="connsiteX3" y="connsiteY3"/>
-              </a:cxn>
-              <a:cxn ang="0">
-                <a:pos x="connsiteX4" y="connsiteY4"/>
-              </a:cxn>
-            </a:cxnLst>
-            <a:rect l="l" t="t" r="r" b="b"/>
-            <a:pathLst>
-              <a:path w="2758440" h="1348740">
-                <a:moveTo>
-                  <a:pt x="0" y="563880"/>
-                </a:moveTo>
-                <a:lnTo>
-                  <a:pt x="1440180" y="1348740"/>
-                </a:lnTo>
-                <a:lnTo>
-                  <a:pt x="2758440" y="655320"/>
-                </a:lnTo>
-                <a:lnTo>
-                  <a:pt x="1417320" y="0"/>
-                </a:lnTo>
-                <a:lnTo>
-                  <a:pt x="0" y="563880"/>
-                </a:lnTo>
-                <a:close/>
-              </a:path>
-            </a:pathLst>
-          </a:custGeom>
-          <a:solidFill>
-            <a:schemeClr val="accent1">
-              <a:lumMod val="20000"/>
-              <a:lumOff val="80000"/>
-            </a:schemeClr>
-          </a:solidFill>
-        </p:spPr>
-        <p:style>
-          <a:lnRef idx="2">
-            <a:schemeClr val="accent1">
-              <a:shade val="50000"/>
-            </a:schemeClr>
-          </a:lnRef>
-          <a:fillRef idx="1">
-            <a:schemeClr val="accent1"/>
-          </a:fillRef>
-          <a:effectRef idx="0">
-            <a:schemeClr val="accent1"/>
-          </a:effectRef>
-          <a:fontRef idx="minor">
-            <a:schemeClr val="lt1"/>
-          </a:fontRef>
-        </p:style>
-        <p:txBody>
-          <a:bodyPr rtlCol="0" anchor="ctr"/>
-          <a:lstStyle/>
-          <a:p>
-            <a:pPr algn="ctr"/>
-            <a:endParaRPr lang="en-US"/>
-          </a:p>
-        </p:txBody>
-      </p:sp>
-    </p:spTree>
-    <p:extLst>
-      <p:ext uri="{BB962C8B-B14F-4D97-AF65-F5344CB8AC3E}">
-        <p14:creationId xmlns:p14="http://schemas.microsoft.com/office/powerpoint/2010/main" val="2493956106"/>
-      </p:ext>
-    </p:extLst>
-  </p:cSld>
-  <p:clrMapOvr>
-    <a:masterClrMapping/>
-  </p:clrMapOvr>
-  <p:timing>
-    <p:tnLst>
-      <p:par>
-        <p:cTn id="1" dur="indefinite" restart="never" nodeType="tmRoot">
-          <p:childTnLst>
-            <p:seq concurrent="1" nextAc="seek">
-              <p:cTn id="2" dur="indefinite" nodeType="mainSeq">
-                <p:childTnLst>
-                  <p:par>
-                    <p:cTn id="3" fill="hold">
-                      <p:stCondLst>
-                        <p:cond delay="indefinite"/>
-                      </p:stCondLst>
-                      <p:childTnLst>
-                        <p:par>
-                          <p:cTn id="4" fill="hold">
-                            <p:stCondLst>
-                              <p:cond delay="0"/>
-                            </p:stCondLst>
-                            <p:childTnLst>
-                              <p:par>
-                                <p:cTn id="5" presetID="1" presetClass="entr" presetSubtype="0" fill="hold" nodeType="clickEffect">
-                                  <p:stCondLst>
-                                    <p:cond delay="0"/>
-                                  </p:stCondLst>
-                                  <p:childTnLst>
-                                    <p:set>
-                                      <p:cBhvr>
-                                        <p:cTn id="6" dur="1" fill="hold">
-                                          <p:stCondLst>
-                                            <p:cond delay="0"/>
-                                          </p:stCondLst>
-                                        </p:cTn>
-                                        <p:tgtEl>
-                                          <p:spTgt spid="3">
-                                            <p:txEl>
-                                              <p:pRg st="0" end="0"/>
-                                            </p:txEl>
-                                          </p:spTgt>
-                                        </p:tgtEl>
-                                        <p:attrNameLst>
-                                          <p:attrName>style.visibility</p:attrName>
-                                        </p:attrNameLst>
-                                      </p:cBhvr>
-                                      <p:to>
-                                        <p:strVal val="visible"/>
-                                      </p:to>
-                                    </p:set>
-                                  </p:childTnLst>
-                                </p:cTn>
-                              </p:par>
-                            </p:childTnLst>
-                          </p:cTn>
-                        </p:par>
-                      </p:childTnLst>
-                    </p:cTn>
-                  </p:par>
-                  <p:par>
-                    <p:cTn id="7" fill="hold">
-                      <p:stCondLst>
-                        <p:cond delay="indefinite"/>
-                      </p:stCondLst>
-                      <p:childTnLst>
-                        <p:par>
-                          <p:cTn id="8" fill="hold">
-                            <p:stCondLst>
-                              <p:cond delay="0"/>
-                            </p:stCondLst>
-                            <p:childTnLst>
-                              <p:par>
-                                <p:cTn id="9" presetID="1" presetClass="entr" presetSubtype="0" fill="hold" nodeType="clickEffect">
-                                  <p:stCondLst>
-                                    <p:cond delay="0"/>
-                                  </p:stCondLst>
-                                  <p:childTnLst>
-                                    <p:set>
-                                      <p:cBhvr>
-                                        <p:cTn id="10" dur="1" fill="hold">
-                                          <p:stCondLst>
-                                            <p:cond delay="0"/>
-                                          </p:stCondLst>
-                                        </p:cTn>
-                                        <p:tgtEl>
-                                          <p:spTgt spid="3">
-                                            <p:txEl>
-                                              <p:pRg st="1" end="1"/>
-                                            </p:txEl>
-                                          </p:spTgt>
-                                        </p:tgtEl>
-                                        <p:attrNameLst>
-                                          <p:attrName>style.visibility</p:attrName>
-                                        </p:attrNameLst>
-                                      </p:cBhvr>
-                                      <p:to>
-                                        <p:strVal val="visible"/>
-                                      </p:to>
-                                    </p:set>
-                                  </p:childTnLst>
-                                </p:cTn>
-                              </p:par>
-                            </p:childTnLst>
-                          </p:cTn>
-                        </p:par>
-                      </p:childTnLst>
-                    </p:cTn>
-                  </p:par>
-                  <p:par>
-                    <p:cTn id="11" fill="hold">
-                      <p:stCondLst>
-                        <p:cond delay="indefinite"/>
-                      </p:stCondLst>
-                      <p:childTnLst>
-                        <p:par>
-                          <p:cTn id="12" fill="hold">
-                            <p:stCondLst>
-                              <p:cond delay="0"/>
-                            </p:stCondLst>
-                            <p:childTnLst>
-                              <p:par>
-                                <p:cTn id="13" presetID="1" presetClass="entr" presetSubtype="0" fill="hold" nodeType="clickEffect">
-                                  <p:stCondLst>
-                                    <p:cond delay="0"/>
-                                  </p:stCondLst>
-                                  <p:childTnLst>
-                                    <p:set>
-                                      <p:cBhvr>
-                                        <p:cTn id="14" dur="1" fill="hold">
-                                          <p:stCondLst>
-                                            <p:cond delay="0"/>
-                                          </p:stCondLst>
-                                        </p:cTn>
-                                        <p:tgtEl>
-                                          <p:spTgt spid="3">
-                                            <p:txEl>
-                                              <p:pRg st="2" end="2"/>
-                                            </p:txEl>
-                                          </p:spTgt>
-                                        </p:tgtEl>
-                                        <p:attrNameLst>
-                                          <p:attrName>style.visibility</p:attrName>
-                                        </p:attrNameLst>
-                                      </p:cBhvr>
-                                      <p:to>
-                                        <p:strVal val="visible"/>
-                                      </p:to>
-                                    </p:set>
-                                  </p:childTnLst>
-                                </p:cTn>
-                              </p:par>
-                            </p:childTnLst>
-                          </p:cTn>
-                        </p:par>
-                      </p:childTnLst>
-                    </p:cTn>
-                  </p:par>
-                  <p:par>
-                    <p:cTn id="15" fill="hold">
-                      <p:stCondLst>
-                        <p:cond delay="indefinite"/>
-                      </p:stCondLst>
-                      <p:childTnLst>
-                        <p:par>
-                          <p:cTn id="16" fill="hold">
-                            <p:stCondLst>
-                              <p:cond delay="0"/>
-                            </p:stCondLst>
-                            <p:childTnLst>
-                              <p:par>
-                                <p:cTn id="17" presetID="1" presetClass="entr" presetSubtype="0" fill="hold" grpId="0" nodeType="clickEffect">
-                                  <p:stCondLst>
-                                    <p:cond delay="0"/>
-                                  </p:stCondLst>
-                                  <p:childTnLst>
-                                    <p:set>
-                                      <p:cBhvr>
-                                        <p:cTn id="18" dur="1" fill="hold">
-                                          <p:stCondLst>
-                                            <p:cond delay="0"/>
-                                          </p:stCondLst>
-                                        </p:cTn>
-                                        <p:tgtEl>
-                                          <p:spTgt spid="5"/>
-                                        </p:tgtEl>
-                                        <p:attrNameLst>
-                                          <p:attrName>style.visibility</p:attrName>
-                                        </p:attrNameLst>
-                                      </p:cBhvr>
-                                      <p:to>
-                                        <p:strVal val="visible"/>
-                                      </p:to>
-                                    </p:set>
-                                  </p:childTnLst>
-                                </p:cTn>
-                              </p:par>
-                              <p:par>
-                                <p:cTn id="19" presetID="1" presetClass="entr" presetSubtype="0" fill="hold" grpId="0" nodeType="withEffect">
-                                  <p:stCondLst>
-                                    <p:cond delay="0"/>
-                                  </p:stCondLst>
-                                  <p:childTnLst>
-                                    <p:set>
-                                      <p:cBhvr>
-                                        <p:cTn id="20" dur="1" fill="hold">
-                                          <p:stCondLst>
-                                            <p:cond delay="0"/>
-                                          </p:stCondLst>
-                                        </p:cTn>
-                                        <p:tgtEl>
-                                          <p:spTgt spid="6"/>
-                                        </p:tgtEl>
-                                        <p:attrNameLst>
-                                          <p:attrName>style.visibility</p:attrName>
-                                        </p:attrNameLst>
-                                      </p:cBhvr>
-                                      <p:to>
-                                        <p:strVal val="visible"/>
-                                      </p:to>
-                                    </p:set>
-                                  </p:childTnLst>
-                                </p:cTn>
-                              </p:par>
-                              <p:par>
-                                <p:cTn id="21" presetID="1" presetClass="entr" presetSubtype="0" fill="hold" grpId="0" nodeType="withEffect">
-                                  <p:stCondLst>
-                                    <p:cond delay="0"/>
-                                  </p:stCondLst>
-                                  <p:childTnLst>
-                                    <p:set>
-                                      <p:cBhvr>
-                                        <p:cTn id="22" dur="1" fill="hold">
-                                          <p:stCondLst>
-                                            <p:cond delay="0"/>
-                                          </p:stCondLst>
-                                        </p:cTn>
-                                        <p:tgtEl>
-                                          <p:spTgt spid="7"/>
-                                        </p:tgtEl>
-                                        <p:attrNameLst>
-                                          <p:attrName>style.visibility</p:attrName>
-                                        </p:attrNameLst>
-                                      </p:cBhvr>
-                                      <p:to>
-                                        <p:strVal val="visible"/>
-                                      </p:to>
-                                    </p:set>
-                                  </p:childTnLst>
-                                </p:cTn>
-                              </p:par>
-                              <p:par>
-                                <p:cTn id="23" presetID="1" presetClass="entr" presetSubtype="0" fill="hold" grpId="0" nodeType="withEffect">
-                                  <p:stCondLst>
-                                    <p:cond delay="0"/>
-                                  </p:stCondLst>
-                                  <p:childTnLst>
-                                    <p:set>
-                                      <p:cBhvr>
-                                        <p:cTn id="24" dur="1" fill="hold">
-                                          <p:stCondLst>
-                                            <p:cond delay="0"/>
-                                          </p:stCondLst>
-                                        </p:cTn>
-                                        <p:tgtEl>
-                                          <p:spTgt spid="8"/>
-                                        </p:tgtEl>
-                                        <p:attrNameLst>
-                                          <p:attrName>style.visibility</p:attrName>
-                                        </p:attrNameLst>
-                                      </p:cBhvr>
-                                      <p:to>
-                                        <p:strVal val="visible"/>
-                                      </p:to>
-                                    </p:set>
-                                  </p:childTnLst>
-                                </p:cTn>
-                              </p:par>
-                            </p:childTnLst>
-                          </p:cTn>
-                        </p:par>
-                      </p:childTnLst>
-                    </p:cTn>
-                  </p:par>
-                </p:childTnLst>
-              </p:cTn>
-              <p:prevCondLst>
-                <p:cond evt="onPrev" delay="0">
-                  <p:tgtEl>
-                    <p:sldTgt/>
-                  </p:tgtEl>
-                </p:cond>
-              </p:prevCondLst>
-              <p:nextCondLst>
-                <p:cond evt="onNext" delay="0">
-                  <p:tgtEl>
-                    <p:sldTgt/>
-                  </p:tgtEl>
-                </p:cond>
-              </p:nextCondLst>
-            </p:seq>
-          </p:childTnLst>
-        </p:cTn>
-      </p:par>
-    </p:tnLst>
-    <p:bldLst>
-      <p:bldP spid="5" grpId="0" animBg="1"/>
-      <p:bldP spid="6" grpId="0" animBg="1"/>
-      <p:bldP spid="7" grpId="0" animBg="1"/>
-      <p:bldP spid="8" grpId="0" animBg="1"/>
-    </p:bldLst>
-  </p:timing>
-</p:sld>
-</file>
-
-<file path=ppt/slides/slide6.xml><?xml version="1.0" encoding="utf-8"?>
-<p:sld xmlns:a="http://schemas.openxmlformats.org/drawingml/2006/main" xmlns:r="http://schemas.openxmlformats.org/officeDocument/2006/relationships" xmlns:p="http://schemas.openxmlformats.org/presentationml/2006/main">
-  <p:cSld>
-    <p:spTree>
-      <p:nvGrpSpPr>
-        <p:cNvPr id="1" name=""/>
-        <p:cNvGrpSpPr/>
-        <p:nvPr/>
-      </p:nvGrpSpPr>
-      <p:grpSpPr>
-        <a:xfrm>
-          <a:off x="0" y="0"/>
-          <a:ext cx="0" cy="0"/>
-          <a:chOff x="0" y="0"/>
-          <a:chExt cx="0" cy="0"/>
-        </a:xfrm>
-      </p:grpSpPr>
-      <p:pic>
-        <p:nvPicPr>
-          <p:cNvPr id="4" name="Picture 2" descr="http://www.clipartbest.com/cliparts/9Tp/LxM/9TpLxMrTE.png"/>
-          <p:cNvPicPr>
-            <a:picLocks noChangeAspect="1" noChangeArrowheads="1"/>
-          </p:cNvPicPr>
-          <p:nvPr/>
-        </p:nvPicPr>
-        <p:blipFill>
-          <a:blip r:embed="rId2" cstate="print">
-            <a:extLst>
-              <a:ext uri="{28A0092B-C50C-407E-A947-70E740481C1C}">
-                <a14:useLocalDpi xmlns:a14="http://schemas.microsoft.com/office/drawing/2010/main" val="0"/>
-              </a:ext>
-            </a:extLst>
-          </a:blip>
-          <a:srcRect/>
-          <a:stretch>
-            <a:fillRect/>
-          </a:stretch>
-        </p:blipFill>
-        <p:spPr bwMode="auto">
-          <a:xfrm>
-            <a:off x="2449365" y="2663032"/>
-            <a:ext cx="1201015" cy="1863644"/>
-          </a:xfrm>
-          <a:prstGeom prst="rect">
-            <a:avLst/>
-          </a:prstGeom>
-          <a:noFill/>
-          <a:extLst>
-            <a:ext uri="{909E8E84-426E-40DD-AFC4-6F175D3DCCD1}">
-              <a14:hiddenFill xmlns:a14="http://schemas.microsoft.com/office/drawing/2010/main">
-                <a:solidFill>
-                  <a:srgbClr val="FFFFFF"/>
-                </a:solidFill>
-              </a14:hiddenFill>
-            </a:ext>
-          </a:extLst>
-        </p:spPr>
-      </p:pic>
-      <p:pic>
-        <p:nvPicPr>
-          <p:cNvPr id="5" name="Picture 2" descr="http://www.clipartbest.com/cliparts/9Tp/LxM/9TpLxMrTE.png"/>
-          <p:cNvPicPr>
-            <a:picLocks noChangeAspect="1" noChangeArrowheads="1"/>
-          </p:cNvPicPr>
-          <p:nvPr/>
-        </p:nvPicPr>
-        <p:blipFill>
-          <a:blip r:embed="rId2" cstate="print">
-            <a:extLst>
-              <a:ext uri="{28A0092B-C50C-407E-A947-70E740481C1C}">
-                <a14:useLocalDpi xmlns:a14="http://schemas.microsoft.com/office/drawing/2010/main" val="0"/>
-              </a:ext>
-            </a:extLst>
-          </a:blip>
-          <a:srcRect/>
-          <a:stretch>
-            <a:fillRect/>
-          </a:stretch>
-        </p:blipFill>
-        <p:spPr bwMode="auto">
-          <a:xfrm>
-            <a:off x="3325665" y="2663032"/>
-            <a:ext cx="1201015" cy="1863644"/>
-          </a:xfrm>
-          <a:prstGeom prst="rect">
-            <a:avLst/>
-          </a:prstGeom>
-          <a:noFill/>
-          <a:extLst>
-            <a:ext uri="{909E8E84-426E-40DD-AFC4-6F175D3DCCD1}">
-              <a14:hiddenFill xmlns:a14="http://schemas.microsoft.com/office/drawing/2010/main">
-                <a:solidFill>
-                  <a:srgbClr val="FFFFFF"/>
-                </a:solidFill>
-              </a14:hiddenFill>
-            </a:ext>
-          </a:extLst>
-        </p:spPr>
-      </p:pic>
-      <p:pic>
-        <p:nvPicPr>
-          <p:cNvPr id="6" name="Picture 2" descr="http://www.clipartbest.com/cliparts/9Tp/LxM/9TpLxMrTE.png"/>
-          <p:cNvPicPr>
-            <a:picLocks noChangeAspect="1" noChangeArrowheads="1"/>
-          </p:cNvPicPr>
-          <p:nvPr/>
-        </p:nvPicPr>
-        <p:blipFill>
-          <a:blip r:embed="rId2" cstate="print">
-            <a:extLst>
-              <a:ext uri="{28A0092B-C50C-407E-A947-70E740481C1C}">
-                <a14:useLocalDpi xmlns:a14="http://schemas.microsoft.com/office/drawing/2010/main" val="0"/>
-              </a:ext>
-            </a:extLst>
-          </a:blip>
-          <a:srcRect/>
-          <a:stretch>
-            <a:fillRect/>
-          </a:stretch>
-        </p:blipFill>
-        <p:spPr bwMode="auto">
-          <a:xfrm>
-            <a:off x="4201965" y="2663032"/>
-            <a:ext cx="1201015" cy="1863644"/>
-          </a:xfrm>
-          <a:prstGeom prst="rect">
-            <a:avLst/>
-          </a:prstGeom>
-          <a:noFill/>
-          <a:extLst>
-            <a:ext uri="{909E8E84-426E-40DD-AFC4-6F175D3DCCD1}">
-              <a14:hiddenFill xmlns:a14="http://schemas.microsoft.com/office/drawing/2010/main">
-                <a:solidFill>
-                  <a:srgbClr val="FFFFFF"/>
-                </a:solidFill>
-              </a14:hiddenFill>
-            </a:ext>
-          </a:extLst>
-        </p:spPr>
-      </p:pic>
-      <p:sp>
-        <p:nvSpPr>
-          <p:cNvPr id="7" name="TextBox 6"/>
-          <p:cNvSpPr txBox="1"/>
-          <p:nvPr/>
-        </p:nvSpPr>
-        <p:spPr>
-          <a:xfrm>
-            <a:off x="7029450" y="971550"/>
-            <a:ext cx="2228495" cy="5386090"/>
-          </a:xfrm>
-          <a:prstGeom prst="rect">
-            <a:avLst/>
-          </a:prstGeom>
-          <a:noFill/>
-        </p:spPr>
-        <p:txBody>
-          <a:bodyPr wrap="none" rtlCol="0">
-            <a:spAutoFit/>
-          </a:bodyPr>
-          <a:lstStyle/>
-          <a:p>
-            <a:r>
-              <a:rPr lang="en-US" sz="34400" dirty="0" smtClean="0">
-                <a:ln w="79375">
-                  <a:solidFill>
-                    <a:srgbClr val="00B050"/>
-                  </a:solidFill>
-                </a:ln>
-                <a:solidFill>
-                  <a:schemeClr val="accent3">
-                    <a:lumMod val="50000"/>
-                  </a:schemeClr>
-                </a:solidFill>
-              </a:rPr>
-              <a:t>?</a:t>
-            </a:r>
-            <a:endParaRPr lang="en-US" sz="34400" dirty="0">
-              <a:ln w="79375">
-                <a:solidFill>
-                  <a:srgbClr val="00B050"/>
-                </a:solidFill>
-              </a:ln>
-              <a:solidFill>
-                <a:schemeClr val="accent3">
-                  <a:lumMod val="50000"/>
-                </a:schemeClr>
-              </a:solidFill>
-            </a:endParaRPr>
-          </a:p>
-        </p:txBody>
-      </p:sp>
-    </p:spTree>
-    <p:extLst>
-      <p:ext uri="{BB962C8B-B14F-4D97-AF65-F5344CB8AC3E}">
-        <p14:creationId xmlns:p14="http://schemas.microsoft.com/office/powerpoint/2010/main" val="3133300820"/>
-      </p:ext>
-    </p:extLst>
-  </p:cSld>
-  <p:clrMapOvr>
-    <a:masterClrMapping/>
-  </p:clrMapOvr>
-  <p:timing>
-    <p:tnLst>
-      <p:par>
-        <p:cTn id="1" dur="indefinite" restart="never" nodeType="tmRoot">
-          <p:childTnLst>
-            <p:seq concurrent="1" nextAc="seek">
-              <p:cTn id="2" dur="indefinite" nodeType="mainSeq">
-                <p:childTnLst>
-                  <p:par>
-                    <p:cTn id="3" fill="hold">
-                      <p:stCondLst>
-                        <p:cond delay="indefinite"/>
-                      </p:stCondLst>
-                      <p:childTnLst>
-                        <p:par>
-                          <p:cTn id="4" fill="hold">
-                            <p:stCondLst>
-                              <p:cond delay="0"/>
-                            </p:stCondLst>
-                            <p:childTnLst>
-                              <p:par>
-                                <p:cTn id="5" presetID="10" presetClass="entr" presetSubtype="0" fill="hold" nodeType="clickEffect">
-                                  <p:stCondLst>
-                                    <p:cond delay="0"/>
-                                  </p:stCondLst>
-                                  <p:childTnLst>
-                                    <p:set>
-                                      <p:cBhvr>
-                                        <p:cTn id="6" dur="1" fill="hold">
-                                          <p:stCondLst>
-                                            <p:cond delay="0"/>
-                                          </p:stCondLst>
-                                        </p:cTn>
-                                        <p:tgtEl>
-                                          <p:spTgt spid="4"/>
-                                        </p:tgtEl>
-                                        <p:attrNameLst>
-                                          <p:attrName>style.visibility</p:attrName>
-                                        </p:attrNameLst>
-                                      </p:cBhvr>
-                                      <p:to>
-                                        <p:strVal val="visible"/>
-                                      </p:to>
-                                    </p:set>
-                                    <p:animEffect transition="in" filter="fade">
-                                      <p:cBhvr>
-                                        <p:cTn id="7" dur="250"/>
-                                        <p:tgtEl>
-                                          <p:spTgt spid="4"/>
-                                        </p:tgtEl>
-                                      </p:cBhvr>
-                                    </p:animEffect>
-                                  </p:childTnLst>
-                                </p:cTn>
-                              </p:par>
-                              <p:par>
-                                <p:cTn id="8" presetID="10" presetClass="entr" presetSubtype="0" fill="hold" nodeType="withEffect">
-                                  <p:stCondLst>
-                                    <p:cond delay="250"/>
-                                  </p:stCondLst>
-                                  <p:childTnLst>
-                                    <p:set>
-                                      <p:cBhvr>
-                                        <p:cTn id="9" dur="1" fill="hold">
-                                          <p:stCondLst>
-                                            <p:cond delay="0"/>
-                                          </p:stCondLst>
-                                        </p:cTn>
-                                        <p:tgtEl>
-                                          <p:spTgt spid="5"/>
-                                        </p:tgtEl>
-                                        <p:attrNameLst>
-                                          <p:attrName>style.visibility</p:attrName>
-                                        </p:attrNameLst>
-                                      </p:cBhvr>
-                                      <p:to>
-                                        <p:strVal val="visible"/>
-                                      </p:to>
-                                    </p:set>
-                                    <p:animEffect transition="in" filter="fade">
-                                      <p:cBhvr>
-                                        <p:cTn id="10" dur="250"/>
-                                        <p:tgtEl>
-                                          <p:spTgt spid="5"/>
-                                        </p:tgtEl>
-                                      </p:cBhvr>
-                                    </p:animEffect>
-                                  </p:childTnLst>
-                                </p:cTn>
-                              </p:par>
-                            </p:childTnLst>
-                          </p:cTn>
-                        </p:par>
-                        <p:par>
-                          <p:cTn id="11" fill="hold">
-                            <p:stCondLst>
-                              <p:cond delay="500"/>
-                            </p:stCondLst>
-                            <p:childTnLst>
-                              <p:par>
-                                <p:cTn id="12" presetID="10" presetClass="entr" presetSubtype="0" fill="hold" nodeType="afterEffect">
-                                  <p:stCondLst>
-                                    <p:cond delay="0"/>
-                                  </p:stCondLst>
-                                  <p:childTnLst>
-                                    <p:set>
-                                      <p:cBhvr>
-                                        <p:cTn id="13" dur="1" fill="hold">
-                                          <p:stCondLst>
-                                            <p:cond delay="0"/>
-                                          </p:stCondLst>
-                                        </p:cTn>
-                                        <p:tgtEl>
-                                          <p:spTgt spid="6"/>
-                                        </p:tgtEl>
-                                        <p:attrNameLst>
-                                          <p:attrName>style.visibility</p:attrName>
-                                        </p:attrNameLst>
-                                      </p:cBhvr>
-                                      <p:to>
-                                        <p:strVal val="visible"/>
-                                      </p:to>
-                                    </p:set>
-                                    <p:animEffect transition="in" filter="fade">
-                                      <p:cBhvr>
-                                        <p:cTn id="14" dur="250"/>
-                                        <p:tgtEl>
-                                          <p:spTgt spid="6"/>
-                                        </p:tgtEl>
-                                      </p:cBhvr>
-                                    </p:animEffect>
-                                  </p:childTnLst>
-                                </p:cTn>
-                              </p:par>
-                            </p:childTnLst>
-                          </p:cTn>
-                        </p:par>
-                      </p:childTnLst>
-                    </p:cTn>
-                  </p:par>
-                  <p:par>
-                    <p:cTn id="15" fill="hold">
-                      <p:stCondLst>
-                        <p:cond delay="indefinite"/>
-                      </p:stCondLst>
-                      <p:childTnLst>
-                        <p:par>
-                          <p:cTn id="16" fill="hold">
-                            <p:stCondLst>
-                              <p:cond delay="0"/>
-                            </p:stCondLst>
-                            <p:childTnLst>
-                              <p:par>
-                                <p:cTn id="17" presetID="1" presetClass="entr" presetSubtype="0" fill="hold" grpId="0" nodeType="clickEffect">
-                                  <p:stCondLst>
-                                    <p:cond delay="0"/>
-                                  </p:stCondLst>
-                                  <p:childTnLst>
-                                    <p:set>
-                                      <p:cBhvr>
-                                        <p:cTn id="18" dur="1" fill="hold">
-                                          <p:stCondLst>
-                                            <p:cond delay="0"/>
-                                          </p:stCondLst>
-                                        </p:cTn>
-                                        <p:tgtEl>
-                                          <p:spTgt spid="7"/>
-                                        </p:tgtEl>
-                                        <p:attrNameLst>
-                                          <p:attrName>style.visibility</p:attrName>
-                                        </p:attrNameLst>
-                                      </p:cBhvr>
-                                      <p:to>
-                                        <p:strVal val="visible"/>
-                                      </p:to>
-                                    </p:set>
-                                  </p:childTnLst>
-                                </p:cTn>
-                              </p:par>
-                            </p:childTnLst>
-                          </p:cTn>
-                        </p:par>
-                      </p:childTnLst>
-                    </p:cTn>
-                  </p:par>
-                </p:childTnLst>
-              </p:cTn>
-              <p:prevCondLst>
-                <p:cond evt="onPrev" delay="0">
-                  <p:tgtEl>
-                    <p:sldTgt/>
-                  </p:tgtEl>
-                </p:cond>
-              </p:prevCondLst>
-              <p:nextCondLst>
-                <p:cond evt="onNext" delay="0">
-                  <p:tgtEl>
-                    <p:sldTgt/>
-                  </p:tgtEl>
-                </p:cond>
-              </p:nextCondLst>
-            </p:seq>
-          </p:childTnLst>
-        </p:cTn>
-      </p:par>
-    </p:tnLst>
-    <p:bldLst>
-      <p:bldP spid="7" grpId="0"/>
-    </p:bldLst>
-  </p:timing>
-</p:sld>
-</file>
-
-<file path=ppt/slides/slide7.xml><?xml version="1.0" encoding="utf-8"?>
-<p:sld xmlns:a="http://schemas.openxmlformats.org/drawingml/2006/main" xmlns:r="http://schemas.openxmlformats.org/officeDocument/2006/relationships" xmlns:p="http://schemas.openxmlformats.org/presentationml/2006/main">
-  <p:cSld>
-    <p:spTree>
-      <p:nvGrpSpPr>
-        <p:cNvPr id="1" name=""/>
-        <p:cNvGrpSpPr/>
-        <p:nvPr/>
-      </p:nvGrpSpPr>
-      <p:grpSpPr>
-        <a:xfrm>
-          <a:off x="0" y="0"/>
-          <a:ext cx="0" cy="0"/>
-          <a:chOff x="0" y="0"/>
-          <a:chExt cx="0" cy="0"/>
-        </a:xfrm>
-      </p:grpSpPr>
-      <p:sp>
-        <p:nvSpPr>
-          <p:cNvPr id="2" name="Title 1"/>
-          <p:cNvSpPr>
-            <a:spLocks noGrp="1"/>
-          </p:cNvSpPr>
-          <p:nvPr>
-            <p:ph type="title"/>
-          </p:nvPr>
-        </p:nvSpPr>
-        <p:spPr/>
-        <p:txBody>
-          <a:bodyPr/>
-          <a:lstStyle/>
-          <a:p>
-            <a:r>
-              <a:rPr lang="en-US" dirty="0" smtClean="0"/>
-              <a:t>Why Perform Load Testing?</a:t>
-            </a:r>
-            <a:endParaRPr lang="en-US" dirty="0"/>
-          </a:p>
-        </p:txBody>
-      </p:sp>
-      <p:sp>
-        <p:nvSpPr>
-          <p:cNvPr id="3" name="Content Placeholder 2"/>
-          <p:cNvSpPr>
-            <a:spLocks noGrp="1"/>
-          </p:cNvSpPr>
-          <p:nvPr>
-            <p:ph sz="quarter" idx="10"/>
-          </p:nvPr>
-        </p:nvSpPr>
-        <p:spPr/>
-        <p:txBody>
-          <a:bodyPr/>
-          <a:lstStyle/>
-          <a:p>
-            <a:r>
-              <a:rPr lang="en-US" dirty="0" smtClean="0"/>
-              <a:t>Exposes application bottlenecks</a:t>
-            </a:r>
-          </a:p>
-          <a:p>
-            <a:r>
-              <a:rPr lang="en-US" dirty="0" smtClean="0"/>
-              <a:t>Proves architectural decisions</a:t>
-            </a:r>
-            <a:endParaRPr lang="en-US" dirty="0" smtClean="0"/>
-          </a:p>
-          <a:p>
-            <a:r>
-              <a:rPr lang="en-US" dirty="0" smtClean="0"/>
-              <a:t>Identifies regional issues and operational insights</a:t>
-            </a:r>
-            <a:endParaRPr lang="en-US" dirty="0" smtClean="0"/>
-          </a:p>
-          <a:p>
-            <a:r>
-              <a:rPr lang="en-US" dirty="0"/>
-              <a:t>Repeatable</a:t>
-            </a:r>
-          </a:p>
-          <a:p>
-            <a:r>
-              <a:rPr lang="en-US" dirty="0" smtClean="0"/>
-              <a:t>It’s not as hard as it used to be!</a:t>
-            </a:r>
-            <a:endParaRPr lang="en-US" dirty="0"/>
-          </a:p>
-        </p:txBody>
-      </p:sp>
-      <p:sp>
-        <p:nvSpPr>
-          <p:cNvPr id="4" name="TextBox 3"/>
-          <p:cNvSpPr txBox="1"/>
-          <p:nvPr/>
-        </p:nvSpPr>
-        <p:spPr>
-          <a:xfrm>
-            <a:off x="9906000" y="-1"/>
-            <a:ext cx="2286000" cy="2031325"/>
-          </a:xfrm>
-          <a:prstGeom prst="rect">
-            <a:avLst/>
-          </a:prstGeom>
-          <a:solidFill>
-            <a:srgbClr val="FFFF00"/>
-          </a:solidFill>
-          <a:ln>
-            <a:noFill/>
-          </a:ln>
-        </p:spPr>
-        <p:txBody>
-          <a:bodyPr wrap="square" rtlCol="0">
-            <a:spAutoFit/>
-          </a:bodyPr>
-          <a:lstStyle/>
-          <a:p>
-            <a:pPr algn="ctr"/>
-            <a:endParaRPr lang="en-US" dirty="0" smtClean="0"/>
-          </a:p>
-          <a:p>
-            <a:pPr algn="ctr"/>
-            <a:endParaRPr lang="en-US" dirty="0"/>
-          </a:p>
-          <a:p>
-            <a:pPr algn="ctr"/>
-            <a:r>
-              <a:rPr lang="en-US" dirty="0" smtClean="0"/>
-              <a:t>Please leave this area blank to allow for picture in picture recording</a:t>
-            </a:r>
-          </a:p>
-          <a:p>
-            <a:pPr algn="ctr"/>
-            <a:endParaRPr lang="en-US" dirty="0"/>
-          </a:p>
-        </p:txBody>
-      </p:sp>
-    </p:spTree>
-    <p:extLst>
-      <p:ext uri="{BB962C8B-B14F-4D97-AF65-F5344CB8AC3E}">
-        <p14:creationId xmlns:p14="http://schemas.microsoft.com/office/powerpoint/2010/main" val="2398187527"/>
-      </p:ext>
-    </p:extLst>
-  </p:cSld>
-  <p:clrMapOvr>
-    <a:masterClrMapping/>
-  </p:clrMapOvr>
-  <p:timing>
-    <p:tnLst>
-      <p:par>
-        <p:cTn id="1" dur="indefinite" restart="never" nodeType="tmRoot"/>
-      </p:par>
-    </p:tnLst>
-  </p:timing>
-</p:sld>
-</file>
-
-<file path=ppt/slides/slide8.xml><?xml version="1.0" encoding="utf-8"?>
-<p:sld xmlns:a="http://schemas.openxmlformats.org/drawingml/2006/main" xmlns:r="http://schemas.openxmlformats.org/officeDocument/2006/relationships" xmlns:p="http://schemas.openxmlformats.org/presentationml/2006/main">
-  <p:cSld>
-    <p:spTree>
-      <p:nvGrpSpPr>
-        <p:cNvPr id="1" name=""/>
-        <p:cNvGrpSpPr/>
-        <p:nvPr/>
-      </p:nvGrpSpPr>
-      <p:grpSpPr>
-        <a:xfrm>
-          <a:off x="0" y="0"/>
-          <a:ext cx="0" cy="0"/>
-          <a:chOff x="0" y="0"/>
-          <a:chExt cx="0" cy="0"/>
-        </a:xfrm>
-      </p:grpSpPr>
-      <p:sp>
-        <p:nvSpPr>
-          <p:cNvPr id="2" name="Title 1"/>
-          <p:cNvSpPr>
-            <a:spLocks noGrp="1"/>
-          </p:cNvSpPr>
-          <p:nvPr>
-            <p:ph type="title"/>
-          </p:nvPr>
-        </p:nvSpPr>
-        <p:spPr/>
-        <p:txBody>
-          <a:bodyPr/>
-          <a:lstStyle/>
-          <a:p>
-            <a:r>
-              <a:rPr lang="en-US" dirty="0" smtClean="0"/>
-              <a:t>To the Cloud!</a:t>
-            </a:r>
-            <a:endParaRPr lang="en-US" dirty="0"/>
-          </a:p>
-        </p:txBody>
-      </p:sp>
-      <p:sp>
-        <p:nvSpPr>
-          <p:cNvPr id="3" name="Content Placeholder 2"/>
-          <p:cNvSpPr>
-            <a:spLocks noGrp="1"/>
-          </p:cNvSpPr>
-          <p:nvPr>
-            <p:ph sz="quarter" idx="10"/>
-          </p:nvPr>
-        </p:nvSpPr>
-        <p:spPr/>
-        <p:txBody>
-          <a:bodyPr/>
-          <a:lstStyle/>
-          <a:p>
-            <a:endParaRPr lang="en-US" dirty="0"/>
-          </a:p>
-        </p:txBody>
-      </p:sp>
-      <p:sp>
-        <p:nvSpPr>
-          <p:cNvPr id="4" name="TextBox 3"/>
-          <p:cNvSpPr txBox="1"/>
-          <p:nvPr/>
-        </p:nvSpPr>
-        <p:spPr>
-          <a:xfrm>
-            <a:off x="9906000" y="-1"/>
-            <a:ext cx="2286000" cy="2031325"/>
-          </a:xfrm>
-          <a:prstGeom prst="rect">
-            <a:avLst/>
-          </a:prstGeom>
-          <a:solidFill>
-            <a:srgbClr val="FFFF00"/>
-          </a:solidFill>
-          <a:ln>
-            <a:noFill/>
-          </a:ln>
-        </p:spPr>
-        <p:txBody>
-          <a:bodyPr wrap="square" rtlCol="0">
-            <a:spAutoFit/>
-          </a:bodyPr>
-          <a:lstStyle/>
-          <a:p>
-            <a:pPr algn="ctr"/>
-            <a:endParaRPr lang="en-US" dirty="0" smtClean="0"/>
-          </a:p>
-          <a:p>
-            <a:pPr algn="ctr"/>
-            <a:endParaRPr lang="en-US" dirty="0"/>
-          </a:p>
-          <a:p>
-            <a:pPr algn="ctr"/>
-            <a:r>
-              <a:rPr lang="en-US" dirty="0" smtClean="0"/>
-              <a:t>Please leave this area blank to allow for picture in picture recording</a:t>
-            </a:r>
-          </a:p>
-          <a:p>
-            <a:pPr algn="ctr"/>
-            <a:endParaRPr lang="en-US" dirty="0"/>
-          </a:p>
-        </p:txBody>
-      </p:sp>
-    </p:spTree>
-    <p:extLst>
-      <p:ext uri="{BB962C8B-B14F-4D97-AF65-F5344CB8AC3E}">
-        <p14:creationId xmlns:p14="http://schemas.microsoft.com/office/powerpoint/2010/main" val="1752009853"/>
-      </p:ext>
-    </p:extLst>
-  </p:cSld>
-  <p:clrMapOvr>
-    <a:masterClrMapping/>
-  </p:clrMapOvr>
-  <p:timing>
-    <p:tnLst>
-      <p:par>
-        <p:cTn id="1" dur="indefinite" restart="never" nodeType="tmRoot"/>
-      </p:par>
-    </p:tnLst>
-  </p:timing>
-</p:sld>
-</file>
-
 <file path=ppt/slides/slide9.xml><?xml version="1.0" encoding="utf-8"?>
 <p:sld xmlns:a="http://schemas.openxmlformats.org/drawingml/2006/main" xmlns:r="http://schemas.openxmlformats.org/officeDocument/2006/relationships" xmlns:p="http://schemas.openxmlformats.org/presentationml/2006/main">
   <p:cSld>
@@ -7776,12 +8919,12 @@
       </p:grpSpPr>
       <p:sp>
         <p:nvSpPr>
-          <p:cNvPr id="2" name="Title 1"/>
+          <p:cNvPr id="5" name="Text Placeholder 4"/>
           <p:cNvSpPr>
             <a:spLocks noGrp="1"/>
           </p:cNvSpPr>
           <p:nvPr>
-            <p:ph type="title"/>
+            <p:ph type="body" sz="quarter" idx="10"/>
           </p:nvPr>
         </p:nvSpPr>
         <p:spPr/>
@@ -7791,7 +8934,7 @@
           <a:p>
             <a:r>
               <a:rPr lang="en-US" dirty="0" smtClean="0"/>
-              <a:t>Concerns, Best Practices, Tips</a:t>
+              <a:t>Architecting for Scale</a:t>
             </a:r>
             <a:endParaRPr lang="en-US" dirty="0"/>
           </a:p>
@@ -7799,300 +8942,33 @@
       </p:sp>
       <p:sp>
         <p:nvSpPr>
-          <p:cNvPr id="3" name="Content Placeholder 2"/>
+          <p:cNvPr id="4" name="Subtitle 3"/>
           <p:cNvSpPr>
             <a:spLocks noGrp="1"/>
           </p:cNvSpPr>
           <p:nvPr>
-            <p:ph sz="quarter" idx="10"/>
+            <p:ph type="subTitle" idx="1"/>
           </p:nvPr>
         </p:nvSpPr>
-        <p:spPr>
-          <a:xfrm>
-            <a:off x="379413" y="1388226"/>
-            <a:ext cx="5849937" cy="5290388"/>
-          </a:xfrm>
-        </p:spPr>
+        <p:spPr/>
         <p:txBody>
           <a:bodyPr/>
           <a:lstStyle/>
           <a:p>
-            <a:r>
-              <a:rPr lang="en-US" dirty="0" smtClean="0"/>
-              <a:t>Better tests = better data</a:t>
-            </a:r>
-          </a:p>
-          <a:p>
-            <a:r>
-              <a:rPr lang="en-US" dirty="0" smtClean="0"/>
-              <a:t>Focus on the pieces where latency is a concern</a:t>
-            </a:r>
-          </a:p>
-          <a:p>
-            <a:r>
-              <a:rPr lang="en-US" dirty="0" smtClean="0"/>
-              <a:t>Use load test results as a deployment gate</a:t>
-            </a:r>
-            <a:endParaRPr lang="en-US" dirty="0"/>
+            <a:endParaRPr lang="en-US"/>
           </a:p>
         </p:txBody>
       </p:sp>
-      <p:pic>
-        <p:nvPicPr>
-          <p:cNvPr id="4" name="Picture 3"/>
-          <p:cNvPicPr>
-            <a:picLocks noChangeAspect="1"/>
-          </p:cNvPicPr>
-          <p:nvPr/>
-        </p:nvPicPr>
-        <p:blipFill>
-          <a:blip r:embed="rId2"/>
-          <a:stretch>
-            <a:fillRect/>
-          </a:stretch>
-        </p:blipFill>
-        <p:spPr>
-          <a:xfrm>
-            <a:off x="5905501" y="2351519"/>
-            <a:ext cx="5838824" cy="3901644"/>
-          </a:xfrm>
-          <a:prstGeom prst="rect">
-            <a:avLst/>
-          </a:prstGeom>
-        </p:spPr>
-      </p:pic>
     </p:spTree>
     <p:extLst>
       <p:ext uri="{BB962C8B-B14F-4D97-AF65-F5344CB8AC3E}">
-        <p14:creationId xmlns:p14="http://schemas.microsoft.com/office/powerpoint/2010/main" val="1442452109"/>
+        <p14:creationId xmlns:p14="http://schemas.microsoft.com/office/powerpoint/2010/main" val="3321001810"/>
       </p:ext>
     </p:extLst>
   </p:cSld>
   <p:clrMapOvr>
     <a:masterClrMapping/>
   </p:clrMapOvr>
-  <p:timing>
-    <p:tnLst>
-      <p:par>
-        <p:cTn id="1" dur="indefinite" restart="never" nodeType="tmRoot">
-          <p:childTnLst>
-            <p:seq concurrent="1" nextAc="seek">
-              <p:cTn id="2" dur="indefinite" nodeType="mainSeq">
-                <p:childTnLst>
-                  <p:par>
-                    <p:cTn id="3" fill="hold">
-                      <p:stCondLst>
-                        <p:cond delay="indefinite"/>
-                      </p:stCondLst>
-                      <p:childTnLst>
-                        <p:par>
-                          <p:cTn id="4" fill="hold">
-                            <p:stCondLst>
-                              <p:cond delay="0"/>
-                            </p:stCondLst>
-                            <p:childTnLst>
-                              <p:par>
-                                <p:cTn id="5" presetID="1" presetClass="entr" presetSubtype="0" fill="hold" nodeType="clickEffect">
-                                  <p:stCondLst>
-                                    <p:cond delay="0"/>
-                                  </p:stCondLst>
-                                  <p:childTnLst>
-                                    <p:set>
-                                      <p:cBhvr>
-                                        <p:cTn id="6" dur="1" fill="hold">
-                                          <p:stCondLst>
-                                            <p:cond delay="0"/>
-                                          </p:stCondLst>
-                                        </p:cTn>
-                                        <p:tgtEl>
-                                          <p:spTgt spid="3">
-                                            <p:txEl>
-                                              <p:pRg st="0" end="0"/>
-                                            </p:txEl>
-                                          </p:spTgt>
-                                        </p:tgtEl>
-                                        <p:attrNameLst>
-                                          <p:attrName>style.visibility</p:attrName>
-                                        </p:attrNameLst>
-                                      </p:cBhvr>
-                                      <p:to>
-                                        <p:strVal val="visible"/>
-                                      </p:to>
-                                    </p:set>
-                                  </p:childTnLst>
-                                </p:cTn>
-                              </p:par>
-                            </p:childTnLst>
-                          </p:cTn>
-                        </p:par>
-                      </p:childTnLst>
-                    </p:cTn>
-                  </p:par>
-                  <p:par>
-                    <p:cTn id="7" fill="hold">
-                      <p:stCondLst>
-                        <p:cond delay="indefinite"/>
-                      </p:stCondLst>
-                      <p:childTnLst>
-                        <p:par>
-                          <p:cTn id="8" fill="hold">
-                            <p:stCondLst>
-                              <p:cond delay="0"/>
-                            </p:stCondLst>
-                            <p:childTnLst>
-                              <p:par>
-                                <p:cTn id="9" presetID="1" presetClass="entr" presetSubtype="0" fill="hold" nodeType="clickEffect">
-                                  <p:stCondLst>
-                                    <p:cond delay="0"/>
-                                  </p:stCondLst>
-                                  <p:childTnLst>
-                                    <p:set>
-                                      <p:cBhvr>
-                                        <p:cTn id="10" dur="1" fill="hold">
-                                          <p:stCondLst>
-                                            <p:cond delay="0"/>
-                                          </p:stCondLst>
-                                        </p:cTn>
-                                        <p:tgtEl>
-                                          <p:spTgt spid="3">
-                                            <p:txEl>
-                                              <p:pRg st="1" end="1"/>
-                                            </p:txEl>
-                                          </p:spTgt>
-                                        </p:tgtEl>
-                                        <p:attrNameLst>
-                                          <p:attrName>style.visibility</p:attrName>
-                                        </p:attrNameLst>
-                                      </p:cBhvr>
-                                      <p:to>
-                                        <p:strVal val="visible"/>
-                                      </p:to>
-                                    </p:set>
-                                  </p:childTnLst>
-                                </p:cTn>
-                              </p:par>
-                            </p:childTnLst>
-                          </p:cTn>
-                        </p:par>
-                      </p:childTnLst>
-                    </p:cTn>
-                  </p:par>
-                  <p:par>
-                    <p:cTn id="11" fill="hold">
-                      <p:stCondLst>
-                        <p:cond delay="indefinite"/>
-                      </p:stCondLst>
-                      <p:childTnLst>
-                        <p:par>
-                          <p:cTn id="12" fill="hold">
-                            <p:stCondLst>
-                              <p:cond delay="0"/>
-                            </p:stCondLst>
-                            <p:childTnLst>
-                              <p:par>
-                                <p:cTn id="13" presetID="1" presetClass="entr" presetSubtype="0" fill="hold" nodeType="clickEffect">
-                                  <p:stCondLst>
-                                    <p:cond delay="0"/>
-                                  </p:stCondLst>
-                                  <p:childTnLst>
-                                    <p:set>
-                                      <p:cBhvr>
-                                        <p:cTn id="14" dur="1" fill="hold">
-                                          <p:stCondLst>
-                                            <p:cond delay="0"/>
-                                          </p:stCondLst>
-                                        </p:cTn>
-                                        <p:tgtEl>
-                                          <p:spTgt spid="3">
-                                            <p:txEl>
-                                              <p:pRg st="2" end="2"/>
-                                            </p:txEl>
-                                          </p:spTgt>
-                                        </p:tgtEl>
-                                        <p:attrNameLst>
-                                          <p:attrName>style.visibility</p:attrName>
-                                        </p:attrNameLst>
-                                      </p:cBhvr>
-                                      <p:to>
-                                        <p:strVal val="visible"/>
-                                      </p:to>
-                                    </p:set>
-                                  </p:childTnLst>
-                                </p:cTn>
-                              </p:par>
-                            </p:childTnLst>
-                          </p:cTn>
-                        </p:par>
-                      </p:childTnLst>
-                    </p:cTn>
-                  </p:par>
-                  <p:par>
-                    <p:cTn id="15" fill="hold">
-                      <p:stCondLst>
-                        <p:cond delay="indefinite"/>
-                      </p:stCondLst>
-                      <p:childTnLst>
-                        <p:par>
-                          <p:cTn id="16" fill="hold">
-                            <p:stCondLst>
-                              <p:cond delay="0"/>
-                            </p:stCondLst>
-                            <p:childTnLst>
-                              <p:par>
-                                <p:cTn id="17" presetID="1" presetClass="entr" presetSubtype="0" fill="hold" nodeType="clickEffect">
-                                  <p:stCondLst>
-                                    <p:cond delay="0"/>
-                                  </p:stCondLst>
-                                  <p:childTnLst>
-                                    <p:set>
-                                      <p:cBhvr>
-                                        <p:cTn id="18" dur="1" fill="hold">
-                                          <p:stCondLst>
-                                            <p:cond delay="0"/>
-                                          </p:stCondLst>
-                                        </p:cTn>
-                                        <p:tgtEl>
-                                          <p:spTgt spid="4"/>
-                                        </p:tgtEl>
-                                        <p:attrNameLst>
-                                          <p:attrName>style.visibility</p:attrName>
-                                        </p:attrNameLst>
-                                      </p:cBhvr>
-                                      <p:to>
-                                        <p:strVal val="visible"/>
-                                      </p:to>
-                                    </p:set>
-                                  </p:childTnLst>
-                                </p:cTn>
-                              </p:par>
-                            </p:childTnLst>
-                          </p:cTn>
-                        </p:par>
-                      </p:childTnLst>
-                    </p:cTn>
-                  </p:par>
-                </p:childTnLst>
-              </p:cTn>
-              <p:prevCondLst>
-                <p:cond evt="onPrev" delay="0">
-                  <p:tgtEl>
-                    <p:sldTgt/>
-                  </p:tgtEl>
-                </p:cond>
-              </p:prevCondLst>
-              <p:nextCondLst>
-                <p:cond evt="onNext" delay="0">
-                  <p:tgtEl>
-                    <p:sldTgt/>
-                  </p:tgtEl>
-                </p:cond>
-              </p:nextCondLst>
-            </p:seq>
-          </p:childTnLst>
-        </p:cTn>
-      </p:par>
-    </p:tnLst>
-  </p:timing>
 </p:sld>
 </file>
 
@@ -8904,49 +9780,6 @@
 </file>
 
 <file path=customXml/item1.xml><?xml version="1.0" encoding="utf-8"?>
-<p:properties xmlns:p="http://schemas.microsoft.com/office/2006/metadata/properties" xmlns:xsi="http://www.w3.org/2001/XMLSchema-instance" xmlns:pc="http://schemas.microsoft.com/office/infopath/2007/PartnerControls">
-  <documentManagement>
-    <TaxCatchAll xmlns="230e9df3-be65-4c73-a93b-d1236ebd677e"/>
-    <PublishingExpirationDate xmlns="http://schemas.microsoft.com/sharepoint/v3" xsi:nil="true"/>
-    <PublishingStartDate xmlns="http://schemas.microsoft.com/sharepoint/v3" xsi:nil="true"/>
-    <TaxKeywordTaxHTField xmlns="230e9df3-be65-4c73-a93b-d1236ebd677e">
-      <Terms xmlns="http://schemas.microsoft.com/office/infopath/2007/PartnerControls"/>
-    </TaxKeywordTaxHTField>
-    <SharedWithUsers xmlns="27aa9422-7f1f-4c84-9cdf-302b1a67e513">
-      <UserInfo>
-        <DisplayName>Shriram Natarajan (SHRI)</DisplayName>
-        <AccountId>3899</AccountId>
-        <AccountType/>
-      </UserInfo>
-      <UserInfo>
-        <DisplayName>Andrew Nickels</DisplayName>
-        <AccountId>24014</AccountId>
-        <AccountType/>
-      </UserInfo>
-      <UserInfo>
-        <DisplayName>Steven Goddard (WSSC)</DisplayName>
-        <AccountId>29711</AccountId>
-        <AccountType/>
-      </UserInfo>
-      <UserInfo>
-        <DisplayName>Jim Clark (LEARNING)</DisplayName>
-        <AccountId>86</AccountId>
-        <AccountType/>
-      </UserInfo>
-      <UserInfo>
-        <DisplayName>Vijay Kumar</DisplayName>
-        <AccountId>53758</AccountId>
-        <AccountType/>
-      </UserInfo>
-    </SharedWithUsers>
-    <SharingHintHash xmlns="27aa9422-7f1f-4c84-9cdf-302b1a67e513">1366665793</SharingHintHash>
-    <_ip_UnifiedCompliancePolicyUIAction xmlns="http://schemas.microsoft.com/sharepoint/v3" xsi:nil="true"/>
-    <_ip_UnifiedCompliancePolicyProperties xmlns="http://schemas.microsoft.com/sharepoint/v3" xsi:nil="true"/>
-  </documentManagement>
-</p:properties>
-</file>
-
-<file path=customXml/item2.xml><?xml version="1.0" encoding="utf-8"?>
 <ct:contentTypeSchema xmlns:ct="http://schemas.microsoft.com/office/2006/metadata/contentType" xmlns:ma="http://schemas.microsoft.com/office/2006/metadata/properties/metaAttributes" ct:_="" ma:_="" ma:contentTypeName="Document" ma:contentTypeID="0x010100496889825850D44592AC5D2F43187AE4" ma:contentTypeVersion="9" ma:contentTypeDescription="Create a new document." ma:contentTypeScope="" ma:versionID="fa7e7aa81c9af57d0e724452ff5695cd">
   <xsd:schema xmlns:xsd="http://www.w3.org/2001/XMLSchema" xmlns:xs="http://www.w3.org/2001/XMLSchema" xmlns:p="http://schemas.microsoft.com/office/2006/metadata/properties" xmlns:ns1="http://schemas.microsoft.com/sharepoint/v3" xmlns:ns2="230e9df3-be65-4c73-a93b-d1236ebd677e" xmlns:ns3="27aa9422-7f1f-4c84-9cdf-302b1a67e513" targetNamespace="http://schemas.microsoft.com/office/2006/metadata/properties" ma:root="true" ma:fieldsID="ef7d28e69d816f0a5e355ee49f463c96" ns1:_="" ns2:_="" ns3:_="">
     <xsd:import namespace="http://schemas.microsoft.com/sharepoint/v3"/>
@@ -9154,6 +9987,49 @@
 </ct:contentTypeSchema>
 </file>
 
+<file path=customXml/item2.xml><?xml version="1.0" encoding="utf-8"?>
+<p:properties xmlns:p="http://schemas.microsoft.com/office/2006/metadata/properties" xmlns:xsi="http://www.w3.org/2001/XMLSchema-instance" xmlns:pc="http://schemas.microsoft.com/office/infopath/2007/PartnerControls">
+  <documentManagement>
+    <TaxCatchAll xmlns="230e9df3-be65-4c73-a93b-d1236ebd677e"/>
+    <PublishingExpirationDate xmlns="http://schemas.microsoft.com/sharepoint/v3" xsi:nil="true"/>
+    <PublishingStartDate xmlns="http://schemas.microsoft.com/sharepoint/v3" xsi:nil="true"/>
+    <TaxKeywordTaxHTField xmlns="230e9df3-be65-4c73-a93b-d1236ebd677e">
+      <Terms xmlns="http://schemas.microsoft.com/office/infopath/2007/PartnerControls"/>
+    </TaxKeywordTaxHTField>
+    <SharedWithUsers xmlns="27aa9422-7f1f-4c84-9cdf-302b1a67e513">
+      <UserInfo>
+        <DisplayName>Shriram Natarajan (SHRI)</DisplayName>
+        <AccountId>3899</AccountId>
+        <AccountType/>
+      </UserInfo>
+      <UserInfo>
+        <DisplayName>Andrew Nickels</DisplayName>
+        <AccountId>24014</AccountId>
+        <AccountType/>
+      </UserInfo>
+      <UserInfo>
+        <DisplayName>Steven Goddard (WSSC)</DisplayName>
+        <AccountId>29711</AccountId>
+        <AccountType/>
+      </UserInfo>
+      <UserInfo>
+        <DisplayName>Jim Clark (LEARNING)</DisplayName>
+        <AccountId>86</AccountId>
+        <AccountType/>
+      </UserInfo>
+      <UserInfo>
+        <DisplayName>Vijay Kumar</DisplayName>
+        <AccountId>53758</AccountId>
+        <AccountType/>
+      </UserInfo>
+    </SharedWithUsers>
+    <SharingHintHash xmlns="27aa9422-7f1f-4c84-9cdf-302b1a67e513">1366665793</SharingHintHash>
+    <_ip_UnifiedCompliancePolicyUIAction xmlns="http://schemas.microsoft.com/sharepoint/v3" xsi:nil="true"/>
+    <_ip_UnifiedCompliancePolicyProperties xmlns="http://schemas.microsoft.com/sharepoint/v3" xsi:nil="true"/>
+  </documentManagement>
+</p:properties>
+</file>
+
 <file path=customXml/item3.xml><?xml version="1.0" encoding="utf-8"?>
 <?mso-contentType ?>
 <FormTemplates xmlns="http://schemas.microsoft.com/sharepoint/v3/contenttype/forms">
@@ -9164,24 +10040,6 @@
 </file>
 
 <file path=customXml/itemProps1.xml><?xml version="1.0" encoding="utf-8"?>
-<ds:datastoreItem xmlns:ds="http://schemas.openxmlformats.org/officeDocument/2006/customXml" ds:itemID="{7025FDD9-4C58-4084-9F89-0E6ADD6FFF55}">
-  <ds:schemaRefs>
-    <ds:schemaRef ds:uri="http://schemas.microsoft.com/sharepoint/v3"/>
-    <ds:schemaRef ds:uri="http://purl.org/dc/dcmitype/"/>
-    <ds:schemaRef ds:uri="http://purl.org/dc/terms/"/>
-    <ds:schemaRef ds:uri="http://www.w3.org/XML/1998/namespace"/>
-    <ds:schemaRef ds:uri="http://schemas.openxmlformats.org/package/2006/metadata/core-properties"/>
-    <ds:schemaRef ds:uri="http://schemas.microsoft.com/office/2006/documentManagement/types"/>
-    <ds:schemaRef ds:uri="http://purl.org/dc/elements/1.1/"/>
-    <ds:schemaRef ds:uri="27aa9422-7f1f-4c84-9cdf-302b1a67e513"/>
-    <ds:schemaRef ds:uri="http://schemas.microsoft.com/office/2006/metadata/properties"/>
-    <ds:schemaRef ds:uri="http://schemas.microsoft.com/office/infopath/2007/PartnerControls"/>
-    <ds:schemaRef ds:uri="230e9df3-be65-4c73-a93b-d1236ebd677e"/>
-  </ds:schemaRefs>
-</ds:datastoreItem>
-</file>
-
-<file path=customXml/itemProps2.xml><?xml version="1.0" encoding="utf-8"?>
 <ds:datastoreItem xmlns:ds="http://schemas.openxmlformats.org/officeDocument/2006/customXml" ds:itemID="{B8E57EAE-DEC5-48ED-98EA-03E186D6E9F9}">
   <ds:schemaRefs>
     <ds:schemaRef ds:uri="http://schemas.microsoft.com/office/2006/metadata/contentType"/>
@@ -9201,6 +10059,24 @@
 </ds:datastoreItem>
 </file>
 
+<file path=customXml/itemProps2.xml><?xml version="1.0" encoding="utf-8"?>
+<ds:datastoreItem xmlns:ds="http://schemas.openxmlformats.org/officeDocument/2006/customXml" ds:itemID="{7025FDD9-4C58-4084-9F89-0E6ADD6FFF55}">
+  <ds:schemaRefs>
+    <ds:schemaRef ds:uri="http://schemas.microsoft.com/sharepoint/v3"/>
+    <ds:schemaRef ds:uri="http://purl.org/dc/dcmitype/"/>
+    <ds:schemaRef ds:uri="http://purl.org/dc/terms/"/>
+    <ds:schemaRef ds:uri="http://www.w3.org/XML/1998/namespace"/>
+    <ds:schemaRef ds:uri="http://schemas.openxmlformats.org/package/2006/metadata/core-properties"/>
+    <ds:schemaRef ds:uri="http://schemas.microsoft.com/office/2006/documentManagement/types"/>
+    <ds:schemaRef ds:uri="http://purl.org/dc/elements/1.1/"/>
+    <ds:schemaRef ds:uri="27aa9422-7f1f-4c84-9cdf-302b1a67e513"/>
+    <ds:schemaRef ds:uri="http://schemas.microsoft.com/office/2006/metadata/properties"/>
+    <ds:schemaRef ds:uri="http://schemas.microsoft.com/office/infopath/2007/PartnerControls"/>
+    <ds:schemaRef ds:uri="230e9df3-be65-4c73-a93b-d1236ebd677e"/>
+  </ds:schemaRefs>
+</ds:datastoreItem>
+</file>
+
 <file path=customXml/itemProps3.xml><?xml version="1.0" encoding="utf-8"?>
 <ds:datastoreItem xmlns:ds="http://schemas.openxmlformats.org/officeDocument/2006/customXml" ds:itemID="{B0CA13EC-1D3C-4D6F-8D1C-E8A452CFC79A}">
   <ds:schemaRefs>

--- a/Presentation Materials/MVA-ApplicationsOnAzure-07.pptx
+++ b/Presentation Materials/MVA-ApplicationsOnAzure-07.pptx
@@ -5422,6 +5422,13 @@
   <p:clrMapOvr>
     <a:masterClrMapping/>
   </p:clrMapOvr>
+  <p:timing>
+    <p:tnLst>
+      <p:par>
+        <p:cTn id="1" dur="indefinite" restart="never" nodeType="tmRoot"/>
+      </p:par>
+    </p:tnLst>
+  </p:timing>
 </p:sld>
 </file>
 
@@ -5525,7 +5532,275 @@
   <p:timing>
     <p:tnLst>
       <p:par>
-        <p:cTn id="1" dur="indefinite" restart="never" nodeType="tmRoot"/>
+        <p:cTn id="1" dur="indefinite" restart="never" nodeType="tmRoot">
+          <p:childTnLst>
+            <p:seq concurrent="1" nextAc="seek">
+              <p:cTn id="2" dur="indefinite" nodeType="mainSeq">
+                <p:childTnLst>
+                  <p:par>
+                    <p:cTn id="3" fill="hold">
+                      <p:stCondLst>
+                        <p:cond delay="indefinite"/>
+                      </p:stCondLst>
+                      <p:childTnLst>
+                        <p:par>
+                          <p:cTn id="4" fill="hold">
+                            <p:stCondLst>
+                              <p:cond delay="0"/>
+                            </p:stCondLst>
+                            <p:childTnLst>
+                              <p:par>
+                                <p:cTn id="5" presetID="1" presetClass="entr" presetSubtype="0" fill="hold" nodeType="clickEffect">
+                                  <p:stCondLst>
+                                    <p:cond delay="0"/>
+                                  </p:stCondLst>
+                                  <p:childTnLst>
+                                    <p:set>
+                                      <p:cBhvr>
+                                        <p:cTn id="6" dur="1" fill="hold">
+                                          <p:stCondLst>
+                                            <p:cond delay="0"/>
+                                          </p:stCondLst>
+                                        </p:cTn>
+                                        <p:tgtEl>
+                                          <p:spTgt spid="3">
+                                            <p:txEl>
+                                              <p:pRg st="0" end="0"/>
+                                            </p:txEl>
+                                          </p:spTgt>
+                                        </p:tgtEl>
+                                        <p:attrNameLst>
+                                          <p:attrName>style.visibility</p:attrName>
+                                        </p:attrNameLst>
+                                      </p:cBhvr>
+                                      <p:to>
+                                        <p:strVal val="visible"/>
+                                      </p:to>
+                                    </p:set>
+                                  </p:childTnLst>
+                                </p:cTn>
+                              </p:par>
+                            </p:childTnLst>
+                          </p:cTn>
+                        </p:par>
+                      </p:childTnLst>
+                    </p:cTn>
+                  </p:par>
+                  <p:par>
+                    <p:cTn id="7" fill="hold">
+                      <p:stCondLst>
+                        <p:cond delay="indefinite"/>
+                      </p:stCondLst>
+                      <p:childTnLst>
+                        <p:par>
+                          <p:cTn id="8" fill="hold">
+                            <p:stCondLst>
+                              <p:cond delay="0"/>
+                            </p:stCondLst>
+                            <p:childTnLst>
+                              <p:par>
+                                <p:cTn id="9" presetID="1" presetClass="entr" presetSubtype="0" fill="hold" nodeType="clickEffect">
+                                  <p:stCondLst>
+                                    <p:cond delay="0"/>
+                                  </p:stCondLst>
+                                  <p:childTnLst>
+                                    <p:set>
+                                      <p:cBhvr>
+                                        <p:cTn id="10" dur="1" fill="hold">
+                                          <p:stCondLst>
+                                            <p:cond delay="0"/>
+                                          </p:stCondLst>
+                                        </p:cTn>
+                                        <p:tgtEl>
+                                          <p:spTgt spid="3">
+                                            <p:txEl>
+                                              <p:pRg st="1" end="1"/>
+                                            </p:txEl>
+                                          </p:spTgt>
+                                        </p:tgtEl>
+                                        <p:attrNameLst>
+                                          <p:attrName>style.visibility</p:attrName>
+                                        </p:attrNameLst>
+                                      </p:cBhvr>
+                                      <p:to>
+                                        <p:strVal val="visible"/>
+                                      </p:to>
+                                    </p:set>
+                                  </p:childTnLst>
+                                </p:cTn>
+                              </p:par>
+                            </p:childTnLst>
+                          </p:cTn>
+                        </p:par>
+                      </p:childTnLst>
+                    </p:cTn>
+                  </p:par>
+                  <p:par>
+                    <p:cTn id="11" fill="hold">
+                      <p:stCondLst>
+                        <p:cond delay="indefinite"/>
+                      </p:stCondLst>
+                      <p:childTnLst>
+                        <p:par>
+                          <p:cTn id="12" fill="hold">
+                            <p:stCondLst>
+                              <p:cond delay="0"/>
+                            </p:stCondLst>
+                            <p:childTnLst>
+                              <p:par>
+                                <p:cTn id="13" presetID="1" presetClass="entr" presetSubtype="0" fill="hold" nodeType="clickEffect">
+                                  <p:stCondLst>
+                                    <p:cond delay="0"/>
+                                  </p:stCondLst>
+                                  <p:childTnLst>
+                                    <p:set>
+                                      <p:cBhvr>
+                                        <p:cTn id="14" dur="1" fill="hold">
+                                          <p:stCondLst>
+                                            <p:cond delay="0"/>
+                                          </p:stCondLst>
+                                        </p:cTn>
+                                        <p:tgtEl>
+                                          <p:spTgt spid="3">
+                                            <p:txEl>
+                                              <p:pRg st="2" end="2"/>
+                                            </p:txEl>
+                                          </p:spTgt>
+                                        </p:tgtEl>
+                                        <p:attrNameLst>
+                                          <p:attrName>style.visibility</p:attrName>
+                                        </p:attrNameLst>
+                                      </p:cBhvr>
+                                      <p:to>
+                                        <p:strVal val="visible"/>
+                                      </p:to>
+                                    </p:set>
+                                  </p:childTnLst>
+                                </p:cTn>
+                              </p:par>
+                            </p:childTnLst>
+                          </p:cTn>
+                        </p:par>
+                      </p:childTnLst>
+                    </p:cTn>
+                  </p:par>
+                  <p:par>
+                    <p:cTn id="15" fill="hold">
+                      <p:stCondLst>
+                        <p:cond delay="indefinite"/>
+                      </p:stCondLst>
+                      <p:childTnLst>
+                        <p:par>
+                          <p:cTn id="16" fill="hold">
+                            <p:stCondLst>
+                              <p:cond delay="0"/>
+                            </p:stCondLst>
+                            <p:childTnLst>
+                              <p:par>
+                                <p:cTn id="17" presetID="1" presetClass="entr" presetSubtype="0" fill="hold" nodeType="clickEffect">
+                                  <p:stCondLst>
+                                    <p:cond delay="0"/>
+                                  </p:stCondLst>
+                                  <p:childTnLst>
+                                    <p:set>
+                                      <p:cBhvr>
+                                        <p:cTn id="18" dur="1" fill="hold">
+                                          <p:stCondLst>
+                                            <p:cond delay="0"/>
+                                          </p:stCondLst>
+                                        </p:cTn>
+                                        <p:tgtEl>
+                                          <p:spTgt spid="3">
+                                            <p:txEl>
+                                              <p:pRg st="3" end="3"/>
+                                            </p:txEl>
+                                          </p:spTgt>
+                                        </p:tgtEl>
+                                        <p:attrNameLst>
+                                          <p:attrName>style.visibility</p:attrName>
+                                        </p:attrNameLst>
+                                      </p:cBhvr>
+                                      <p:to>
+                                        <p:strVal val="visible"/>
+                                      </p:to>
+                                    </p:set>
+                                  </p:childTnLst>
+                                </p:cTn>
+                              </p:par>
+                            </p:childTnLst>
+                          </p:cTn>
+                        </p:par>
+                      </p:childTnLst>
+                    </p:cTn>
+                  </p:par>
+                  <p:par>
+                    <p:cTn id="19" fill="hold">
+                      <p:stCondLst>
+                        <p:cond delay="indefinite"/>
+                      </p:stCondLst>
+                      <p:childTnLst>
+                        <p:par>
+                          <p:cTn id="20" fill="hold">
+                            <p:stCondLst>
+                              <p:cond delay="0"/>
+                            </p:stCondLst>
+                            <p:childTnLst>
+                              <p:par>
+                                <p:cTn id="21" presetID="1" presetClass="entr" presetSubtype="0" fill="hold" nodeType="clickEffect">
+                                  <p:stCondLst>
+                                    <p:cond delay="0"/>
+                                  </p:stCondLst>
+                                  <p:childTnLst>
+                                    <p:set>
+                                      <p:cBhvr>
+                                        <p:cTn id="22" dur="1" fill="hold">
+                                          <p:stCondLst>
+                                            <p:cond delay="0"/>
+                                          </p:stCondLst>
+                                        </p:cTn>
+                                        <p:tgtEl>
+                                          <p:spTgt spid="3">
+                                            <p:txEl>
+                                              <p:pRg st="4" end="4"/>
+                                            </p:txEl>
+                                          </p:spTgt>
+                                        </p:tgtEl>
+                                        <p:attrNameLst>
+                                          <p:attrName>style.visibility</p:attrName>
+                                        </p:attrNameLst>
+                                      </p:cBhvr>
+                                      <p:to>
+                                        <p:strVal val="visible"/>
+                                      </p:to>
+                                    </p:set>
+                                  </p:childTnLst>
+                                </p:cTn>
+                              </p:par>
+                            </p:childTnLst>
+                          </p:cTn>
+                        </p:par>
+                      </p:childTnLst>
+                    </p:cTn>
+                  </p:par>
+                </p:childTnLst>
+              </p:cTn>
+              <p:prevCondLst>
+                <p:cond evt="onPrev" delay="0">
+                  <p:tgtEl>
+                    <p:sldTgt/>
+                  </p:tgtEl>
+                </p:cond>
+              </p:prevCondLst>
+              <p:nextCondLst>
+                <p:cond evt="onNext" delay="0">
+                  <p:tgtEl>
+                    <p:sldTgt/>
+                  </p:tgtEl>
+                </p:cond>
+              </p:nextCondLst>
+            </p:seq>
+          </p:childTnLst>
+        </p:cTn>
       </p:par>
     </p:tnLst>
   </p:timing>
@@ -5582,6 +5857,13 @@
   <p:clrMapOvr>
     <a:masterClrMapping/>
   </p:clrMapOvr>
+  <p:timing>
+    <p:tnLst>
+      <p:par>
+        <p:cTn id="1" dur="indefinite" restart="never" nodeType="tmRoot"/>
+      </p:par>
+    </p:tnLst>
+  </p:timing>
 </p:sld>
 </file>
 
@@ -5992,14 +6274,14 @@
                 <a:gridCol w="5762625">
                   <a:extLst>
                     <a:ext uri="{9D8B030D-6E8A-4147-A177-3AD203B41FA5}">
-                      <a16:colId xmlns="" xmlns:a16="http://schemas.microsoft.com/office/drawing/2014/main" val="1632794655"/>
+                      <a16:colId xmlns:a16="http://schemas.microsoft.com/office/drawing/2014/main" xmlns="" val="1632794655"/>
                     </a:ext>
                   </a:extLst>
                 </a:gridCol>
                 <a:gridCol w="5762625">
                   <a:extLst>
                     <a:ext uri="{9D8B030D-6E8A-4147-A177-3AD203B41FA5}">
-                      <a16:colId xmlns="" xmlns:a16="http://schemas.microsoft.com/office/drawing/2014/main" val="2011313899"/>
+                      <a16:colId xmlns:a16="http://schemas.microsoft.com/office/drawing/2014/main" xmlns="" val="2011313899"/>
                     </a:ext>
                   </a:extLst>
                 </a:gridCol>
@@ -6044,7 +6326,7 @@
                 </a:tc>
                 <a:extLst>
                   <a:ext uri="{0D108BD9-81ED-4DB2-BD59-A6C34878D82A}">
-                    <a16:rowId xmlns="" xmlns:a16="http://schemas.microsoft.com/office/drawing/2014/main" val="1789177411"/>
+                    <a16:rowId xmlns:a16="http://schemas.microsoft.com/office/drawing/2014/main" xmlns="" val="1789177411"/>
                   </a:ext>
                 </a:extLst>
               </a:tr>
@@ -6115,7 +6397,7 @@
                 </a:tc>
                 <a:extLst>
                   <a:ext uri="{0D108BD9-81ED-4DB2-BD59-A6C34878D82A}">
-                    <a16:rowId xmlns="" xmlns:a16="http://schemas.microsoft.com/office/drawing/2014/main" val="3842815335"/>
+                    <a16:rowId xmlns:a16="http://schemas.microsoft.com/office/drawing/2014/main" xmlns="" val="3842815335"/>
                   </a:ext>
                 </a:extLst>
               </a:tr>
@@ -6172,7 +6454,7 @@
                 </a:tc>
                 <a:extLst>
                   <a:ext uri="{0D108BD9-81ED-4DB2-BD59-A6C34878D82A}">
-                    <a16:rowId xmlns="" xmlns:a16="http://schemas.microsoft.com/office/drawing/2014/main" val="321066646"/>
+                    <a16:rowId xmlns:a16="http://schemas.microsoft.com/office/drawing/2014/main" xmlns="" val="321066646"/>
                   </a:ext>
                 </a:extLst>
               </a:tr>
@@ -6243,7 +6525,7 @@
                 </a:tc>
                 <a:extLst>
                   <a:ext uri="{0D108BD9-81ED-4DB2-BD59-A6C34878D82A}">
-                    <a16:rowId xmlns="" xmlns:a16="http://schemas.microsoft.com/office/drawing/2014/main" val="3812060533"/>
+                    <a16:rowId xmlns:a16="http://schemas.microsoft.com/office/drawing/2014/main" xmlns="" val="3812060533"/>
                   </a:ext>
                 </a:extLst>
               </a:tr>
@@ -6290,7 +6572,7 @@
                 </a:tc>
                 <a:extLst>
                   <a:ext uri="{0D108BD9-81ED-4DB2-BD59-A6C34878D82A}">
-                    <a16:rowId xmlns="" xmlns:a16="http://schemas.microsoft.com/office/drawing/2014/main" val="733235577"/>
+                    <a16:rowId xmlns:a16="http://schemas.microsoft.com/office/drawing/2014/main" xmlns="" val="733235577"/>
                   </a:ext>
                 </a:extLst>
               </a:tr>
@@ -6308,11 +6590,11 @@
   <p:clrMapOvr>
     <a:masterClrMapping/>
   </p:clrMapOvr>
-  <mc:AlternateContent xmlns:mc="http://schemas.openxmlformats.org/markup-compatibility/2006">
-    <mc:Choice xmlns:p14="http://schemas.microsoft.com/office/powerpoint/2010/main" Requires="p14">
+  <mc:AlternateContent xmlns:mc="http://schemas.openxmlformats.org/markup-compatibility/2006" xmlns:p14="http://schemas.microsoft.com/office/powerpoint/2010/main">
+    <mc:Choice Requires="p14">
       <p:transition spd="slow" p14:dur="2000"/>
     </mc:Choice>
-    <mc:Fallback>
+    <mc:Fallback xmlns="">
       <p:transition spd="slow"/>
     </mc:Fallback>
   </mc:AlternateContent>
@@ -6398,14 +6680,14 @@
                 <a:gridCol w="5762625">
                   <a:extLst>
                     <a:ext uri="{9D8B030D-6E8A-4147-A177-3AD203B41FA5}">
-                      <a16:colId xmlns="" xmlns:a16="http://schemas.microsoft.com/office/drawing/2014/main" val="1632794655"/>
+                      <a16:colId xmlns:a16="http://schemas.microsoft.com/office/drawing/2014/main" xmlns="" val="1632794655"/>
                     </a:ext>
                   </a:extLst>
                 </a:gridCol>
                 <a:gridCol w="5762625">
                   <a:extLst>
                     <a:ext uri="{9D8B030D-6E8A-4147-A177-3AD203B41FA5}">
-                      <a16:colId xmlns="" xmlns:a16="http://schemas.microsoft.com/office/drawing/2014/main" val="2011313899"/>
+                      <a16:colId xmlns:a16="http://schemas.microsoft.com/office/drawing/2014/main" xmlns="" val="2011313899"/>
                     </a:ext>
                   </a:extLst>
                 </a:gridCol>
@@ -6450,7 +6732,7 @@
                 </a:tc>
                 <a:extLst>
                   <a:ext uri="{0D108BD9-81ED-4DB2-BD59-A6C34878D82A}">
-                    <a16:rowId xmlns="" xmlns:a16="http://schemas.microsoft.com/office/drawing/2014/main" val="1789177411"/>
+                    <a16:rowId xmlns:a16="http://schemas.microsoft.com/office/drawing/2014/main" xmlns="" val="1789177411"/>
                   </a:ext>
                 </a:extLst>
               </a:tr>
@@ -6521,7 +6803,7 @@
                 </a:tc>
                 <a:extLst>
                   <a:ext uri="{0D108BD9-81ED-4DB2-BD59-A6C34878D82A}">
-                    <a16:rowId xmlns="" xmlns:a16="http://schemas.microsoft.com/office/drawing/2014/main" val="3842815335"/>
+                    <a16:rowId xmlns:a16="http://schemas.microsoft.com/office/drawing/2014/main" xmlns="" val="3842815335"/>
                   </a:ext>
                 </a:extLst>
               </a:tr>
@@ -6578,7 +6860,7 @@
                 </a:tc>
                 <a:extLst>
                   <a:ext uri="{0D108BD9-81ED-4DB2-BD59-A6C34878D82A}">
-                    <a16:rowId xmlns="" xmlns:a16="http://schemas.microsoft.com/office/drawing/2014/main" val="321066646"/>
+                    <a16:rowId xmlns:a16="http://schemas.microsoft.com/office/drawing/2014/main" xmlns="" val="321066646"/>
                   </a:ext>
                 </a:extLst>
               </a:tr>
@@ -6649,7 +6931,7 @@
                 </a:tc>
                 <a:extLst>
                   <a:ext uri="{0D108BD9-81ED-4DB2-BD59-A6C34878D82A}">
-                    <a16:rowId xmlns="" xmlns:a16="http://schemas.microsoft.com/office/drawing/2014/main" val="3812060533"/>
+                    <a16:rowId xmlns:a16="http://schemas.microsoft.com/office/drawing/2014/main" xmlns="" val="3812060533"/>
                   </a:ext>
                 </a:extLst>
               </a:tr>
@@ -6696,7 +6978,7 @@
                 </a:tc>
                 <a:extLst>
                   <a:ext uri="{0D108BD9-81ED-4DB2-BD59-A6C34878D82A}">
-                    <a16:rowId xmlns="" xmlns:a16="http://schemas.microsoft.com/office/drawing/2014/main" val="733235577"/>
+                    <a16:rowId xmlns:a16="http://schemas.microsoft.com/office/drawing/2014/main" xmlns="" val="733235577"/>
                   </a:ext>
                 </a:extLst>
               </a:tr>
@@ -6714,11 +6996,11 @@
   <p:clrMapOvr>
     <a:masterClrMapping/>
   </p:clrMapOvr>
-  <mc:AlternateContent xmlns:mc="http://schemas.openxmlformats.org/markup-compatibility/2006">
-    <mc:Choice xmlns:p14="http://schemas.microsoft.com/office/powerpoint/2010/main" Requires="p14">
+  <mc:AlternateContent xmlns:mc="http://schemas.openxmlformats.org/markup-compatibility/2006" xmlns:p14="http://schemas.microsoft.com/office/powerpoint/2010/main">
+    <mc:Choice Requires="p14">
       <p:transition spd="slow" p14:dur="2000"/>
     </mc:Choice>
-    <mc:Fallback>
+    <mc:Fallback xmlns="">
       <p:transition spd="slow"/>
     </mc:Fallback>
   </mc:AlternateContent>
@@ -6801,6 +7083,13 @@
   <p:clrMapOvr>
     <a:masterClrMapping/>
   </p:clrMapOvr>
+  <p:timing>
+    <p:tnLst>
+      <p:par>
+        <p:cTn id="1" dur="indefinite" restart="never" nodeType="tmRoot"/>
+      </p:par>
+    </p:tnLst>
+  </p:timing>
 </p:sld>
 </file>
 
@@ -6970,6 +7259,13 @@
   <p:clrMapOvr>
     <a:masterClrMapping/>
   </p:clrMapOvr>
+  <p:timing>
+    <p:tnLst>
+      <p:par>
+        <p:cTn id="1" dur="indefinite" restart="never" nodeType="tmRoot"/>
+      </p:par>
+    </p:tnLst>
+  </p:timing>
 </p:sld>
 </file>
 
@@ -8969,6 +9265,13 @@
   <p:clrMapOvr>
     <a:masterClrMapping/>
   </p:clrMapOvr>
+  <p:timing>
+    <p:tnLst>
+      <p:par>
+        <p:cTn id="1" dur="indefinite" restart="never" nodeType="tmRoot"/>
+      </p:par>
+    </p:tnLst>
+  </p:timing>
 </p:sld>
 </file>
 
@@ -9780,6 +10083,58 @@
 </file>
 
 <file path=customXml/item1.xml><?xml version="1.0" encoding="utf-8"?>
+<?mso-contentType ?>
+<FormTemplates xmlns="http://schemas.microsoft.com/sharepoint/v3/contenttype/forms">
+  <Display>DocumentLibraryForm</Display>
+  <Edit>DocumentLibraryForm</Edit>
+  <New>DocumentLibraryForm</New>
+</FormTemplates>
+</file>
+
+<file path=customXml/item2.xml><?xml version="1.0" encoding="utf-8"?>
+<p:properties xmlns:p="http://schemas.microsoft.com/office/2006/metadata/properties" xmlns:xsi="http://www.w3.org/2001/XMLSchema-instance" xmlns:pc="http://schemas.microsoft.com/office/infopath/2007/PartnerControls">
+  <documentManagement>
+    <TaxCatchAll xmlns="230e9df3-be65-4c73-a93b-d1236ebd677e"/>
+    <PublishingExpirationDate xmlns="http://schemas.microsoft.com/sharepoint/v3" xsi:nil="true"/>
+    <PublishingStartDate xmlns="http://schemas.microsoft.com/sharepoint/v3" xsi:nil="true"/>
+    <TaxKeywordTaxHTField xmlns="230e9df3-be65-4c73-a93b-d1236ebd677e">
+      <Terms xmlns="http://schemas.microsoft.com/office/infopath/2007/PartnerControls"/>
+    </TaxKeywordTaxHTField>
+    <SharedWithUsers xmlns="27aa9422-7f1f-4c84-9cdf-302b1a67e513">
+      <UserInfo>
+        <DisplayName>Shriram Natarajan (SHRI)</DisplayName>
+        <AccountId>3899</AccountId>
+        <AccountType/>
+      </UserInfo>
+      <UserInfo>
+        <DisplayName>Andrew Nickels</DisplayName>
+        <AccountId>24014</AccountId>
+        <AccountType/>
+      </UserInfo>
+      <UserInfo>
+        <DisplayName>Steven Goddard (WSSC)</DisplayName>
+        <AccountId>29711</AccountId>
+        <AccountType/>
+      </UserInfo>
+      <UserInfo>
+        <DisplayName>Jim Clark (LEARNING)</DisplayName>
+        <AccountId>86</AccountId>
+        <AccountType/>
+      </UserInfo>
+      <UserInfo>
+        <DisplayName>Vijay Kumar</DisplayName>
+        <AccountId>53758</AccountId>
+        <AccountType/>
+      </UserInfo>
+    </SharedWithUsers>
+    <SharingHintHash xmlns="27aa9422-7f1f-4c84-9cdf-302b1a67e513">1366665793</SharingHintHash>
+    <_ip_UnifiedCompliancePolicyUIAction xmlns="http://schemas.microsoft.com/sharepoint/v3" xsi:nil="true"/>
+    <_ip_UnifiedCompliancePolicyProperties xmlns="http://schemas.microsoft.com/sharepoint/v3" xsi:nil="true"/>
+  </documentManagement>
+</p:properties>
+</file>
+
+<file path=customXml/item3.xml><?xml version="1.0" encoding="utf-8"?>
 <ct:contentTypeSchema xmlns:ct="http://schemas.microsoft.com/office/2006/metadata/contentType" xmlns:ma="http://schemas.microsoft.com/office/2006/metadata/properties/metaAttributes" ct:_="" ma:_="" ma:contentTypeName="Document" ma:contentTypeID="0x010100496889825850D44592AC5D2F43187AE4" ma:contentTypeVersion="9" ma:contentTypeDescription="Create a new document." ma:contentTypeScope="" ma:versionID="fa7e7aa81c9af57d0e724452ff5695cd">
   <xsd:schema xmlns:xsd="http://www.w3.org/2001/XMLSchema" xmlns:xs="http://www.w3.org/2001/XMLSchema" xmlns:p="http://schemas.microsoft.com/office/2006/metadata/properties" xmlns:ns1="http://schemas.microsoft.com/sharepoint/v3" xmlns:ns2="230e9df3-be65-4c73-a93b-d1236ebd677e" xmlns:ns3="27aa9422-7f1f-4c84-9cdf-302b1a67e513" targetNamespace="http://schemas.microsoft.com/office/2006/metadata/properties" ma:root="true" ma:fieldsID="ef7d28e69d816f0a5e355ee49f463c96" ns1:_="" ns2:_="" ns3:_="">
     <xsd:import namespace="http://schemas.microsoft.com/sharepoint/v3"/>
@@ -9987,59 +10342,33 @@
 </ct:contentTypeSchema>
 </file>
 
-<file path=customXml/item2.xml><?xml version="1.0" encoding="utf-8"?>
-<p:properties xmlns:p="http://schemas.microsoft.com/office/2006/metadata/properties" xmlns:xsi="http://www.w3.org/2001/XMLSchema-instance" xmlns:pc="http://schemas.microsoft.com/office/infopath/2007/PartnerControls">
-  <documentManagement>
-    <TaxCatchAll xmlns="230e9df3-be65-4c73-a93b-d1236ebd677e"/>
-    <PublishingExpirationDate xmlns="http://schemas.microsoft.com/sharepoint/v3" xsi:nil="true"/>
-    <PublishingStartDate xmlns="http://schemas.microsoft.com/sharepoint/v3" xsi:nil="true"/>
-    <TaxKeywordTaxHTField xmlns="230e9df3-be65-4c73-a93b-d1236ebd677e">
-      <Terms xmlns="http://schemas.microsoft.com/office/infopath/2007/PartnerControls"/>
-    </TaxKeywordTaxHTField>
-    <SharedWithUsers xmlns="27aa9422-7f1f-4c84-9cdf-302b1a67e513">
-      <UserInfo>
-        <DisplayName>Shriram Natarajan (SHRI)</DisplayName>
-        <AccountId>3899</AccountId>
-        <AccountType/>
-      </UserInfo>
-      <UserInfo>
-        <DisplayName>Andrew Nickels</DisplayName>
-        <AccountId>24014</AccountId>
-        <AccountType/>
-      </UserInfo>
-      <UserInfo>
-        <DisplayName>Steven Goddard (WSSC)</DisplayName>
-        <AccountId>29711</AccountId>
-        <AccountType/>
-      </UserInfo>
-      <UserInfo>
-        <DisplayName>Jim Clark (LEARNING)</DisplayName>
-        <AccountId>86</AccountId>
-        <AccountType/>
-      </UserInfo>
-      <UserInfo>
-        <DisplayName>Vijay Kumar</DisplayName>
-        <AccountId>53758</AccountId>
-        <AccountType/>
-      </UserInfo>
-    </SharedWithUsers>
-    <SharingHintHash xmlns="27aa9422-7f1f-4c84-9cdf-302b1a67e513">1366665793</SharingHintHash>
-    <_ip_UnifiedCompliancePolicyUIAction xmlns="http://schemas.microsoft.com/sharepoint/v3" xsi:nil="true"/>
-    <_ip_UnifiedCompliancePolicyProperties xmlns="http://schemas.microsoft.com/sharepoint/v3" xsi:nil="true"/>
-  </documentManagement>
-</p:properties>
+<file path=customXml/itemProps1.xml><?xml version="1.0" encoding="utf-8"?>
+<ds:datastoreItem xmlns:ds="http://schemas.openxmlformats.org/officeDocument/2006/customXml" ds:itemID="{B0CA13EC-1D3C-4D6F-8D1C-E8A452CFC79A}">
+  <ds:schemaRefs>
+    <ds:schemaRef ds:uri="http://schemas.microsoft.com/sharepoint/v3/contenttype/forms"/>
+  </ds:schemaRefs>
+</ds:datastoreItem>
 </file>
 
-<file path=customXml/item3.xml><?xml version="1.0" encoding="utf-8"?>
-<?mso-contentType ?>
-<FormTemplates xmlns="http://schemas.microsoft.com/sharepoint/v3/contenttype/forms">
-  <Display>DocumentLibraryForm</Display>
-  <Edit>DocumentLibraryForm</Edit>
-  <New>DocumentLibraryForm</New>
-</FormTemplates>
+<file path=customXml/itemProps2.xml><?xml version="1.0" encoding="utf-8"?>
+<ds:datastoreItem xmlns:ds="http://schemas.openxmlformats.org/officeDocument/2006/customXml" ds:itemID="{7025FDD9-4C58-4084-9F89-0E6ADD6FFF55}">
+  <ds:schemaRefs>
+    <ds:schemaRef ds:uri="http://purl.org/dc/terms/"/>
+    <ds:schemaRef ds:uri="http://schemas.microsoft.com/office/2006/metadata/properties"/>
+    <ds:schemaRef ds:uri="http://purl.org/dc/dcmitype/"/>
+    <ds:schemaRef ds:uri="http://purl.org/dc/elements/1.1/"/>
+    <ds:schemaRef ds:uri="http://schemas.microsoft.com/office/2006/documentManagement/types"/>
+    <ds:schemaRef ds:uri="http://schemas.openxmlformats.org/package/2006/metadata/core-properties"/>
+    <ds:schemaRef ds:uri="http://schemas.microsoft.com/office/infopath/2007/PartnerControls"/>
+    <ds:schemaRef ds:uri="27aa9422-7f1f-4c84-9cdf-302b1a67e513"/>
+    <ds:schemaRef ds:uri="230e9df3-be65-4c73-a93b-d1236ebd677e"/>
+    <ds:schemaRef ds:uri="http://schemas.microsoft.com/sharepoint/v3"/>
+    <ds:schemaRef ds:uri="http://www.w3.org/XML/1998/namespace"/>
+  </ds:schemaRefs>
+</ds:datastoreItem>
 </file>
 
-<file path=customXml/itemProps1.xml><?xml version="1.0" encoding="utf-8"?>
+<file path=customXml/itemProps3.xml><?xml version="1.0" encoding="utf-8"?>
 <ds:datastoreItem xmlns:ds="http://schemas.openxmlformats.org/officeDocument/2006/customXml" ds:itemID="{B8E57EAE-DEC5-48ED-98EA-03E186D6E9F9}">
   <ds:schemaRefs>
     <ds:schemaRef ds:uri="http://schemas.microsoft.com/office/2006/metadata/contentType"/>
@@ -10057,30 +10386,4 @@
     <ds:schemaRef ds:uri="http://schemas.microsoft.com/internal/obd"/>
   </ds:schemaRefs>
 </ds:datastoreItem>
-</file>
-
-<file path=customXml/itemProps2.xml><?xml version="1.0" encoding="utf-8"?>
-<ds:datastoreItem xmlns:ds="http://schemas.openxmlformats.org/officeDocument/2006/customXml" ds:itemID="{7025FDD9-4C58-4084-9F89-0E6ADD6FFF55}">
-  <ds:schemaRefs>
-    <ds:schemaRef ds:uri="http://schemas.microsoft.com/sharepoint/v3"/>
-    <ds:schemaRef ds:uri="http://purl.org/dc/dcmitype/"/>
-    <ds:schemaRef ds:uri="http://purl.org/dc/terms/"/>
-    <ds:schemaRef ds:uri="http://www.w3.org/XML/1998/namespace"/>
-    <ds:schemaRef ds:uri="http://schemas.openxmlformats.org/package/2006/metadata/core-properties"/>
-    <ds:schemaRef ds:uri="http://schemas.microsoft.com/office/2006/documentManagement/types"/>
-    <ds:schemaRef ds:uri="http://purl.org/dc/elements/1.1/"/>
-    <ds:schemaRef ds:uri="27aa9422-7f1f-4c84-9cdf-302b1a67e513"/>
-    <ds:schemaRef ds:uri="http://schemas.microsoft.com/office/2006/metadata/properties"/>
-    <ds:schemaRef ds:uri="http://schemas.microsoft.com/office/infopath/2007/PartnerControls"/>
-    <ds:schemaRef ds:uri="230e9df3-be65-4c73-a93b-d1236ebd677e"/>
-  </ds:schemaRefs>
-</ds:datastoreItem>
-</file>
-
-<file path=customXml/itemProps3.xml><?xml version="1.0" encoding="utf-8"?>
-<ds:datastoreItem xmlns:ds="http://schemas.openxmlformats.org/officeDocument/2006/customXml" ds:itemID="{B0CA13EC-1D3C-4D6F-8D1C-E8A452CFC79A}">
-  <ds:schemaRefs>
-    <ds:schemaRef ds:uri="http://schemas.microsoft.com/sharepoint/v3/contenttype/forms"/>
-  </ds:schemaRefs>
-</ds:datastoreItem>
 </file>